--- a/exp1/script/testing/timelineTesting.pptx
+++ b/exp1/script/testing/timelineTesting.pptx
@@ -6,6 +6,7 @@
   </p:sldMasterIdLst>
   <p:sldIdLst>
     <p:sldId id="256" r:id="rId2"/>
+    <p:sldId id="257" r:id="rId3"/>
   </p:sldIdLst>
   <p:sldSz cx="12192000" cy="6858000"/>
   <p:notesSz cx="6858000" cy="9144000"/>
@@ -261,7 +262,7 @@
           <a:p>
             <a:fld id="{B1B915C8-2E81-429A-BD90-45E424FDD57F}" type="datetimeFigureOut">
               <a:rPr lang="en-GB" smtClean="0"/>
-              <a:t>23/03/2020</a:t>
+              <a:t>27/03/2020</a:t>
             </a:fld>
             <a:endParaRPr lang="en-GB"/>
           </a:p>
@@ -461,7 +462,7 @@
           <a:p>
             <a:fld id="{B1B915C8-2E81-429A-BD90-45E424FDD57F}" type="datetimeFigureOut">
               <a:rPr lang="en-GB" smtClean="0"/>
-              <a:t>23/03/2020</a:t>
+              <a:t>27/03/2020</a:t>
             </a:fld>
             <a:endParaRPr lang="en-GB"/>
           </a:p>
@@ -671,7 +672,7 @@
           <a:p>
             <a:fld id="{B1B915C8-2E81-429A-BD90-45E424FDD57F}" type="datetimeFigureOut">
               <a:rPr lang="en-GB" smtClean="0"/>
-              <a:t>23/03/2020</a:t>
+              <a:t>27/03/2020</a:t>
             </a:fld>
             <a:endParaRPr lang="en-GB"/>
           </a:p>
@@ -871,7 +872,7 @@
           <a:p>
             <a:fld id="{B1B915C8-2E81-429A-BD90-45E424FDD57F}" type="datetimeFigureOut">
               <a:rPr lang="en-GB" smtClean="0"/>
-              <a:t>23/03/2020</a:t>
+              <a:t>27/03/2020</a:t>
             </a:fld>
             <a:endParaRPr lang="en-GB"/>
           </a:p>
@@ -1147,7 +1148,7 @@
           <a:p>
             <a:fld id="{B1B915C8-2E81-429A-BD90-45E424FDD57F}" type="datetimeFigureOut">
               <a:rPr lang="en-GB" smtClean="0"/>
-              <a:t>23/03/2020</a:t>
+              <a:t>27/03/2020</a:t>
             </a:fld>
             <a:endParaRPr lang="en-GB"/>
           </a:p>
@@ -1415,7 +1416,7 @@
           <a:p>
             <a:fld id="{B1B915C8-2E81-429A-BD90-45E424FDD57F}" type="datetimeFigureOut">
               <a:rPr lang="en-GB" smtClean="0"/>
-              <a:t>23/03/2020</a:t>
+              <a:t>27/03/2020</a:t>
             </a:fld>
             <a:endParaRPr lang="en-GB"/>
           </a:p>
@@ -1830,7 +1831,7 @@
           <a:p>
             <a:fld id="{B1B915C8-2E81-429A-BD90-45E424FDD57F}" type="datetimeFigureOut">
               <a:rPr lang="en-GB" smtClean="0"/>
-              <a:t>23/03/2020</a:t>
+              <a:t>27/03/2020</a:t>
             </a:fld>
             <a:endParaRPr lang="en-GB"/>
           </a:p>
@@ -1972,7 +1973,7 @@
           <a:p>
             <a:fld id="{B1B915C8-2E81-429A-BD90-45E424FDD57F}" type="datetimeFigureOut">
               <a:rPr lang="en-GB" smtClean="0"/>
-              <a:t>23/03/2020</a:t>
+              <a:t>27/03/2020</a:t>
             </a:fld>
             <a:endParaRPr lang="en-GB"/>
           </a:p>
@@ -2085,7 +2086,7 @@
           <a:p>
             <a:fld id="{B1B915C8-2E81-429A-BD90-45E424FDD57F}" type="datetimeFigureOut">
               <a:rPr lang="en-GB" smtClean="0"/>
-              <a:t>23/03/2020</a:t>
+              <a:t>27/03/2020</a:t>
             </a:fld>
             <a:endParaRPr lang="en-GB"/>
           </a:p>
@@ -2398,7 +2399,7 @@
           <a:p>
             <a:fld id="{B1B915C8-2E81-429A-BD90-45E424FDD57F}" type="datetimeFigureOut">
               <a:rPr lang="en-GB" smtClean="0"/>
-              <a:t>23/03/2020</a:t>
+              <a:t>27/03/2020</a:t>
             </a:fld>
             <a:endParaRPr lang="en-GB"/>
           </a:p>
@@ -2687,7 +2688,7 @@
           <a:p>
             <a:fld id="{B1B915C8-2E81-429A-BD90-45E424FDD57F}" type="datetimeFigureOut">
               <a:rPr lang="en-GB" smtClean="0"/>
-              <a:t>23/03/2020</a:t>
+              <a:t>27/03/2020</a:t>
             </a:fld>
             <a:endParaRPr lang="en-GB"/>
           </a:p>
@@ -2930,7 +2931,7 @@
           <a:p>
             <a:fld id="{B1B915C8-2E81-429A-BD90-45E424FDD57F}" type="datetimeFigureOut">
               <a:rPr lang="en-GB" smtClean="0"/>
-              <a:t>23/03/2020</a:t>
+              <a:t>27/03/2020</a:t>
             </a:fld>
             <a:endParaRPr lang="en-GB"/>
           </a:p>
@@ -3349,10 +3350,10 @@
       </p:grpSpPr>
       <p:sp>
         <p:nvSpPr>
-          <p:cNvPr id="22" name="Rectangle: Rounded Corners 21">
-            <a:extLst>
-              <a:ext uri="{FF2B5EF4-FFF2-40B4-BE49-F238E27FC236}">
-                <a16:creationId xmlns:a16="http://schemas.microsoft.com/office/drawing/2014/main" id="{14A924E7-5879-4589-9792-A2336FE4DEBC}"/>
+          <p:cNvPr id="24" name="Rectangle: Rounded Corners 23">
+            <a:extLst>
+              <a:ext uri="{FF2B5EF4-FFF2-40B4-BE49-F238E27FC236}">
+                <a16:creationId xmlns:a16="http://schemas.microsoft.com/office/drawing/2014/main" id="{C0F498D6-A708-4E73-B2C2-DFC5B47E62EE}"/>
               </a:ext>
             </a:extLst>
           </p:cNvPr>
@@ -3361,8 +3362,8 @@
         </p:nvSpPr>
         <p:spPr>
           <a:xfrm>
-            <a:off x="1046829" y="902463"/>
-            <a:ext cx="2247900" cy="1647825"/>
+            <a:off x="2878139" y="1028519"/>
+            <a:ext cx="1981057" cy="1500668"/>
           </a:xfrm>
           <a:prstGeom prst="roundRect">
             <a:avLst/>
@@ -3431,7 +3432,7 @@
         </p:nvSpPr>
         <p:spPr>
           <a:xfrm>
-            <a:off x="2501073" y="179038"/>
+            <a:off x="2532818" y="131021"/>
             <a:ext cx="6858000" cy="584775"/>
           </a:xfrm>
           <a:prstGeom prst="rect">
@@ -3447,11 +3448,32 @@
           <a:p>
             <a:pPr algn="ctr"/>
             <a:r>
+              <a:rPr lang="it-IT" sz="3200" dirty="0" err="1">
+                <a:latin typeface="Arial" panose="020B0604020202020204" pitchFamily="34" charset="0"/>
+                <a:cs typeface="Arial" panose="020B0604020202020204" pitchFamily="34" charset="0"/>
+              </a:rPr>
+              <a:t>Contigency</a:t>
+            </a:r>
+            <a:r>
               <a:rPr lang="it-IT" sz="3200" dirty="0">
                 <a:latin typeface="Arial" panose="020B0604020202020204" pitchFamily="34" charset="0"/>
                 <a:cs typeface="Arial" panose="020B0604020202020204" pitchFamily="34" charset="0"/>
               </a:rPr>
-              <a:t>Timeline of item knowledge test</a:t>
+              <a:t> </a:t>
+            </a:r>
+            <a:r>
+              <a:rPr lang="it-IT" sz="3200" dirty="0" err="1">
+                <a:latin typeface="Arial" panose="020B0604020202020204" pitchFamily="34" charset="0"/>
+                <a:cs typeface="Arial" panose="020B0604020202020204" pitchFamily="34" charset="0"/>
+              </a:rPr>
+              <a:t>judgement</a:t>
+            </a:r>
+            <a:r>
+              <a:rPr lang="it-IT" sz="3200" dirty="0">
+                <a:latin typeface="Arial" panose="020B0604020202020204" pitchFamily="34" charset="0"/>
+                <a:cs typeface="Arial" panose="020B0604020202020204" pitchFamily="34" charset="0"/>
+              </a:rPr>
+              <a:t> task</a:t>
             </a:r>
             <a:endParaRPr lang="en-GB" sz="3200" dirty="0">
               <a:latin typeface="Arial" panose="020B0604020202020204" pitchFamily="34" charset="0"/>
@@ -3474,7 +3496,7 @@
         </p:nvSpPr>
         <p:spPr>
           <a:xfrm>
-            <a:off x="4476750" y="3885885"/>
+            <a:off x="4707931" y="3584627"/>
             <a:ext cx="1293558" cy="400110"/>
           </a:xfrm>
           <a:prstGeom prst="rect">
@@ -3511,10 +3533,204 @@
       </p:sp>
       <p:sp>
         <p:nvSpPr>
-          <p:cNvPr id="14" name="Rectangle: Rounded Corners 13">
-            <a:extLst>
-              <a:ext uri="{FF2B5EF4-FFF2-40B4-BE49-F238E27FC236}">
-                <a16:creationId xmlns:a16="http://schemas.microsoft.com/office/drawing/2014/main" id="{97B982BD-1C2F-4F53-BF19-D947196F403F}"/>
+          <p:cNvPr id="16" name="CasellaDiTesto 28">
+            <a:extLst>
+              <a:ext uri="{FF2B5EF4-FFF2-40B4-BE49-F238E27FC236}">
+                <a16:creationId xmlns:a16="http://schemas.microsoft.com/office/drawing/2014/main" id="{16B37AB4-478C-4724-AC8D-24D91A82171D}"/>
+              </a:ext>
+            </a:extLst>
+          </p:cNvPr>
+          <p:cNvSpPr txBox="1"/>
+          <p:nvPr/>
+        </p:nvSpPr>
+        <p:spPr>
+          <a:xfrm>
+            <a:off x="6078061" y="4828761"/>
+            <a:ext cx="1293558" cy="400110"/>
+          </a:xfrm>
+          <a:prstGeom prst="rect">
+            <a:avLst/>
+          </a:prstGeom>
+          <a:noFill/>
+        </p:spPr>
+        <p:txBody>
+          <a:bodyPr wrap="square" rtlCol="0">
+            <a:spAutoFit/>
+          </a:bodyPr>
+          <a:lstStyle/>
+          <a:p>
+            <a:r>
+              <a:rPr lang="en-GB" sz="2000" dirty="0">
+                <a:latin typeface="Arial" panose="020B0604020202020204" pitchFamily="34" charset="0"/>
+                <a:cs typeface="Arial" panose="020B0604020202020204" pitchFamily="34" charset="0"/>
+              </a:rPr>
+              <a:t>4000 </a:t>
+            </a:r>
+            <a:r>
+              <a:rPr lang="en-GB" sz="2000" dirty="0" err="1">
+                <a:latin typeface="Arial" panose="020B0604020202020204" pitchFamily="34" charset="0"/>
+                <a:cs typeface="Arial" panose="020B0604020202020204" pitchFamily="34" charset="0"/>
+              </a:rPr>
+              <a:t>ms</a:t>
+            </a:r>
+            <a:endParaRPr lang="en-GB" sz="2000" dirty="0">
+              <a:latin typeface="Arial" panose="020B0604020202020204" pitchFamily="34" charset="0"/>
+              <a:cs typeface="Arial" panose="020B0604020202020204" pitchFamily="34" charset="0"/>
+            </a:endParaRPr>
+          </a:p>
+        </p:txBody>
+      </p:sp>
+      <p:sp>
+        <p:nvSpPr>
+          <p:cNvPr id="20" name="CasellaDiTesto 28">
+            <a:extLst>
+              <a:ext uri="{FF2B5EF4-FFF2-40B4-BE49-F238E27FC236}">
+                <a16:creationId xmlns:a16="http://schemas.microsoft.com/office/drawing/2014/main" id="{7A73D548-CDDE-4A7C-8065-03BFA923AEF2}"/>
+              </a:ext>
+            </a:extLst>
+          </p:cNvPr>
+          <p:cNvSpPr txBox="1"/>
+          <p:nvPr/>
+        </p:nvSpPr>
+        <p:spPr>
+          <a:xfrm>
+            <a:off x="7522415" y="5954960"/>
+            <a:ext cx="3087942" cy="400110"/>
+          </a:xfrm>
+          <a:prstGeom prst="rect">
+            <a:avLst/>
+          </a:prstGeom>
+          <a:noFill/>
+        </p:spPr>
+        <p:txBody>
+          <a:bodyPr wrap="square" rtlCol="0">
+            <a:spAutoFit/>
+          </a:bodyPr>
+          <a:lstStyle/>
+          <a:p>
+            <a:r>
+              <a:rPr lang="en-GB" sz="2000" dirty="0">
+                <a:latin typeface="Arial" panose="020B0604020202020204" pitchFamily="34" charset="0"/>
+                <a:cs typeface="Arial" panose="020B0604020202020204" pitchFamily="34" charset="0"/>
+              </a:rPr>
+              <a:t>1000 </a:t>
+            </a:r>
+            <a:r>
+              <a:rPr lang="en-GB" sz="2000" dirty="0" err="1">
+                <a:latin typeface="Arial" panose="020B0604020202020204" pitchFamily="34" charset="0"/>
+                <a:cs typeface="Arial" panose="020B0604020202020204" pitchFamily="34" charset="0"/>
+              </a:rPr>
+              <a:t>ms</a:t>
+            </a:r>
+            <a:r>
+              <a:rPr lang="en-GB" sz="2000" dirty="0">
+                <a:latin typeface="Arial" panose="020B0604020202020204" pitchFamily="34" charset="0"/>
+                <a:cs typeface="Arial" panose="020B0604020202020204" pitchFamily="34" charset="0"/>
+              </a:rPr>
+              <a:t> + random ISI </a:t>
+            </a:r>
+          </a:p>
+        </p:txBody>
+      </p:sp>
+      <p:cxnSp>
+        <p:nvCxnSpPr>
+          <p:cNvPr id="18" name="Connettore 2 32">
+            <a:extLst>
+              <a:ext uri="{FF2B5EF4-FFF2-40B4-BE49-F238E27FC236}">
+                <a16:creationId xmlns:a16="http://schemas.microsoft.com/office/drawing/2014/main" id="{F9E12B3F-CC39-455F-B354-E4E6D27D3914}"/>
+              </a:ext>
+            </a:extLst>
+          </p:cNvPr>
+          <p:cNvCxnSpPr>
+            <a:cxnSpLocks/>
+          </p:cNvCxnSpPr>
+          <p:nvPr/>
+        </p:nvCxnSpPr>
+        <p:spPr>
+          <a:xfrm>
+            <a:off x="2712193" y="2588048"/>
+            <a:ext cx="5347516" cy="4177975"/>
+          </a:xfrm>
+          <a:prstGeom prst="straightConnector1">
+            <a:avLst/>
+          </a:prstGeom>
+          <a:ln w="38100">
+            <a:solidFill>
+              <a:srgbClr val="FF0000"/>
+            </a:solidFill>
+            <a:tailEnd type="arrow"/>
+          </a:ln>
+        </p:spPr>
+        <p:style>
+          <a:lnRef idx="2">
+            <a:schemeClr val="dk1"/>
+          </a:lnRef>
+          <a:fillRef idx="0">
+            <a:schemeClr val="dk1"/>
+          </a:fillRef>
+          <a:effectRef idx="1">
+            <a:schemeClr val="dk1"/>
+          </a:effectRef>
+          <a:fontRef idx="minor">
+            <a:schemeClr val="tx1"/>
+          </a:fontRef>
+        </p:style>
+      </p:cxnSp>
+      <p:sp>
+        <p:nvSpPr>
+          <p:cNvPr id="23" name="CasellaDiTesto 28">
+            <a:extLst>
+              <a:ext uri="{FF2B5EF4-FFF2-40B4-BE49-F238E27FC236}">
+                <a16:creationId xmlns:a16="http://schemas.microsoft.com/office/drawing/2014/main" id="{98ACC3D0-6389-4BE4-967C-523492CB06B2}"/>
+              </a:ext>
+            </a:extLst>
+          </p:cNvPr>
+          <p:cNvSpPr txBox="1"/>
+          <p:nvPr/>
+        </p:nvSpPr>
+        <p:spPr>
+          <a:xfrm>
+            <a:off x="3351833" y="2507294"/>
+            <a:ext cx="1293558" cy="400110"/>
+          </a:xfrm>
+          <a:prstGeom prst="rect">
+            <a:avLst/>
+          </a:prstGeom>
+          <a:noFill/>
+        </p:spPr>
+        <p:txBody>
+          <a:bodyPr wrap="square" rtlCol="0">
+            <a:spAutoFit/>
+          </a:bodyPr>
+          <a:lstStyle/>
+          <a:p>
+            <a:r>
+              <a:rPr lang="en-GB" sz="2000" dirty="0">
+                <a:latin typeface="Arial" panose="020B0604020202020204" pitchFamily="34" charset="0"/>
+                <a:cs typeface="Arial" panose="020B0604020202020204" pitchFamily="34" charset="0"/>
+              </a:rPr>
+              <a:t>500 </a:t>
+            </a:r>
+            <a:r>
+              <a:rPr lang="en-GB" sz="2000" dirty="0" err="1">
+                <a:latin typeface="Arial" panose="020B0604020202020204" pitchFamily="34" charset="0"/>
+                <a:cs typeface="Arial" panose="020B0604020202020204" pitchFamily="34" charset="0"/>
+              </a:rPr>
+              <a:t>ms</a:t>
+            </a:r>
+            <a:endParaRPr lang="en-GB" sz="2000" dirty="0">
+              <a:latin typeface="Arial" panose="020B0604020202020204" pitchFamily="34" charset="0"/>
+              <a:cs typeface="Arial" panose="020B0604020202020204" pitchFamily="34" charset="0"/>
+            </a:endParaRPr>
+          </a:p>
+        </p:txBody>
+      </p:sp>
+      <p:sp>
+        <p:nvSpPr>
+          <p:cNvPr id="21" name="Rectangle: Rounded Corners 20">
+            <a:extLst>
+              <a:ext uri="{FF2B5EF4-FFF2-40B4-BE49-F238E27FC236}">
+                <a16:creationId xmlns:a16="http://schemas.microsoft.com/office/drawing/2014/main" id="{3D91D399-AE7D-4BA4-95BC-234B62F1FFF6}"/>
               </a:ext>
             </a:extLst>
           </p:cNvPr>
@@ -3523,8 +3739,8 @@
         </p:nvSpPr>
         <p:spPr>
           <a:xfrm>
-            <a:off x="2892837" y="2178558"/>
-            <a:ext cx="4534821" cy="1647825"/>
+            <a:off x="4444826" y="2094530"/>
+            <a:ext cx="1981057" cy="1500668"/>
           </a:xfrm>
           <a:prstGeom prst="roundRect">
             <a:avLst/>
@@ -3559,36 +3775,6 @@
           <a:lstStyle/>
           <a:p>
             <a:pPr algn="ctr"/>
-            <a:endParaRPr lang="it-IT" sz="3200" dirty="0">
-              <a:solidFill>
-                <a:schemeClr val="tx1"/>
-              </a:solidFill>
-              <a:latin typeface="Arial" panose="020B0604020202020204" pitchFamily="34" charset="0"/>
-              <a:cs typeface="Arial" panose="020B0604020202020204" pitchFamily="34" charset="0"/>
-            </a:endParaRPr>
-          </a:p>
-          <a:p>
-            <a:pPr algn="ctr"/>
-            <a:endParaRPr lang="it-IT" sz="3200" dirty="0">
-              <a:solidFill>
-                <a:schemeClr val="tx1"/>
-              </a:solidFill>
-              <a:latin typeface="Arial" panose="020B0604020202020204" pitchFamily="34" charset="0"/>
-              <a:cs typeface="Arial" panose="020B0604020202020204" pitchFamily="34" charset="0"/>
-            </a:endParaRPr>
-          </a:p>
-          <a:p>
-            <a:pPr algn="ctr"/>
-            <a:r>
-              <a:rPr lang="it-IT" sz="3200" dirty="0" err="1">
-                <a:solidFill>
-                  <a:schemeClr val="tx1"/>
-                </a:solidFill>
-                <a:latin typeface="Arial" panose="020B0604020202020204" pitchFamily="34" charset="0"/>
-                <a:cs typeface="Arial" panose="020B0604020202020204" pitchFamily="34" charset="0"/>
-              </a:rPr>
-              <a:t>keeb</a:t>
-            </a:r>
             <a:endParaRPr lang="en-GB" sz="3200" dirty="0">
               <a:solidFill>
                 <a:schemeClr val="tx1"/>
@@ -3621,238 +3807,14 @@
         </p:blipFill>
         <p:spPr>
           <a:xfrm>
-            <a:off x="2914191" y="2352675"/>
-            <a:ext cx="1541667" cy="1268504"/>
+            <a:off x="5040428" y="2661317"/>
+            <a:ext cx="1040940" cy="856499"/>
           </a:xfrm>
           <a:prstGeom prst="rect">
             <a:avLst/>
           </a:prstGeom>
         </p:spPr>
       </p:pic>
-      <p:sp>
-        <p:nvSpPr>
-          <p:cNvPr id="16" name="CasellaDiTesto 28">
-            <a:extLst>
-              <a:ext uri="{FF2B5EF4-FFF2-40B4-BE49-F238E27FC236}">
-                <a16:creationId xmlns:a16="http://schemas.microsoft.com/office/drawing/2014/main" id="{16B37AB4-478C-4724-AC8D-24D91A82171D}"/>
-              </a:ext>
-            </a:extLst>
-          </p:cNvPr>
-          <p:cNvSpPr txBox="1"/>
-          <p:nvPr/>
-        </p:nvSpPr>
-        <p:spPr>
-          <a:xfrm>
-            <a:off x="6806717" y="5214860"/>
-            <a:ext cx="1293558" cy="400110"/>
-          </a:xfrm>
-          <a:prstGeom prst="rect">
-            <a:avLst/>
-          </a:prstGeom>
-          <a:noFill/>
-        </p:spPr>
-        <p:txBody>
-          <a:bodyPr wrap="square" rtlCol="0">
-            <a:spAutoFit/>
-          </a:bodyPr>
-          <a:lstStyle/>
-          <a:p>
-            <a:r>
-              <a:rPr lang="en-GB" sz="2000" dirty="0">
-                <a:latin typeface="Arial" panose="020B0604020202020204" pitchFamily="34" charset="0"/>
-                <a:cs typeface="Arial" panose="020B0604020202020204" pitchFamily="34" charset="0"/>
-              </a:rPr>
-              <a:t>2000 </a:t>
-            </a:r>
-            <a:r>
-              <a:rPr lang="en-GB" sz="2000" dirty="0" err="1">
-                <a:latin typeface="Arial" panose="020B0604020202020204" pitchFamily="34" charset="0"/>
-                <a:cs typeface="Arial" panose="020B0604020202020204" pitchFamily="34" charset="0"/>
-              </a:rPr>
-              <a:t>ms</a:t>
-            </a:r>
-            <a:endParaRPr lang="en-GB" sz="2000" dirty="0">
-              <a:latin typeface="Arial" panose="020B0604020202020204" pitchFamily="34" charset="0"/>
-              <a:cs typeface="Arial" panose="020B0604020202020204" pitchFamily="34" charset="0"/>
-            </a:endParaRPr>
-          </a:p>
-        </p:txBody>
-      </p:sp>
-      <p:sp>
-        <p:nvSpPr>
-          <p:cNvPr id="20" name="CasellaDiTesto 28">
-            <a:extLst>
-              <a:ext uri="{FF2B5EF4-FFF2-40B4-BE49-F238E27FC236}">
-                <a16:creationId xmlns:a16="http://schemas.microsoft.com/office/drawing/2014/main" id="{7A73D548-CDDE-4A7C-8065-03BFA923AEF2}"/>
-              </a:ext>
-            </a:extLst>
-          </p:cNvPr>
-          <p:cNvSpPr txBox="1"/>
-          <p:nvPr/>
-        </p:nvSpPr>
-        <p:spPr>
-          <a:xfrm>
-            <a:off x="7951533" y="6386451"/>
-            <a:ext cx="3087942" cy="400110"/>
-          </a:xfrm>
-          <a:prstGeom prst="rect">
-            <a:avLst/>
-          </a:prstGeom>
-          <a:noFill/>
-        </p:spPr>
-        <p:txBody>
-          <a:bodyPr wrap="square" rtlCol="0">
-            <a:spAutoFit/>
-          </a:bodyPr>
-          <a:lstStyle/>
-          <a:p>
-            <a:r>
-              <a:rPr lang="en-GB" sz="2000" dirty="0">
-                <a:latin typeface="Arial" panose="020B0604020202020204" pitchFamily="34" charset="0"/>
-                <a:cs typeface="Arial" panose="020B0604020202020204" pitchFamily="34" charset="0"/>
-              </a:rPr>
-              <a:t>1000 </a:t>
-            </a:r>
-            <a:r>
-              <a:rPr lang="en-GB" sz="2000" dirty="0" err="1">
-                <a:latin typeface="Arial" panose="020B0604020202020204" pitchFamily="34" charset="0"/>
-                <a:cs typeface="Arial" panose="020B0604020202020204" pitchFamily="34" charset="0"/>
-              </a:rPr>
-              <a:t>ms</a:t>
-            </a:r>
-            <a:r>
-              <a:rPr lang="en-GB" sz="2000" dirty="0">
-                <a:latin typeface="Arial" panose="020B0604020202020204" pitchFamily="34" charset="0"/>
-                <a:cs typeface="Arial" panose="020B0604020202020204" pitchFamily="34" charset="0"/>
-              </a:rPr>
-              <a:t> + random ISI </a:t>
-            </a:r>
-          </a:p>
-        </p:txBody>
-      </p:sp>
-      <p:cxnSp>
-        <p:nvCxnSpPr>
-          <p:cNvPr id="18" name="Connettore 2 32">
-            <a:extLst>
-              <a:ext uri="{FF2B5EF4-FFF2-40B4-BE49-F238E27FC236}">
-                <a16:creationId xmlns:a16="http://schemas.microsoft.com/office/drawing/2014/main" id="{F9E12B3F-CC39-455F-B354-E4E6D27D3914}"/>
-              </a:ext>
-            </a:extLst>
-          </p:cNvPr>
-          <p:cNvCxnSpPr>
-            <a:cxnSpLocks/>
-          </p:cNvCxnSpPr>
-          <p:nvPr/>
-        </p:nvCxnSpPr>
-        <p:spPr>
-          <a:xfrm>
-            <a:off x="952500" y="2819400"/>
-            <a:ext cx="6935779" cy="3859562"/>
-          </a:xfrm>
-          <a:prstGeom prst="straightConnector1">
-            <a:avLst/>
-          </a:prstGeom>
-          <a:ln w="38100">
-            <a:solidFill>
-              <a:srgbClr val="FF0000"/>
-            </a:solidFill>
-            <a:tailEnd type="arrow"/>
-          </a:ln>
-        </p:spPr>
-        <p:style>
-          <a:lnRef idx="2">
-            <a:schemeClr val="dk1"/>
-          </a:lnRef>
-          <a:fillRef idx="0">
-            <a:schemeClr val="dk1"/>
-          </a:fillRef>
-          <a:effectRef idx="1">
-            <a:schemeClr val="dk1"/>
-          </a:effectRef>
-          <a:fontRef idx="minor">
-            <a:schemeClr val="tx1"/>
-          </a:fontRef>
-        </p:style>
-      </p:cxnSp>
-      <p:pic>
-        <p:nvPicPr>
-          <p:cNvPr id="2" name="Picture 1">
-            <a:extLst>
-              <a:ext uri="{FF2B5EF4-FFF2-40B4-BE49-F238E27FC236}">
-                <a16:creationId xmlns:a16="http://schemas.microsoft.com/office/drawing/2014/main" id="{BD440E79-BB1E-4872-B6F0-880806A984AA}"/>
-              </a:ext>
-            </a:extLst>
-          </p:cNvPr>
-          <p:cNvPicPr>
-            <a:picLocks noChangeAspect="1"/>
-          </p:cNvPicPr>
-          <p:nvPr/>
-        </p:nvPicPr>
-        <p:blipFill>
-          <a:blip r:embed="rId3"/>
-          <a:stretch>
-            <a:fillRect/>
-          </a:stretch>
-        </p:blipFill>
-        <p:spPr>
-          <a:xfrm>
-            <a:off x="5438733" y="2261759"/>
-            <a:ext cx="1695533" cy="1334354"/>
-          </a:xfrm>
-          <a:prstGeom prst="rect">
-            <a:avLst/>
-          </a:prstGeom>
-        </p:spPr>
-      </p:pic>
-      <p:sp>
-        <p:nvSpPr>
-          <p:cNvPr id="23" name="CasellaDiTesto 28">
-            <a:extLst>
-              <a:ext uri="{FF2B5EF4-FFF2-40B4-BE49-F238E27FC236}">
-                <a16:creationId xmlns:a16="http://schemas.microsoft.com/office/drawing/2014/main" id="{98ACC3D0-6389-4BE4-967C-523492CB06B2}"/>
-              </a:ext>
-            </a:extLst>
-          </p:cNvPr>
-          <p:cNvSpPr txBox="1"/>
-          <p:nvPr/>
-        </p:nvSpPr>
-        <p:spPr>
-          <a:xfrm>
-            <a:off x="1649191" y="2528826"/>
-            <a:ext cx="1293558" cy="400110"/>
-          </a:xfrm>
-          <a:prstGeom prst="rect">
-            <a:avLst/>
-          </a:prstGeom>
-          <a:noFill/>
-        </p:spPr>
-        <p:txBody>
-          <a:bodyPr wrap="square" rtlCol="0">
-            <a:spAutoFit/>
-          </a:bodyPr>
-          <a:lstStyle/>
-          <a:p>
-            <a:r>
-              <a:rPr lang="en-GB" sz="2000" dirty="0">
-                <a:latin typeface="Arial" panose="020B0604020202020204" pitchFamily="34" charset="0"/>
-                <a:cs typeface="Arial" panose="020B0604020202020204" pitchFamily="34" charset="0"/>
-              </a:rPr>
-              <a:t>500 </a:t>
-            </a:r>
-            <a:r>
-              <a:rPr lang="en-GB" sz="2000" dirty="0" err="1">
-                <a:latin typeface="Arial" panose="020B0604020202020204" pitchFamily="34" charset="0"/>
-                <a:cs typeface="Arial" panose="020B0604020202020204" pitchFamily="34" charset="0"/>
-              </a:rPr>
-              <a:t>ms</a:t>
-            </a:r>
-            <a:endParaRPr lang="en-GB" sz="2000" dirty="0">
-              <a:latin typeface="Arial" panose="020B0604020202020204" pitchFamily="34" charset="0"/>
-              <a:cs typeface="Arial" panose="020B0604020202020204" pitchFamily="34" charset="0"/>
-            </a:endParaRPr>
-          </a:p>
-        </p:txBody>
-      </p:sp>
       <p:grpSp>
         <p:nvGrpSpPr>
           <p:cNvPr id="7" name="Gruppo 13">
@@ -3867,8 +3829,8 @@
         </p:nvGrpSpPr>
         <p:grpSpPr>
           <a:xfrm>
-            <a:off x="4406914" y="2292665"/>
-            <a:ext cx="1136114" cy="911988"/>
+            <a:off x="4645391" y="2222258"/>
+            <a:ext cx="534256" cy="485091"/>
             <a:chOff x="439547" y="2285573"/>
             <a:chExt cx="1136114" cy="1278743"/>
           </a:xfrm>
@@ -3922,7 +3884,7 @@
             <a:lstStyle/>
             <a:p>
               <a:pPr algn="ctr"/>
-              <a:endParaRPr lang="en-GB"/>
+              <a:endParaRPr lang="en-GB" dirty="0"/>
             </a:p>
           </p:txBody>
         </p:sp>
@@ -3981,10 +3943,52 @@
       </p:grpSp>
       <p:sp>
         <p:nvSpPr>
-          <p:cNvPr id="25" name="Rectangle: Rounded Corners 24">
-            <a:extLst>
-              <a:ext uri="{FF2B5EF4-FFF2-40B4-BE49-F238E27FC236}">
-                <a16:creationId xmlns:a16="http://schemas.microsoft.com/office/drawing/2014/main" id="{E0A03048-7716-49B0-9E39-401C2C3C2FE0}"/>
+          <p:cNvPr id="5" name="TextBox 4">
+            <a:extLst>
+              <a:ext uri="{FF2B5EF4-FFF2-40B4-BE49-F238E27FC236}">
+                <a16:creationId xmlns:a16="http://schemas.microsoft.com/office/drawing/2014/main" id="{DFA1746E-5E5B-4C9C-8185-D77664C859DF}"/>
+              </a:ext>
+            </a:extLst>
+          </p:cNvPr>
+          <p:cNvSpPr txBox="1"/>
+          <p:nvPr/>
+        </p:nvSpPr>
+        <p:spPr>
+          <a:xfrm>
+            <a:off x="5169932" y="2086762"/>
+            <a:ext cx="1267973" cy="584775"/>
+          </a:xfrm>
+          <a:prstGeom prst="rect">
+            <a:avLst/>
+          </a:prstGeom>
+          <a:noFill/>
+        </p:spPr>
+        <p:txBody>
+          <a:bodyPr wrap="square" rtlCol="0">
+            <a:spAutoFit/>
+          </a:bodyPr>
+          <a:lstStyle/>
+          <a:p>
+            <a:r>
+              <a:rPr lang="it-IT" sz="3200" dirty="0" err="1">
+                <a:latin typeface="Arial" panose="020B0604020202020204" pitchFamily="34" charset="0"/>
+                <a:cs typeface="Arial" panose="020B0604020202020204" pitchFamily="34" charset="0"/>
+              </a:rPr>
+              <a:t>keeb</a:t>
+            </a:r>
+            <a:endParaRPr lang="en-GB" sz="3200" dirty="0">
+              <a:latin typeface="Arial" panose="020B0604020202020204" pitchFamily="34" charset="0"/>
+              <a:cs typeface="Arial" panose="020B0604020202020204" pitchFamily="34" charset="0"/>
+            </a:endParaRPr>
+          </a:p>
+        </p:txBody>
+      </p:sp>
+      <p:sp>
+        <p:nvSpPr>
+          <p:cNvPr id="28" name="Rectangle: Rounded Corners 27">
+            <a:extLst>
+              <a:ext uri="{FF2B5EF4-FFF2-40B4-BE49-F238E27FC236}">
+                <a16:creationId xmlns:a16="http://schemas.microsoft.com/office/drawing/2014/main" id="{B8C08449-2728-4568-A25B-47376A9DE8A7}"/>
               </a:ext>
             </a:extLst>
           </p:cNvPr>
@@ -3993,8 +3997,8 @@
         </p:nvSpPr>
         <p:spPr>
           <a:xfrm>
-            <a:off x="6286499" y="3552953"/>
-            <a:ext cx="2247900" cy="1647825"/>
+            <a:off x="5961818" y="3295050"/>
+            <a:ext cx="1981057" cy="1500668"/>
           </a:xfrm>
           <a:prstGeom prst="roundRect">
             <a:avLst/>
@@ -4029,20 +4033,7 @@
           <a:lstStyle/>
           <a:p>
             <a:pPr algn="ctr"/>
-            <a:r>
-              <a:rPr lang="it-IT" sz="3200" dirty="0">
-                <a:solidFill>
-                  <a:schemeClr val="tx1"/>
-                </a:solidFill>
-                <a:latin typeface="Arial" panose="020B0604020202020204" pitchFamily="34" charset="0"/>
-                <a:cs typeface="Arial" panose="020B0604020202020204" pitchFamily="34" charset="0"/>
-              </a:rPr>
-              <a:t>2AFC</a:t>
-            </a:r>
-          </a:p>
-          <a:p>
-            <a:pPr algn="ctr"/>
-            <a:endParaRPr lang="it-IT" sz="3200" dirty="0">
+            <a:endParaRPr lang="en-GB" sz="3200" dirty="0">
               <a:solidFill>
                 <a:schemeClr val="tx1"/>
               </a:solidFill>
@@ -4052,114 +4043,12 @@
           </a:p>
         </p:txBody>
       </p:sp>
-      <p:pic>
-        <p:nvPicPr>
-          <p:cNvPr id="3" name="Picture 2">
-            <a:extLst>
-              <a:ext uri="{FF2B5EF4-FFF2-40B4-BE49-F238E27FC236}">
-                <a16:creationId xmlns:a16="http://schemas.microsoft.com/office/drawing/2014/main" id="{7E6E7045-88DB-4C1D-BCEA-F95D013E82EA}"/>
-              </a:ext>
-            </a:extLst>
-          </p:cNvPr>
-          <p:cNvPicPr>
-            <a:picLocks noChangeAspect="1"/>
-          </p:cNvPicPr>
-          <p:nvPr/>
-        </p:nvPicPr>
-        <p:blipFill>
-          <a:blip r:embed="rId4"/>
-          <a:stretch>
-            <a:fillRect/>
-          </a:stretch>
-        </p:blipFill>
-        <p:spPr>
-          <a:xfrm>
-            <a:off x="6450594" y="4400883"/>
-            <a:ext cx="712247" cy="664875"/>
-          </a:xfrm>
-          <a:prstGeom prst="rect">
-            <a:avLst/>
-          </a:prstGeom>
-        </p:spPr>
-      </p:pic>
-      <p:sp>
-        <p:nvSpPr>
-          <p:cNvPr id="6" name="TextBox 5">
-            <a:extLst>
-              <a:ext uri="{FF2B5EF4-FFF2-40B4-BE49-F238E27FC236}">
-                <a16:creationId xmlns:a16="http://schemas.microsoft.com/office/drawing/2014/main" id="{14AF7384-4D11-4CC4-870C-864C4B50F890}"/>
-              </a:ext>
-            </a:extLst>
-          </p:cNvPr>
-          <p:cNvSpPr txBox="1"/>
-          <p:nvPr/>
-        </p:nvSpPr>
-        <p:spPr>
-          <a:xfrm>
-            <a:off x="7218108" y="4400883"/>
-            <a:ext cx="592392" cy="646331"/>
-          </a:xfrm>
-          <a:prstGeom prst="rect">
-            <a:avLst/>
-          </a:prstGeom>
-          <a:noFill/>
-        </p:spPr>
-        <p:txBody>
-          <a:bodyPr wrap="square" rtlCol="0">
-            <a:spAutoFit/>
-          </a:bodyPr>
-          <a:lstStyle/>
-          <a:p>
-            <a:r>
-              <a:rPr lang="it-IT" sz="3600" dirty="0">
-                <a:latin typeface="Arial" panose="020B0604020202020204" pitchFamily="34" charset="0"/>
-                <a:cs typeface="Arial" panose="020B0604020202020204" pitchFamily="34" charset="0"/>
-              </a:rPr>
-              <a:t>/</a:t>
-            </a:r>
-            <a:endParaRPr lang="en-GB" sz="3600" dirty="0">
-              <a:latin typeface="Arial" panose="020B0604020202020204" pitchFamily="34" charset="0"/>
-              <a:cs typeface="Arial" panose="020B0604020202020204" pitchFamily="34" charset="0"/>
-            </a:endParaRPr>
-          </a:p>
-        </p:txBody>
-      </p:sp>
-      <p:pic>
-        <p:nvPicPr>
-          <p:cNvPr id="26" name="Picture 25">
-            <a:extLst>
-              <a:ext uri="{FF2B5EF4-FFF2-40B4-BE49-F238E27FC236}">
-                <a16:creationId xmlns:a16="http://schemas.microsoft.com/office/drawing/2014/main" id="{F0589A82-0C98-478C-A4B9-ECD025C369B7}"/>
-              </a:ext>
-            </a:extLst>
-          </p:cNvPr>
-          <p:cNvPicPr>
-            <a:picLocks noChangeAspect="1"/>
-          </p:cNvPicPr>
-          <p:nvPr/>
-        </p:nvPicPr>
-        <p:blipFill>
-          <a:blip r:embed="rId4"/>
-          <a:stretch>
-            <a:fillRect/>
-          </a:stretch>
-        </p:blipFill>
-        <p:spPr>
-          <a:xfrm rot="10800000">
-            <a:off x="7532156" y="4414965"/>
-            <a:ext cx="712247" cy="664875"/>
-          </a:xfrm>
-          <a:prstGeom prst="rect">
-            <a:avLst/>
-          </a:prstGeom>
-        </p:spPr>
-      </p:pic>
-      <p:sp>
-        <p:nvSpPr>
-          <p:cNvPr id="17" name="Rectangle: Rounded Corners 16">
-            <a:extLst>
-              <a:ext uri="{FF2B5EF4-FFF2-40B4-BE49-F238E27FC236}">
-                <a16:creationId xmlns:a16="http://schemas.microsoft.com/office/drawing/2014/main" id="{C7A34447-D53A-4F97-A9FF-891C041109FC}"/>
+      <p:sp>
+        <p:nvSpPr>
+          <p:cNvPr id="29" name="Rectangle: Rounded Corners 28">
+            <a:extLst>
+              <a:ext uri="{FF2B5EF4-FFF2-40B4-BE49-F238E27FC236}">
+                <a16:creationId xmlns:a16="http://schemas.microsoft.com/office/drawing/2014/main" id="{AF660D76-7140-4A63-B7AF-8BD11F6B5731}"/>
               </a:ext>
             </a:extLst>
           </p:cNvPr>
@@ -4168,8 +4057,8 @@
         </p:nvSpPr>
         <p:spPr>
           <a:xfrm>
-            <a:off x="8179815" y="4749958"/>
-            <a:ext cx="2247900" cy="1647825"/>
+            <a:off x="7487861" y="4459927"/>
+            <a:ext cx="1981057" cy="1500668"/>
           </a:xfrm>
           <a:prstGeom prst="roundRect">
             <a:avLst/>
@@ -4204,6 +4093,626 @@
           <a:lstStyle/>
           <a:p>
             <a:pPr algn="ctr"/>
+            <a:endParaRPr lang="en-GB" sz="3200" dirty="0">
+              <a:solidFill>
+                <a:schemeClr val="tx1"/>
+              </a:solidFill>
+              <a:latin typeface="Arial" panose="020B0604020202020204" pitchFamily="34" charset="0"/>
+              <a:cs typeface="Arial" panose="020B0604020202020204" pitchFamily="34" charset="0"/>
+            </a:endParaRPr>
+          </a:p>
+        </p:txBody>
+      </p:sp>
+      <p:cxnSp>
+        <p:nvCxnSpPr>
+          <p:cNvPr id="11" name="Straight Connector 10">
+            <a:extLst>
+              <a:ext uri="{FF2B5EF4-FFF2-40B4-BE49-F238E27FC236}">
+                <a16:creationId xmlns:a16="http://schemas.microsoft.com/office/drawing/2014/main" id="{B87CE540-85E8-43D3-8E4B-6D635177CD32}"/>
+              </a:ext>
+            </a:extLst>
+          </p:cNvPr>
+          <p:cNvCxnSpPr>
+            <a:cxnSpLocks/>
+          </p:cNvCxnSpPr>
+          <p:nvPr/>
+        </p:nvCxnSpPr>
+        <p:spPr>
+          <a:xfrm>
+            <a:off x="6275130" y="4027562"/>
+            <a:ext cx="1449716" cy="0"/>
+          </a:xfrm>
+          <a:prstGeom prst="line">
+            <a:avLst/>
+          </a:prstGeom>
+          <a:ln w="38100">
+            <a:solidFill>
+              <a:schemeClr val="tx1"/>
+            </a:solidFill>
+          </a:ln>
+        </p:spPr>
+        <p:style>
+          <a:lnRef idx="1">
+            <a:schemeClr val="accent1"/>
+          </a:lnRef>
+          <a:fillRef idx="0">
+            <a:schemeClr val="accent1"/>
+          </a:fillRef>
+          <a:effectRef idx="0">
+            <a:schemeClr val="accent1"/>
+          </a:effectRef>
+          <a:fontRef idx="minor">
+            <a:schemeClr val="tx1"/>
+          </a:fontRef>
+        </p:style>
+      </p:cxnSp>
+      <p:cxnSp>
+        <p:nvCxnSpPr>
+          <p:cNvPr id="19" name="Straight Connector 18">
+            <a:extLst>
+              <a:ext uri="{FF2B5EF4-FFF2-40B4-BE49-F238E27FC236}">
+                <a16:creationId xmlns:a16="http://schemas.microsoft.com/office/drawing/2014/main" id="{1B32525B-60B2-46C8-A966-EF805C646D25}"/>
+              </a:ext>
+            </a:extLst>
+          </p:cNvPr>
+          <p:cNvCxnSpPr>
+            <a:cxnSpLocks/>
+          </p:cNvCxnSpPr>
+          <p:nvPr/>
+        </p:nvCxnSpPr>
+        <p:spPr>
+          <a:xfrm>
+            <a:off x="6256583" y="3863657"/>
+            <a:ext cx="0" cy="347696"/>
+          </a:xfrm>
+          <a:prstGeom prst="line">
+            <a:avLst/>
+          </a:prstGeom>
+          <a:ln w="38100">
+            <a:solidFill>
+              <a:schemeClr val="tx1"/>
+            </a:solidFill>
+          </a:ln>
+        </p:spPr>
+        <p:style>
+          <a:lnRef idx="1">
+            <a:schemeClr val="accent1"/>
+          </a:lnRef>
+          <a:fillRef idx="0">
+            <a:schemeClr val="accent1"/>
+          </a:fillRef>
+          <a:effectRef idx="0">
+            <a:schemeClr val="accent1"/>
+          </a:effectRef>
+          <a:fontRef idx="minor">
+            <a:schemeClr val="tx1"/>
+          </a:fontRef>
+        </p:style>
+      </p:cxnSp>
+      <p:cxnSp>
+        <p:nvCxnSpPr>
+          <p:cNvPr id="30" name="Straight Connector 29">
+            <a:extLst>
+              <a:ext uri="{FF2B5EF4-FFF2-40B4-BE49-F238E27FC236}">
+                <a16:creationId xmlns:a16="http://schemas.microsoft.com/office/drawing/2014/main" id="{55856ED7-68CE-458B-BBAF-6CB58738DAED}"/>
+              </a:ext>
+            </a:extLst>
+          </p:cNvPr>
+          <p:cNvCxnSpPr/>
+          <p:nvPr/>
+        </p:nvCxnSpPr>
+        <p:spPr>
+          <a:xfrm>
+            <a:off x="7738826" y="3876415"/>
+            <a:ext cx="0" cy="347696"/>
+          </a:xfrm>
+          <a:prstGeom prst="line">
+            <a:avLst/>
+          </a:prstGeom>
+          <a:ln w="38100">
+            <a:solidFill>
+              <a:schemeClr val="tx1"/>
+            </a:solidFill>
+          </a:ln>
+        </p:spPr>
+        <p:style>
+          <a:lnRef idx="1">
+            <a:schemeClr val="accent1"/>
+          </a:lnRef>
+          <a:fillRef idx="0">
+            <a:schemeClr val="accent1"/>
+          </a:fillRef>
+          <a:effectRef idx="0">
+            <a:schemeClr val="accent1"/>
+          </a:effectRef>
+          <a:fontRef idx="minor">
+            <a:schemeClr val="tx1"/>
+          </a:fontRef>
+        </p:style>
+      </p:cxnSp>
+      <p:pic>
+        <p:nvPicPr>
+          <p:cNvPr id="32" name="Picture 31">
+            <a:extLst>
+              <a:ext uri="{FF2B5EF4-FFF2-40B4-BE49-F238E27FC236}">
+                <a16:creationId xmlns:a16="http://schemas.microsoft.com/office/drawing/2014/main" id="{E7110B1F-6E64-48AC-8706-49A307D862CC}"/>
+              </a:ext>
+            </a:extLst>
+          </p:cNvPr>
+          <p:cNvPicPr>
+            <a:picLocks noChangeAspect="1"/>
+          </p:cNvPicPr>
+          <p:nvPr/>
+        </p:nvPicPr>
+        <p:blipFill>
+          <a:blip r:embed="rId3"/>
+          <a:stretch>
+            <a:fillRect/>
+          </a:stretch>
+        </p:blipFill>
+        <p:spPr>
+          <a:xfrm>
+            <a:off x="6567667" y="4048602"/>
+            <a:ext cx="501931" cy="471491"/>
+          </a:xfrm>
+          <a:prstGeom prst="rect">
+            <a:avLst/>
+          </a:prstGeom>
+        </p:spPr>
+      </p:pic>
+      <p:sp>
+        <p:nvSpPr>
+          <p:cNvPr id="2" name="TextBox 1">
+            <a:extLst>
+              <a:ext uri="{FF2B5EF4-FFF2-40B4-BE49-F238E27FC236}">
+                <a16:creationId xmlns:a16="http://schemas.microsoft.com/office/drawing/2014/main" id="{43702622-08E5-4FE9-AAD5-F217D3ECA8F2}"/>
+              </a:ext>
+            </a:extLst>
+          </p:cNvPr>
+          <p:cNvSpPr txBox="1"/>
+          <p:nvPr/>
+        </p:nvSpPr>
+        <p:spPr>
+          <a:xfrm>
+            <a:off x="7350627" y="3494325"/>
+            <a:ext cx="696772" cy="400110"/>
+          </a:xfrm>
+          <a:prstGeom prst="rect">
+            <a:avLst/>
+          </a:prstGeom>
+          <a:noFill/>
+        </p:spPr>
+        <p:txBody>
+          <a:bodyPr wrap="square" rtlCol="0">
+            <a:spAutoFit/>
+          </a:bodyPr>
+          <a:lstStyle/>
+          <a:p>
+            <a:r>
+              <a:rPr lang="it-IT" sz="2000" dirty="0">
+                <a:latin typeface="Arial" panose="020B0604020202020204" pitchFamily="34" charset="0"/>
+                <a:cs typeface="Arial" panose="020B0604020202020204" pitchFamily="34" charset="0"/>
+              </a:rPr>
+              <a:t>+10</a:t>
+            </a:r>
+            <a:endParaRPr lang="en-GB" sz="2000" dirty="0">
+              <a:latin typeface="Arial" panose="020B0604020202020204" pitchFamily="34" charset="0"/>
+              <a:cs typeface="Arial" panose="020B0604020202020204" pitchFamily="34" charset="0"/>
+            </a:endParaRPr>
+          </a:p>
+        </p:txBody>
+      </p:sp>
+      <p:sp>
+        <p:nvSpPr>
+          <p:cNvPr id="22" name="TextBox 21">
+            <a:extLst>
+              <a:ext uri="{FF2B5EF4-FFF2-40B4-BE49-F238E27FC236}">
+                <a16:creationId xmlns:a16="http://schemas.microsoft.com/office/drawing/2014/main" id="{E9C5269F-801F-412A-BE86-E7FEB8CD5B46}"/>
+              </a:ext>
+            </a:extLst>
+          </p:cNvPr>
+          <p:cNvSpPr txBox="1"/>
+          <p:nvPr/>
+        </p:nvSpPr>
+        <p:spPr>
+          <a:xfrm>
+            <a:off x="6036177" y="3494325"/>
+            <a:ext cx="696772" cy="400110"/>
+          </a:xfrm>
+          <a:prstGeom prst="rect">
+            <a:avLst/>
+          </a:prstGeom>
+          <a:noFill/>
+        </p:spPr>
+        <p:txBody>
+          <a:bodyPr wrap="square" rtlCol="0">
+            <a:spAutoFit/>
+          </a:bodyPr>
+          <a:lstStyle/>
+          <a:p>
+            <a:r>
+              <a:rPr lang="it-IT" sz="2000" dirty="0">
+                <a:latin typeface="Arial" panose="020B0604020202020204" pitchFamily="34" charset="0"/>
+                <a:cs typeface="Arial" panose="020B0604020202020204" pitchFamily="34" charset="0"/>
+              </a:rPr>
+              <a:t>-10</a:t>
+            </a:r>
+            <a:endParaRPr lang="en-GB" sz="2000" dirty="0">
+              <a:latin typeface="Arial" panose="020B0604020202020204" pitchFamily="34" charset="0"/>
+              <a:cs typeface="Arial" panose="020B0604020202020204" pitchFamily="34" charset="0"/>
+            </a:endParaRPr>
+          </a:p>
+        </p:txBody>
+      </p:sp>
+      <p:sp>
+        <p:nvSpPr>
+          <p:cNvPr id="25" name="TextBox 24">
+            <a:extLst>
+              <a:ext uri="{FF2B5EF4-FFF2-40B4-BE49-F238E27FC236}">
+                <a16:creationId xmlns:a16="http://schemas.microsoft.com/office/drawing/2014/main" id="{BF85B3F7-DD88-4C73-BA47-C3B8A8A58658}"/>
+              </a:ext>
+            </a:extLst>
+          </p:cNvPr>
+          <p:cNvSpPr txBox="1"/>
+          <p:nvPr/>
+        </p:nvSpPr>
+        <p:spPr>
+          <a:xfrm>
+            <a:off x="6827192" y="3494325"/>
+            <a:ext cx="408696" cy="400110"/>
+          </a:xfrm>
+          <a:prstGeom prst="rect">
+            <a:avLst/>
+          </a:prstGeom>
+          <a:noFill/>
+        </p:spPr>
+        <p:txBody>
+          <a:bodyPr wrap="square" rtlCol="0">
+            <a:spAutoFit/>
+          </a:bodyPr>
+          <a:lstStyle/>
+          <a:p>
+            <a:r>
+              <a:rPr lang="it-IT" sz="2000" dirty="0">
+                <a:latin typeface="Arial" panose="020B0604020202020204" pitchFamily="34" charset="0"/>
+                <a:cs typeface="Arial" panose="020B0604020202020204" pitchFamily="34" charset="0"/>
+              </a:rPr>
+              <a:t>0</a:t>
+            </a:r>
+            <a:endParaRPr lang="en-GB" sz="2000" dirty="0">
+              <a:latin typeface="Arial" panose="020B0604020202020204" pitchFamily="34" charset="0"/>
+              <a:cs typeface="Arial" panose="020B0604020202020204" pitchFamily="34" charset="0"/>
+            </a:endParaRPr>
+          </a:p>
+        </p:txBody>
+      </p:sp>
+      <p:cxnSp>
+        <p:nvCxnSpPr>
+          <p:cNvPr id="26" name="Straight Connector 25">
+            <a:extLst>
+              <a:ext uri="{FF2B5EF4-FFF2-40B4-BE49-F238E27FC236}">
+                <a16:creationId xmlns:a16="http://schemas.microsoft.com/office/drawing/2014/main" id="{484CCD55-0ABF-4F9B-ACBB-DEA49AAA6147}"/>
+              </a:ext>
+            </a:extLst>
+          </p:cNvPr>
+          <p:cNvCxnSpPr/>
+          <p:nvPr/>
+        </p:nvCxnSpPr>
+        <p:spPr>
+          <a:xfrm>
+            <a:off x="6995876" y="3866890"/>
+            <a:ext cx="0" cy="347696"/>
+          </a:xfrm>
+          <a:prstGeom prst="line">
+            <a:avLst/>
+          </a:prstGeom>
+          <a:ln w="38100">
+            <a:solidFill>
+              <a:schemeClr val="tx1"/>
+            </a:solidFill>
+          </a:ln>
+        </p:spPr>
+        <p:style>
+          <a:lnRef idx="1">
+            <a:schemeClr val="accent1"/>
+          </a:lnRef>
+          <a:fillRef idx="0">
+            <a:schemeClr val="accent1"/>
+          </a:fillRef>
+          <a:effectRef idx="0">
+            <a:schemeClr val="accent1"/>
+          </a:effectRef>
+          <a:fontRef idx="minor">
+            <a:schemeClr val="tx1"/>
+          </a:fontRef>
+        </p:style>
+      </p:cxnSp>
+      <p:cxnSp>
+        <p:nvCxnSpPr>
+          <p:cNvPr id="27" name="Straight Connector 26">
+            <a:extLst>
+              <a:ext uri="{FF2B5EF4-FFF2-40B4-BE49-F238E27FC236}">
+                <a16:creationId xmlns:a16="http://schemas.microsoft.com/office/drawing/2014/main" id="{C1C6FC87-2358-41DD-B971-06BE77A1F1FF}"/>
+              </a:ext>
+            </a:extLst>
+          </p:cNvPr>
+          <p:cNvCxnSpPr/>
+          <p:nvPr/>
+        </p:nvCxnSpPr>
+        <p:spPr>
+          <a:xfrm>
+            <a:off x="6686312" y="3955265"/>
+            <a:ext cx="0" cy="91559"/>
+          </a:xfrm>
+          <a:prstGeom prst="line">
+            <a:avLst/>
+          </a:prstGeom>
+          <a:ln w="38100">
+            <a:solidFill>
+              <a:srgbClr val="FF0000"/>
+            </a:solidFill>
+          </a:ln>
+        </p:spPr>
+        <p:style>
+          <a:lnRef idx="1">
+            <a:schemeClr val="accent1"/>
+          </a:lnRef>
+          <a:fillRef idx="0">
+            <a:schemeClr val="accent1"/>
+          </a:fillRef>
+          <a:effectRef idx="0">
+            <a:schemeClr val="accent1"/>
+          </a:effectRef>
+          <a:fontRef idx="minor">
+            <a:schemeClr val="tx1"/>
+          </a:fontRef>
+        </p:style>
+      </p:cxnSp>
+      <p:sp>
+        <p:nvSpPr>
+          <p:cNvPr id="31" name="TextBox 30">
+            <a:extLst>
+              <a:ext uri="{FF2B5EF4-FFF2-40B4-BE49-F238E27FC236}">
+                <a16:creationId xmlns:a16="http://schemas.microsoft.com/office/drawing/2014/main" id="{F803D0BB-C349-4DCE-BB54-F87F630043E7}"/>
+              </a:ext>
+            </a:extLst>
+          </p:cNvPr>
+          <p:cNvSpPr txBox="1"/>
+          <p:nvPr/>
+        </p:nvSpPr>
+        <p:spPr>
+          <a:xfrm>
+            <a:off x="6724535" y="1957173"/>
+            <a:ext cx="4107990" cy="954107"/>
+          </a:xfrm>
+          <a:prstGeom prst="rect">
+            <a:avLst/>
+          </a:prstGeom>
+          <a:noFill/>
+        </p:spPr>
+        <p:txBody>
+          <a:bodyPr wrap="square" rtlCol="0">
+            <a:spAutoFit/>
+          </a:bodyPr>
+          <a:lstStyle/>
+          <a:p>
+            <a:r>
+              <a:rPr lang="it-IT" sz="2800" i="1" dirty="0">
+                <a:latin typeface="Arial" panose="020B0604020202020204" pitchFamily="34" charset="0"/>
+                <a:cs typeface="Arial" panose="020B0604020202020204" pitchFamily="34" charset="0"/>
+              </a:rPr>
+              <a:t>«How </a:t>
+            </a:r>
+            <a:r>
+              <a:rPr lang="it-IT" sz="2800" i="1" dirty="0" err="1">
+                <a:latin typeface="Arial" panose="020B0604020202020204" pitchFamily="34" charset="0"/>
+                <a:cs typeface="Arial" panose="020B0604020202020204" pitchFamily="34" charset="0"/>
+              </a:rPr>
+              <a:t>much</a:t>
+            </a:r>
+            <a:r>
+              <a:rPr lang="it-IT" sz="2800" i="1" dirty="0">
+                <a:latin typeface="Arial" panose="020B0604020202020204" pitchFamily="34" charset="0"/>
+                <a:cs typeface="Arial" panose="020B0604020202020204" pitchFamily="34" charset="0"/>
+              </a:rPr>
+              <a:t> </a:t>
+            </a:r>
+            <a:r>
+              <a:rPr lang="it-IT" sz="2800" i="1" dirty="0" err="1">
+                <a:latin typeface="Arial" panose="020B0604020202020204" pitchFamily="34" charset="0"/>
+                <a:cs typeface="Arial" panose="020B0604020202020204" pitchFamily="34" charset="0"/>
+              </a:rPr>
+              <a:t>likely</a:t>
+            </a:r>
+            <a:r>
+              <a:rPr lang="it-IT" sz="2800" i="1" dirty="0">
+                <a:latin typeface="Arial" panose="020B0604020202020204" pitchFamily="34" charset="0"/>
+                <a:cs typeface="Arial" panose="020B0604020202020204" pitchFamily="34" charset="0"/>
+              </a:rPr>
+              <a:t> do </a:t>
+            </a:r>
+            <a:r>
+              <a:rPr lang="it-IT" sz="2800" i="1" dirty="0" err="1">
+                <a:latin typeface="Arial" panose="020B0604020202020204" pitchFamily="34" charset="0"/>
+                <a:cs typeface="Arial" panose="020B0604020202020204" pitchFamily="34" charset="0"/>
+              </a:rPr>
+              <a:t>you</a:t>
+            </a:r>
+            <a:r>
+              <a:rPr lang="it-IT" sz="2800" i="1" dirty="0">
+                <a:latin typeface="Arial" panose="020B0604020202020204" pitchFamily="34" charset="0"/>
+                <a:cs typeface="Arial" panose="020B0604020202020204" pitchFamily="34" charset="0"/>
+              </a:rPr>
+              <a:t> </a:t>
+            </a:r>
+            <a:r>
+              <a:rPr lang="it-IT" sz="2800" i="1" dirty="0" err="1">
+                <a:latin typeface="Arial" panose="020B0604020202020204" pitchFamily="34" charset="0"/>
+                <a:cs typeface="Arial" panose="020B0604020202020204" pitchFamily="34" charset="0"/>
+              </a:rPr>
+              <a:t>think</a:t>
+            </a:r>
+            <a:r>
+              <a:rPr lang="it-IT" sz="2800" i="1" dirty="0">
+                <a:latin typeface="Arial" panose="020B0604020202020204" pitchFamily="34" charset="0"/>
+                <a:cs typeface="Arial" panose="020B0604020202020204" pitchFamily="34" charset="0"/>
+              </a:rPr>
+              <a:t> </a:t>
+            </a:r>
+            <a:r>
+              <a:rPr lang="it-IT" sz="2800" i="1" dirty="0" err="1">
+                <a:latin typeface="Arial" panose="020B0604020202020204" pitchFamily="34" charset="0"/>
+                <a:cs typeface="Arial" panose="020B0604020202020204" pitchFamily="34" charset="0"/>
+              </a:rPr>
+              <a:t>it’s</a:t>
+            </a:r>
+            <a:r>
+              <a:rPr lang="it-IT" sz="2800" i="1" dirty="0">
+                <a:latin typeface="Arial" panose="020B0604020202020204" pitchFamily="34" charset="0"/>
+                <a:cs typeface="Arial" panose="020B0604020202020204" pitchFamily="34" charset="0"/>
+              </a:rPr>
+              <a:t> </a:t>
+            </a:r>
+            <a:r>
+              <a:rPr lang="it-IT" sz="2800" i="1" dirty="0" err="1">
+                <a:latin typeface="Arial" panose="020B0604020202020204" pitchFamily="34" charset="0"/>
+                <a:cs typeface="Arial" panose="020B0604020202020204" pitchFamily="34" charset="0"/>
+              </a:rPr>
+              <a:t>his</a:t>
+            </a:r>
+            <a:r>
+              <a:rPr lang="it-IT" sz="2800" i="1" dirty="0">
+                <a:latin typeface="Arial" panose="020B0604020202020204" pitchFamily="34" charset="0"/>
+                <a:cs typeface="Arial" panose="020B0604020202020204" pitchFamily="34" charset="0"/>
+              </a:rPr>
+              <a:t> name?»</a:t>
+            </a:r>
+            <a:endParaRPr lang="en-GB" sz="2800" i="1" dirty="0">
+              <a:latin typeface="Arial" panose="020B0604020202020204" pitchFamily="34" charset="0"/>
+              <a:cs typeface="Arial" panose="020B0604020202020204" pitchFamily="34" charset="0"/>
+            </a:endParaRPr>
+          </a:p>
+        </p:txBody>
+      </p:sp>
+    </p:spTree>
+    <p:extLst>
+      <p:ext uri="{BB962C8B-B14F-4D97-AF65-F5344CB8AC3E}">
+        <p14:creationId xmlns:p14="http://schemas.microsoft.com/office/powerpoint/2010/main" val="3067119867"/>
+      </p:ext>
+    </p:extLst>
+  </p:cSld>
+  <p:clrMapOvr>
+    <a:masterClrMapping/>
+  </p:clrMapOvr>
+</p:sld>
+</file>
+
+<file path=ppt/slides/slide2.xml><?xml version="1.0" encoding="utf-8"?>
+<p:sld xmlns:a="http://schemas.openxmlformats.org/drawingml/2006/main" xmlns:r="http://schemas.openxmlformats.org/officeDocument/2006/relationships" xmlns:p="http://schemas.openxmlformats.org/presentationml/2006/main">
+  <p:cSld>
+    <p:spTree>
+      <p:nvGrpSpPr>
+        <p:cNvPr id="1" name=""/>
+        <p:cNvGrpSpPr/>
+        <p:nvPr/>
+      </p:nvGrpSpPr>
+      <p:grpSpPr>
+        <a:xfrm>
+          <a:off x="0" y="0"/>
+          <a:ext cx="0" cy="0"/>
+          <a:chOff x="0" y="0"/>
+          <a:chExt cx="0" cy="0"/>
+        </a:xfrm>
+      </p:grpSpPr>
+      <p:sp>
+        <p:nvSpPr>
+          <p:cNvPr id="4" name="TextBox 3">
+            <a:extLst>
+              <a:ext uri="{FF2B5EF4-FFF2-40B4-BE49-F238E27FC236}">
+                <a16:creationId xmlns:a16="http://schemas.microsoft.com/office/drawing/2014/main" id="{1EE176F0-B740-4F11-9387-5B461E4192E0}"/>
+              </a:ext>
+            </a:extLst>
+          </p:cNvPr>
+          <p:cNvSpPr txBox="1"/>
+          <p:nvPr/>
+        </p:nvSpPr>
+        <p:spPr>
+          <a:xfrm>
+            <a:off x="2532818" y="131021"/>
+            <a:ext cx="6858000" cy="584775"/>
+          </a:xfrm>
+          <a:prstGeom prst="rect">
+            <a:avLst/>
+          </a:prstGeom>
+          <a:noFill/>
+        </p:spPr>
+        <p:txBody>
+          <a:bodyPr wrap="square" rtlCol="0">
+            <a:spAutoFit/>
+          </a:bodyPr>
+          <a:lstStyle/>
+          <a:p>
+            <a:pPr algn="ctr"/>
+            <a:r>
+              <a:rPr lang="en-GB" sz="3200" dirty="0">
+                <a:latin typeface="Arial" panose="020B0604020202020204" pitchFamily="34" charset="0"/>
+                <a:cs typeface="Arial" panose="020B0604020202020204" pitchFamily="34" charset="0"/>
+              </a:rPr>
+              <a:t>Generalization task</a:t>
+            </a:r>
+          </a:p>
+        </p:txBody>
+      </p:sp>
+      <p:sp>
+        <p:nvSpPr>
+          <p:cNvPr id="5" name="Rectangle: Rounded Corners 4">
+            <a:extLst>
+              <a:ext uri="{FF2B5EF4-FFF2-40B4-BE49-F238E27FC236}">
+                <a16:creationId xmlns:a16="http://schemas.microsoft.com/office/drawing/2014/main" id="{2AAF000F-807F-4809-BBFC-7D5C3A134F50}"/>
+              </a:ext>
+            </a:extLst>
+          </p:cNvPr>
+          <p:cNvSpPr/>
+          <p:nvPr/>
+        </p:nvSpPr>
+        <p:spPr>
+          <a:xfrm>
+            <a:off x="2579229" y="1028519"/>
+            <a:ext cx="1981057" cy="1500668"/>
+          </a:xfrm>
+          <a:prstGeom prst="roundRect">
+            <a:avLst/>
+          </a:prstGeom>
+          <a:solidFill>
+            <a:schemeClr val="bg1"/>
+          </a:solidFill>
+          <a:ln w="28575">
+            <a:solidFill>
+              <a:schemeClr val="tx1"/>
+            </a:solidFill>
+          </a:ln>
+        </p:spPr>
+        <p:style>
+          <a:lnRef idx="2">
+            <a:schemeClr val="accent1">
+              <a:shade val="50000"/>
+            </a:schemeClr>
+          </a:lnRef>
+          <a:fillRef idx="1">
+            <a:schemeClr val="accent1"/>
+          </a:fillRef>
+          <a:effectRef idx="0">
+            <a:schemeClr val="accent1"/>
+          </a:effectRef>
+          <a:fontRef idx="minor">
+            <a:schemeClr val="lt1"/>
+          </a:fontRef>
+        </p:style>
+        <p:txBody>
+          <a:bodyPr rtlCol="0" anchor="ctr"/>
+          <a:lstStyle/>
+          <a:p>
+            <a:pPr algn="ctr"/>
             <a:r>
               <a:rPr lang="it-IT" sz="3200" dirty="0">
                 <a:solidFill>
@@ -4224,10 +4733,693 @@
           </a:p>
         </p:txBody>
       </p:sp>
+      <p:sp>
+        <p:nvSpPr>
+          <p:cNvPr id="6" name="CasellaDiTesto 28">
+            <a:extLst>
+              <a:ext uri="{FF2B5EF4-FFF2-40B4-BE49-F238E27FC236}">
+                <a16:creationId xmlns:a16="http://schemas.microsoft.com/office/drawing/2014/main" id="{8D4DC71E-3660-428C-AA62-0AC2E424FF27}"/>
+              </a:ext>
+            </a:extLst>
+          </p:cNvPr>
+          <p:cNvSpPr txBox="1"/>
+          <p:nvPr/>
+        </p:nvSpPr>
+        <p:spPr>
+          <a:xfrm>
+            <a:off x="6074922" y="4001739"/>
+            <a:ext cx="1293558" cy="400110"/>
+          </a:xfrm>
+          <a:prstGeom prst="rect">
+            <a:avLst/>
+          </a:prstGeom>
+          <a:noFill/>
+        </p:spPr>
+        <p:txBody>
+          <a:bodyPr wrap="square" rtlCol="0">
+            <a:spAutoFit/>
+          </a:bodyPr>
+          <a:lstStyle/>
+          <a:p>
+            <a:r>
+              <a:rPr lang="en-GB" sz="2000" dirty="0">
+                <a:latin typeface="Arial" panose="020B0604020202020204" pitchFamily="34" charset="0"/>
+                <a:cs typeface="Arial" panose="020B0604020202020204" pitchFamily="34" charset="0"/>
+              </a:rPr>
+              <a:t>3500 </a:t>
+            </a:r>
+            <a:r>
+              <a:rPr lang="en-GB" sz="2000" dirty="0" err="1">
+                <a:latin typeface="Arial" panose="020B0604020202020204" pitchFamily="34" charset="0"/>
+                <a:cs typeface="Arial" panose="020B0604020202020204" pitchFamily="34" charset="0"/>
+              </a:rPr>
+              <a:t>ms</a:t>
+            </a:r>
+            <a:endParaRPr lang="en-GB" sz="2000" dirty="0">
+              <a:latin typeface="Arial" panose="020B0604020202020204" pitchFamily="34" charset="0"/>
+              <a:cs typeface="Arial" panose="020B0604020202020204" pitchFamily="34" charset="0"/>
+            </a:endParaRPr>
+          </a:p>
+        </p:txBody>
+      </p:sp>
+      <p:sp>
+        <p:nvSpPr>
+          <p:cNvPr id="8" name="CasellaDiTesto 28">
+            <a:extLst>
+              <a:ext uri="{FF2B5EF4-FFF2-40B4-BE49-F238E27FC236}">
+                <a16:creationId xmlns:a16="http://schemas.microsoft.com/office/drawing/2014/main" id="{F425339B-D093-44B9-82F1-262664BDE7B8}"/>
+              </a:ext>
+            </a:extLst>
+          </p:cNvPr>
+          <p:cNvSpPr txBox="1"/>
+          <p:nvPr/>
+        </p:nvSpPr>
+        <p:spPr>
+          <a:xfrm>
+            <a:off x="8031318" y="5184978"/>
+            <a:ext cx="3087942" cy="400110"/>
+          </a:xfrm>
+          <a:prstGeom prst="rect">
+            <a:avLst/>
+          </a:prstGeom>
+          <a:noFill/>
+        </p:spPr>
+        <p:txBody>
+          <a:bodyPr wrap="square" rtlCol="0">
+            <a:spAutoFit/>
+          </a:bodyPr>
+          <a:lstStyle/>
+          <a:p>
+            <a:r>
+              <a:rPr lang="en-GB" sz="2000" dirty="0">
+                <a:latin typeface="Arial" panose="020B0604020202020204" pitchFamily="34" charset="0"/>
+                <a:cs typeface="Arial" panose="020B0604020202020204" pitchFamily="34" charset="0"/>
+              </a:rPr>
+              <a:t>1000 </a:t>
+            </a:r>
+            <a:r>
+              <a:rPr lang="en-GB" sz="2000" dirty="0" err="1">
+                <a:latin typeface="Arial" panose="020B0604020202020204" pitchFamily="34" charset="0"/>
+                <a:cs typeface="Arial" panose="020B0604020202020204" pitchFamily="34" charset="0"/>
+              </a:rPr>
+              <a:t>ms</a:t>
+            </a:r>
+            <a:r>
+              <a:rPr lang="en-GB" sz="2000" dirty="0">
+                <a:latin typeface="Arial" panose="020B0604020202020204" pitchFamily="34" charset="0"/>
+                <a:cs typeface="Arial" panose="020B0604020202020204" pitchFamily="34" charset="0"/>
+              </a:rPr>
+              <a:t> + random ISI </a:t>
+            </a:r>
+          </a:p>
+        </p:txBody>
+      </p:sp>
+      <p:cxnSp>
+        <p:nvCxnSpPr>
+          <p:cNvPr id="9" name="Connettore 2 32">
+            <a:extLst>
+              <a:ext uri="{FF2B5EF4-FFF2-40B4-BE49-F238E27FC236}">
+                <a16:creationId xmlns:a16="http://schemas.microsoft.com/office/drawing/2014/main" id="{32F45C80-D43A-48CF-88AD-3EC057234B9D}"/>
+              </a:ext>
+            </a:extLst>
+          </p:cNvPr>
+          <p:cNvCxnSpPr>
+            <a:cxnSpLocks/>
+          </p:cNvCxnSpPr>
+          <p:nvPr/>
+        </p:nvCxnSpPr>
+        <p:spPr>
+          <a:xfrm>
+            <a:off x="2530475" y="2546491"/>
+            <a:ext cx="5381181" cy="2782838"/>
+          </a:xfrm>
+          <a:prstGeom prst="straightConnector1">
+            <a:avLst/>
+          </a:prstGeom>
+          <a:ln w="38100">
+            <a:solidFill>
+              <a:srgbClr val="FF0000"/>
+            </a:solidFill>
+            <a:tailEnd type="arrow"/>
+          </a:ln>
+        </p:spPr>
+        <p:style>
+          <a:lnRef idx="2">
+            <a:schemeClr val="dk1"/>
+          </a:lnRef>
+          <a:fillRef idx="0">
+            <a:schemeClr val="dk1"/>
+          </a:fillRef>
+          <a:effectRef idx="1">
+            <a:schemeClr val="dk1"/>
+          </a:effectRef>
+          <a:fontRef idx="minor">
+            <a:schemeClr val="tx1"/>
+          </a:fontRef>
+        </p:style>
+      </p:cxnSp>
+      <p:sp>
+        <p:nvSpPr>
+          <p:cNvPr id="10" name="CasellaDiTesto 28">
+            <a:extLst>
+              <a:ext uri="{FF2B5EF4-FFF2-40B4-BE49-F238E27FC236}">
+                <a16:creationId xmlns:a16="http://schemas.microsoft.com/office/drawing/2014/main" id="{B169C700-7490-4845-99FF-7A315F831DB7}"/>
+              </a:ext>
+            </a:extLst>
+          </p:cNvPr>
+          <p:cNvSpPr txBox="1"/>
+          <p:nvPr/>
+        </p:nvSpPr>
+        <p:spPr>
+          <a:xfrm>
+            <a:off x="3052923" y="2507294"/>
+            <a:ext cx="1293558" cy="400110"/>
+          </a:xfrm>
+          <a:prstGeom prst="rect">
+            <a:avLst/>
+          </a:prstGeom>
+          <a:noFill/>
+        </p:spPr>
+        <p:txBody>
+          <a:bodyPr wrap="square" rtlCol="0">
+            <a:spAutoFit/>
+          </a:bodyPr>
+          <a:lstStyle/>
+          <a:p>
+            <a:r>
+              <a:rPr lang="en-GB" sz="2000" dirty="0">
+                <a:latin typeface="Arial" panose="020B0604020202020204" pitchFamily="34" charset="0"/>
+                <a:cs typeface="Arial" panose="020B0604020202020204" pitchFamily="34" charset="0"/>
+              </a:rPr>
+              <a:t>500 </a:t>
+            </a:r>
+            <a:r>
+              <a:rPr lang="en-GB" sz="2000" dirty="0" err="1">
+                <a:latin typeface="Arial" panose="020B0604020202020204" pitchFamily="34" charset="0"/>
+                <a:cs typeface="Arial" panose="020B0604020202020204" pitchFamily="34" charset="0"/>
+              </a:rPr>
+              <a:t>ms</a:t>
+            </a:r>
+            <a:endParaRPr lang="en-GB" sz="2000" dirty="0">
+              <a:latin typeface="Arial" panose="020B0604020202020204" pitchFamily="34" charset="0"/>
+              <a:cs typeface="Arial" panose="020B0604020202020204" pitchFamily="34" charset="0"/>
+            </a:endParaRPr>
+          </a:p>
+        </p:txBody>
+      </p:sp>
+      <p:sp>
+        <p:nvSpPr>
+          <p:cNvPr id="11" name="Rectangle: Rounded Corners 10">
+            <a:extLst>
+              <a:ext uri="{FF2B5EF4-FFF2-40B4-BE49-F238E27FC236}">
+                <a16:creationId xmlns:a16="http://schemas.microsoft.com/office/drawing/2014/main" id="{7DACFB8F-1786-4406-92AB-2BE0BAC5972C}"/>
+              </a:ext>
+            </a:extLst>
+          </p:cNvPr>
+          <p:cNvSpPr/>
+          <p:nvPr/>
+        </p:nvSpPr>
+        <p:spPr>
+          <a:xfrm>
+            <a:off x="4145916" y="2094529"/>
+            <a:ext cx="4254523" cy="1856067"/>
+          </a:xfrm>
+          <a:prstGeom prst="roundRect">
+            <a:avLst/>
+          </a:prstGeom>
+          <a:solidFill>
+            <a:schemeClr val="bg1"/>
+          </a:solidFill>
+          <a:ln w="28575">
+            <a:solidFill>
+              <a:schemeClr val="tx1"/>
+            </a:solidFill>
+          </a:ln>
+        </p:spPr>
+        <p:style>
+          <a:lnRef idx="2">
+            <a:schemeClr val="accent1">
+              <a:shade val="50000"/>
+            </a:schemeClr>
+          </a:lnRef>
+          <a:fillRef idx="1">
+            <a:schemeClr val="accent1"/>
+          </a:fillRef>
+          <a:effectRef idx="0">
+            <a:schemeClr val="accent1"/>
+          </a:effectRef>
+          <a:fontRef idx="minor">
+            <a:schemeClr val="lt1"/>
+          </a:fontRef>
+        </p:style>
+        <p:txBody>
+          <a:bodyPr rtlCol="0" anchor="ctr"/>
+          <a:lstStyle/>
+          <a:p>
+            <a:pPr algn="ctr"/>
+            <a:endParaRPr lang="en-GB" sz="3200" dirty="0">
+              <a:solidFill>
+                <a:schemeClr val="tx1"/>
+              </a:solidFill>
+              <a:latin typeface="Arial" panose="020B0604020202020204" pitchFamily="34" charset="0"/>
+              <a:cs typeface="Arial" panose="020B0604020202020204" pitchFamily="34" charset="0"/>
+            </a:endParaRPr>
+          </a:p>
+        </p:txBody>
+      </p:sp>
+      <p:pic>
+        <p:nvPicPr>
+          <p:cNvPr id="12" name="Picture 11">
+            <a:extLst>
+              <a:ext uri="{FF2B5EF4-FFF2-40B4-BE49-F238E27FC236}">
+                <a16:creationId xmlns:a16="http://schemas.microsoft.com/office/drawing/2014/main" id="{C2F722FE-A00E-4A28-89F3-48DC534D8840}"/>
+              </a:ext>
+            </a:extLst>
+          </p:cNvPr>
+          <p:cNvPicPr>
+            <a:picLocks noChangeAspect="1"/>
+          </p:cNvPicPr>
+          <p:nvPr/>
+        </p:nvPicPr>
+        <p:blipFill>
+          <a:blip r:embed="rId2"/>
+          <a:stretch>
+            <a:fillRect/>
+          </a:stretch>
+        </p:blipFill>
+        <p:spPr>
+          <a:xfrm>
+            <a:off x="4364246" y="2631806"/>
+            <a:ext cx="1040940" cy="856499"/>
+          </a:xfrm>
+          <a:prstGeom prst="rect">
+            <a:avLst/>
+          </a:prstGeom>
+        </p:spPr>
+      </p:pic>
+      <p:grpSp>
+        <p:nvGrpSpPr>
+          <p:cNvPr id="13" name="Gruppo 13">
+            <a:extLst>
+              <a:ext uri="{FF2B5EF4-FFF2-40B4-BE49-F238E27FC236}">
+                <a16:creationId xmlns:a16="http://schemas.microsoft.com/office/drawing/2014/main" id="{3C203CD1-7BC2-4035-B67B-3E694E7E2548}"/>
+              </a:ext>
+            </a:extLst>
+          </p:cNvPr>
+          <p:cNvGrpSpPr/>
+          <p:nvPr/>
+        </p:nvGrpSpPr>
+        <p:grpSpPr>
+          <a:xfrm>
+            <a:off x="4346481" y="2222258"/>
+            <a:ext cx="534256" cy="485091"/>
+            <a:chOff x="439547" y="2285573"/>
+            <a:chExt cx="1136114" cy="1278743"/>
+          </a:xfrm>
+        </p:grpSpPr>
+        <p:sp>
+          <p:nvSpPr>
+            <p:cNvPr id="14" name="Suono 14">
+              <a:hlinkClick r:id="" action="ppaction://noaction" highlightClick="1"/>
+              <a:extLst>
+                <a:ext uri="{FF2B5EF4-FFF2-40B4-BE49-F238E27FC236}">
+                  <a16:creationId xmlns:a16="http://schemas.microsoft.com/office/drawing/2014/main" id="{5F720A5D-CFEC-4CF2-A452-94BF1BBA0008}"/>
+                </a:ext>
+              </a:extLst>
+            </p:cNvPr>
+            <p:cNvSpPr/>
+            <p:nvPr/>
+          </p:nvSpPr>
+          <p:spPr>
+            <a:xfrm>
+              <a:off x="439547" y="2285573"/>
+              <a:ext cx="1136114" cy="1278743"/>
+            </a:xfrm>
+            <a:prstGeom prst="actionButtonSound">
+              <a:avLst/>
+            </a:prstGeom>
+            <a:noFill/>
+            <a:ln w="38100">
+              <a:solidFill>
+                <a:schemeClr val="tx1"/>
+              </a:solidFill>
+            </a:ln>
+          </p:spPr>
+          <p:style>
+            <a:lnRef idx="2">
+              <a:schemeClr val="accent1">
+                <a:shade val="50000"/>
+              </a:schemeClr>
+            </a:lnRef>
+            <a:fillRef idx="1">
+              <a:schemeClr val="accent1"/>
+            </a:fillRef>
+            <a:effectRef idx="0">
+              <a:schemeClr val="accent1"/>
+            </a:effectRef>
+            <a:fontRef idx="minor">
+              <a:schemeClr val="lt1"/>
+            </a:fontRef>
+          </p:style>
+          <p:txBody>
+            <a:bodyPr rtlCol="0" anchor="ctr"/>
+            <a:lstStyle/>
+            <a:p>
+              <a:pPr algn="ctr"/>
+              <a:endParaRPr lang="en-GB" dirty="0"/>
+            </a:p>
+          </p:txBody>
+        </p:sp>
+        <p:sp>
+          <p:nvSpPr>
+            <p:cNvPr id="15" name="Rettangolo 15">
+              <a:extLst>
+                <a:ext uri="{FF2B5EF4-FFF2-40B4-BE49-F238E27FC236}">
+                  <a16:creationId xmlns:a16="http://schemas.microsoft.com/office/drawing/2014/main" id="{79CD7CCB-136C-46F2-A6A9-C8676C4B7F4B}"/>
+                </a:ext>
+              </a:extLst>
+            </p:cNvPr>
+            <p:cNvSpPr/>
+            <p:nvPr/>
+          </p:nvSpPr>
+          <p:spPr>
+            <a:xfrm>
+              <a:off x="439547" y="2285573"/>
+              <a:ext cx="1136114" cy="1278743"/>
+            </a:xfrm>
+            <a:prstGeom prst="rect">
+              <a:avLst/>
+            </a:prstGeom>
+            <a:noFill/>
+            <a:ln w="38100">
+              <a:solidFill>
+                <a:schemeClr val="bg1"/>
+              </a:solidFill>
+            </a:ln>
+          </p:spPr>
+          <p:style>
+            <a:lnRef idx="2">
+              <a:schemeClr val="accent1">
+                <a:shade val="50000"/>
+              </a:schemeClr>
+            </a:lnRef>
+            <a:fillRef idx="1">
+              <a:schemeClr val="accent1"/>
+            </a:fillRef>
+            <a:effectRef idx="0">
+              <a:schemeClr val="accent1"/>
+            </a:effectRef>
+            <a:fontRef idx="minor">
+              <a:schemeClr val="lt1"/>
+            </a:fontRef>
+          </p:style>
+          <p:txBody>
+            <a:bodyPr rtlCol="0" anchor="ctr"/>
+            <a:lstStyle/>
+            <a:p>
+              <a:pPr algn="ctr"/>
+              <a:endParaRPr lang="en-GB"/>
+            </a:p>
+          </p:txBody>
+        </p:sp>
+      </p:grpSp>
+      <p:sp>
+        <p:nvSpPr>
+          <p:cNvPr id="16" name="TextBox 15">
+            <a:extLst>
+              <a:ext uri="{FF2B5EF4-FFF2-40B4-BE49-F238E27FC236}">
+                <a16:creationId xmlns:a16="http://schemas.microsoft.com/office/drawing/2014/main" id="{EA6AF12B-83A8-48D0-BAEB-2D4FD43D5DDF}"/>
+              </a:ext>
+            </a:extLst>
+          </p:cNvPr>
+          <p:cNvSpPr txBox="1"/>
+          <p:nvPr/>
+        </p:nvSpPr>
+        <p:spPr>
+          <a:xfrm>
+            <a:off x="4871022" y="2086762"/>
+            <a:ext cx="1267973" cy="584775"/>
+          </a:xfrm>
+          <a:prstGeom prst="rect">
+            <a:avLst/>
+          </a:prstGeom>
+          <a:noFill/>
+        </p:spPr>
+        <p:txBody>
+          <a:bodyPr wrap="square" rtlCol="0">
+            <a:spAutoFit/>
+          </a:bodyPr>
+          <a:lstStyle/>
+          <a:p>
+            <a:r>
+              <a:rPr lang="it-IT" sz="3200" dirty="0" err="1">
+                <a:latin typeface="Arial" panose="020B0604020202020204" pitchFamily="34" charset="0"/>
+                <a:cs typeface="Arial" panose="020B0604020202020204" pitchFamily="34" charset="0"/>
+              </a:rPr>
+              <a:t>keeb</a:t>
+            </a:r>
+            <a:endParaRPr lang="en-GB" sz="3200" dirty="0">
+              <a:latin typeface="Arial" panose="020B0604020202020204" pitchFamily="34" charset="0"/>
+              <a:cs typeface="Arial" panose="020B0604020202020204" pitchFamily="34" charset="0"/>
+            </a:endParaRPr>
+          </a:p>
+        </p:txBody>
+      </p:sp>
+      <p:sp>
+        <p:nvSpPr>
+          <p:cNvPr id="18" name="Rectangle: Rounded Corners 17">
+            <a:extLst>
+              <a:ext uri="{FF2B5EF4-FFF2-40B4-BE49-F238E27FC236}">
+                <a16:creationId xmlns:a16="http://schemas.microsoft.com/office/drawing/2014/main" id="{0B86A26D-B563-4C06-A0F4-AD1CA36CB0B9}"/>
+              </a:ext>
+            </a:extLst>
+          </p:cNvPr>
+          <p:cNvSpPr/>
+          <p:nvPr/>
+        </p:nvSpPr>
+        <p:spPr>
+          <a:xfrm>
+            <a:off x="7834237" y="3609852"/>
+            <a:ext cx="1981057" cy="1500668"/>
+          </a:xfrm>
+          <a:prstGeom prst="roundRect">
+            <a:avLst/>
+          </a:prstGeom>
+          <a:solidFill>
+            <a:schemeClr val="bg1"/>
+          </a:solidFill>
+          <a:ln w="28575">
+            <a:solidFill>
+              <a:schemeClr val="tx1"/>
+            </a:solidFill>
+          </a:ln>
+        </p:spPr>
+        <p:style>
+          <a:lnRef idx="2">
+            <a:schemeClr val="accent1">
+              <a:shade val="50000"/>
+            </a:schemeClr>
+          </a:lnRef>
+          <a:fillRef idx="1">
+            <a:schemeClr val="accent1"/>
+          </a:fillRef>
+          <a:effectRef idx="0">
+            <a:schemeClr val="accent1"/>
+          </a:effectRef>
+          <a:fontRef idx="minor">
+            <a:schemeClr val="lt1"/>
+          </a:fontRef>
+        </p:style>
+        <p:txBody>
+          <a:bodyPr rtlCol="0" anchor="ctr"/>
+          <a:lstStyle/>
+          <a:p>
+            <a:pPr algn="ctr"/>
+            <a:endParaRPr lang="en-GB" sz="3200" dirty="0">
+              <a:solidFill>
+                <a:schemeClr val="tx1"/>
+              </a:solidFill>
+              <a:latin typeface="Arial" panose="020B0604020202020204" pitchFamily="34" charset="0"/>
+              <a:cs typeface="Arial" panose="020B0604020202020204" pitchFamily="34" charset="0"/>
+            </a:endParaRPr>
+          </a:p>
+        </p:txBody>
+      </p:sp>
+      <p:sp>
+        <p:nvSpPr>
+          <p:cNvPr id="28" name="TextBox 27">
+            <a:extLst>
+              <a:ext uri="{FF2B5EF4-FFF2-40B4-BE49-F238E27FC236}">
+                <a16:creationId xmlns:a16="http://schemas.microsoft.com/office/drawing/2014/main" id="{5F435B34-0E34-4EE1-A85F-CC969E5B95CC}"/>
+              </a:ext>
+            </a:extLst>
+          </p:cNvPr>
+          <p:cNvSpPr txBox="1"/>
+          <p:nvPr/>
+        </p:nvSpPr>
+        <p:spPr>
+          <a:xfrm>
+            <a:off x="4613609" y="1144363"/>
+            <a:ext cx="3783806" cy="830997"/>
+          </a:xfrm>
+          <a:prstGeom prst="rect">
+            <a:avLst/>
+          </a:prstGeom>
+          <a:noFill/>
+        </p:spPr>
+        <p:txBody>
+          <a:bodyPr wrap="square" rtlCol="0">
+            <a:spAutoFit/>
+          </a:bodyPr>
+          <a:lstStyle/>
+          <a:p>
+            <a:r>
+              <a:rPr lang="it-IT" sz="2400" i="1" dirty="0">
+                <a:latin typeface="Arial" panose="020B0604020202020204" pitchFamily="34" charset="0"/>
+                <a:cs typeface="Arial" panose="020B0604020202020204" pitchFamily="34" charset="0"/>
+              </a:rPr>
+              <a:t>«Select the </a:t>
+            </a:r>
+            <a:r>
+              <a:rPr lang="it-IT" sz="2400" b="1" i="1" dirty="0" err="1">
+                <a:latin typeface="Arial" panose="020B0604020202020204" pitchFamily="34" charset="0"/>
+                <a:cs typeface="Arial" panose="020B0604020202020204" pitchFamily="34" charset="0"/>
+              </a:rPr>
+              <a:t>fribble</a:t>
+            </a:r>
+            <a:r>
+              <a:rPr lang="it-IT" sz="2400" i="1" dirty="0">
+                <a:latin typeface="Arial" panose="020B0604020202020204" pitchFamily="34" charset="0"/>
+                <a:cs typeface="Arial" panose="020B0604020202020204" pitchFamily="34" charset="0"/>
+              </a:rPr>
+              <a:t> </a:t>
+            </a:r>
+            <a:r>
+              <a:rPr lang="it-IT" sz="2400" i="1" dirty="0" err="1">
+                <a:latin typeface="Arial" panose="020B0604020202020204" pitchFamily="34" charset="0"/>
+                <a:cs typeface="Arial" panose="020B0604020202020204" pitchFamily="34" charset="0"/>
+              </a:rPr>
+              <a:t>that</a:t>
+            </a:r>
+            <a:r>
+              <a:rPr lang="it-IT" sz="2400" i="1" dirty="0">
+                <a:latin typeface="Arial" panose="020B0604020202020204" pitchFamily="34" charset="0"/>
+                <a:cs typeface="Arial" panose="020B0604020202020204" pitchFamily="34" charset="0"/>
+              </a:rPr>
+              <a:t> best matches the </a:t>
+            </a:r>
+            <a:r>
+              <a:rPr lang="it-IT" sz="2400" b="1" i="1" dirty="0">
+                <a:latin typeface="Arial" panose="020B0604020202020204" pitchFamily="34" charset="0"/>
+                <a:cs typeface="Arial" panose="020B0604020202020204" pitchFamily="34" charset="0"/>
+              </a:rPr>
+              <a:t>name</a:t>
+            </a:r>
+            <a:r>
+              <a:rPr lang="it-IT" sz="2400" i="1" dirty="0">
+                <a:latin typeface="Arial" panose="020B0604020202020204" pitchFamily="34" charset="0"/>
+                <a:cs typeface="Arial" panose="020B0604020202020204" pitchFamily="34" charset="0"/>
+              </a:rPr>
+              <a:t>»</a:t>
+            </a:r>
+            <a:endParaRPr lang="en-GB" sz="2400" i="1" dirty="0">
+              <a:latin typeface="Arial" panose="020B0604020202020204" pitchFamily="34" charset="0"/>
+              <a:cs typeface="Arial" panose="020B0604020202020204" pitchFamily="34" charset="0"/>
+            </a:endParaRPr>
+          </a:p>
+        </p:txBody>
+      </p:sp>
+      <p:pic>
+        <p:nvPicPr>
+          <p:cNvPr id="29" name="Picture 28">
+            <a:extLst>
+              <a:ext uri="{FF2B5EF4-FFF2-40B4-BE49-F238E27FC236}">
+                <a16:creationId xmlns:a16="http://schemas.microsoft.com/office/drawing/2014/main" id="{0E207948-3620-4660-AB5D-495A9373849B}"/>
+              </a:ext>
+            </a:extLst>
+          </p:cNvPr>
+          <p:cNvPicPr>
+            <a:picLocks noChangeAspect="1"/>
+          </p:cNvPicPr>
+          <p:nvPr/>
+        </p:nvPicPr>
+        <p:blipFill rotWithShape="1">
+          <a:blip r:embed="rId3"/>
+          <a:srcRect l="9421"/>
+          <a:stretch/>
+        </p:blipFill>
+        <p:spPr>
+          <a:xfrm>
+            <a:off x="5331304" y="2573753"/>
+            <a:ext cx="1098646" cy="927148"/>
+          </a:xfrm>
+          <a:prstGeom prst="rect">
+            <a:avLst/>
+          </a:prstGeom>
+        </p:spPr>
+      </p:pic>
+      <p:pic>
+        <p:nvPicPr>
+          <p:cNvPr id="30" name="Picture 29">
+            <a:extLst>
+              <a:ext uri="{FF2B5EF4-FFF2-40B4-BE49-F238E27FC236}">
+                <a16:creationId xmlns:a16="http://schemas.microsoft.com/office/drawing/2014/main" id="{85984977-6355-449D-8EA0-90BCCF426976}"/>
+              </a:ext>
+            </a:extLst>
+          </p:cNvPr>
+          <p:cNvPicPr>
+            <a:picLocks noChangeAspect="1"/>
+          </p:cNvPicPr>
+          <p:nvPr/>
+        </p:nvPicPr>
+        <p:blipFill rotWithShape="1">
+          <a:blip r:embed="rId4"/>
+          <a:srcRect l="9017" r="11620"/>
+          <a:stretch/>
+        </p:blipFill>
+        <p:spPr>
+          <a:xfrm>
+            <a:off x="6363275" y="2463263"/>
+            <a:ext cx="957568" cy="1016052"/>
+          </a:xfrm>
+          <a:prstGeom prst="rect">
+            <a:avLst/>
+          </a:prstGeom>
+        </p:spPr>
+      </p:pic>
+      <p:pic>
+        <p:nvPicPr>
+          <p:cNvPr id="31" name="Picture 30">
+            <a:extLst>
+              <a:ext uri="{FF2B5EF4-FFF2-40B4-BE49-F238E27FC236}">
+                <a16:creationId xmlns:a16="http://schemas.microsoft.com/office/drawing/2014/main" id="{6CB96256-BB51-4DCC-9ED8-023B5D8D8802}"/>
+              </a:ext>
+            </a:extLst>
+          </p:cNvPr>
+          <p:cNvPicPr>
+            <a:picLocks noChangeAspect="1"/>
+          </p:cNvPicPr>
+          <p:nvPr/>
+        </p:nvPicPr>
+        <p:blipFill rotWithShape="1">
+          <a:blip r:embed="rId5"/>
+          <a:srcRect l="8065"/>
+          <a:stretch/>
+        </p:blipFill>
+        <p:spPr>
+          <a:xfrm>
+            <a:off x="7349665" y="2597634"/>
+            <a:ext cx="969144" cy="825542"/>
+          </a:xfrm>
+          <a:prstGeom prst="rect">
+            <a:avLst/>
+          </a:prstGeom>
+        </p:spPr>
+      </p:pic>
     </p:spTree>
     <p:extLst>
       <p:ext uri="{BB962C8B-B14F-4D97-AF65-F5344CB8AC3E}">
-        <p14:creationId xmlns:p14="http://schemas.microsoft.com/office/powerpoint/2010/main" val="3067119867"/>
+        <p14:creationId xmlns:p14="http://schemas.microsoft.com/office/powerpoint/2010/main" val="1970319586"/>
       </p:ext>
     </p:extLst>
   </p:cSld>

--- a/exp1/script/testing/timelineTesting.pptx
+++ b/exp1/script/testing/timelineTesting.pptx
@@ -7,6 +7,7 @@
   <p:sldIdLst>
     <p:sldId id="256" r:id="rId2"/>
     <p:sldId id="257" r:id="rId3"/>
+    <p:sldId id="258" r:id="rId4"/>
   </p:sldIdLst>
   <p:sldSz cx="12192000" cy="6858000"/>
   <p:notesSz cx="6858000" cy="9144000"/>
@@ -262,7 +263,7 @@
           <a:p>
             <a:fld id="{B1B915C8-2E81-429A-BD90-45E424FDD57F}" type="datetimeFigureOut">
               <a:rPr lang="en-GB" smtClean="0"/>
-              <a:t>27/03/2020</a:t>
+              <a:t>28/03/2020</a:t>
             </a:fld>
             <a:endParaRPr lang="en-GB"/>
           </a:p>
@@ -462,7 +463,7 @@
           <a:p>
             <a:fld id="{B1B915C8-2E81-429A-BD90-45E424FDD57F}" type="datetimeFigureOut">
               <a:rPr lang="en-GB" smtClean="0"/>
-              <a:t>27/03/2020</a:t>
+              <a:t>28/03/2020</a:t>
             </a:fld>
             <a:endParaRPr lang="en-GB"/>
           </a:p>
@@ -672,7 +673,7 @@
           <a:p>
             <a:fld id="{B1B915C8-2E81-429A-BD90-45E424FDD57F}" type="datetimeFigureOut">
               <a:rPr lang="en-GB" smtClean="0"/>
-              <a:t>27/03/2020</a:t>
+              <a:t>28/03/2020</a:t>
             </a:fld>
             <a:endParaRPr lang="en-GB"/>
           </a:p>
@@ -872,7 +873,7 @@
           <a:p>
             <a:fld id="{B1B915C8-2E81-429A-BD90-45E424FDD57F}" type="datetimeFigureOut">
               <a:rPr lang="en-GB" smtClean="0"/>
-              <a:t>27/03/2020</a:t>
+              <a:t>28/03/2020</a:t>
             </a:fld>
             <a:endParaRPr lang="en-GB"/>
           </a:p>
@@ -1148,7 +1149,7 @@
           <a:p>
             <a:fld id="{B1B915C8-2E81-429A-BD90-45E424FDD57F}" type="datetimeFigureOut">
               <a:rPr lang="en-GB" smtClean="0"/>
-              <a:t>27/03/2020</a:t>
+              <a:t>28/03/2020</a:t>
             </a:fld>
             <a:endParaRPr lang="en-GB"/>
           </a:p>
@@ -1416,7 +1417,7 @@
           <a:p>
             <a:fld id="{B1B915C8-2E81-429A-BD90-45E424FDD57F}" type="datetimeFigureOut">
               <a:rPr lang="en-GB" smtClean="0"/>
-              <a:t>27/03/2020</a:t>
+              <a:t>28/03/2020</a:t>
             </a:fld>
             <a:endParaRPr lang="en-GB"/>
           </a:p>
@@ -1831,7 +1832,7 @@
           <a:p>
             <a:fld id="{B1B915C8-2E81-429A-BD90-45E424FDD57F}" type="datetimeFigureOut">
               <a:rPr lang="en-GB" smtClean="0"/>
-              <a:t>27/03/2020</a:t>
+              <a:t>28/03/2020</a:t>
             </a:fld>
             <a:endParaRPr lang="en-GB"/>
           </a:p>
@@ -1973,7 +1974,7 @@
           <a:p>
             <a:fld id="{B1B915C8-2E81-429A-BD90-45E424FDD57F}" type="datetimeFigureOut">
               <a:rPr lang="en-GB" smtClean="0"/>
-              <a:t>27/03/2020</a:t>
+              <a:t>28/03/2020</a:t>
             </a:fld>
             <a:endParaRPr lang="en-GB"/>
           </a:p>
@@ -2086,7 +2087,7 @@
           <a:p>
             <a:fld id="{B1B915C8-2E81-429A-BD90-45E424FDD57F}" type="datetimeFigureOut">
               <a:rPr lang="en-GB" smtClean="0"/>
-              <a:t>27/03/2020</a:t>
+              <a:t>28/03/2020</a:t>
             </a:fld>
             <a:endParaRPr lang="en-GB"/>
           </a:p>
@@ -2399,7 +2400,7 @@
           <a:p>
             <a:fld id="{B1B915C8-2E81-429A-BD90-45E424FDD57F}" type="datetimeFigureOut">
               <a:rPr lang="en-GB" smtClean="0"/>
-              <a:t>27/03/2020</a:t>
+              <a:t>28/03/2020</a:t>
             </a:fld>
             <a:endParaRPr lang="en-GB"/>
           </a:p>
@@ -2688,7 +2689,7 @@
           <a:p>
             <a:fld id="{B1B915C8-2E81-429A-BD90-45E424FDD57F}" type="datetimeFigureOut">
               <a:rPr lang="en-GB" smtClean="0"/>
-              <a:t>27/03/2020</a:t>
+              <a:t>28/03/2020</a:t>
             </a:fld>
             <a:endParaRPr lang="en-GB"/>
           </a:p>
@@ -2931,7 +2932,7 @@
           <a:p>
             <a:fld id="{B1B915C8-2E81-429A-BD90-45E424FDD57F}" type="datetimeFigureOut">
               <a:rPr lang="en-GB" smtClean="0"/>
-              <a:t>27/03/2020</a:t>
+              <a:t>28/03/2020</a:t>
             </a:fld>
             <a:endParaRPr lang="en-GB"/>
           </a:p>
@@ -5429,6 +5430,1250 @@
 </p:sld>
 </file>
 
+<file path=ppt/slides/slide3.xml><?xml version="1.0" encoding="utf-8"?>
+<p:sld xmlns:a="http://schemas.openxmlformats.org/drawingml/2006/main" xmlns:r="http://schemas.openxmlformats.org/officeDocument/2006/relationships" xmlns:p="http://schemas.openxmlformats.org/presentationml/2006/main">
+  <p:cSld>
+    <p:spTree>
+      <p:nvGrpSpPr>
+        <p:cNvPr id="1" name=""/>
+        <p:cNvGrpSpPr/>
+        <p:nvPr/>
+      </p:nvGrpSpPr>
+      <p:grpSpPr>
+        <a:xfrm>
+          <a:off x="0" y="0"/>
+          <a:ext cx="0" cy="0"/>
+          <a:chOff x="0" y="0"/>
+          <a:chExt cx="0" cy="0"/>
+        </a:xfrm>
+      </p:grpSpPr>
+      <p:sp>
+        <p:nvSpPr>
+          <p:cNvPr id="4" name="TextBox 3">
+            <a:extLst>
+              <a:ext uri="{FF2B5EF4-FFF2-40B4-BE49-F238E27FC236}">
+                <a16:creationId xmlns:a16="http://schemas.microsoft.com/office/drawing/2014/main" id="{97ADA43C-E64E-4A7A-A395-958080FF3B7C}"/>
+              </a:ext>
+            </a:extLst>
+          </p:cNvPr>
+          <p:cNvSpPr txBox="1"/>
+          <p:nvPr/>
+        </p:nvSpPr>
+        <p:spPr>
+          <a:xfrm>
+            <a:off x="2532818" y="131021"/>
+            <a:ext cx="6858000" cy="584775"/>
+          </a:xfrm>
+          <a:prstGeom prst="rect">
+            <a:avLst/>
+          </a:prstGeom>
+          <a:noFill/>
+        </p:spPr>
+        <p:txBody>
+          <a:bodyPr wrap="square" rtlCol="0">
+            <a:spAutoFit/>
+          </a:bodyPr>
+          <a:lstStyle/>
+          <a:p>
+            <a:pPr algn="ctr"/>
+            <a:r>
+              <a:rPr lang="it-IT" sz="3200" dirty="0" err="1">
+                <a:latin typeface="Arial" panose="020B0604020202020204" pitchFamily="34" charset="0"/>
+                <a:cs typeface="Arial" panose="020B0604020202020204" pitchFamily="34" charset="0"/>
+              </a:rPr>
+              <a:t>Magnitude</a:t>
+            </a:r>
+            <a:r>
+              <a:rPr lang="it-IT" sz="3200" dirty="0">
+                <a:latin typeface="Arial" panose="020B0604020202020204" pitchFamily="34" charset="0"/>
+                <a:cs typeface="Arial" panose="020B0604020202020204" pitchFamily="34" charset="0"/>
+              </a:rPr>
+              <a:t> </a:t>
+            </a:r>
+            <a:r>
+              <a:rPr lang="it-IT" sz="3200" dirty="0" err="1">
+                <a:latin typeface="Arial" panose="020B0604020202020204" pitchFamily="34" charset="0"/>
+                <a:cs typeface="Arial" panose="020B0604020202020204" pitchFamily="34" charset="0"/>
+              </a:rPr>
+              <a:t>estimation</a:t>
+            </a:r>
+            <a:r>
+              <a:rPr lang="it-IT" sz="3200" dirty="0">
+                <a:latin typeface="Arial" panose="020B0604020202020204" pitchFamily="34" charset="0"/>
+                <a:cs typeface="Arial" panose="020B0604020202020204" pitchFamily="34" charset="0"/>
+              </a:rPr>
+              <a:t> task</a:t>
+            </a:r>
+            <a:endParaRPr lang="en-GB" sz="3200" dirty="0">
+              <a:latin typeface="Arial" panose="020B0604020202020204" pitchFamily="34" charset="0"/>
+              <a:cs typeface="Arial" panose="020B0604020202020204" pitchFamily="34" charset="0"/>
+            </a:endParaRPr>
+          </a:p>
+        </p:txBody>
+      </p:sp>
+      <p:sp>
+        <p:nvSpPr>
+          <p:cNvPr id="13" name="CasellaDiTesto 28">
+            <a:extLst>
+              <a:ext uri="{FF2B5EF4-FFF2-40B4-BE49-F238E27FC236}">
+                <a16:creationId xmlns:a16="http://schemas.microsoft.com/office/drawing/2014/main" id="{A07B1D01-78C2-4943-B2B5-6EAC29CBD878}"/>
+              </a:ext>
+            </a:extLst>
+          </p:cNvPr>
+          <p:cNvSpPr txBox="1"/>
+          <p:nvPr/>
+        </p:nvSpPr>
+        <p:spPr>
+          <a:xfrm>
+            <a:off x="5898483" y="4186741"/>
+            <a:ext cx="1293558" cy="400110"/>
+          </a:xfrm>
+          <a:prstGeom prst="rect">
+            <a:avLst/>
+          </a:prstGeom>
+          <a:noFill/>
+        </p:spPr>
+        <p:txBody>
+          <a:bodyPr wrap="square" rtlCol="0">
+            <a:spAutoFit/>
+          </a:bodyPr>
+          <a:lstStyle/>
+          <a:p>
+            <a:r>
+              <a:rPr lang="en-GB" sz="2000" dirty="0">
+                <a:latin typeface="Arial" panose="020B0604020202020204" pitchFamily="34" charset="0"/>
+                <a:cs typeface="Arial" panose="020B0604020202020204" pitchFamily="34" charset="0"/>
+              </a:rPr>
+              <a:t>500 </a:t>
+            </a:r>
+            <a:r>
+              <a:rPr lang="en-GB" sz="2000" dirty="0" err="1">
+                <a:latin typeface="Arial" panose="020B0604020202020204" pitchFamily="34" charset="0"/>
+                <a:cs typeface="Arial" panose="020B0604020202020204" pitchFamily="34" charset="0"/>
+              </a:rPr>
+              <a:t>ms</a:t>
+            </a:r>
+            <a:endParaRPr lang="en-GB" sz="2000" dirty="0">
+              <a:latin typeface="Arial" panose="020B0604020202020204" pitchFamily="34" charset="0"/>
+              <a:cs typeface="Arial" panose="020B0604020202020204" pitchFamily="34" charset="0"/>
+            </a:endParaRPr>
+          </a:p>
+        </p:txBody>
+      </p:sp>
+      <p:sp>
+        <p:nvSpPr>
+          <p:cNvPr id="20" name="CasellaDiTesto 28">
+            <a:extLst>
+              <a:ext uri="{FF2B5EF4-FFF2-40B4-BE49-F238E27FC236}">
+                <a16:creationId xmlns:a16="http://schemas.microsoft.com/office/drawing/2014/main" id="{7A73D548-CDDE-4A7C-8065-03BFA923AEF2}"/>
+              </a:ext>
+            </a:extLst>
+          </p:cNvPr>
+          <p:cNvSpPr txBox="1"/>
+          <p:nvPr/>
+        </p:nvSpPr>
+        <p:spPr>
+          <a:xfrm>
+            <a:off x="7943760" y="5646884"/>
+            <a:ext cx="3087942" cy="400110"/>
+          </a:xfrm>
+          <a:prstGeom prst="rect">
+            <a:avLst/>
+          </a:prstGeom>
+          <a:noFill/>
+        </p:spPr>
+        <p:txBody>
+          <a:bodyPr wrap="square" rtlCol="0">
+            <a:spAutoFit/>
+          </a:bodyPr>
+          <a:lstStyle/>
+          <a:p>
+            <a:r>
+              <a:rPr lang="en-GB" sz="2000" dirty="0">
+                <a:latin typeface="Arial" panose="020B0604020202020204" pitchFamily="34" charset="0"/>
+                <a:cs typeface="Arial" panose="020B0604020202020204" pitchFamily="34" charset="0"/>
+              </a:rPr>
+              <a:t>2000 </a:t>
+            </a:r>
+            <a:r>
+              <a:rPr lang="en-GB" sz="2000" dirty="0" err="1">
+                <a:latin typeface="Arial" panose="020B0604020202020204" pitchFamily="34" charset="0"/>
+                <a:cs typeface="Arial" panose="020B0604020202020204" pitchFamily="34" charset="0"/>
+              </a:rPr>
+              <a:t>ms</a:t>
+            </a:r>
+            <a:r>
+              <a:rPr lang="en-GB" sz="2000" dirty="0">
+                <a:latin typeface="Arial" panose="020B0604020202020204" pitchFamily="34" charset="0"/>
+                <a:cs typeface="Arial" panose="020B0604020202020204" pitchFamily="34" charset="0"/>
+              </a:rPr>
+              <a:t> + random ISI </a:t>
+            </a:r>
+          </a:p>
+        </p:txBody>
+      </p:sp>
+      <p:cxnSp>
+        <p:nvCxnSpPr>
+          <p:cNvPr id="18" name="Connettore 2 32">
+            <a:extLst>
+              <a:ext uri="{FF2B5EF4-FFF2-40B4-BE49-F238E27FC236}">
+                <a16:creationId xmlns:a16="http://schemas.microsoft.com/office/drawing/2014/main" id="{F9E12B3F-CC39-455F-B354-E4E6D27D3914}"/>
+              </a:ext>
+            </a:extLst>
+          </p:cNvPr>
+          <p:cNvCxnSpPr>
+            <a:cxnSpLocks/>
+          </p:cNvCxnSpPr>
+          <p:nvPr/>
+        </p:nvCxnSpPr>
+        <p:spPr>
+          <a:xfrm>
+            <a:off x="2906961" y="2497863"/>
+            <a:ext cx="5347516" cy="4177975"/>
+          </a:xfrm>
+          <a:prstGeom prst="straightConnector1">
+            <a:avLst/>
+          </a:prstGeom>
+          <a:ln w="38100">
+            <a:solidFill>
+              <a:srgbClr val="FF0000"/>
+            </a:solidFill>
+            <a:tailEnd type="arrow"/>
+          </a:ln>
+        </p:spPr>
+        <p:style>
+          <a:lnRef idx="2">
+            <a:schemeClr val="dk1"/>
+          </a:lnRef>
+          <a:fillRef idx="0">
+            <a:schemeClr val="dk1"/>
+          </a:fillRef>
+          <a:effectRef idx="1">
+            <a:schemeClr val="dk1"/>
+          </a:effectRef>
+          <a:fontRef idx="minor">
+            <a:schemeClr val="tx1"/>
+          </a:fontRef>
+        </p:style>
+      </p:cxnSp>
+      <p:sp>
+        <p:nvSpPr>
+          <p:cNvPr id="23" name="CasellaDiTesto 28">
+            <a:extLst>
+              <a:ext uri="{FF2B5EF4-FFF2-40B4-BE49-F238E27FC236}">
+                <a16:creationId xmlns:a16="http://schemas.microsoft.com/office/drawing/2014/main" id="{98ACC3D0-6389-4BE4-967C-523492CB06B2}"/>
+              </a:ext>
+            </a:extLst>
+          </p:cNvPr>
+          <p:cNvSpPr txBox="1"/>
+          <p:nvPr/>
+        </p:nvSpPr>
+        <p:spPr>
+          <a:xfrm>
+            <a:off x="3948895" y="2819171"/>
+            <a:ext cx="1293558" cy="400110"/>
+          </a:xfrm>
+          <a:prstGeom prst="rect">
+            <a:avLst/>
+          </a:prstGeom>
+          <a:noFill/>
+        </p:spPr>
+        <p:txBody>
+          <a:bodyPr wrap="square" rtlCol="0">
+            <a:spAutoFit/>
+          </a:bodyPr>
+          <a:lstStyle/>
+          <a:p>
+            <a:r>
+              <a:rPr lang="en-GB" sz="2000" dirty="0">
+                <a:latin typeface="Arial" panose="020B0604020202020204" pitchFamily="34" charset="0"/>
+                <a:cs typeface="Arial" panose="020B0604020202020204" pitchFamily="34" charset="0"/>
+              </a:rPr>
+              <a:t>500 </a:t>
+            </a:r>
+            <a:r>
+              <a:rPr lang="en-GB" sz="2000" dirty="0" err="1">
+                <a:latin typeface="Arial" panose="020B0604020202020204" pitchFamily="34" charset="0"/>
+                <a:cs typeface="Arial" panose="020B0604020202020204" pitchFamily="34" charset="0"/>
+              </a:rPr>
+              <a:t>ms</a:t>
+            </a:r>
+            <a:endParaRPr lang="en-GB" sz="2000" dirty="0">
+              <a:latin typeface="Arial" panose="020B0604020202020204" pitchFamily="34" charset="0"/>
+              <a:cs typeface="Arial" panose="020B0604020202020204" pitchFamily="34" charset="0"/>
+            </a:endParaRPr>
+          </a:p>
+        </p:txBody>
+      </p:sp>
+      <p:sp>
+        <p:nvSpPr>
+          <p:cNvPr id="33" name="Rectangle: Rounded Corners 32">
+            <a:extLst>
+              <a:ext uri="{FF2B5EF4-FFF2-40B4-BE49-F238E27FC236}">
+                <a16:creationId xmlns:a16="http://schemas.microsoft.com/office/drawing/2014/main" id="{343DEA30-A365-4F48-93E2-E67175CF8E59}"/>
+              </a:ext>
+            </a:extLst>
+          </p:cNvPr>
+          <p:cNvSpPr/>
+          <p:nvPr/>
+        </p:nvSpPr>
+        <p:spPr>
+          <a:xfrm>
+            <a:off x="3338024" y="755791"/>
+            <a:ext cx="2623794" cy="2013511"/>
+          </a:xfrm>
+          <a:prstGeom prst="roundRect">
+            <a:avLst/>
+          </a:prstGeom>
+          <a:solidFill>
+            <a:schemeClr val="bg1"/>
+          </a:solidFill>
+          <a:ln w="28575">
+            <a:solidFill>
+              <a:schemeClr val="tx1"/>
+            </a:solidFill>
+          </a:ln>
+        </p:spPr>
+        <p:style>
+          <a:lnRef idx="2">
+            <a:schemeClr val="accent1">
+              <a:shade val="50000"/>
+            </a:schemeClr>
+          </a:lnRef>
+          <a:fillRef idx="1">
+            <a:schemeClr val="accent1"/>
+          </a:fillRef>
+          <a:effectRef idx="0">
+            <a:schemeClr val="accent1"/>
+          </a:effectRef>
+          <a:fontRef idx="minor">
+            <a:schemeClr val="lt1"/>
+          </a:fontRef>
+        </p:style>
+        <p:txBody>
+          <a:bodyPr rtlCol="0" anchor="ctr"/>
+          <a:lstStyle/>
+          <a:p>
+            <a:pPr algn="ctr"/>
+            <a:r>
+              <a:rPr lang="it-IT" sz="3200" dirty="0">
+                <a:solidFill>
+                  <a:schemeClr val="tx1"/>
+                </a:solidFill>
+                <a:latin typeface="Arial" panose="020B0604020202020204" pitchFamily="34" charset="0"/>
+                <a:cs typeface="Arial" panose="020B0604020202020204" pitchFamily="34" charset="0"/>
+              </a:rPr>
+              <a:t>+</a:t>
+            </a:r>
+            <a:endParaRPr lang="en-GB" sz="3200" dirty="0">
+              <a:solidFill>
+                <a:schemeClr val="tx1"/>
+              </a:solidFill>
+              <a:latin typeface="Arial" panose="020B0604020202020204" pitchFamily="34" charset="0"/>
+              <a:cs typeface="Arial" panose="020B0604020202020204" pitchFamily="34" charset="0"/>
+            </a:endParaRPr>
+          </a:p>
+        </p:txBody>
+      </p:sp>
+      <p:sp>
+        <p:nvSpPr>
+          <p:cNvPr id="21" name="Rectangle: Rounded Corners 20">
+            <a:extLst>
+              <a:ext uri="{FF2B5EF4-FFF2-40B4-BE49-F238E27FC236}">
+                <a16:creationId xmlns:a16="http://schemas.microsoft.com/office/drawing/2014/main" id="{3D91D399-AE7D-4BA4-95BC-234B62F1FFF6}"/>
+              </a:ext>
+            </a:extLst>
+          </p:cNvPr>
+          <p:cNvSpPr/>
+          <p:nvPr/>
+        </p:nvSpPr>
+        <p:spPr>
+          <a:xfrm>
+            <a:off x="5285031" y="2158244"/>
+            <a:ext cx="2623794" cy="2013511"/>
+          </a:xfrm>
+          <a:prstGeom prst="roundRect">
+            <a:avLst/>
+          </a:prstGeom>
+          <a:solidFill>
+            <a:schemeClr val="bg1"/>
+          </a:solidFill>
+          <a:ln w="28575">
+            <a:solidFill>
+              <a:schemeClr val="tx1"/>
+            </a:solidFill>
+          </a:ln>
+        </p:spPr>
+        <p:style>
+          <a:lnRef idx="2">
+            <a:schemeClr val="accent1">
+              <a:shade val="50000"/>
+            </a:schemeClr>
+          </a:lnRef>
+          <a:fillRef idx="1">
+            <a:schemeClr val="accent1"/>
+          </a:fillRef>
+          <a:effectRef idx="0">
+            <a:schemeClr val="accent1"/>
+          </a:effectRef>
+          <a:fontRef idx="minor">
+            <a:schemeClr val="lt1"/>
+          </a:fontRef>
+        </p:style>
+        <p:txBody>
+          <a:bodyPr rtlCol="0" anchor="ctr"/>
+          <a:lstStyle/>
+          <a:p>
+            <a:pPr algn="ctr"/>
+            <a:endParaRPr lang="en-GB" sz="3200" dirty="0">
+              <a:solidFill>
+                <a:schemeClr val="tx1"/>
+              </a:solidFill>
+              <a:latin typeface="Arial" panose="020B0604020202020204" pitchFamily="34" charset="0"/>
+              <a:cs typeface="Arial" panose="020B0604020202020204" pitchFamily="34" charset="0"/>
+            </a:endParaRPr>
+          </a:p>
+        </p:txBody>
+      </p:sp>
+      <p:sp>
+        <p:nvSpPr>
+          <p:cNvPr id="34" name="Rectangle: Rounded Corners 33">
+            <a:extLst>
+              <a:ext uri="{FF2B5EF4-FFF2-40B4-BE49-F238E27FC236}">
+                <a16:creationId xmlns:a16="http://schemas.microsoft.com/office/drawing/2014/main" id="{3575FF60-E865-443B-A7CE-21B7AF578AA4}"/>
+              </a:ext>
+            </a:extLst>
+          </p:cNvPr>
+          <p:cNvSpPr/>
+          <p:nvPr/>
+        </p:nvSpPr>
+        <p:spPr>
+          <a:xfrm>
+            <a:off x="7232038" y="3633373"/>
+            <a:ext cx="2623794" cy="2013511"/>
+          </a:xfrm>
+          <a:prstGeom prst="roundRect">
+            <a:avLst/>
+          </a:prstGeom>
+          <a:solidFill>
+            <a:schemeClr val="bg1"/>
+          </a:solidFill>
+          <a:ln w="28575">
+            <a:solidFill>
+              <a:schemeClr val="tx1"/>
+            </a:solidFill>
+          </a:ln>
+        </p:spPr>
+        <p:style>
+          <a:lnRef idx="2">
+            <a:schemeClr val="accent1">
+              <a:shade val="50000"/>
+            </a:schemeClr>
+          </a:lnRef>
+          <a:fillRef idx="1">
+            <a:schemeClr val="accent1"/>
+          </a:fillRef>
+          <a:effectRef idx="0">
+            <a:schemeClr val="accent1"/>
+          </a:effectRef>
+          <a:fontRef idx="minor">
+            <a:schemeClr val="lt1"/>
+          </a:fontRef>
+        </p:style>
+        <p:txBody>
+          <a:bodyPr rtlCol="0" anchor="ctr"/>
+          <a:lstStyle/>
+          <a:p>
+            <a:pPr algn="ctr"/>
+            <a:r>
+              <a:rPr lang="it-IT" sz="3200" dirty="0">
+                <a:solidFill>
+                  <a:schemeClr val="tx1"/>
+                </a:solidFill>
+                <a:latin typeface="Arial" panose="020B0604020202020204" pitchFamily="34" charset="0"/>
+                <a:cs typeface="Arial" panose="020B0604020202020204" pitchFamily="34" charset="0"/>
+              </a:rPr>
+              <a:t>- - - -</a:t>
+            </a:r>
+            <a:endParaRPr lang="en-GB" sz="3200" dirty="0">
+              <a:solidFill>
+                <a:schemeClr val="tx1"/>
+              </a:solidFill>
+              <a:latin typeface="Arial" panose="020B0604020202020204" pitchFamily="34" charset="0"/>
+              <a:cs typeface="Arial" panose="020B0604020202020204" pitchFamily="34" charset="0"/>
+            </a:endParaRPr>
+          </a:p>
+        </p:txBody>
+      </p:sp>
+      <p:sp>
+        <p:nvSpPr>
+          <p:cNvPr id="3" name="Oval 2">
+            <a:extLst>
+              <a:ext uri="{FF2B5EF4-FFF2-40B4-BE49-F238E27FC236}">
+                <a16:creationId xmlns:a16="http://schemas.microsoft.com/office/drawing/2014/main" id="{9B2B0901-12B3-43EF-9431-EE0ECD7F6EC2}"/>
+              </a:ext>
+            </a:extLst>
+          </p:cNvPr>
+          <p:cNvSpPr/>
+          <p:nvPr/>
+        </p:nvSpPr>
+        <p:spPr>
+          <a:xfrm>
+            <a:off x="6076350" y="2656288"/>
+            <a:ext cx="951704" cy="929395"/>
+          </a:xfrm>
+          <a:prstGeom prst="ellipse">
+            <a:avLst/>
+          </a:prstGeom>
+          <a:noFill/>
+          <a:ln w="38100">
+            <a:solidFill>
+              <a:schemeClr val="tx1"/>
+            </a:solidFill>
+          </a:ln>
+        </p:spPr>
+        <p:style>
+          <a:lnRef idx="2">
+            <a:schemeClr val="accent1">
+              <a:shade val="50000"/>
+            </a:schemeClr>
+          </a:lnRef>
+          <a:fillRef idx="1">
+            <a:schemeClr val="accent1"/>
+          </a:fillRef>
+          <a:effectRef idx="0">
+            <a:schemeClr val="accent1"/>
+          </a:effectRef>
+          <a:fontRef idx="minor">
+            <a:schemeClr val="lt1"/>
+          </a:fontRef>
+        </p:style>
+        <p:txBody>
+          <a:bodyPr rtlCol="0" anchor="ctr"/>
+          <a:lstStyle/>
+          <a:p>
+            <a:pPr algn="ctr"/>
+            <a:endParaRPr lang="en-GB"/>
+          </a:p>
+        </p:txBody>
+      </p:sp>
+      <p:sp>
+        <p:nvSpPr>
+          <p:cNvPr id="6" name="Oval 5">
+            <a:extLst>
+              <a:ext uri="{FF2B5EF4-FFF2-40B4-BE49-F238E27FC236}">
+                <a16:creationId xmlns:a16="http://schemas.microsoft.com/office/drawing/2014/main" id="{C127C3A1-A8FF-4394-B221-3A3E9E8A552B}"/>
+              </a:ext>
+            </a:extLst>
+          </p:cNvPr>
+          <p:cNvSpPr/>
+          <p:nvPr/>
+        </p:nvSpPr>
+        <p:spPr>
+          <a:xfrm>
+            <a:off x="6266702" y="2871329"/>
+            <a:ext cx="45719" cy="49941"/>
+          </a:xfrm>
+          <a:prstGeom prst="ellipse">
+            <a:avLst/>
+          </a:prstGeom>
+          <a:solidFill>
+            <a:schemeClr val="tx1"/>
+          </a:solidFill>
+          <a:ln>
+            <a:solidFill>
+              <a:schemeClr val="tx1"/>
+            </a:solidFill>
+          </a:ln>
+        </p:spPr>
+        <p:style>
+          <a:lnRef idx="2">
+            <a:schemeClr val="accent1">
+              <a:shade val="50000"/>
+            </a:schemeClr>
+          </a:lnRef>
+          <a:fillRef idx="1">
+            <a:schemeClr val="accent1"/>
+          </a:fillRef>
+          <a:effectRef idx="0">
+            <a:schemeClr val="accent1"/>
+          </a:effectRef>
+          <a:fontRef idx="minor">
+            <a:schemeClr val="lt1"/>
+          </a:fontRef>
+        </p:style>
+        <p:txBody>
+          <a:bodyPr rtlCol="0" anchor="ctr"/>
+          <a:lstStyle/>
+          <a:p>
+            <a:pPr algn="ctr"/>
+            <a:endParaRPr lang="en-GB"/>
+          </a:p>
+        </p:txBody>
+      </p:sp>
+      <p:sp>
+        <p:nvSpPr>
+          <p:cNvPr id="36" name="Oval 35">
+            <a:extLst>
+              <a:ext uri="{FF2B5EF4-FFF2-40B4-BE49-F238E27FC236}">
+                <a16:creationId xmlns:a16="http://schemas.microsoft.com/office/drawing/2014/main" id="{7AA1FEB1-C32E-41C1-ACF9-64A6CDC6A447}"/>
+              </a:ext>
+            </a:extLst>
+          </p:cNvPr>
+          <p:cNvSpPr/>
+          <p:nvPr/>
+        </p:nvSpPr>
+        <p:spPr>
+          <a:xfrm>
+            <a:off x="6453825" y="3019226"/>
+            <a:ext cx="45719" cy="49941"/>
+          </a:xfrm>
+          <a:prstGeom prst="ellipse">
+            <a:avLst/>
+          </a:prstGeom>
+          <a:solidFill>
+            <a:schemeClr val="tx1"/>
+          </a:solidFill>
+          <a:ln>
+            <a:solidFill>
+              <a:schemeClr val="tx1"/>
+            </a:solidFill>
+          </a:ln>
+        </p:spPr>
+        <p:style>
+          <a:lnRef idx="2">
+            <a:schemeClr val="accent1">
+              <a:shade val="50000"/>
+            </a:schemeClr>
+          </a:lnRef>
+          <a:fillRef idx="1">
+            <a:schemeClr val="accent1"/>
+          </a:fillRef>
+          <a:effectRef idx="0">
+            <a:schemeClr val="accent1"/>
+          </a:effectRef>
+          <a:fontRef idx="minor">
+            <a:schemeClr val="lt1"/>
+          </a:fontRef>
+        </p:style>
+        <p:txBody>
+          <a:bodyPr rtlCol="0" anchor="ctr"/>
+          <a:lstStyle/>
+          <a:p>
+            <a:pPr algn="ctr"/>
+            <a:endParaRPr lang="en-GB"/>
+          </a:p>
+        </p:txBody>
+      </p:sp>
+      <p:sp>
+        <p:nvSpPr>
+          <p:cNvPr id="37" name="Oval 36">
+            <a:extLst>
+              <a:ext uri="{FF2B5EF4-FFF2-40B4-BE49-F238E27FC236}">
+                <a16:creationId xmlns:a16="http://schemas.microsoft.com/office/drawing/2014/main" id="{99463C7B-F880-4523-8B1B-8DA3BB540FF4}"/>
+              </a:ext>
+            </a:extLst>
+          </p:cNvPr>
+          <p:cNvSpPr/>
+          <p:nvPr/>
+        </p:nvSpPr>
+        <p:spPr>
+          <a:xfrm>
+            <a:off x="6606225" y="3171626"/>
+            <a:ext cx="45719" cy="49941"/>
+          </a:xfrm>
+          <a:prstGeom prst="ellipse">
+            <a:avLst/>
+          </a:prstGeom>
+          <a:solidFill>
+            <a:schemeClr val="tx1"/>
+          </a:solidFill>
+          <a:ln>
+            <a:solidFill>
+              <a:schemeClr val="tx1"/>
+            </a:solidFill>
+          </a:ln>
+        </p:spPr>
+        <p:style>
+          <a:lnRef idx="2">
+            <a:schemeClr val="accent1">
+              <a:shade val="50000"/>
+            </a:schemeClr>
+          </a:lnRef>
+          <a:fillRef idx="1">
+            <a:schemeClr val="accent1"/>
+          </a:fillRef>
+          <a:effectRef idx="0">
+            <a:schemeClr val="accent1"/>
+          </a:effectRef>
+          <a:fontRef idx="minor">
+            <a:schemeClr val="lt1"/>
+          </a:fontRef>
+        </p:style>
+        <p:txBody>
+          <a:bodyPr rtlCol="0" anchor="ctr"/>
+          <a:lstStyle/>
+          <a:p>
+            <a:pPr algn="ctr"/>
+            <a:endParaRPr lang="en-GB"/>
+          </a:p>
+        </p:txBody>
+      </p:sp>
+      <p:sp>
+        <p:nvSpPr>
+          <p:cNvPr id="38" name="Oval 37">
+            <a:extLst>
+              <a:ext uri="{FF2B5EF4-FFF2-40B4-BE49-F238E27FC236}">
+                <a16:creationId xmlns:a16="http://schemas.microsoft.com/office/drawing/2014/main" id="{61F9D2D7-3F11-48B8-8846-297A21BCE7D6}"/>
+              </a:ext>
+            </a:extLst>
+          </p:cNvPr>
+          <p:cNvSpPr/>
+          <p:nvPr/>
+        </p:nvSpPr>
+        <p:spPr>
+          <a:xfrm>
+            <a:off x="6289562" y="3184832"/>
+            <a:ext cx="45719" cy="49941"/>
+          </a:xfrm>
+          <a:prstGeom prst="ellipse">
+            <a:avLst/>
+          </a:prstGeom>
+          <a:solidFill>
+            <a:schemeClr val="tx1"/>
+          </a:solidFill>
+          <a:ln>
+            <a:solidFill>
+              <a:schemeClr val="tx1"/>
+            </a:solidFill>
+          </a:ln>
+        </p:spPr>
+        <p:style>
+          <a:lnRef idx="2">
+            <a:schemeClr val="accent1">
+              <a:shade val="50000"/>
+            </a:schemeClr>
+          </a:lnRef>
+          <a:fillRef idx="1">
+            <a:schemeClr val="accent1"/>
+          </a:fillRef>
+          <a:effectRef idx="0">
+            <a:schemeClr val="accent1"/>
+          </a:effectRef>
+          <a:fontRef idx="minor">
+            <a:schemeClr val="lt1"/>
+          </a:fontRef>
+        </p:style>
+        <p:txBody>
+          <a:bodyPr rtlCol="0" anchor="ctr"/>
+          <a:lstStyle/>
+          <a:p>
+            <a:pPr algn="ctr"/>
+            <a:endParaRPr lang="en-GB"/>
+          </a:p>
+        </p:txBody>
+      </p:sp>
+      <p:sp>
+        <p:nvSpPr>
+          <p:cNvPr id="39" name="Oval 38">
+            <a:extLst>
+              <a:ext uri="{FF2B5EF4-FFF2-40B4-BE49-F238E27FC236}">
+                <a16:creationId xmlns:a16="http://schemas.microsoft.com/office/drawing/2014/main" id="{1FF08DD6-D21C-44AF-9778-7141CC089A02}"/>
+              </a:ext>
+            </a:extLst>
+          </p:cNvPr>
+          <p:cNvSpPr/>
+          <p:nvPr/>
+        </p:nvSpPr>
+        <p:spPr>
+          <a:xfrm>
+            <a:off x="6634161" y="2724767"/>
+            <a:ext cx="45719" cy="49941"/>
+          </a:xfrm>
+          <a:prstGeom prst="ellipse">
+            <a:avLst/>
+          </a:prstGeom>
+          <a:solidFill>
+            <a:schemeClr val="tx1"/>
+          </a:solidFill>
+          <a:ln>
+            <a:solidFill>
+              <a:schemeClr val="tx1"/>
+            </a:solidFill>
+          </a:ln>
+        </p:spPr>
+        <p:style>
+          <a:lnRef idx="2">
+            <a:schemeClr val="accent1">
+              <a:shade val="50000"/>
+            </a:schemeClr>
+          </a:lnRef>
+          <a:fillRef idx="1">
+            <a:schemeClr val="accent1"/>
+          </a:fillRef>
+          <a:effectRef idx="0">
+            <a:schemeClr val="accent1"/>
+          </a:effectRef>
+          <a:fontRef idx="minor">
+            <a:schemeClr val="lt1"/>
+          </a:fontRef>
+        </p:style>
+        <p:txBody>
+          <a:bodyPr rtlCol="0" anchor="ctr"/>
+          <a:lstStyle/>
+          <a:p>
+            <a:pPr algn="ctr"/>
+            <a:endParaRPr lang="en-GB"/>
+          </a:p>
+        </p:txBody>
+      </p:sp>
+      <p:sp>
+        <p:nvSpPr>
+          <p:cNvPr id="40" name="Oval 39">
+            <a:extLst>
+              <a:ext uri="{FF2B5EF4-FFF2-40B4-BE49-F238E27FC236}">
+                <a16:creationId xmlns:a16="http://schemas.microsoft.com/office/drawing/2014/main" id="{C266F565-9A51-4AB4-A235-8A0E728D9DB9}"/>
+              </a:ext>
+            </a:extLst>
+          </p:cNvPr>
+          <p:cNvSpPr/>
+          <p:nvPr/>
+        </p:nvSpPr>
+        <p:spPr>
+          <a:xfrm>
+            <a:off x="6786561" y="2877167"/>
+            <a:ext cx="45719" cy="49941"/>
+          </a:xfrm>
+          <a:prstGeom prst="ellipse">
+            <a:avLst/>
+          </a:prstGeom>
+          <a:solidFill>
+            <a:schemeClr val="tx1"/>
+          </a:solidFill>
+          <a:ln>
+            <a:solidFill>
+              <a:schemeClr val="tx1"/>
+            </a:solidFill>
+          </a:ln>
+        </p:spPr>
+        <p:style>
+          <a:lnRef idx="2">
+            <a:schemeClr val="accent1">
+              <a:shade val="50000"/>
+            </a:schemeClr>
+          </a:lnRef>
+          <a:fillRef idx="1">
+            <a:schemeClr val="accent1"/>
+          </a:fillRef>
+          <a:effectRef idx="0">
+            <a:schemeClr val="accent1"/>
+          </a:effectRef>
+          <a:fontRef idx="minor">
+            <a:schemeClr val="lt1"/>
+          </a:fontRef>
+        </p:style>
+        <p:txBody>
+          <a:bodyPr rtlCol="0" anchor="ctr"/>
+          <a:lstStyle/>
+          <a:p>
+            <a:pPr algn="ctr"/>
+            <a:endParaRPr lang="en-GB"/>
+          </a:p>
+        </p:txBody>
+      </p:sp>
+      <p:sp>
+        <p:nvSpPr>
+          <p:cNvPr id="41" name="Oval 40">
+            <a:extLst>
+              <a:ext uri="{FF2B5EF4-FFF2-40B4-BE49-F238E27FC236}">
+                <a16:creationId xmlns:a16="http://schemas.microsoft.com/office/drawing/2014/main" id="{BF037021-D5F5-4878-BAB1-D45FE2C19573}"/>
+              </a:ext>
+            </a:extLst>
+          </p:cNvPr>
+          <p:cNvSpPr/>
+          <p:nvPr/>
+        </p:nvSpPr>
+        <p:spPr>
+          <a:xfrm>
+            <a:off x="6476684" y="3404029"/>
+            <a:ext cx="45719" cy="49941"/>
+          </a:xfrm>
+          <a:prstGeom prst="ellipse">
+            <a:avLst/>
+          </a:prstGeom>
+          <a:solidFill>
+            <a:schemeClr val="tx1"/>
+          </a:solidFill>
+          <a:ln>
+            <a:solidFill>
+              <a:schemeClr val="tx1"/>
+            </a:solidFill>
+          </a:ln>
+        </p:spPr>
+        <p:style>
+          <a:lnRef idx="2">
+            <a:schemeClr val="accent1">
+              <a:shade val="50000"/>
+            </a:schemeClr>
+          </a:lnRef>
+          <a:fillRef idx="1">
+            <a:schemeClr val="accent1"/>
+          </a:fillRef>
+          <a:effectRef idx="0">
+            <a:schemeClr val="accent1"/>
+          </a:effectRef>
+          <a:fontRef idx="minor">
+            <a:schemeClr val="lt1"/>
+          </a:fontRef>
+        </p:style>
+        <p:txBody>
+          <a:bodyPr rtlCol="0" anchor="ctr"/>
+          <a:lstStyle/>
+          <a:p>
+            <a:pPr algn="ctr"/>
+            <a:endParaRPr lang="en-GB"/>
+          </a:p>
+        </p:txBody>
+      </p:sp>
+      <p:sp>
+        <p:nvSpPr>
+          <p:cNvPr id="42" name="Oval 41">
+            <a:extLst>
+              <a:ext uri="{FF2B5EF4-FFF2-40B4-BE49-F238E27FC236}">
+                <a16:creationId xmlns:a16="http://schemas.microsoft.com/office/drawing/2014/main" id="{5A11A5D1-5A51-4C34-A70C-C3D067241152}"/>
+              </a:ext>
+            </a:extLst>
+          </p:cNvPr>
+          <p:cNvSpPr/>
+          <p:nvPr/>
+        </p:nvSpPr>
+        <p:spPr>
+          <a:xfrm>
+            <a:off x="6814164" y="3071044"/>
+            <a:ext cx="45719" cy="49941"/>
+          </a:xfrm>
+          <a:prstGeom prst="ellipse">
+            <a:avLst/>
+          </a:prstGeom>
+          <a:solidFill>
+            <a:schemeClr val="tx1"/>
+          </a:solidFill>
+          <a:ln>
+            <a:solidFill>
+              <a:schemeClr val="tx1"/>
+            </a:solidFill>
+          </a:ln>
+        </p:spPr>
+        <p:style>
+          <a:lnRef idx="2">
+            <a:schemeClr val="accent1">
+              <a:shade val="50000"/>
+            </a:schemeClr>
+          </a:lnRef>
+          <a:fillRef idx="1">
+            <a:schemeClr val="accent1"/>
+          </a:fillRef>
+          <a:effectRef idx="0">
+            <a:schemeClr val="accent1"/>
+          </a:effectRef>
+          <a:fontRef idx="minor">
+            <a:schemeClr val="lt1"/>
+          </a:fontRef>
+        </p:style>
+        <p:txBody>
+          <a:bodyPr rtlCol="0" anchor="ctr"/>
+          <a:lstStyle/>
+          <a:p>
+            <a:pPr algn="ctr"/>
+            <a:endParaRPr lang="en-GB"/>
+          </a:p>
+        </p:txBody>
+      </p:sp>
+      <p:sp>
+        <p:nvSpPr>
+          <p:cNvPr id="43" name="Oval 42">
+            <a:extLst>
+              <a:ext uri="{FF2B5EF4-FFF2-40B4-BE49-F238E27FC236}">
+                <a16:creationId xmlns:a16="http://schemas.microsoft.com/office/drawing/2014/main" id="{A4798650-7919-4AA9-9F55-6413FBA41CE0}"/>
+              </a:ext>
+            </a:extLst>
+          </p:cNvPr>
+          <p:cNvSpPr/>
+          <p:nvPr/>
+        </p:nvSpPr>
+        <p:spPr>
+          <a:xfrm>
+            <a:off x="6140149" y="3146655"/>
+            <a:ext cx="45719" cy="49941"/>
+          </a:xfrm>
+          <a:prstGeom prst="ellipse">
+            <a:avLst/>
+          </a:prstGeom>
+          <a:solidFill>
+            <a:schemeClr val="tx1"/>
+          </a:solidFill>
+          <a:ln>
+            <a:solidFill>
+              <a:schemeClr val="tx1"/>
+            </a:solidFill>
+          </a:ln>
+        </p:spPr>
+        <p:style>
+          <a:lnRef idx="2">
+            <a:schemeClr val="accent1">
+              <a:shade val="50000"/>
+            </a:schemeClr>
+          </a:lnRef>
+          <a:fillRef idx="1">
+            <a:schemeClr val="accent1"/>
+          </a:fillRef>
+          <a:effectRef idx="0">
+            <a:schemeClr val="accent1"/>
+          </a:effectRef>
+          <a:fontRef idx="minor">
+            <a:schemeClr val="lt1"/>
+          </a:fontRef>
+        </p:style>
+        <p:txBody>
+          <a:bodyPr rtlCol="0" anchor="ctr"/>
+          <a:lstStyle/>
+          <a:p>
+            <a:pPr algn="ctr"/>
+            <a:endParaRPr lang="en-GB"/>
+          </a:p>
+        </p:txBody>
+      </p:sp>
+      <p:sp>
+        <p:nvSpPr>
+          <p:cNvPr id="44" name="Oval 43">
+            <a:extLst>
+              <a:ext uri="{FF2B5EF4-FFF2-40B4-BE49-F238E27FC236}">
+                <a16:creationId xmlns:a16="http://schemas.microsoft.com/office/drawing/2014/main" id="{3B7088EB-BA6C-4AA9-BE17-22D4C122D30E}"/>
+              </a:ext>
+            </a:extLst>
+          </p:cNvPr>
+          <p:cNvSpPr/>
+          <p:nvPr/>
+        </p:nvSpPr>
+        <p:spPr>
+          <a:xfrm>
+            <a:off x="6715761" y="3379058"/>
+            <a:ext cx="45719" cy="49941"/>
+          </a:xfrm>
+          <a:prstGeom prst="ellipse">
+            <a:avLst/>
+          </a:prstGeom>
+          <a:solidFill>
+            <a:schemeClr val="tx1"/>
+          </a:solidFill>
+          <a:ln>
+            <a:solidFill>
+              <a:schemeClr val="tx1"/>
+            </a:solidFill>
+          </a:ln>
+        </p:spPr>
+        <p:style>
+          <a:lnRef idx="2">
+            <a:schemeClr val="accent1">
+              <a:shade val="50000"/>
+            </a:schemeClr>
+          </a:lnRef>
+          <a:fillRef idx="1">
+            <a:schemeClr val="accent1"/>
+          </a:fillRef>
+          <a:effectRef idx="0">
+            <a:schemeClr val="accent1"/>
+          </a:effectRef>
+          <a:fontRef idx="minor">
+            <a:schemeClr val="lt1"/>
+          </a:fontRef>
+        </p:style>
+        <p:txBody>
+          <a:bodyPr rtlCol="0" anchor="ctr"/>
+          <a:lstStyle/>
+          <a:p>
+            <a:pPr algn="ctr"/>
+            <a:endParaRPr lang="en-GB"/>
+          </a:p>
+        </p:txBody>
+      </p:sp>
+      <p:sp>
+        <p:nvSpPr>
+          <p:cNvPr id="47" name="Oval 46">
+            <a:extLst>
+              <a:ext uri="{FF2B5EF4-FFF2-40B4-BE49-F238E27FC236}">
+                <a16:creationId xmlns:a16="http://schemas.microsoft.com/office/drawing/2014/main" id="{7D5000F0-C9AD-46D2-84F6-BF92AD1AC5EF}"/>
+              </a:ext>
+            </a:extLst>
+          </p:cNvPr>
+          <p:cNvSpPr/>
+          <p:nvPr/>
+        </p:nvSpPr>
+        <p:spPr>
+          <a:xfrm>
+            <a:off x="6499543" y="2795732"/>
+            <a:ext cx="45719" cy="49941"/>
+          </a:xfrm>
+          <a:prstGeom prst="ellipse">
+            <a:avLst/>
+          </a:prstGeom>
+          <a:solidFill>
+            <a:schemeClr val="tx1"/>
+          </a:solidFill>
+          <a:ln>
+            <a:solidFill>
+              <a:schemeClr val="tx1"/>
+            </a:solidFill>
+          </a:ln>
+        </p:spPr>
+        <p:style>
+          <a:lnRef idx="2">
+            <a:schemeClr val="accent1">
+              <a:shade val="50000"/>
+            </a:schemeClr>
+          </a:lnRef>
+          <a:fillRef idx="1">
+            <a:schemeClr val="accent1"/>
+          </a:fillRef>
+          <a:effectRef idx="0">
+            <a:schemeClr val="accent1"/>
+          </a:effectRef>
+          <a:fontRef idx="minor">
+            <a:schemeClr val="lt1"/>
+          </a:fontRef>
+        </p:style>
+        <p:txBody>
+          <a:bodyPr rtlCol="0" anchor="ctr"/>
+          <a:lstStyle/>
+          <a:p>
+            <a:pPr algn="ctr"/>
+            <a:endParaRPr lang="en-GB"/>
+          </a:p>
+        </p:txBody>
+      </p:sp>
+      <p:sp>
+        <p:nvSpPr>
+          <p:cNvPr id="48" name="Oval 47">
+            <a:extLst>
+              <a:ext uri="{FF2B5EF4-FFF2-40B4-BE49-F238E27FC236}">
+                <a16:creationId xmlns:a16="http://schemas.microsoft.com/office/drawing/2014/main" id="{6D42F01E-E1ED-4661-9E6E-A8B1A7CC9FB2}"/>
+              </a:ext>
+            </a:extLst>
+          </p:cNvPr>
+          <p:cNvSpPr/>
+          <p:nvPr/>
+        </p:nvSpPr>
+        <p:spPr>
+          <a:xfrm>
+            <a:off x="6208705" y="3044532"/>
+            <a:ext cx="45719" cy="49941"/>
+          </a:xfrm>
+          <a:prstGeom prst="ellipse">
+            <a:avLst/>
+          </a:prstGeom>
+          <a:solidFill>
+            <a:schemeClr val="tx1"/>
+          </a:solidFill>
+          <a:ln>
+            <a:solidFill>
+              <a:schemeClr val="tx1"/>
+            </a:solidFill>
+          </a:ln>
+        </p:spPr>
+        <p:style>
+          <a:lnRef idx="2">
+            <a:schemeClr val="accent1">
+              <a:shade val="50000"/>
+            </a:schemeClr>
+          </a:lnRef>
+          <a:fillRef idx="1">
+            <a:schemeClr val="accent1"/>
+          </a:fillRef>
+          <a:effectRef idx="0">
+            <a:schemeClr val="accent1"/>
+          </a:effectRef>
+          <a:fontRef idx="minor">
+            <a:schemeClr val="lt1"/>
+          </a:fontRef>
+        </p:style>
+        <p:txBody>
+          <a:bodyPr rtlCol="0" anchor="ctr"/>
+          <a:lstStyle/>
+          <a:p>
+            <a:pPr algn="ctr"/>
+            <a:endParaRPr lang="en-GB"/>
+          </a:p>
+        </p:txBody>
+      </p:sp>
+      <p:sp>
+        <p:nvSpPr>
+          <p:cNvPr id="51" name="TextBox 50">
+            <a:extLst>
+              <a:ext uri="{FF2B5EF4-FFF2-40B4-BE49-F238E27FC236}">
+                <a16:creationId xmlns:a16="http://schemas.microsoft.com/office/drawing/2014/main" id="{4CA06C74-25E5-43BE-AF34-07823069C770}"/>
+              </a:ext>
+            </a:extLst>
+          </p:cNvPr>
+          <p:cNvSpPr txBox="1"/>
+          <p:nvPr/>
+        </p:nvSpPr>
+        <p:spPr>
+          <a:xfrm>
+            <a:off x="6362574" y="1037862"/>
+            <a:ext cx="3783806" cy="461665"/>
+          </a:xfrm>
+          <a:prstGeom prst="rect">
+            <a:avLst/>
+          </a:prstGeom>
+          <a:noFill/>
+        </p:spPr>
+        <p:txBody>
+          <a:bodyPr wrap="square" rtlCol="0">
+            <a:spAutoFit/>
+          </a:bodyPr>
+          <a:lstStyle/>
+          <a:p>
+            <a:r>
+              <a:rPr lang="it-IT" sz="2400" i="1" dirty="0">
+                <a:latin typeface="Arial" panose="020B0604020202020204" pitchFamily="34" charset="0"/>
+                <a:cs typeface="Arial" panose="020B0604020202020204" pitchFamily="34" charset="0"/>
+              </a:rPr>
+              <a:t>«How </a:t>
+            </a:r>
+            <a:r>
+              <a:rPr lang="it-IT" sz="2400" i="1" dirty="0" err="1">
+                <a:latin typeface="Arial" panose="020B0604020202020204" pitchFamily="34" charset="0"/>
+                <a:cs typeface="Arial" panose="020B0604020202020204" pitchFamily="34" charset="0"/>
+              </a:rPr>
+              <a:t>many</a:t>
+            </a:r>
+            <a:r>
+              <a:rPr lang="it-IT" sz="2400" i="1" dirty="0">
+                <a:latin typeface="Arial" panose="020B0604020202020204" pitchFamily="34" charset="0"/>
+                <a:cs typeface="Arial" panose="020B0604020202020204" pitchFamily="34" charset="0"/>
+              </a:rPr>
+              <a:t> dots?»</a:t>
+            </a:r>
+            <a:endParaRPr lang="en-GB" sz="2400" i="1" dirty="0">
+              <a:latin typeface="Arial" panose="020B0604020202020204" pitchFamily="34" charset="0"/>
+              <a:cs typeface="Arial" panose="020B0604020202020204" pitchFamily="34" charset="0"/>
+            </a:endParaRPr>
+          </a:p>
+        </p:txBody>
+      </p:sp>
+    </p:spTree>
+    <p:extLst>
+      <p:ext uri="{BB962C8B-B14F-4D97-AF65-F5344CB8AC3E}">
+        <p14:creationId xmlns:p14="http://schemas.microsoft.com/office/powerpoint/2010/main" val="3186987880"/>
+      </p:ext>
+    </p:extLst>
+  </p:cSld>
+  <p:clrMapOvr>
+    <a:masterClrMapping/>
+  </p:clrMapOvr>
+</p:sld>
+</file>
+
 <file path=ppt/theme/theme1.xml><?xml version="1.0" encoding="utf-8"?>
 <a:theme xmlns:a="http://schemas.openxmlformats.org/drawingml/2006/main" name="Office Theme">
   <a:themeElements>

--- a/exp1/script/testing/timelineTesting.pptx
+++ b/exp1/script/testing/timelineTesting.pptx
@@ -7,7 +7,8 @@
   <p:sldIdLst>
     <p:sldId id="256" r:id="rId2"/>
     <p:sldId id="257" r:id="rId3"/>
-    <p:sldId id="258" r:id="rId4"/>
+    <p:sldId id="259" r:id="rId4"/>
+    <p:sldId id="258" r:id="rId5"/>
   </p:sldIdLst>
   <p:sldSz cx="12192000" cy="6858000"/>
   <p:notesSz cx="6858000" cy="9144000"/>
@@ -263,7 +264,7 @@
           <a:p>
             <a:fld id="{B1B915C8-2E81-429A-BD90-45E424FDD57F}" type="datetimeFigureOut">
               <a:rPr lang="en-GB" smtClean="0"/>
-              <a:t>28/03/2020</a:t>
+              <a:t>30/03/2020</a:t>
             </a:fld>
             <a:endParaRPr lang="en-GB"/>
           </a:p>
@@ -463,7 +464,7 @@
           <a:p>
             <a:fld id="{B1B915C8-2E81-429A-BD90-45E424FDD57F}" type="datetimeFigureOut">
               <a:rPr lang="en-GB" smtClean="0"/>
-              <a:t>28/03/2020</a:t>
+              <a:t>30/03/2020</a:t>
             </a:fld>
             <a:endParaRPr lang="en-GB"/>
           </a:p>
@@ -673,7 +674,7 @@
           <a:p>
             <a:fld id="{B1B915C8-2E81-429A-BD90-45E424FDD57F}" type="datetimeFigureOut">
               <a:rPr lang="en-GB" smtClean="0"/>
-              <a:t>28/03/2020</a:t>
+              <a:t>30/03/2020</a:t>
             </a:fld>
             <a:endParaRPr lang="en-GB"/>
           </a:p>
@@ -873,7 +874,7 @@
           <a:p>
             <a:fld id="{B1B915C8-2E81-429A-BD90-45E424FDD57F}" type="datetimeFigureOut">
               <a:rPr lang="en-GB" smtClean="0"/>
-              <a:t>28/03/2020</a:t>
+              <a:t>30/03/2020</a:t>
             </a:fld>
             <a:endParaRPr lang="en-GB"/>
           </a:p>
@@ -1149,7 +1150,7 @@
           <a:p>
             <a:fld id="{B1B915C8-2E81-429A-BD90-45E424FDD57F}" type="datetimeFigureOut">
               <a:rPr lang="en-GB" smtClean="0"/>
-              <a:t>28/03/2020</a:t>
+              <a:t>30/03/2020</a:t>
             </a:fld>
             <a:endParaRPr lang="en-GB"/>
           </a:p>
@@ -1417,7 +1418,7 @@
           <a:p>
             <a:fld id="{B1B915C8-2E81-429A-BD90-45E424FDD57F}" type="datetimeFigureOut">
               <a:rPr lang="en-GB" smtClean="0"/>
-              <a:t>28/03/2020</a:t>
+              <a:t>30/03/2020</a:t>
             </a:fld>
             <a:endParaRPr lang="en-GB"/>
           </a:p>
@@ -1832,7 +1833,7 @@
           <a:p>
             <a:fld id="{B1B915C8-2E81-429A-BD90-45E424FDD57F}" type="datetimeFigureOut">
               <a:rPr lang="en-GB" smtClean="0"/>
-              <a:t>28/03/2020</a:t>
+              <a:t>30/03/2020</a:t>
             </a:fld>
             <a:endParaRPr lang="en-GB"/>
           </a:p>
@@ -1974,7 +1975,7 @@
           <a:p>
             <a:fld id="{B1B915C8-2E81-429A-BD90-45E424FDD57F}" type="datetimeFigureOut">
               <a:rPr lang="en-GB" smtClean="0"/>
-              <a:t>28/03/2020</a:t>
+              <a:t>30/03/2020</a:t>
             </a:fld>
             <a:endParaRPr lang="en-GB"/>
           </a:p>
@@ -2087,7 +2088,7 @@
           <a:p>
             <a:fld id="{B1B915C8-2E81-429A-BD90-45E424FDD57F}" type="datetimeFigureOut">
               <a:rPr lang="en-GB" smtClean="0"/>
-              <a:t>28/03/2020</a:t>
+              <a:t>30/03/2020</a:t>
             </a:fld>
             <a:endParaRPr lang="en-GB"/>
           </a:p>
@@ -2400,7 +2401,7 @@
           <a:p>
             <a:fld id="{B1B915C8-2E81-429A-BD90-45E424FDD57F}" type="datetimeFigureOut">
               <a:rPr lang="en-GB" smtClean="0"/>
-              <a:t>28/03/2020</a:t>
+              <a:t>30/03/2020</a:t>
             </a:fld>
             <a:endParaRPr lang="en-GB"/>
           </a:p>
@@ -2689,7 +2690,7 @@
           <a:p>
             <a:fld id="{B1B915C8-2E81-429A-BD90-45E424FDD57F}" type="datetimeFigureOut">
               <a:rPr lang="en-GB" smtClean="0"/>
-              <a:t>28/03/2020</a:t>
+              <a:t>30/03/2020</a:t>
             </a:fld>
             <a:endParaRPr lang="en-GB"/>
           </a:p>
@@ -2932,7 +2933,7 @@
           <a:p>
             <a:fld id="{B1B915C8-2E81-429A-BD90-45E424FDD57F}" type="datetimeFigureOut">
               <a:rPr lang="en-GB" smtClean="0"/>
-              <a:t>28/03/2020</a:t>
+              <a:t>30/03/2020</a:t>
             </a:fld>
             <a:endParaRPr lang="en-GB"/>
           </a:p>
@@ -4483,8 +4484,8 @@
         </p:nvSpPr>
         <p:spPr>
           <a:xfrm>
-            <a:off x="6724535" y="1957173"/>
-            <a:ext cx="4107990" cy="954107"/>
+            <a:off x="6808039" y="1667324"/>
+            <a:ext cx="4740113" cy="954107"/>
           </a:xfrm>
           <a:prstGeom prst="rect">
             <a:avLst/>
@@ -4509,13 +4510,27 @@
                 <a:latin typeface="Arial" panose="020B0604020202020204" pitchFamily="34" charset="0"/>
                 <a:cs typeface="Arial" panose="020B0604020202020204" pitchFamily="34" charset="0"/>
               </a:rPr>
-              <a:t>much</a:t>
+              <a:t>well</a:t>
             </a:r>
             <a:r>
               <a:rPr lang="it-IT" sz="2800" i="1" dirty="0">
                 <a:latin typeface="Arial" panose="020B0604020202020204" pitchFamily="34" charset="0"/>
                 <a:cs typeface="Arial" panose="020B0604020202020204" pitchFamily="34" charset="0"/>
               </a:rPr>
+              <a:t> do </a:t>
+            </a:r>
+            <a:r>
+              <a:rPr lang="it-IT" sz="2800" i="1" dirty="0" err="1">
+                <a:latin typeface="Arial" panose="020B0604020202020204" pitchFamily="34" charset="0"/>
+                <a:cs typeface="Arial" panose="020B0604020202020204" pitchFamily="34" charset="0"/>
+              </a:rPr>
+              <a:t>you</a:t>
+            </a:r>
+            <a:r>
+              <a:rPr lang="it-IT" sz="2800" i="1" dirty="0">
+                <a:latin typeface="Arial" panose="020B0604020202020204" pitchFamily="34" charset="0"/>
+                <a:cs typeface="Arial" panose="020B0604020202020204" pitchFamily="34" charset="0"/>
+              </a:rPr>
               <a:t> </a:t>
             </a:r>
             <a:r>
@@ -4523,27 +4538,55 @@
                 <a:latin typeface="Arial" panose="020B0604020202020204" pitchFamily="34" charset="0"/>
                 <a:cs typeface="Arial" panose="020B0604020202020204" pitchFamily="34" charset="0"/>
               </a:rPr>
-              <a:t>likely</a:t>
+              <a:t>think</a:t>
             </a:r>
             <a:r>
               <a:rPr lang="it-IT" sz="2800" i="1" dirty="0">
                 <a:latin typeface="Arial" panose="020B0604020202020204" pitchFamily="34" charset="0"/>
                 <a:cs typeface="Arial" panose="020B0604020202020204" pitchFamily="34" charset="0"/>
               </a:rPr>
-              <a:t> do </a:t>
+              <a:t> </a:t>
             </a:r>
             <a:r>
               <a:rPr lang="it-IT" sz="2800" i="1" dirty="0" err="1">
                 <a:latin typeface="Arial" panose="020B0604020202020204" pitchFamily="34" charset="0"/>
                 <a:cs typeface="Arial" panose="020B0604020202020204" pitchFamily="34" charset="0"/>
               </a:rPr>
-              <a:t>you</a:t>
+              <a:t>this</a:t>
             </a:r>
             <a:r>
               <a:rPr lang="it-IT" sz="2800" i="1" dirty="0">
                 <a:latin typeface="Arial" panose="020B0604020202020204" pitchFamily="34" charset="0"/>
                 <a:cs typeface="Arial" panose="020B0604020202020204" pitchFamily="34" charset="0"/>
               </a:rPr>
+              <a:t> label </a:t>
+            </a:r>
+            <a:r>
+              <a:rPr lang="it-IT" sz="2800" i="1" dirty="0" err="1">
+                <a:latin typeface="Arial" panose="020B0604020202020204" pitchFamily="34" charset="0"/>
+                <a:cs typeface="Arial" panose="020B0604020202020204" pitchFamily="34" charset="0"/>
+              </a:rPr>
+              <a:t>goes</a:t>
+            </a:r>
+            <a:r>
+              <a:rPr lang="it-IT" sz="2800" i="1" dirty="0">
+                <a:latin typeface="Arial" panose="020B0604020202020204" pitchFamily="34" charset="0"/>
+                <a:cs typeface="Arial" panose="020B0604020202020204" pitchFamily="34" charset="0"/>
+              </a:rPr>
+              <a:t> with </a:t>
+            </a:r>
+            <a:r>
+              <a:rPr lang="it-IT" sz="2800" i="1" dirty="0" err="1">
+                <a:latin typeface="Arial" panose="020B0604020202020204" pitchFamily="34" charset="0"/>
+                <a:cs typeface="Arial" panose="020B0604020202020204" pitchFamily="34" charset="0"/>
+              </a:rPr>
+              <a:t>this</a:t>
+            </a:r>
+            <a:r>
+              <a:rPr lang="it-IT" sz="2800" i="1" dirty="0">
+                <a:latin typeface="Arial" panose="020B0604020202020204" pitchFamily="34" charset="0"/>
+                <a:cs typeface="Arial" panose="020B0604020202020204" pitchFamily="34" charset="0"/>
+              </a:rPr>
               <a:t> </a:t>
             </a:r>
             <a:r>
@@ -4551,42 +4594,14 @@
                 <a:latin typeface="Arial" panose="020B0604020202020204" pitchFamily="34" charset="0"/>
                 <a:cs typeface="Arial" panose="020B0604020202020204" pitchFamily="34" charset="0"/>
               </a:rPr>
-              <a:t>think</a:t>
+              <a:t>fribble</a:t>
             </a:r>
             <a:r>
               <a:rPr lang="it-IT" sz="2800" i="1" dirty="0">
                 <a:latin typeface="Arial" panose="020B0604020202020204" pitchFamily="34" charset="0"/>
                 <a:cs typeface="Arial" panose="020B0604020202020204" pitchFamily="34" charset="0"/>
               </a:rPr>
-              <a:t> </a:t>
-            </a:r>
-            <a:r>
-              <a:rPr lang="it-IT" sz="2800" i="1" dirty="0" err="1">
-                <a:latin typeface="Arial" panose="020B0604020202020204" pitchFamily="34" charset="0"/>
-                <a:cs typeface="Arial" panose="020B0604020202020204" pitchFamily="34" charset="0"/>
-              </a:rPr>
-              <a:t>it’s</a:t>
-            </a:r>
-            <a:r>
-              <a:rPr lang="it-IT" sz="2800" i="1" dirty="0">
-                <a:latin typeface="Arial" panose="020B0604020202020204" pitchFamily="34" charset="0"/>
-                <a:cs typeface="Arial" panose="020B0604020202020204" pitchFamily="34" charset="0"/>
-              </a:rPr>
-              <a:t> </a:t>
-            </a:r>
-            <a:r>
-              <a:rPr lang="it-IT" sz="2800" i="1" dirty="0" err="1">
-                <a:latin typeface="Arial" panose="020B0604020202020204" pitchFamily="34" charset="0"/>
-                <a:cs typeface="Arial" panose="020B0604020202020204" pitchFamily="34" charset="0"/>
-              </a:rPr>
-              <a:t>his</a:t>
-            </a:r>
-            <a:r>
-              <a:rPr lang="it-IT" sz="2800" i="1" dirty="0">
-                <a:latin typeface="Arial" panose="020B0604020202020204" pitchFamily="34" charset="0"/>
-                <a:cs typeface="Arial" panose="020B0604020202020204" pitchFamily="34" charset="0"/>
-              </a:rPr>
-              <a:t> name?»</a:t>
+              <a:t>?»</a:t>
             </a:r>
             <a:endParaRPr lang="en-GB" sz="2800" i="1" dirty="0">
               <a:latin typeface="Arial" panose="020B0604020202020204" pitchFamily="34" charset="0"/>
@@ -4640,7 +4655,7 @@
         <p:spPr>
           <a:xfrm>
             <a:off x="2532818" y="131021"/>
-            <a:ext cx="6858000" cy="584775"/>
+            <a:ext cx="6858000" cy="954107"/>
           </a:xfrm>
           <a:prstGeom prst="rect">
             <a:avLst/>
@@ -4659,8 +4674,22 @@
                 <a:latin typeface="Arial" panose="020B0604020202020204" pitchFamily="34" charset="0"/>
                 <a:cs typeface="Arial" panose="020B0604020202020204" pitchFamily="34" charset="0"/>
               </a:rPr>
-              <a:t>Generalization task</a:t>
-            </a:r>
+              <a:t>Generalization tasks</a:t>
+            </a:r>
+          </a:p>
+          <a:p>
+            <a:pPr algn="ctr"/>
+            <a:r>
+              <a:rPr lang="en-GB" sz="2400" dirty="0">
+                <a:latin typeface="Arial" panose="020B0604020202020204" pitchFamily="34" charset="0"/>
+                <a:cs typeface="Arial" panose="020B0604020202020204" pitchFamily="34" charset="0"/>
+              </a:rPr>
+              <a:t>High frequency exemplars</a:t>
+            </a:r>
+            <a:endParaRPr lang="en-GB" sz="3200" dirty="0">
+              <a:latin typeface="Arial" panose="020B0604020202020204" pitchFamily="34" charset="0"/>
+              <a:cs typeface="Arial" panose="020B0604020202020204" pitchFamily="34" charset="0"/>
+            </a:endParaRPr>
           </a:p>
         </p:txBody>
       </p:sp>
@@ -4678,7 +4707,7 @@
         </p:nvSpPr>
         <p:spPr>
           <a:xfrm>
-            <a:off x="2579229" y="1028519"/>
+            <a:off x="318918" y="1367566"/>
             <a:ext cx="1981057" cy="1500668"/>
           </a:xfrm>
           <a:prstGeom prst="roundRect">
@@ -4748,7 +4777,7 @@
         </p:nvSpPr>
         <p:spPr>
           <a:xfrm>
-            <a:off x="6074922" y="4001739"/>
+            <a:off x="2939533" y="4348651"/>
             <a:ext cx="1293558" cy="400110"/>
           </a:xfrm>
           <a:prstGeom prst="rect">
@@ -4797,7 +4826,7 @@
         </p:nvSpPr>
         <p:spPr>
           <a:xfrm>
-            <a:off x="8031318" y="5184978"/>
+            <a:off x="4086153" y="5594821"/>
             <a:ext cx="3087942" cy="400110"/>
           </a:xfrm>
           <a:prstGeom prst="rect">
@@ -4851,8 +4880,8 @@
         </p:nvCxnSpPr>
         <p:spPr>
           <a:xfrm>
-            <a:off x="2530475" y="2546491"/>
-            <a:ext cx="5381181" cy="2782838"/>
+            <a:off x="318918" y="3227594"/>
+            <a:ext cx="4088692" cy="2885531"/>
           </a:xfrm>
           <a:prstGeom prst="straightConnector1">
             <a:avLst/>
@@ -4893,7 +4922,7 @@
         </p:nvSpPr>
         <p:spPr>
           <a:xfrm>
-            <a:off x="3052923" y="2507294"/>
+            <a:off x="792612" y="2846341"/>
             <a:ext cx="1293558" cy="400110"/>
           </a:xfrm>
           <a:prstGeom prst="rect">
@@ -4942,8 +4971,8 @@
         </p:nvSpPr>
         <p:spPr>
           <a:xfrm>
-            <a:off x="4145916" y="2094529"/>
-            <a:ext cx="4254523" cy="1856067"/>
+            <a:off x="1885606" y="2433576"/>
+            <a:ext cx="3135820" cy="1856067"/>
           </a:xfrm>
           <a:prstGeom prst="roundRect">
             <a:avLst/>
@@ -5010,7 +5039,7 @@
         </p:blipFill>
         <p:spPr>
           <a:xfrm>
-            <a:off x="4364246" y="2631806"/>
+            <a:off x="1970373" y="3145511"/>
             <a:ext cx="1040940" cy="856499"/>
           </a:xfrm>
           <a:prstGeom prst="rect">
@@ -5032,7 +5061,7 @@
         </p:nvGrpSpPr>
         <p:grpSpPr>
           <a:xfrm>
-            <a:off x="4346481" y="2222258"/>
+            <a:off x="2086170" y="2561305"/>
             <a:ext cx="534256" cy="485091"/>
             <a:chOff x="439547" y="2285573"/>
             <a:chExt cx="1136114" cy="1278743"/>
@@ -5158,7 +5187,7 @@
         </p:nvSpPr>
         <p:spPr>
           <a:xfrm>
-            <a:off x="4871022" y="2086762"/>
+            <a:off x="2610711" y="2425809"/>
             <a:ext cx="1267973" cy="584775"/>
           </a:xfrm>
           <a:prstGeom prst="rect">
@@ -5177,7 +5206,7 @@
                 <a:latin typeface="Arial" panose="020B0604020202020204" pitchFamily="34" charset="0"/>
                 <a:cs typeface="Arial" panose="020B0604020202020204" pitchFamily="34" charset="0"/>
               </a:rPr>
-              <a:t>keeb</a:t>
+              <a:t>wug</a:t>
             </a:r>
             <a:endParaRPr lang="en-GB" sz="3200" dirty="0">
               <a:latin typeface="Arial" panose="020B0604020202020204" pitchFamily="34" charset="0"/>
@@ -5200,7 +5229,7 @@
         </p:nvSpPr>
         <p:spPr>
           <a:xfrm>
-            <a:off x="7834237" y="3609852"/>
+            <a:off x="4322191" y="4019695"/>
             <a:ext cx="1981057" cy="1500668"/>
           </a:xfrm>
           <a:prstGeom prst="roundRect">
@@ -5260,7 +5289,7 @@
         </p:nvSpPr>
         <p:spPr>
           <a:xfrm>
-            <a:off x="4613609" y="1144363"/>
+            <a:off x="2454146" y="1452337"/>
             <a:ext cx="3783806" cy="830997"/>
           </a:xfrm>
           <a:prstGeom prst="rect">
@@ -5314,7 +5343,7 @@
                 <a:latin typeface="Arial" panose="020B0604020202020204" pitchFamily="34" charset="0"/>
                 <a:cs typeface="Arial" panose="020B0604020202020204" pitchFamily="34" charset="0"/>
               </a:rPr>
-              <a:t>name</a:t>
+              <a:t>label</a:t>
             </a:r>
             <a:r>
               <a:rPr lang="it-IT" sz="2400" i="1" dirty="0">
@@ -5332,10 +5361,10 @@
       </p:sp>
       <p:pic>
         <p:nvPicPr>
-          <p:cNvPr id="29" name="Picture 28">
-            <a:extLst>
-              <a:ext uri="{FF2B5EF4-FFF2-40B4-BE49-F238E27FC236}">
-                <a16:creationId xmlns:a16="http://schemas.microsoft.com/office/drawing/2014/main" id="{0E207948-3620-4660-AB5D-495A9373849B}"/>
+          <p:cNvPr id="2" name="Picture 1">
+            <a:extLst>
+              <a:ext uri="{FF2B5EF4-FFF2-40B4-BE49-F238E27FC236}">
+                <a16:creationId xmlns:a16="http://schemas.microsoft.com/office/drawing/2014/main" id="{6A5F4129-102E-4366-B8B5-42D31878ED42}"/>
               </a:ext>
             </a:extLst>
           </p:cNvPr>
@@ -5344,15 +5373,16 @@
           </p:cNvPicPr>
           <p:nvPr/>
         </p:nvPicPr>
-        <p:blipFill rotWithShape="1">
+        <p:blipFill>
           <a:blip r:embed="rId3"/>
-          <a:srcRect l="9421"/>
-          <a:stretch/>
+          <a:stretch>
+            <a:fillRect/>
+          </a:stretch>
         </p:blipFill>
         <p:spPr>
           <a:xfrm>
-            <a:off x="5331304" y="2573753"/>
-            <a:ext cx="1098646" cy="927148"/>
+            <a:off x="2939534" y="3145510"/>
+            <a:ext cx="1164774" cy="940953"/>
           </a:xfrm>
           <a:prstGeom prst="rect">
             <a:avLst/>
@@ -5361,10 +5391,10 @@
       </p:pic>
       <p:pic>
         <p:nvPicPr>
-          <p:cNvPr id="30" name="Picture 29">
-            <a:extLst>
-              <a:ext uri="{FF2B5EF4-FFF2-40B4-BE49-F238E27FC236}">
-                <a16:creationId xmlns:a16="http://schemas.microsoft.com/office/drawing/2014/main" id="{85984977-6355-449D-8EA0-90BCCF426976}"/>
+          <p:cNvPr id="3" name="Picture 2">
+            <a:extLst>
+              <a:ext uri="{FF2B5EF4-FFF2-40B4-BE49-F238E27FC236}">
+                <a16:creationId xmlns:a16="http://schemas.microsoft.com/office/drawing/2014/main" id="{4A74CDB1-F637-4872-8F06-D4F097B16EF0}"/>
               </a:ext>
             </a:extLst>
           </p:cNvPr>
@@ -5373,27 +5403,580 @@
           </p:cNvPicPr>
           <p:nvPr/>
         </p:nvPicPr>
-        <p:blipFill rotWithShape="1">
+        <p:blipFill>
           <a:blip r:embed="rId4"/>
-          <a:srcRect l="9017" r="11620"/>
-          <a:stretch/>
+          <a:stretch>
+            <a:fillRect/>
+          </a:stretch>
         </p:blipFill>
         <p:spPr>
           <a:xfrm>
-            <a:off x="6363275" y="2463263"/>
-            <a:ext cx="957568" cy="1016052"/>
+            <a:off x="4038636" y="3051353"/>
+            <a:ext cx="956679" cy="940953"/>
           </a:xfrm>
           <a:prstGeom prst="rect">
             <a:avLst/>
           </a:prstGeom>
         </p:spPr>
       </p:pic>
+      <p:sp>
+        <p:nvSpPr>
+          <p:cNvPr id="23" name="Rectangle: Rounded Corners 22">
+            <a:extLst>
+              <a:ext uri="{FF2B5EF4-FFF2-40B4-BE49-F238E27FC236}">
+                <a16:creationId xmlns:a16="http://schemas.microsoft.com/office/drawing/2014/main" id="{58183BED-25DD-49D6-A5C1-14B6ED554954}"/>
+              </a:ext>
+            </a:extLst>
+          </p:cNvPr>
+          <p:cNvSpPr/>
+          <p:nvPr/>
+        </p:nvSpPr>
+        <p:spPr>
+          <a:xfrm>
+            <a:off x="6019373" y="1427501"/>
+            <a:ext cx="1981057" cy="1500668"/>
+          </a:xfrm>
+          <a:prstGeom prst="roundRect">
+            <a:avLst/>
+          </a:prstGeom>
+          <a:solidFill>
+            <a:schemeClr val="bg1"/>
+          </a:solidFill>
+          <a:ln w="28575">
+            <a:solidFill>
+              <a:schemeClr val="tx1"/>
+            </a:solidFill>
+          </a:ln>
+        </p:spPr>
+        <p:style>
+          <a:lnRef idx="2">
+            <a:schemeClr val="accent1">
+              <a:shade val="50000"/>
+            </a:schemeClr>
+          </a:lnRef>
+          <a:fillRef idx="1">
+            <a:schemeClr val="accent1"/>
+          </a:fillRef>
+          <a:effectRef idx="0">
+            <a:schemeClr val="accent1"/>
+          </a:effectRef>
+          <a:fontRef idx="minor">
+            <a:schemeClr val="lt1"/>
+          </a:fontRef>
+        </p:style>
+        <p:txBody>
+          <a:bodyPr rtlCol="0" anchor="ctr"/>
+          <a:lstStyle/>
+          <a:p>
+            <a:pPr algn="ctr"/>
+            <a:r>
+              <a:rPr lang="it-IT" sz="3200" dirty="0">
+                <a:solidFill>
+                  <a:schemeClr val="tx1"/>
+                </a:solidFill>
+                <a:latin typeface="Arial" panose="020B0604020202020204" pitchFamily="34" charset="0"/>
+                <a:cs typeface="Arial" panose="020B0604020202020204" pitchFamily="34" charset="0"/>
+              </a:rPr>
+              <a:t>+</a:t>
+            </a:r>
+            <a:endParaRPr lang="en-GB" sz="3200" dirty="0">
+              <a:solidFill>
+                <a:schemeClr val="tx1"/>
+              </a:solidFill>
+              <a:latin typeface="Arial" panose="020B0604020202020204" pitchFamily="34" charset="0"/>
+              <a:cs typeface="Arial" panose="020B0604020202020204" pitchFamily="34" charset="0"/>
+            </a:endParaRPr>
+          </a:p>
+        </p:txBody>
+      </p:sp>
+      <p:sp>
+        <p:nvSpPr>
+          <p:cNvPr id="24" name="CasellaDiTesto 28">
+            <a:extLst>
+              <a:ext uri="{FF2B5EF4-FFF2-40B4-BE49-F238E27FC236}">
+                <a16:creationId xmlns:a16="http://schemas.microsoft.com/office/drawing/2014/main" id="{52252317-111E-4956-B35A-F2889EFD5A16}"/>
+              </a:ext>
+            </a:extLst>
+          </p:cNvPr>
+          <p:cNvSpPr txBox="1"/>
+          <p:nvPr/>
+        </p:nvSpPr>
+        <p:spPr>
+          <a:xfrm>
+            <a:off x="8639988" y="4408586"/>
+            <a:ext cx="1293558" cy="400110"/>
+          </a:xfrm>
+          <a:prstGeom prst="rect">
+            <a:avLst/>
+          </a:prstGeom>
+          <a:noFill/>
+        </p:spPr>
+        <p:txBody>
+          <a:bodyPr wrap="square" rtlCol="0">
+            <a:spAutoFit/>
+          </a:bodyPr>
+          <a:lstStyle/>
+          <a:p>
+            <a:r>
+              <a:rPr lang="en-GB" sz="2000" dirty="0">
+                <a:latin typeface="Arial" panose="020B0604020202020204" pitchFamily="34" charset="0"/>
+                <a:cs typeface="Arial" panose="020B0604020202020204" pitchFamily="34" charset="0"/>
+              </a:rPr>
+              <a:t>3500 </a:t>
+            </a:r>
+            <a:r>
+              <a:rPr lang="en-GB" sz="2000" dirty="0" err="1">
+                <a:latin typeface="Arial" panose="020B0604020202020204" pitchFamily="34" charset="0"/>
+                <a:cs typeface="Arial" panose="020B0604020202020204" pitchFamily="34" charset="0"/>
+              </a:rPr>
+              <a:t>ms</a:t>
+            </a:r>
+            <a:endParaRPr lang="en-GB" sz="2000" dirty="0">
+              <a:latin typeface="Arial" panose="020B0604020202020204" pitchFamily="34" charset="0"/>
+              <a:cs typeface="Arial" panose="020B0604020202020204" pitchFamily="34" charset="0"/>
+            </a:endParaRPr>
+          </a:p>
+        </p:txBody>
+      </p:sp>
+      <p:sp>
+        <p:nvSpPr>
+          <p:cNvPr id="25" name="CasellaDiTesto 28">
+            <a:extLst>
+              <a:ext uri="{FF2B5EF4-FFF2-40B4-BE49-F238E27FC236}">
+                <a16:creationId xmlns:a16="http://schemas.microsoft.com/office/drawing/2014/main" id="{BD90D6BB-9F92-4F98-B0C0-7816BBCABD90}"/>
+              </a:ext>
+            </a:extLst>
+          </p:cNvPr>
+          <p:cNvSpPr txBox="1"/>
+          <p:nvPr/>
+        </p:nvSpPr>
+        <p:spPr>
+          <a:xfrm>
+            <a:off x="9506149" y="5735070"/>
+            <a:ext cx="2996629" cy="400110"/>
+          </a:xfrm>
+          <a:prstGeom prst="rect">
+            <a:avLst/>
+          </a:prstGeom>
+          <a:noFill/>
+        </p:spPr>
+        <p:txBody>
+          <a:bodyPr wrap="square" rtlCol="0">
+            <a:spAutoFit/>
+          </a:bodyPr>
+          <a:lstStyle/>
+          <a:p>
+            <a:r>
+              <a:rPr lang="en-GB" sz="2000" dirty="0">
+                <a:latin typeface="Arial" panose="020B0604020202020204" pitchFamily="34" charset="0"/>
+                <a:cs typeface="Arial" panose="020B0604020202020204" pitchFamily="34" charset="0"/>
+              </a:rPr>
+              <a:t>1000 </a:t>
+            </a:r>
+            <a:r>
+              <a:rPr lang="en-GB" sz="2000" dirty="0" err="1">
+                <a:latin typeface="Arial" panose="020B0604020202020204" pitchFamily="34" charset="0"/>
+                <a:cs typeface="Arial" panose="020B0604020202020204" pitchFamily="34" charset="0"/>
+              </a:rPr>
+              <a:t>ms</a:t>
+            </a:r>
+            <a:r>
+              <a:rPr lang="en-GB" sz="2000" dirty="0">
+                <a:latin typeface="Arial" panose="020B0604020202020204" pitchFamily="34" charset="0"/>
+                <a:cs typeface="Arial" panose="020B0604020202020204" pitchFamily="34" charset="0"/>
+              </a:rPr>
+              <a:t> + random ISI </a:t>
+            </a:r>
+          </a:p>
+        </p:txBody>
+      </p:sp>
+      <p:cxnSp>
+        <p:nvCxnSpPr>
+          <p:cNvPr id="26" name="Connettore 2 32">
+            <a:extLst>
+              <a:ext uri="{FF2B5EF4-FFF2-40B4-BE49-F238E27FC236}">
+                <a16:creationId xmlns:a16="http://schemas.microsoft.com/office/drawing/2014/main" id="{A8CB6DDE-95DD-4863-9875-8D8294B910FC}"/>
+              </a:ext>
+            </a:extLst>
+          </p:cNvPr>
+          <p:cNvCxnSpPr>
+            <a:cxnSpLocks/>
+          </p:cNvCxnSpPr>
+          <p:nvPr/>
+        </p:nvCxnSpPr>
+        <p:spPr>
+          <a:xfrm>
+            <a:off x="5888006" y="3463537"/>
+            <a:ext cx="4088692" cy="2885531"/>
+          </a:xfrm>
+          <a:prstGeom prst="straightConnector1">
+            <a:avLst/>
+          </a:prstGeom>
+          <a:ln w="38100">
+            <a:solidFill>
+              <a:srgbClr val="FF0000"/>
+            </a:solidFill>
+            <a:tailEnd type="arrow"/>
+          </a:ln>
+        </p:spPr>
+        <p:style>
+          <a:lnRef idx="2">
+            <a:schemeClr val="dk1"/>
+          </a:lnRef>
+          <a:fillRef idx="0">
+            <a:schemeClr val="dk1"/>
+          </a:fillRef>
+          <a:effectRef idx="1">
+            <a:schemeClr val="dk1"/>
+          </a:effectRef>
+          <a:fontRef idx="minor">
+            <a:schemeClr val="tx1"/>
+          </a:fontRef>
+        </p:style>
+      </p:cxnSp>
+      <p:sp>
+        <p:nvSpPr>
+          <p:cNvPr id="27" name="CasellaDiTesto 28">
+            <a:extLst>
+              <a:ext uri="{FF2B5EF4-FFF2-40B4-BE49-F238E27FC236}">
+                <a16:creationId xmlns:a16="http://schemas.microsoft.com/office/drawing/2014/main" id="{D6E73E61-8D94-450A-8CB0-91FA6B312F75}"/>
+              </a:ext>
+            </a:extLst>
+          </p:cNvPr>
+          <p:cNvSpPr txBox="1"/>
+          <p:nvPr/>
+        </p:nvSpPr>
+        <p:spPr>
+          <a:xfrm>
+            <a:off x="6493067" y="2906276"/>
+            <a:ext cx="1293558" cy="400110"/>
+          </a:xfrm>
+          <a:prstGeom prst="rect">
+            <a:avLst/>
+          </a:prstGeom>
+          <a:noFill/>
+        </p:spPr>
+        <p:txBody>
+          <a:bodyPr wrap="square" rtlCol="0">
+            <a:spAutoFit/>
+          </a:bodyPr>
+          <a:lstStyle/>
+          <a:p>
+            <a:r>
+              <a:rPr lang="en-GB" sz="2000" dirty="0">
+                <a:latin typeface="Arial" panose="020B0604020202020204" pitchFamily="34" charset="0"/>
+                <a:cs typeface="Arial" panose="020B0604020202020204" pitchFamily="34" charset="0"/>
+              </a:rPr>
+              <a:t>500 </a:t>
+            </a:r>
+            <a:r>
+              <a:rPr lang="en-GB" sz="2000" dirty="0" err="1">
+                <a:latin typeface="Arial" panose="020B0604020202020204" pitchFamily="34" charset="0"/>
+                <a:cs typeface="Arial" panose="020B0604020202020204" pitchFamily="34" charset="0"/>
+              </a:rPr>
+              <a:t>ms</a:t>
+            </a:r>
+            <a:endParaRPr lang="en-GB" sz="2000" dirty="0">
+              <a:latin typeface="Arial" panose="020B0604020202020204" pitchFamily="34" charset="0"/>
+              <a:cs typeface="Arial" panose="020B0604020202020204" pitchFamily="34" charset="0"/>
+            </a:endParaRPr>
+          </a:p>
+        </p:txBody>
+      </p:sp>
+      <p:sp>
+        <p:nvSpPr>
+          <p:cNvPr id="32" name="Rectangle: Rounded Corners 31">
+            <a:extLst>
+              <a:ext uri="{FF2B5EF4-FFF2-40B4-BE49-F238E27FC236}">
+                <a16:creationId xmlns:a16="http://schemas.microsoft.com/office/drawing/2014/main" id="{652A054E-77B7-4305-BFA5-2D5076BB06BE}"/>
+              </a:ext>
+            </a:extLst>
+          </p:cNvPr>
+          <p:cNvSpPr/>
+          <p:nvPr/>
+        </p:nvSpPr>
+        <p:spPr>
+          <a:xfrm>
+            <a:off x="7586061" y="2493511"/>
+            <a:ext cx="3109709" cy="1856067"/>
+          </a:xfrm>
+          <a:prstGeom prst="roundRect">
+            <a:avLst/>
+          </a:prstGeom>
+          <a:solidFill>
+            <a:schemeClr val="bg1"/>
+          </a:solidFill>
+          <a:ln w="28575">
+            <a:solidFill>
+              <a:schemeClr val="tx1"/>
+            </a:solidFill>
+          </a:ln>
+        </p:spPr>
+        <p:style>
+          <a:lnRef idx="2">
+            <a:schemeClr val="accent1">
+              <a:shade val="50000"/>
+            </a:schemeClr>
+          </a:lnRef>
+          <a:fillRef idx="1">
+            <a:schemeClr val="accent1"/>
+          </a:fillRef>
+          <a:effectRef idx="0">
+            <a:schemeClr val="accent1"/>
+          </a:effectRef>
+          <a:fontRef idx="minor">
+            <a:schemeClr val="lt1"/>
+          </a:fontRef>
+        </p:style>
+        <p:txBody>
+          <a:bodyPr rtlCol="0" anchor="ctr"/>
+          <a:lstStyle/>
+          <a:p>
+            <a:pPr algn="ctr"/>
+            <a:endParaRPr lang="en-GB" sz="3200" dirty="0">
+              <a:solidFill>
+                <a:schemeClr val="tx1"/>
+              </a:solidFill>
+              <a:latin typeface="Arial" panose="020B0604020202020204" pitchFamily="34" charset="0"/>
+              <a:cs typeface="Arial" panose="020B0604020202020204" pitchFamily="34" charset="0"/>
+            </a:endParaRPr>
+          </a:p>
+        </p:txBody>
+      </p:sp>
+      <p:grpSp>
+        <p:nvGrpSpPr>
+          <p:cNvPr id="34" name="Gruppo 13">
+            <a:extLst>
+              <a:ext uri="{FF2B5EF4-FFF2-40B4-BE49-F238E27FC236}">
+                <a16:creationId xmlns:a16="http://schemas.microsoft.com/office/drawing/2014/main" id="{4211E45C-1E45-422F-876C-0C7922FDC8EF}"/>
+              </a:ext>
+            </a:extLst>
+          </p:cNvPr>
+          <p:cNvGrpSpPr/>
+          <p:nvPr/>
+        </p:nvGrpSpPr>
+        <p:grpSpPr>
+          <a:xfrm>
+            <a:off x="7925643" y="3452682"/>
+            <a:ext cx="534256" cy="485091"/>
+            <a:chOff x="439547" y="2285573"/>
+            <a:chExt cx="1136114" cy="1278743"/>
+          </a:xfrm>
+        </p:grpSpPr>
+        <p:sp>
+          <p:nvSpPr>
+            <p:cNvPr id="35" name="Suono 14">
+              <a:hlinkClick r:id="" action="ppaction://noaction" highlightClick="1"/>
+              <a:extLst>
+                <a:ext uri="{FF2B5EF4-FFF2-40B4-BE49-F238E27FC236}">
+                  <a16:creationId xmlns:a16="http://schemas.microsoft.com/office/drawing/2014/main" id="{E78A4AB8-2E21-4FDF-83B2-DC365D48CE8A}"/>
+                </a:ext>
+              </a:extLst>
+            </p:cNvPr>
+            <p:cNvSpPr/>
+            <p:nvPr/>
+          </p:nvSpPr>
+          <p:spPr>
+            <a:xfrm>
+              <a:off x="439547" y="2285573"/>
+              <a:ext cx="1136114" cy="1278743"/>
+            </a:xfrm>
+            <a:prstGeom prst="actionButtonSound">
+              <a:avLst/>
+            </a:prstGeom>
+            <a:noFill/>
+            <a:ln w="38100">
+              <a:solidFill>
+                <a:schemeClr val="tx1"/>
+              </a:solidFill>
+            </a:ln>
+          </p:spPr>
+          <p:style>
+            <a:lnRef idx="2">
+              <a:schemeClr val="accent1">
+                <a:shade val="50000"/>
+              </a:schemeClr>
+            </a:lnRef>
+            <a:fillRef idx="1">
+              <a:schemeClr val="accent1"/>
+            </a:fillRef>
+            <a:effectRef idx="0">
+              <a:schemeClr val="accent1"/>
+            </a:effectRef>
+            <a:fontRef idx="minor">
+              <a:schemeClr val="lt1"/>
+            </a:fontRef>
+          </p:style>
+          <p:txBody>
+            <a:bodyPr rtlCol="0" anchor="ctr"/>
+            <a:lstStyle/>
+            <a:p>
+              <a:pPr algn="ctr"/>
+              <a:endParaRPr lang="en-GB" dirty="0"/>
+            </a:p>
+          </p:txBody>
+        </p:sp>
+        <p:sp>
+          <p:nvSpPr>
+            <p:cNvPr id="36" name="Rettangolo 15">
+              <a:extLst>
+                <a:ext uri="{FF2B5EF4-FFF2-40B4-BE49-F238E27FC236}">
+                  <a16:creationId xmlns:a16="http://schemas.microsoft.com/office/drawing/2014/main" id="{C563E4AF-0F0F-4D56-8DBF-BE7245B2D171}"/>
+                </a:ext>
+              </a:extLst>
+            </p:cNvPr>
+            <p:cNvSpPr/>
+            <p:nvPr/>
+          </p:nvSpPr>
+          <p:spPr>
+            <a:xfrm>
+              <a:off x="439547" y="2285573"/>
+              <a:ext cx="1136114" cy="1278743"/>
+            </a:xfrm>
+            <a:prstGeom prst="rect">
+              <a:avLst/>
+            </a:prstGeom>
+            <a:noFill/>
+            <a:ln w="38100">
+              <a:solidFill>
+                <a:schemeClr val="bg1"/>
+              </a:solidFill>
+            </a:ln>
+          </p:spPr>
+          <p:style>
+            <a:lnRef idx="2">
+              <a:schemeClr val="accent1">
+                <a:shade val="50000"/>
+              </a:schemeClr>
+            </a:lnRef>
+            <a:fillRef idx="1">
+              <a:schemeClr val="accent1"/>
+            </a:fillRef>
+            <a:effectRef idx="0">
+              <a:schemeClr val="accent1"/>
+            </a:effectRef>
+            <a:fontRef idx="minor">
+              <a:schemeClr val="lt1"/>
+            </a:fontRef>
+          </p:style>
+          <p:txBody>
+            <a:bodyPr rtlCol="0" anchor="ctr"/>
+            <a:lstStyle/>
+            <a:p>
+              <a:pPr algn="ctr"/>
+              <a:endParaRPr lang="en-GB"/>
+            </a:p>
+          </p:txBody>
+        </p:sp>
+      </p:grpSp>
+      <p:sp>
+        <p:nvSpPr>
+          <p:cNvPr id="37" name="TextBox 36">
+            <a:extLst>
+              <a:ext uri="{FF2B5EF4-FFF2-40B4-BE49-F238E27FC236}">
+                <a16:creationId xmlns:a16="http://schemas.microsoft.com/office/drawing/2014/main" id="{9E10EF52-1C2E-4D3F-A621-D8B5376959A3}"/>
+              </a:ext>
+            </a:extLst>
+          </p:cNvPr>
+          <p:cNvSpPr txBox="1"/>
+          <p:nvPr/>
+        </p:nvSpPr>
+        <p:spPr>
+          <a:xfrm>
+            <a:off x="7730615" y="3772750"/>
+            <a:ext cx="947859" cy="584775"/>
+          </a:xfrm>
+          <a:prstGeom prst="rect">
+            <a:avLst/>
+          </a:prstGeom>
+          <a:noFill/>
+        </p:spPr>
+        <p:txBody>
+          <a:bodyPr wrap="square" rtlCol="0">
+            <a:spAutoFit/>
+          </a:bodyPr>
+          <a:lstStyle/>
+          <a:p>
+            <a:r>
+              <a:rPr lang="it-IT" sz="3200" dirty="0" err="1">
+                <a:latin typeface="Arial" panose="020B0604020202020204" pitchFamily="34" charset="0"/>
+                <a:cs typeface="Arial" panose="020B0604020202020204" pitchFamily="34" charset="0"/>
+              </a:rPr>
+              <a:t>wug</a:t>
+            </a:r>
+            <a:endParaRPr lang="en-GB" sz="3200" dirty="0">
+              <a:latin typeface="Arial" panose="020B0604020202020204" pitchFamily="34" charset="0"/>
+              <a:cs typeface="Arial" panose="020B0604020202020204" pitchFamily="34" charset="0"/>
+            </a:endParaRPr>
+          </a:p>
+        </p:txBody>
+      </p:sp>
+      <p:sp>
+        <p:nvSpPr>
+          <p:cNvPr id="38" name="Rectangle: Rounded Corners 37">
+            <a:extLst>
+              <a:ext uri="{FF2B5EF4-FFF2-40B4-BE49-F238E27FC236}">
+                <a16:creationId xmlns:a16="http://schemas.microsoft.com/office/drawing/2014/main" id="{307DEE5D-CB6C-4A0D-9681-E41B780B36DA}"/>
+              </a:ext>
+            </a:extLst>
+          </p:cNvPr>
+          <p:cNvSpPr/>
+          <p:nvPr/>
+        </p:nvSpPr>
+        <p:spPr>
+          <a:xfrm>
+            <a:off x="9823807" y="4221564"/>
+            <a:ext cx="1964957" cy="1568747"/>
+          </a:xfrm>
+          <a:prstGeom prst="roundRect">
+            <a:avLst/>
+          </a:prstGeom>
+          <a:solidFill>
+            <a:schemeClr val="bg1"/>
+          </a:solidFill>
+          <a:ln w="28575">
+            <a:solidFill>
+              <a:schemeClr val="tx1"/>
+            </a:solidFill>
+          </a:ln>
+        </p:spPr>
+        <p:style>
+          <a:lnRef idx="2">
+            <a:schemeClr val="accent1">
+              <a:shade val="50000"/>
+            </a:schemeClr>
+          </a:lnRef>
+          <a:fillRef idx="1">
+            <a:schemeClr val="accent1"/>
+          </a:fillRef>
+          <a:effectRef idx="0">
+            <a:schemeClr val="accent1"/>
+          </a:effectRef>
+          <a:fontRef idx="minor">
+            <a:schemeClr val="lt1"/>
+          </a:fontRef>
+        </p:style>
+        <p:txBody>
+          <a:bodyPr rtlCol="0" anchor="ctr"/>
+          <a:lstStyle/>
+          <a:p>
+            <a:pPr algn="ctr"/>
+            <a:endParaRPr lang="en-GB" sz="3200" dirty="0">
+              <a:solidFill>
+                <a:schemeClr val="tx1"/>
+              </a:solidFill>
+              <a:latin typeface="Arial" panose="020B0604020202020204" pitchFamily="34" charset="0"/>
+              <a:cs typeface="Arial" panose="020B0604020202020204" pitchFamily="34" charset="0"/>
+            </a:endParaRPr>
+          </a:p>
+        </p:txBody>
+      </p:sp>
       <p:pic>
         <p:nvPicPr>
-          <p:cNvPr id="31" name="Picture 30">
-            <a:extLst>
-              <a:ext uri="{FF2B5EF4-FFF2-40B4-BE49-F238E27FC236}">
-                <a16:creationId xmlns:a16="http://schemas.microsoft.com/office/drawing/2014/main" id="{6CB96256-BB51-4DCC-9ED8-023B5D8D8802}"/>
+          <p:cNvPr id="40" name="Picture 39">
+            <a:extLst>
+              <a:ext uri="{FF2B5EF4-FFF2-40B4-BE49-F238E27FC236}">
+                <a16:creationId xmlns:a16="http://schemas.microsoft.com/office/drawing/2014/main" id="{E280C3D5-9C93-4714-8E32-446CB4BB7B02}"/>
               </a:ext>
             </a:extLst>
           </p:cNvPr>
@@ -5402,21 +5985,442 @@
           </p:cNvPicPr>
           <p:nvPr/>
         </p:nvPicPr>
-        <p:blipFill rotWithShape="1">
-          <a:blip r:embed="rId5"/>
-          <a:srcRect l="8065"/>
-          <a:stretch/>
+        <p:blipFill>
+          <a:blip r:embed="rId3"/>
+          <a:stretch>
+            <a:fillRect/>
+          </a:stretch>
         </p:blipFill>
         <p:spPr>
           <a:xfrm>
-            <a:off x="7349665" y="2597634"/>
-            <a:ext cx="969144" cy="825542"/>
+            <a:off x="8614246" y="2559078"/>
+            <a:ext cx="1164774" cy="940953"/>
           </a:xfrm>
           <a:prstGeom prst="rect">
             <a:avLst/>
           </a:prstGeom>
         </p:spPr>
       </p:pic>
+      <p:sp>
+        <p:nvSpPr>
+          <p:cNvPr id="42" name="TextBox 41">
+            <a:extLst>
+              <a:ext uri="{FF2B5EF4-FFF2-40B4-BE49-F238E27FC236}">
+                <a16:creationId xmlns:a16="http://schemas.microsoft.com/office/drawing/2014/main" id="{52BC60D0-2E2F-4733-9AE7-D4D33685F43D}"/>
+              </a:ext>
+            </a:extLst>
+          </p:cNvPr>
+          <p:cNvSpPr txBox="1"/>
+          <p:nvPr/>
+        </p:nvSpPr>
+        <p:spPr>
+          <a:xfrm>
+            <a:off x="8281327" y="1389795"/>
+            <a:ext cx="3783806" cy="830997"/>
+          </a:xfrm>
+          <a:prstGeom prst="rect">
+            <a:avLst/>
+          </a:prstGeom>
+          <a:noFill/>
+        </p:spPr>
+        <p:txBody>
+          <a:bodyPr wrap="square" rtlCol="0">
+            <a:spAutoFit/>
+          </a:bodyPr>
+          <a:lstStyle/>
+          <a:p>
+            <a:r>
+              <a:rPr lang="it-IT" sz="2400" i="1" dirty="0">
+                <a:latin typeface="Arial" panose="020B0604020202020204" pitchFamily="34" charset="0"/>
+                <a:cs typeface="Arial" panose="020B0604020202020204" pitchFamily="34" charset="0"/>
+              </a:rPr>
+              <a:t>«Select the </a:t>
+            </a:r>
+            <a:r>
+              <a:rPr lang="it-IT" sz="2400" b="1" i="1" dirty="0">
+                <a:latin typeface="Arial" panose="020B0604020202020204" pitchFamily="34" charset="0"/>
+                <a:cs typeface="Arial" panose="020B0604020202020204" pitchFamily="34" charset="0"/>
+              </a:rPr>
+              <a:t>label</a:t>
+            </a:r>
+            <a:r>
+              <a:rPr lang="it-IT" sz="2400" i="1" dirty="0">
+                <a:latin typeface="Arial" panose="020B0604020202020204" pitchFamily="34" charset="0"/>
+                <a:cs typeface="Arial" panose="020B0604020202020204" pitchFamily="34" charset="0"/>
+              </a:rPr>
+              <a:t> </a:t>
+            </a:r>
+            <a:r>
+              <a:rPr lang="it-IT" sz="2400" i="1" dirty="0" err="1">
+                <a:latin typeface="Arial" panose="020B0604020202020204" pitchFamily="34" charset="0"/>
+                <a:cs typeface="Arial" panose="020B0604020202020204" pitchFamily="34" charset="0"/>
+              </a:rPr>
+              <a:t>that</a:t>
+            </a:r>
+            <a:r>
+              <a:rPr lang="it-IT" sz="2400" i="1" dirty="0">
+                <a:latin typeface="Arial" panose="020B0604020202020204" pitchFamily="34" charset="0"/>
+                <a:cs typeface="Arial" panose="020B0604020202020204" pitchFamily="34" charset="0"/>
+              </a:rPr>
+              <a:t> best matches the </a:t>
+            </a:r>
+            <a:r>
+              <a:rPr lang="it-IT" sz="2400" b="1" i="1" dirty="0" err="1">
+                <a:latin typeface="Arial" panose="020B0604020202020204" pitchFamily="34" charset="0"/>
+                <a:cs typeface="Arial" panose="020B0604020202020204" pitchFamily="34" charset="0"/>
+              </a:rPr>
+              <a:t>fribble</a:t>
+            </a:r>
+            <a:r>
+              <a:rPr lang="it-IT" sz="2400" i="1" dirty="0">
+                <a:latin typeface="Arial" panose="020B0604020202020204" pitchFamily="34" charset="0"/>
+                <a:cs typeface="Arial" panose="020B0604020202020204" pitchFamily="34" charset="0"/>
+              </a:rPr>
+              <a:t>»</a:t>
+            </a:r>
+            <a:endParaRPr lang="en-GB" sz="2400" i="1" dirty="0">
+              <a:latin typeface="Arial" panose="020B0604020202020204" pitchFamily="34" charset="0"/>
+              <a:cs typeface="Arial" panose="020B0604020202020204" pitchFamily="34" charset="0"/>
+            </a:endParaRPr>
+          </a:p>
+        </p:txBody>
+      </p:sp>
+      <p:grpSp>
+        <p:nvGrpSpPr>
+          <p:cNvPr id="43" name="Gruppo 13">
+            <a:extLst>
+              <a:ext uri="{FF2B5EF4-FFF2-40B4-BE49-F238E27FC236}">
+                <a16:creationId xmlns:a16="http://schemas.microsoft.com/office/drawing/2014/main" id="{CF6EEA7D-331A-4331-89D3-4A0F7DA19AD4}"/>
+              </a:ext>
+            </a:extLst>
+          </p:cNvPr>
+          <p:cNvGrpSpPr/>
+          <p:nvPr/>
+        </p:nvGrpSpPr>
+        <p:grpSpPr>
+          <a:xfrm>
+            <a:off x="9012989" y="3440698"/>
+            <a:ext cx="534256" cy="485091"/>
+            <a:chOff x="439547" y="2285573"/>
+            <a:chExt cx="1136114" cy="1278743"/>
+          </a:xfrm>
+        </p:grpSpPr>
+        <p:sp>
+          <p:nvSpPr>
+            <p:cNvPr id="44" name="Suono 14">
+              <a:hlinkClick r:id="" action="ppaction://noaction" highlightClick="1"/>
+              <a:extLst>
+                <a:ext uri="{FF2B5EF4-FFF2-40B4-BE49-F238E27FC236}">
+                  <a16:creationId xmlns:a16="http://schemas.microsoft.com/office/drawing/2014/main" id="{3B4A4A29-9C70-49CF-841E-4766AA4AA24C}"/>
+                </a:ext>
+              </a:extLst>
+            </p:cNvPr>
+            <p:cNvSpPr/>
+            <p:nvPr/>
+          </p:nvSpPr>
+          <p:spPr>
+            <a:xfrm>
+              <a:off x="439547" y="2285573"/>
+              <a:ext cx="1136114" cy="1278743"/>
+            </a:xfrm>
+            <a:prstGeom prst="actionButtonSound">
+              <a:avLst/>
+            </a:prstGeom>
+            <a:noFill/>
+            <a:ln w="38100">
+              <a:solidFill>
+                <a:schemeClr val="tx1"/>
+              </a:solidFill>
+            </a:ln>
+          </p:spPr>
+          <p:style>
+            <a:lnRef idx="2">
+              <a:schemeClr val="accent1">
+                <a:shade val="50000"/>
+              </a:schemeClr>
+            </a:lnRef>
+            <a:fillRef idx="1">
+              <a:schemeClr val="accent1"/>
+            </a:fillRef>
+            <a:effectRef idx="0">
+              <a:schemeClr val="accent1"/>
+            </a:effectRef>
+            <a:fontRef idx="minor">
+              <a:schemeClr val="lt1"/>
+            </a:fontRef>
+          </p:style>
+          <p:txBody>
+            <a:bodyPr rtlCol="0" anchor="ctr"/>
+            <a:lstStyle/>
+            <a:p>
+              <a:pPr algn="ctr"/>
+              <a:endParaRPr lang="en-GB" dirty="0"/>
+            </a:p>
+          </p:txBody>
+        </p:sp>
+        <p:sp>
+          <p:nvSpPr>
+            <p:cNvPr id="45" name="Rettangolo 15">
+              <a:extLst>
+                <a:ext uri="{FF2B5EF4-FFF2-40B4-BE49-F238E27FC236}">
+                  <a16:creationId xmlns:a16="http://schemas.microsoft.com/office/drawing/2014/main" id="{AAB8BB7E-74C0-4146-B857-C48EEB12478A}"/>
+                </a:ext>
+              </a:extLst>
+            </p:cNvPr>
+            <p:cNvSpPr/>
+            <p:nvPr/>
+          </p:nvSpPr>
+          <p:spPr>
+            <a:xfrm>
+              <a:off x="439547" y="2285573"/>
+              <a:ext cx="1136114" cy="1278743"/>
+            </a:xfrm>
+            <a:prstGeom prst="rect">
+              <a:avLst/>
+            </a:prstGeom>
+            <a:noFill/>
+            <a:ln w="38100">
+              <a:solidFill>
+                <a:schemeClr val="bg1"/>
+              </a:solidFill>
+            </a:ln>
+          </p:spPr>
+          <p:style>
+            <a:lnRef idx="2">
+              <a:schemeClr val="accent1">
+                <a:shade val="50000"/>
+              </a:schemeClr>
+            </a:lnRef>
+            <a:fillRef idx="1">
+              <a:schemeClr val="accent1"/>
+            </a:fillRef>
+            <a:effectRef idx="0">
+              <a:schemeClr val="accent1"/>
+            </a:effectRef>
+            <a:fontRef idx="minor">
+              <a:schemeClr val="lt1"/>
+            </a:fontRef>
+          </p:style>
+          <p:txBody>
+            <a:bodyPr rtlCol="0" anchor="ctr"/>
+            <a:lstStyle/>
+            <a:p>
+              <a:pPr algn="ctr"/>
+              <a:endParaRPr lang="en-GB"/>
+            </a:p>
+          </p:txBody>
+        </p:sp>
+      </p:grpSp>
+      <p:grpSp>
+        <p:nvGrpSpPr>
+          <p:cNvPr id="46" name="Gruppo 13">
+            <a:extLst>
+              <a:ext uri="{FF2B5EF4-FFF2-40B4-BE49-F238E27FC236}">
+                <a16:creationId xmlns:a16="http://schemas.microsoft.com/office/drawing/2014/main" id="{C9D6BBE6-DA44-4BDD-8F23-E30416D2D011}"/>
+              </a:ext>
+            </a:extLst>
+          </p:cNvPr>
+          <p:cNvGrpSpPr/>
+          <p:nvPr/>
+        </p:nvGrpSpPr>
+        <p:grpSpPr>
+          <a:xfrm>
+            <a:off x="9925676" y="3449262"/>
+            <a:ext cx="534256" cy="485091"/>
+            <a:chOff x="439547" y="2285573"/>
+            <a:chExt cx="1136114" cy="1278743"/>
+          </a:xfrm>
+        </p:grpSpPr>
+        <p:sp>
+          <p:nvSpPr>
+            <p:cNvPr id="47" name="Suono 14">
+              <a:hlinkClick r:id="" action="ppaction://noaction" highlightClick="1"/>
+              <a:extLst>
+                <a:ext uri="{FF2B5EF4-FFF2-40B4-BE49-F238E27FC236}">
+                  <a16:creationId xmlns:a16="http://schemas.microsoft.com/office/drawing/2014/main" id="{67968ACD-261C-46A8-87ED-A13CCF88CF1E}"/>
+                </a:ext>
+              </a:extLst>
+            </p:cNvPr>
+            <p:cNvSpPr/>
+            <p:nvPr/>
+          </p:nvSpPr>
+          <p:spPr>
+            <a:xfrm>
+              <a:off x="439547" y="2285573"/>
+              <a:ext cx="1136114" cy="1278743"/>
+            </a:xfrm>
+            <a:prstGeom prst="actionButtonSound">
+              <a:avLst/>
+            </a:prstGeom>
+            <a:noFill/>
+            <a:ln w="38100">
+              <a:solidFill>
+                <a:schemeClr val="tx1"/>
+              </a:solidFill>
+            </a:ln>
+          </p:spPr>
+          <p:style>
+            <a:lnRef idx="2">
+              <a:schemeClr val="accent1">
+                <a:shade val="50000"/>
+              </a:schemeClr>
+            </a:lnRef>
+            <a:fillRef idx="1">
+              <a:schemeClr val="accent1"/>
+            </a:fillRef>
+            <a:effectRef idx="0">
+              <a:schemeClr val="accent1"/>
+            </a:effectRef>
+            <a:fontRef idx="minor">
+              <a:schemeClr val="lt1"/>
+            </a:fontRef>
+          </p:style>
+          <p:txBody>
+            <a:bodyPr rtlCol="0" anchor="ctr"/>
+            <a:lstStyle/>
+            <a:p>
+              <a:pPr algn="ctr"/>
+              <a:endParaRPr lang="en-GB" dirty="0"/>
+            </a:p>
+          </p:txBody>
+        </p:sp>
+        <p:sp>
+          <p:nvSpPr>
+            <p:cNvPr id="48" name="Rettangolo 15">
+              <a:extLst>
+                <a:ext uri="{FF2B5EF4-FFF2-40B4-BE49-F238E27FC236}">
+                  <a16:creationId xmlns:a16="http://schemas.microsoft.com/office/drawing/2014/main" id="{24D2D3D6-19DC-44A5-8F17-D2E6D9C137DA}"/>
+                </a:ext>
+              </a:extLst>
+            </p:cNvPr>
+            <p:cNvSpPr/>
+            <p:nvPr/>
+          </p:nvSpPr>
+          <p:spPr>
+            <a:xfrm>
+              <a:off x="439547" y="2285573"/>
+              <a:ext cx="1136114" cy="1278743"/>
+            </a:xfrm>
+            <a:prstGeom prst="rect">
+              <a:avLst/>
+            </a:prstGeom>
+            <a:noFill/>
+            <a:ln w="38100">
+              <a:solidFill>
+                <a:schemeClr val="bg1"/>
+              </a:solidFill>
+            </a:ln>
+          </p:spPr>
+          <p:style>
+            <a:lnRef idx="2">
+              <a:schemeClr val="accent1">
+                <a:shade val="50000"/>
+              </a:schemeClr>
+            </a:lnRef>
+            <a:fillRef idx="1">
+              <a:schemeClr val="accent1"/>
+            </a:fillRef>
+            <a:effectRef idx="0">
+              <a:schemeClr val="accent1"/>
+            </a:effectRef>
+            <a:fontRef idx="minor">
+              <a:schemeClr val="lt1"/>
+            </a:fontRef>
+          </p:style>
+          <p:txBody>
+            <a:bodyPr rtlCol="0" anchor="ctr"/>
+            <a:lstStyle/>
+            <a:p>
+              <a:pPr algn="ctr"/>
+              <a:endParaRPr lang="en-GB"/>
+            </a:p>
+          </p:txBody>
+        </p:sp>
+      </p:grpSp>
+      <p:sp>
+        <p:nvSpPr>
+          <p:cNvPr id="49" name="TextBox 48">
+            <a:extLst>
+              <a:ext uri="{FF2B5EF4-FFF2-40B4-BE49-F238E27FC236}">
+                <a16:creationId xmlns:a16="http://schemas.microsoft.com/office/drawing/2014/main" id="{BA6C35AD-BDB9-4A30-AB8F-2453109DAA82}"/>
+              </a:ext>
+            </a:extLst>
+          </p:cNvPr>
+          <p:cNvSpPr txBox="1"/>
+          <p:nvPr/>
+        </p:nvSpPr>
+        <p:spPr>
+          <a:xfrm>
+            <a:off x="8910773" y="3787242"/>
+            <a:ext cx="947859" cy="584775"/>
+          </a:xfrm>
+          <a:prstGeom prst="rect">
+            <a:avLst/>
+          </a:prstGeom>
+          <a:noFill/>
+        </p:spPr>
+        <p:txBody>
+          <a:bodyPr wrap="square" rtlCol="0">
+            <a:spAutoFit/>
+          </a:bodyPr>
+          <a:lstStyle/>
+          <a:p>
+            <a:r>
+              <a:rPr lang="it-IT" sz="3200" dirty="0" err="1">
+                <a:latin typeface="Arial" panose="020B0604020202020204" pitchFamily="34" charset="0"/>
+                <a:cs typeface="Arial" panose="020B0604020202020204" pitchFamily="34" charset="0"/>
+              </a:rPr>
+              <a:t>tob</a:t>
+            </a:r>
+            <a:endParaRPr lang="en-GB" sz="3200" dirty="0">
+              <a:latin typeface="Arial" panose="020B0604020202020204" pitchFamily="34" charset="0"/>
+              <a:cs typeface="Arial" panose="020B0604020202020204" pitchFamily="34" charset="0"/>
+            </a:endParaRPr>
+          </a:p>
+        </p:txBody>
+      </p:sp>
+      <p:sp>
+        <p:nvSpPr>
+          <p:cNvPr id="50" name="TextBox 49">
+            <a:extLst>
+              <a:ext uri="{FF2B5EF4-FFF2-40B4-BE49-F238E27FC236}">
+                <a16:creationId xmlns:a16="http://schemas.microsoft.com/office/drawing/2014/main" id="{7886B644-3652-4FCA-AA75-92C9AA4CA565}"/>
+              </a:ext>
+            </a:extLst>
+          </p:cNvPr>
+          <p:cNvSpPr txBox="1"/>
+          <p:nvPr/>
+        </p:nvSpPr>
+        <p:spPr>
+          <a:xfrm>
+            <a:off x="9854286" y="3775258"/>
+            <a:ext cx="947859" cy="584775"/>
+          </a:xfrm>
+          <a:prstGeom prst="rect">
+            <a:avLst/>
+          </a:prstGeom>
+          <a:noFill/>
+        </p:spPr>
+        <p:txBody>
+          <a:bodyPr wrap="square" rtlCol="0">
+            <a:spAutoFit/>
+          </a:bodyPr>
+          <a:lstStyle/>
+          <a:p>
+            <a:r>
+              <a:rPr lang="it-IT" sz="3200" dirty="0" err="1">
+                <a:latin typeface="Arial" panose="020B0604020202020204" pitchFamily="34" charset="0"/>
+                <a:cs typeface="Arial" panose="020B0604020202020204" pitchFamily="34" charset="0"/>
+              </a:rPr>
+              <a:t>dep</a:t>
+            </a:r>
+            <a:endParaRPr lang="en-GB" sz="3200" dirty="0">
+              <a:latin typeface="Arial" panose="020B0604020202020204" pitchFamily="34" charset="0"/>
+              <a:cs typeface="Arial" panose="020B0604020202020204" pitchFamily="34" charset="0"/>
+            </a:endParaRPr>
+          </a:p>
+        </p:txBody>
+      </p:sp>
     </p:spTree>
     <p:extLst>
       <p:ext uri="{BB962C8B-B14F-4D97-AF65-F5344CB8AC3E}">
@@ -5452,7 +6456,7 @@
           <p:cNvPr id="4" name="TextBox 3">
             <a:extLst>
               <a:ext uri="{FF2B5EF4-FFF2-40B4-BE49-F238E27FC236}">
-                <a16:creationId xmlns:a16="http://schemas.microsoft.com/office/drawing/2014/main" id="{97ADA43C-E64E-4A7A-A395-958080FF3B7C}"/>
+                <a16:creationId xmlns:a16="http://schemas.microsoft.com/office/drawing/2014/main" id="{1EE176F0-B740-4F11-9387-5B461E4192E0}"/>
               </a:ext>
             </a:extLst>
           </p:cNvPr>
@@ -5462,7 +6466,7 @@
         <p:spPr>
           <a:xfrm>
             <a:off x="2532818" y="131021"/>
-            <a:ext cx="6858000" cy="584775"/>
+            <a:ext cx="6858000" cy="954107"/>
           </a:xfrm>
           <a:prstGeom prst="rect">
             <a:avLst/>
@@ -5477,32 +6481,21 @@
           <a:p>
             <a:pPr algn="ctr"/>
             <a:r>
-              <a:rPr lang="it-IT" sz="3200" dirty="0" err="1">
-                <a:latin typeface="Arial" panose="020B0604020202020204" pitchFamily="34" charset="0"/>
-                <a:cs typeface="Arial" panose="020B0604020202020204" pitchFamily="34" charset="0"/>
-              </a:rPr>
-              <a:t>Magnitude</a:t>
-            </a:r>
-            <a:r>
-              <a:rPr lang="it-IT" sz="3200" dirty="0">
-                <a:latin typeface="Arial" panose="020B0604020202020204" pitchFamily="34" charset="0"/>
-                <a:cs typeface="Arial" panose="020B0604020202020204" pitchFamily="34" charset="0"/>
-              </a:rPr>
-              <a:t> </a:t>
-            </a:r>
-            <a:r>
-              <a:rPr lang="it-IT" sz="3200" dirty="0" err="1">
-                <a:latin typeface="Arial" panose="020B0604020202020204" pitchFamily="34" charset="0"/>
-                <a:cs typeface="Arial" panose="020B0604020202020204" pitchFamily="34" charset="0"/>
-              </a:rPr>
-              <a:t>estimation</a:t>
-            </a:r>
-            <a:r>
-              <a:rPr lang="it-IT" sz="3200" dirty="0">
-                <a:latin typeface="Arial" panose="020B0604020202020204" pitchFamily="34" charset="0"/>
-                <a:cs typeface="Arial" panose="020B0604020202020204" pitchFamily="34" charset="0"/>
-              </a:rPr>
-              <a:t> task</a:t>
+              <a:rPr lang="en-GB" sz="3200" dirty="0">
+                <a:latin typeface="Arial" panose="020B0604020202020204" pitchFamily="34" charset="0"/>
+                <a:cs typeface="Arial" panose="020B0604020202020204" pitchFamily="34" charset="0"/>
+              </a:rPr>
+              <a:t>Generalization tasks</a:t>
+            </a:r>
+          </a:p>
+          <a:p>
+            <a:pPr algn="ctr"/>
+            <a:r>
+              <a:rPr lang="en-GB" sz="2400" dirty="0">
+                <a:latin typeface="Arial" panose="020B0604020202020204" pitchFamily="34" charset="0"/>
+                <a:cs typeface="Arial" panose="020B0604020202020204" pitchFamily="34" charset="0"/>
+              </a:rPr>
+              <a:t>Low frequency exemplars</a:t>
             </a:r>
             <a:endParaRPr lang="en-GB" sz="3200" dirty="0">
               <a:latin typeface="Arial" panose="020B0604020202020204" pitchFamily="34" charset="0"/>
@@ -5513,10 +6506,80 @@
       </p:sp>
       <p:sp>
         <p:nvSpPr>
-          <p:cNvPr id="13" name="CasellaDiTesto 28">
-            <a:extLst>
-              <a:ext uri="{FF2B5EF4-FFF2-40B4-BE49-F238E27FC236}">
-                <a16:creationId xmlns:a16="http://schemas.microsoft.com/office/drawing/2014/main" id="{A07B1D01-78C2-4943-B2B5-6EAC29CBD878}"/>
+          <p:cNvPr id="5" name="Rectangle: Rounded Corners 4">
+            <a:extLst>
+              <a:ext uri="{FF2B5EF4-FFF2-40B4-BE49-F238E27FC236}">
+                <a16:creationId xmlns:a16="http://schemas.microsoft.com/office/drawing/2014/main" id="{2AAF000F-807F-4809-BBFC-7D5C3A134F50}"/>
+              </a:ext>
+            </a:extLst>
+          </p:cNvPr>
+          <p:cNvSpPr/>
+          <p:nvPr/>
+        </p:nvSpPr>
+        <p:spPr>
+          <a:xfrm>
+            <a:off x="318918" y="1367566"/>
+            <a:ext cx="1981057" cy="1500668"/>
+          </a:xfrm>
+          <a:prstGeom prst="roundRect">
+            <a:avLst/>
+          </a:prstGeom>
+          <a:solidFill>
+            <a:schemeClr val="bg1"/>
+          </a:solidFill>
+          <a:ln w="28575">
+            <a:solidFill>
+              <a:schemeClr val="tx1"/>
+            </a:solidFill>
+          </a:ln>
+        </p:spPr>
+        <p:style>
+          <a:lnRef idx="2">
+            <a:schemeClr val="accent1">
+              <a:shade val="50000"/>
+            </a:schemeClr>
+          </a:lnRef>
+          <a:fillRef idx="1">
+            <a:schemeClr val="accent1"/>
+          </a:fillRef>
+          <a:effectRef idx="0">
+            <a:schemeClr val="accent1"/>
+          </a:effectRef>
+          <a:fontRef idx="minor">
+            <a:schemeClr val="lt1"/>
+          </a:fontRef>
+        </p:style>
+        <p:txBody>
+          <a:bodyPr rtlCol="0" anchor="ctr"/>
+          <a:lstStyle/>
+          <a:p>
+            <a:pPr algn="ctr"/>
+            <a:r>
+              <a:rPr lang="it-IT" sz="3200" dirty="0">
+                <a:solidFill>
+                  <a:schemeClr val="tx1"/>
+                </a:solidFill>
+                <a:latin typeface="Arial" panose="020B0604020202020204" pitchFamily="34" charset="0"/>
+                <a:cs typeface="Arial" panose="020B0604020202020204" pitchFamily="34" charset="0"/>
+              </a:rPr>
+              <a:t>+</a:t>
+            </a:r>
+            <a:endParaRPr lang="en-GB" sz="3200" dirty="0">
+              <a:solidFill>
+                <a:schemeClr val="tx1"/>
+              </a:solidFill>
+              <a:latin typeface="Arial" panose="020B0604020202020204" pitchFamily="34" charset="0"/>
+              <a:cs typeface="Arial" panose="020B0604020202020204" pitchFamily="34" charset="0"/>
+            </a:endParaRPr>
+          </a:p>
+        </p:txBody>
+      </p:sp>
+      <p:sp>
+        <p:nvSpPr>
+          <p:cNvPr id="6" name="CasellaDiTesto 28">
+            <a:extLst>
+              <a:ext uri="{FF2B5EF4-FFF2-40B4-BE49-F238E27FC236}">
+                <a16:creationId xmlns:a16="http://schemas.microsoft.com/office/drawing/2014/main" id="{8D4DC71E-3660-428C-AA62-0AC2E424FF27}"/>
               </a:ext>
             </a:extLst>
           </p:cNvPr>
@@ -5525,7 +6588,7 @@
         </p:nvSpPr>
         <p:spPr>
           <a:xfrm>
-            <a:off x="5898483" y="4186741"/>
+            <a:off x="2939533" y="4348651"/>
             <a:ext cx="1293558" cy="400110"/>
           </a:xfrm>
           <a:prstGeom prst="rect">
@@ -5544,7 +6607,1758 @@
                 <a:latin typeface="Arial" panose="020B0604020202020204" pitchFamily="34" charset="0"/>
                 <a:cs typeface="Arial" panose="020B0604020202020204" pitchFamily="34" charset="0"/>
               </a:rPr>
+              <a:t>3500 </a:t>
+            </a:r>
+            <a:r>
+              <a:rPr lang="en-GB" sz="2000" dirty="0" err="1">
+                <a:latin typeface="Arial" panose="020B0604020202020204" pitchFamily="34" charset="0"/>
+                <a:cs typeface="Arial" panose="020B0604020202020204" pitchFamily="34" charset="0"/>
+              </a:rPr>
+              <a:t>ms</a:t>
+            </a:r>
+            <a:endParaRPr lang="en-GB" sz="2000" dirty="0">
+              <a:latin typeface="Arial" panose="020B0604020202020204" pitchFamily="34" charset="0"/>
+              <a:cs typeface="Arial" panose="020B0604020202020204" pitchFamily="34" charset="0"/>
+            </a:endParaRPr>
+          </a:p>
+        </p:txBody>
+      </p:sp>
+      <p:sp>
+        <p:nvSpPr>
+          <p:cNvPr id="8" name="CasellaDiTesto 28">
+            <a:extLst>
+              <a:ext uri="{FF2B5EF4-FFF2-40B4-BE49-F238E27FC236}">
+                <a16:creationId xmlns:a16="http://schemas.microsoft.com/office/drawing/2014/main" id="{F425339B-D093-44B9-82F1-262664BDE7B8}"/>
+              </a:ext>
+            </a:extLst>
+          </p:cNvPr>
+          <p:cNvSpPr txBox="1"/>
+          <p:nvPr/>
+        </p:nvSpPr>
+        <p:spPr>
+          <a:xfrm>
+            <a:off x="4086153" y="5594821"/>
+            <a:ext cx="3087942" cy="400110"/>
+          </a:xfrm>
+          <a:prstGeom prst="rect">
+            <a:avLst/>
+          </a:prstGeom>
+          <a:noFill/>
+        </p:spPr>
+        <p:txBody>
+          <a:bodyPr wrap="square" rtlCol="0">
+            <a:spAutoFit/>
+          </a:bodyPr>
+          <a:lstStyle/>
+          <a:p>
+            <a:r>
+              <a:rPr lang="en-GB" sz="2000" dirty="0">
+                <a:latin typeface="Arial" panose="020B0604020202020204" pitchFamily="34" charset="0"/>
+                <a:cs typeface="Arial" panose="020B0604020202020204" pitchFamily="34" charset="0"/>
+              </a:rPr>
+              <a:t>1000 </a:t>
+            </a:r>
+            <a:r>
+              <a:rPr lang="en-GB" sz="2000" dirty="0" err="1">
+                <a:latin typeface="Arial" panose="020B0604020202020204" pitchFamily="34" charset="0"/>
+                <a:cs typeface="Arial" panose="020B0604020202020204" pitchFamily="34" charset="0"/>
+              </a:rPr>
+              <a:t>ms</a:t>
+            </a:r>
+            <a:r>
+              <a:rPr lang="en-GB" sz="2000" dirty="0">
+                <a:latin typeface="Arial" panose="020B0604020202020204" pitchFamily="34" charset="0"/>
+                <a:cs typeface="Arial" panose="020B0604020202020204" pitchFamily="34" charset="0"/>
+              </a:rPr>
+              <a:t> + random ISI </a:t>
+            </a:r>
+          </a:p>
+        </p:txBody>
+      </p:sp>
+      <p:cxnSp>
+        <p:nvCxnSpPr>
+          <p:cNvPr id="9" name="Connettore 2 32">
+            <a:extLst>
+              <a:ext uri="{FF2B5EF4-FFF2-40B4-BE49-F238E27FC236}">
+                <a16:creationId xmlns:a16="http://schemas.microsoft.com/office/drawing/2014/main" id="{32F45C80-D43A-48CF-88AD-3EC057234B9D}"/>
+              </a:ext>
+            </a:extLst>
+          </p:cNvPr>
+          <p:cNvCxnSpPr>
+            <a:cxnSpLocks/>
+          </p:cNvCxnSpPr>
+          <p:nvPr/>
+        </p:nvCxnSpPr>
+        <p:spPr>
+          <a:xfrm>
+            <a:off x="318918" y="3227594"/>
+            <a:ext cx="4088692" cy="2885531"/>
+          </a:xfrm>
+          <a:prstGeom prst="straightConnector1">
+            <a:avLst/>
+          </a:prstGeom>
+          <a:ln w="38100">
+            <a:solidFill>
+              <a:srgbClr val="FF0000"/>
+            </a:solidFill>
+            <a:tailEnd type="arrow"/>
+          </a:ln>
+        </p:spPr>
+        <p:style>
+          <a:lnRef idx="2">
+            <a:schemeClr val="dk1"/>
+          </a:lnRef>
+          <a:fillRef idx="0">
+            <a:schemeClr val="dk1"/>
+          </a:fillRef>
+          <a:effectRef idx="1">
+            <a:schemeClr val="dk1"/>
+          </a:effectRef>
+          <a:fontRef idx="minor">
+            <a:schemeClr val="tx1"/>
+          </a:fontRef>
+        </p:style>
+      </p:cxnSp>
+      <p:sp>
+        <p:nvSpPr>
+          <p:cNvPr id="10" name="CasellaDiTesto 28">
+            <a:extLst>
+              <a:ext uri="{FF2B5EF4-FFF2-40B4-BE49-F238E27FC236}">
+                <a16:creationId xmlns:a16="http://schemas.microsoft.com/office/drawing/2014/main" id="{B169C700-7490-4845-99FF-7A315F831DB7}"/>
+              </a:ext>
+            </a:extLst>
+          </p:cNvPr>
+          <p:cNvSpPr txBox="1"/>
+          <p:nvPr/>
+        </p:nvSpPr>
+        <p:spPr>
+          <a:xfrm>
+            <a:off x="792612" y="2846341"/>
+            <a:ext cx="1293558" cy="400110"/>
+          </a:xfrm>
+          <a:prstGeom prst="rect">
+            <a:avLst/>
+          </a:prstGeom>
+          <a:noFill/>
+        </p:spPr>
+        <p:txBody>
+          <a:bodyPr wrap="square" rtlCol="0">
+            <a:spAutoFit/>
+          </a:bodyPr>
+          <a:lstStyle/>
+          <a:p>
+            <a:r>
+              <a:rPr lang="en-GB" sz="2000" dirty="0">
+                <a:latin typeface="Arial" panose="020B0604020202020204" pitchFamily="34" charset="0"/>
+                <a:cs typeface="Arial" panose="020B0604020202020204" pitchFamily="34" charset="0"/>
+              </a:rPr>
               <a:t>500 </a:t>
+            </a:r>
+            <a:r>
+              <a:rPr lang="en-GB" sz="2000" dirty="0" err="1">
+                <a:latin typeface="Arial" panose="020B0604020202020204" pitchFamily="34" charset="0"/>
+                <a:cs typeface="Arial" panose="020B0604020202020204" pitchFamily="34" charset="0"/>
+              </a:rPr>
+              <a:t>ms</a:t>
+            </a:r>
+            <a:endParaRPr lang="en-GB" sz="2000" dirty="0">
+              <a:latin typeface="Arial" panose="020B0604020202020204" pitchFamily="34" charset="0"/>
+              <a:cs typeface="Arial" panose="020B0604020202020204" pitchFamily="34" charset="0"/>
+            </a:endParaRPr>
+          </a:p>
+        </p:txBody>
+      </p:sp>
+      <p:sp>
+        <p:nvSpPr>
+          <p:cNvPr id="11" name="Rectangle: Rounded Corners 10">
+            <a:extLst>
+              <a:ext uri="{FF2B5EF4-FFF2-40B4-BE49-F238E27FC236}">
+                <a16:creationId xmlns:a16="http://schemas.microsoft.com/office/drawing/2014/main" id="{7DACFB8F-1786-4406-92AB-2BE0BAC5972C}"/>
+              </a:ext>
+            </a:extLst>
+          </p:cNvPr>
+          <p:cNvSpPr/>
+          <p:nvPr/>
+        </p:nvSpPr>
+        <p:spPr>
+          <a:xfrm>
+            <a:off x="1885606" y="2433576"/>
+            <a:ext cx="3135820" cy="1856067"/>
+          </a:xfrm>
+          <a:prstGeom prst="roundRect">
+            <a:avLst/>
+          </a:prstGeom>
+          <a:solidFill>
+            <a:schemeClr val="bg1"/>
+          </a:solidFill>
+          <a:ln w="28575">
+            <a:solidFill>
+              <a:schemeClr val="tx1"/>
+            </a:solidFill>
+          </a:ln>
+        </p:spPr>
+        <p:style>
+          <a:lnRef idx="2">
+            <a:schemeClr val="accent1">
+              <a:shade val="50000"/>
+            </a:schemeClr>
+          </a:lnRef>
+          <a:fillRef idx="1">
+            <a:schemeClr val="accent1"/>
+          </a:fillRef>
+          <a:effectRef idx="0">
+            <a:schemeClr val="accent1"/>
+          </a:effectRef>
+          <a:fontRef idx="minor">
+            <a:schemeClr val="lt1"/>
+          </a:fontRef>
+        </p:style>
+        <p:txBody>
+          <a:bodyPr rtlCol="0" anchor="ctr"/>
+          <a:lstStyle/>
+          <a:p>
+            <a:pPr algn="ctr"/>
+            <a:endParaRPr lang="en-GB" sz="3200" dirty="0">
+              <a:solidFill>
+                <a:schemeClr val="tx1"/>
+              </a:solidFill>
+              <a:latin typeface="Arial" panose="020B0604020202020204" pitchFamily="34" charset="0"/>
+              <a:cs typeface="Arial" panose="020B0604020202020204" pitchFamily="34" charset="0"/>
+            </a:endParaRPr>
+          </a:p>
+        </p:txBody>
+      </p:sp>
+      <p:grpSp>
+        <p:nvGrpSpPr>
+          <p:cNvPr id="13" name="Gruppo 13">
+            <a:extLst>
+              <a:ext uri="{FF2B5EF4-FFF2-40B4-BE49-F238E27FC236}">
+                <a16:creationId xmlns:a16="http://schemas.microsoft.com/office/drawing/2014/main" id="{3C203CD1-7BC2-4035-B67B-3E694E7E2548}"/>
+              </a:ext>
+            </a:extLst>
+          </p:cNvPr>
+          <p:cNvGrpSpPr/>
+          <p:nvPr/>
+        </p:nvGrpSpPr>
+        <p:grpSpPr>
+          <a:xfrm>
+            <a:off x="2086170" y="2561305"/>
+            <a:ext cx="534256" cy="485091"/>
+            <a:chOff x="439547" y="2285573"/>
+            <a:chExt cx="1136114" cy="1278743"/>
+          </a:xfrm>
+        </p:grpSpPr>
+        <p:sp>
+          <p:nvSpPr>
+            <p:cNvPr id="14" name="Suono 14">
+              <a:hlinkClick r:id="" action="ppaction://noaction" highlightClick="1"/>
+              <a:extLst>
+                <a:ext uri="{FF2B5EF4-FFF2-40B4-BE49-F238E27FC236}">
+                  <a16:creationId xmlns:a16="http://schemas.microsoft.com/office/drawing/2014/main" id="{5F720A5D-CFEC-4CF2-A452-94BF1BBA0008}"/>
+                </a:ext>
+              </a:extLst>
+            </p:cNvPr>
+            <p:cNvSpPr/>
+            <p:nvPr/>
+          </p:nvSpPr>
+          <p:spPr>
+            <a:xfrm>
+              <a:off x="439547" y="2285573"/>
+              <a:ext cx="1136114" cy="1278743"/>
+            </a:xfrm>
+            <a:prstGeom prst="actionButtonSound">
+              <a:avLst/>
+            </a:prstGeom>
+            <a:noFill/>
+            <a:ln w="38100">
+              <a:solidFill>
+                <a:schemeClr val="tx1"/>
+              </a:solidFill>
+            </a:ln>
+          </p:spPr>
+          <p:style>
+            <a:lnRef idx="2">
+              <a:schemeClr val="accent1">
+                <a:shade val="50000"/>
+              </a:schemeClr>
+            </a:lnRef>
+            <a:fillRef idx="1">
+              <a:schemeClr val="accent1"/>
+            </a:fillRef>
+            <a:effectRef idx="0">
+              <a:schemeClr val="accent1"/>
+            </a:effectRef>
+            <a:fontRef idx="minor">
+              <a:schemeClr val="lt1"/>
+            </a:fontRef>
+          </p:style>
+          <p:txBody>
+            <a:bodyPr rtlCol="0" anchor="ctr"/>
+            <a:lstStyle/>
+            <a:p>
+              <a:pPr algn="ctr"/>
+              <a:endParaRPr lang="en-GB" dirty="0"/>
+            </a:p>
+          </p:txBody>
+        </p:sp>
+        <p:sp>
+          <p:nvSpPr>
+            <p:cNvPr id="15" name="Rettangolo 15">
+              <a:extLst>
+                <a:ext uri="{FF2B5EF4-FFF2-40B4-BE49-F238E27FC236}">
+                  <a16:creationId xmlns:a16="http://schemas.microsoft.com/office/drawing/2014/main" id="{79CD7CCB-136C-46F2-A6A9-C8676C4B7F4B}"/>
+                </a:ext>
+              </a:extLst>
+            </p:cNvPr>
+            <p:cNvSpPr/>
+            <p:nvPr/>
+          </p:nvSpPr>
+          <p:spPr>
+            <a:xfrm>
+              <a:off x="439547" y="2285573"/>
+              <a:ext cx="1136114" cy="1278743"/>
+            </a:xfrm>
+            <a:prstGeom prst="rect">
+              <a:avLst/>
+            </a:prstGeom>
+            <a:noFill/>
+            <a:ln w="38100">
+              <a:solidFill>
+                <a:schemeClr val="bg1"/>
+              </a:solidFill>
+            </a:ln>
+          </p:spPr>
+          <p:style>
+            <a:lnRef idx="2">
+              <a:schemeClr val="accent1">
+                <a:shade val="50000"/>
+              </a:schemeClr>
+            </a:lnRef>
+            <a:fillRef idx="1">
+              <a:schemeClr val="accent1"/>
+            </a:fillRef>
+            <a:effectRef idx="0">
+              <a:schemeClr val="accent1"/>
+            </a:effectRef>
+            <a:fontRef idx="minor">
+              <a:schemeClr val="lt1"/>
+            </a:fontRef>
+          </p:style>
+          <p:txBody>
+            <a:bodyPr rtlCol="0" anchor="ctr"/>
+            <a:lstStyle/>
+            <a:p>
+              <a:pPr algn="ctr"/>
+              <a:endParaRPr lang="en-GB"/>
+            </a:p>
+          </p:txBody>
+        </p:sp>
+      </p:grpSp>
+      <p:sp>
+        <p:nvSpPr>
+          <p:cNvPr id="16" name="TextBox 15">
+            <a:extLst>
+              <a:ext uri="{FF2B5EF4-FFF2-40B4-BE49-F238E27FC236}">
+                <a16:creationId xmlns:a16="http://schemas.microsoft.com/office/drawing/2014/main" id="{EA6AF12B-83A8-48D0-BAEB-2D4FD43D5DDF}"/>
+              </a:ext>
+            </a:extLst>
+          </p:cNvPr>
+          <p:cNvSpPr txBox="1"/>
+          <p:nvPr/>
+        </p:nvSpPr>
+        <p:spPr>
+          <a:xfrm>
+            <a:off x="2610711" y="2425809"/>
+            <a:ext cx="1267973" cy="584775"/>
+          </a:xfrm>
+          <a:prstGeom prst="rect">
+            <a:avLst/>
+          </a:prstGeom>
+          <a:noFill/>
+        </p:spPr>
+        <p:txBody>
+          <a:bodyPr wrap="square" rtlCol="0">
+            <a:spAutoFit/>
+          </a:bodyPr>
+          <a:lstStyle/>
+          <a:p>
+            <a:r>
+              <a:rPr lang="it-IT" sz="3200" dirty="0" err="1">
+                <a:latin typeface="Arial" panose="020B0604020202020204" pitchFamily="34" charset="0"/>
+                <a:cs typeface="Arial" panose="020B0604020202020204" pitchFamily="34" charset="0"/>
+              </a:rPr>
+              <a:t>wug</a:t>
+            </a:r>
+            <a:endParaRPr lang="en-GB" sz="3200" dirty="0">
+              <a:latin typeface="Arial" panose="020B0604020202020204" pitchFamily="34" charset="0"/>
+              <a:cs typeface="Arial" panose="020B0604020202020204" pitchFamily="34" charset="0"/>
+            </a:endParaRPr>
+          </a:p>
+        </p:txBody>
+      </p:sp>
+      <p:sp>
+        <p:nvSpPr>
+          <p:cNvPr id="18" name="Rectangle: Rounded Corners 17">
+            <a:extLst>
+              <a:ext uri="{FF2B5EF4-FFF2-40B4-BE49-F238E27FC236}">
+                <a16:creationId xmlns:a16="http://schemas.microsoft.com/office/drawing/2014/main" id="{0B86A26D-B563-4C06-A0F4-AD1CA36CB0B9}"/>
+              </a:ext>
+            </a:extLst>
+          </p:cNvPr>
+          <p:cNvSpPr/>
+          <p:nvPr/>
+        </p:nvSpPr>
+        <p:spPr>
+          <a:xfrm>
+            <a:off x="4322191" y="4019695"/>
+            <a:ext cx="1981057" cy="1500668"/>
+          </a:xfrm>
+          <a:prstGeom prst="roundRect">
+            <a:avLst/>
+          </a:prstGeom>
+          <a:solidFill>
+            <a:schemeClr val="bg1"/>
+          </a:solidFill>
+          <a:ln w="28575">
+            <a:solidFill>
+              <a:schemeClr val="tx1"/>
+            </a:solidFill>
+          </a:ln>
+        </p:spPr>
+        <p:style>
+          <a:lnRef idx="2">
+            <a:schemeClr val="accent1">
+              <a:shade val="50000"/>
+            </a:schemeClr>
+          </a:lnRef>
+          <a:fillRef idx="1">
+            <a:schemeClr val="accent1"/>
+          </a:fillRef>
+          <a:effectRef idx="0">
+            <a:schemeClr val="accent1"/>
+          </a:effectRef>
+          <a:fontRef idx="minor">
+            <a:schemeClr val="lt1"/>
+          </a:fontRef>
+        </p:style>
+        <p:txBody>
+          <a:bodyPr rtlCol="0" anchor="ctr"/>
+          <a:lstStyle/>
+          <a:p>
+            <a:pPr algn="ctr"/>
+            <a:endParaRPr lang="en-GB" sz="3200" dirty="0">
+              <a:solidFill>
+                <a:schemeClr val="tx1"/>
+              </a:solidFill>
+              <a:latin typeface="Arial" panose="020B0604020202020204" pitchFamily="34" charset="0"/>
+              <a:cs typeface="Arial" panose="020B0604020202020204" pitchFamily="34" charset="0"/>
+            </a:endParaRPr>
+          </a:p>
+        </p:txBody>
+      </p:sp>
+      <p:sp>
+        <p:nvSpPr>
+          <p:cNvPr id="28" name="TextBox 27">
+            <a:extLst>
+              <a:ext uri="{FF2B5EF4-FFF2-40B4-BE49-F238E27FC236}">
+                <a16:creationId xmlns:a16="http://schemas.microsoft.com/office/drawing/2014/main" id="{5F435B34-0E34-4EE1-A85F-CC969E5B95CC}"/>
+              </a:ext>
+            </a:extLst>
+          </p:cNvPr>
+          <p:cNvSpPr txBox="1"/>
+          <p:nvPr/>
+        </p:nvSpPr>
+        <p:spPr>
+          <a:xfrm>
+            <a:off x="2454146" y="1452337"/>
+            <a:ext cx="3783806" cy="830997"/>
+          </a:xfrm>
+          <a:prstGeom prst="rect">
+            <a:avLst/>
+          </a:prstGeom>
+          <a:noFill/>
+        </p:spPr>
+        <p:txBody>
+          <a:bodyPr wrap="square" rtlCol="0">
+            <a:spAutoFit/>
+          </a:bodyPr>
+          <a:lstStyle/>
+          <a:p>
+            <a:r>
+              <a:rPr lang="it-IT" sz="2400" i="1" dirty="0">
+                <a:latin typeface="Arial" panose="020B0604020202020204" pitchFamily="34" charset="0"/>
+                <a:cs typeface="Arial" panose="020B0604020202020204" pitchFamily="34" charset="0"/>
+              </a:rPr>
+              <a:t>«Select the </a:t>
+            </a:r>
+            <a:r>
+              <a:rPr lang="it-IT" sz="2400" b="1" i="1" dirty="0" err="1">
+                <a:latin typeface="Arial" panose="020B0604020202020204" pitchFamily="34" charset="0"/>
+                <a:cs typeface="Arial" panose="020B0604020202020204" pitchFamily="34" charset="0"/>
+              </a:rPr>
+              <a:t>fribble</a:t>
+            </a:r>
+            <a:r>
+              <a:rPr lang="it-IT" sz="2400" i="1" dirty="0">
+                <a:latin typeface="Arial" panose="020B0604020202020204" pitchFamily="34" charset="0"/>
+                <a:cs typeface="Arial" panose="020B0604020202020204" pitchFamily="34" charset="0"/>
+              </a:rPr>
+              <a:t> </a:t>
+            </a:r>
+            <a:r>
+              <a:rPr lang="it-IT" sz="2400" i="1" dirty="0" err="1">
+                <a:latin typeface="Arial" panose="020B0604020202020204" pitchFamily="34" charset="0"/>
+                <a:cs typeface="Arial" panose="020B0604020202020204" pitchFamily="34" charset="0"/>
+              </a:rPr>
+              <a:t>that</a:t>
+            </a:r>
+            <a:r>
+              <a:rPr lang="it-IT" sz="2400" i="1" dirty="0">
+                <a:latin typeface="Arial" panose="020B0604020202020204" pitchFamily="34" charset="0"/>
+                <a:cs typeface="Arial" panose="020B0604020202020204" pitchFamily="34" charset="0"/>
+              </a:rPr>
+              <a:t> best matches the </a:t>
+            </a:r>
+            <a:r>
+              <a:rPr lang="it-IT" sz="2400" b="1" i="1" dirty="0">
+                <a:latin typeface="Arial" panose="020B0604020202020204" pitchFamily="34" charset="0"/>
+                <a:cs typeface="Arial" panose="020B0604020202020204" pitchFamily="34" charset="0"/>
+              </a:rPr>
+              <a:t>label</a:t>
+            </a:r>
+            <a:r>
+              <a:rPr lang="it-IT" sz="2400" i="1" dirty="0">
+                <a:latin typeface="Arial" panose="020B0604020202020204" pitchFamily="34" charset="0"/>
+                <a:cs typeface="Arial" panose="020B0604020202020204" pitchFamily="34" charset="0"/>
+              </a:rPr>
+              <a:t>»</a:t>
+            </a:r>
+            <a:endParaRPr lang="en-GB" sz="2400" i="1" dirty="0">
+              <a:latin typeface="Arial" panose="020B0604020202020204" pitchFamily="34" charset="0"/>
+              <a:cs typeface="Arial" panose="020B0604020202020204" pitchFamily="34" charset="0"/>
+            </a:endParaRPr>
+          </a:p>
+        </p:txBody>
+      </p:sp>
+      <p:sp>
+        <p:nvSpPr>
+          <p:cNvPr id="23" name="Rectangle: Rounded Corners 22">
+            <a:extLst>
+              <a:ext uri="{FF2B5EF4-FFF2-40B4-BE49-F238E27FC236}">
+                <a16:creationId xmlns:a16="http://schemas.microsoft.com/office/drawing/2014/main" id="{58183BED-25DD-49D6-A5C1-14B6ED554954}"/>
+              </a:ext>
+            </a:extLst>
+          </p:cNvPr>
+          <p:cNvSpPr/>
+          <p:nvPr/>
+        </p:nvSpPr>
+        <p:spPr>
+          <a:xfrm>
+            <a:off x="6019373" y="1427501"/>
+            <a:ext cx="1981057" cy="1500668"/>
+          </a:xfrm>
+          <a:prstGeom prst="roundRect">
+            <a:avLst/>
+          </a:prstGeom>
+          <a:solidFill>
+            <a:schemeClr val="bg1"/>
+          </a:solidFill>
+          <a:ln w="28575">
+            <a:solidFill>
+              <a:schemeClr val="tx1"/>
+            </a:solidFill>
+          </a:ln>
+        </p:spPr>
+        <p:style>
+          <a:lnRef idx="2">
+            <a:schemeClr val="accent1">
+              <a:shade val="50000"/>
+            </a:schemeClr>
+          </a:lnRef>
+          <a:fillRef idx="1">
+            <a:schemeClr val="accent1"/>
+          </a:fillRef>
+          <a:effectRef idx="0">
+            <a:schemeClr val="accent1"/>
+          </a:effectRef>
+          <a:fontRef idx="minor">
+            <a:schemeClr val="lt1"/>
+          </a:fontRef>
+        </p:style>
+        <p:txBody>
+          <a:bodyPr rtlCol="0" anchor="ctr"/>
+          <a:lstStyle/>
+          <a:p>
+            <a:pPr algn="ctr"/>
+            <a:r>
+              <a:rPr lang="it-IT" sz="3200" dirty="0">
+                <a:solidFill>
+                  <a:schemeClr val="tx1"/>
+                </a:solidFill>
+                <a:latin typeface="Arial" panose="020B0604020202020204" pitchFamily="34" charset="0"/>
+                <a:cs typeface="Arial" panose="020B0604020202020204" pitchFamily="34" charset="0"/>
+              </a:rPr>
+              <a:t>+</a:t>
+            </a:r>
+            <a:endParaRPr lang="en-GB" sz="3200" dirty="0">
+              <a:solidFill>
+                <a:schemeClr val="tx1"/>
+              </a:solidFill>
+              <a:latin typeface="Arial" panose="020B0604020202020204" pitchFamily="34" charset="0"/>
+              <a:cs typeface="Arial" panose="020B0604020202020204" pitchFamily="34" charset="0"/>
+            </a:endParaRPr>
+          </a:p>
+        </p:txBody>
+      </p:sp>
+      <p:sp>
+        <p:nvSpPr>
+          <p:cNvPr id="24" name="CasellaDiTesto 28">
+            <a:extLst>
+              <a:ext uri="{FF2B5EF4-FFF2-40B4-BE49-F238E27FC236}">
+                <a16:creationId xmlns:a16="http://schemas.microsoft.com/office/drawing/2014/main" id="{52252317-111E-4956-B35A-F2889EFD5A16}"/>
+              </a:ext>
+            </a:extLst>
+          </p:cNvPr>
+          <p:cNvSpPr txBox="1"/>
+          <p:nvPr/>
+        </p:nvSpPr>
+        <p:spPr>
+          <a:xfrm>
+            <a:off x="8639988" y="4408586"/>
+            <a:ext cx="1293558" cy="400110"/>
+          </a:xfrm>
+          <a:prstGeom prst="rect">
+            <a:avLst/>
+          </a:prstGeom>
+          <a:noFill/>
+        </p:spPr>
+        <p:txBody>
+          <a:bodyPr wrap="square" rtlCol="0">
+            <a:spAutoFit/>
+          </a:bodyPr>
+          <a:lstStyle/>
+          <a:p>
+            <a:r>
+              <a:rPr lang="en-GB" sz="2000" dirty="0">
+                <a:latin typeface="Arial" panose="020B0604020202020204" pitchFamily="34" charset="0"/>
+                <a:cs typeface="Arial" panose="020B0604020202020204" pitchFamily="34" charset="0"/>
+              </a:rPr>
+              <a:t>3500 </a:t>
+            </a:r>
+            <a:r>
+              <a:rPr lang="en-GB" sz="2000" dirty="0" err="1">
+                <a:latin typeface="Arial" panose="020B0604020202020204" pitchFamily="34" charset="0"/>
+                <a:cs typeface="Arial" panose="020B0604020202020204" pitchFamily="34" charset="0"/>
+              </a:rPr>
+              <a:t>ms</a:t>
+            </a:r>
+            <a:endParaRPr lang="en-GB" sz="2000" dirty="0">
+              <a:latin typeface="Arial" panose="020B0604020202020204" pitchFamily="34" charset="0"/>
+              <a:cs typeface="Arial" panose="020B0604020202020204" pitchFamily="34" charset="0"/>
+            </a:endParaRPr>
+          </a:p>
+        </p:txBody>
+      </p:sp>
+      <p:sp>
+        <p:nvSpPr>
+          <p:cNvPr id="25" name="CasellaDiTesto 28">
+            <a:extLst>
+              <a:ext uri="{FF2B5EF4-FFF2-40B4-BE49-F238E27FC236}">
+                <a16:creationId xmlns:a16="http://schemas.microsoft.com/office/drawing/2014/main" id="{BD90D6BB-9F92-4F98-B0C0-7816BBCABD90}"/>
+              </a:ext>
+            </a:extLst>
+          </p:cNvPr>
+          <p:cNvSpPr txBox="1"/>
+          <p:nvPr/>
+        </p:nvSpPr>
+        <p:spPr>
+          <a:xfrm>
+            <a:off x="9506149" y="5735070"/>
+            <a:ext cx="2996629" cy="400110"/>
+          </a:xfrm>
+          <a:prstGeom prst="rect">
+            <a:avLst/>
+          </a:prstGeom>
+          <a:noFill/>
+        </p:spPr>
+        <p:txBody>
+          <a:bodyPr wrap="square" rtlCol="0">
+            <a:spAutoFit/>
+          </a:bodyPr>
+          <a:lstStyle/>
+          <a:p>
+            <a:r>
+              <a:rPr lang="en-GB" sz="2000" dirty="0">
+                <a:latin typeface="Arial" panose="020B0604020202020204" pitchFamily="34" charset="0"/>
+                <a:cs typeface="Arial" panose="020B0604020202020204" pitchFamily="34" charset="0"/>
+              </a:rPr>
+              <a:t>1000 </a:t>
+            </a:r>
+            <a:r>
+              <a:rPr lang="en-GB" sz="2000" dirty="0" err="1">
+                <a:latin typeface="Arial" panose="020B0604020202020204" pitchFamily="34" charset="0"/>
+                <a:cs typeface="Arial" panose="020B0604020202020204" pitchFamily="34" charset="0"/>
+              </a:rPr>
+              <a:t>ms</a:t>
+            </a:r>
+            <a:r>
+              <a:rPr lang="en-GB" sz="2000" dirty="0">
+                <a:latin typeface="Arial" panose="020B0604020202020204" pitchFamily="34" charset="0"/>
+                <a:cs typeface="Arial" panose="020B0604020202020204" pitchFamily="34" charset="0"/>
+              </a:rPr>
+              <a:t> + random ISI </a:t>
+            </a:r>
+          </a:p>
+        </p:txBody>
+      </p:sp>
+      <p:cxnSp>
+        <p:nvCxnSpPr>
+          <p:cNvPr id="26" name="Connettore 2 32">
+            <a:extLst>
+              <a:ext uri="{FF2B5EF4-FFF2-40B4-BE49-F238E27FC236}">
+                <a16:creationId xmlns:a16="http://schemas.microsoft.com/office/drawing/2014/main" id="{A8CB6DDE-95DD-4863-9875-8D8294B910FC}"/>
+              </a:ext>
+            </a:extLst>
+          </p:cNvPr>
+          <p:cNvCxnSpPr>
+            <a:cxnSpLocks/>
+          </p:cNvCxnSpPr>
+          <p:nvPr/>
+        </p:nvCxnSpPr>
+        <p:spPr>
+          <a:xfrm>
+            <a:off x="5888006" y="3463537"/>
+            <a:ext cx="4088692" cy="2885531"/>
+          </a:xfrm>
+          <a:prstGeom prst="straightConnector1">
+            <a:avLst/>
+          </a:prstGeom>
+          <a:ln w="38100">
+            <a:solidFill>
+              <a:srgbClr val="FF0000"/>
+            </a:solidFill>
+            <a:tailEnd type="arrow"/>
+          </a:ln>
+        </p:spPr>
+        <p:style>
+          <a:lnRef idx="2">
+            <a:schemeClr val="dk1"/>
+          </a:lnRef>
+          <a:fillRef idx="0">
+            <a:schemeClr val="dk1"/>
+          </a:fillRef>
+          <a:effectRef idx="1">
+            <a:schemeClr val="dk1"/>
+          </a:effectRef>
+          <a:fontRef idx="minor">
+            <a:schemeClr val="tx1"/>
+          </a:fontRef>
+        </p:style>
+      </p:cxnSp>
+      <p:sp>
+        <p:nvSpPr>
+          <p:cNvPr id="27" name="CasellaDiTesto 28">
+            <a:extLst>
+              <a:ext uri="{FF2B5EF4-FFF2-40B4-BE49-F238E27FC236}">
+                <a16:creationId xmlns:a16="http://schemas.microsoft.com/office/drawing/2014/main" id="{D6E73E61-8D94-450A-8CB0-91FA6B312F75}"/>
+              </a:ext>
+            </a:extLst>
+          </p:cNvPr>
+          <p:cNvSpPr txBox="1"/>
+          <p:nvPr/>
+        </p:nvSpPr>
+        <p:spPr>
+          <a:xfrm>
+            <a:off x="6493067" y="2906276"/>
+            <a:ext cx="1293558" cy="400110"/>
+          </a:xfrm>
+          <a:prstGeom prst="rect">
+            <a:avLst/>
+          </a:prstGeom>
+          <a:noFill/>
+        </p:spPr>
+        <p:txBody>
+          <a:bodyPr wrap="square" rtlCol="0">
+            <a:spAutoFit/>
+          </a:bodyPr>
+          <a:lstStyle/>
+          <a:p>
+            <a:r>
+              <a:rPr lang="en-GB" sz="2000" dirty="0">
+                <a:latin typeface="Arial" panose="020B0604020202020204" pitchFamily="34" charset="0"/>
+                <a:cs typeface="Arial" panose="020B0604020202020204" pitchFamily="34" charset="0"/>
+              </a:rPr>
+              <a:t>500 </a:t>
+            </a:r>
+            <a:r>
+              <a:rPr lang="en-GB" sz="2000" dirty="0" err="1">
+                <a:latin typeface="Arial" panose="020B0604020202020204" pitchFamily="34" charset="0"/>
+                <a:cs typeface="Arial" panose="020B0604020202020204" pitchFamily="34" charset="0"/>
+              </a:rPr>
+              <a:t>ms</a:t>
+            </a:r>
+            <a:endParaRPr lang="en-GB" sz="2000" dirty="0">
+              <a:latin typeface="Arial" panose="020B0604020202020204" pitchFamily="34" charset="0"/>
+              <a:cs typeface="Arial" panose="020B0604020202020204" pitchFamily="34" charset="0"/>
+            </a:endParaRPr>
+          </a:p>
+        </p:txBody>
+      </p:sp>
+      <p:sp>
+        <p:nvSpPr>
+          <p:cNvPr id="32" name="Rectangle: Rounded Corners 31">
+            <a:extLst>
+              <a:ext uri="{FF2B5EF4-FFF2-40B4-BE49-F238E27FC236}">
+                <a16:creationId xmlns:a16="http://schemas.microsoft.com/office/drawing/2014/main" id="{652A054E-77B7-4305-BFA5-2D5076BB06BE}"/>
+              </a:ext>
+            </a:extLst>
+          </p:cNvPr>
+          <p:cNvSpPr/>
+          <p:nvPr/>
+        </p:nvSpPr>
+        <p:spPr>
+          <a:xfrm>
+            <a:off x="7586061" y="2493511"/>
+            <a:ext cx="3109709" cy="1856067"/>
+          </a:xfrm>
+          <a:prstGeom prst="roundRect">
+            <a:avLst/>
+          </a:prstGeom>
+          <a:solidFill>
+            <a:schemeClr val="bg1"/>
+          </a:solidFill>
+          <a:ln w="28575">
+            <a:solidFill>
+              <a:schemeClr val="tx1"/>
+            </a:solidFill>
+          </a:ln>
+        </p:spPr>
+        <p:style>
+          <a:lnRef idx="2">
+            <a:schemeClr val="accent1">
+              <a:shade val="50000"/>
+            </a:schemeClr>
+          </a:lnRef>
+          <a:fillRef idx="1">
+            <a:schemeClr val="accent1"/>
+          </a:fillRef>
+          <a:effectRef idx="0">
+            <a:schemeClr val="accent1"/>
+          </a:effectRef>
+          <a:fontRef idx="minor">
+            <a:schemeClr val="lt1"/>
+          </a:fontRef>
+        </p:style>
+        <p:txBody>
+          <a:bodyPr rtlCol="0" anchor="ctr"/>
+          <a:lstStyle/>
+          <a:p>
+            <a:pPr algn="ctr"/>
+            <a:endParaRPr lang="en-GB" sz="3200" dirty="0">
+              <a:solidFill>
+                <a:schemeClr val="tx1"/>
+              </a:solidFill>
+              <a:latin typeface="Arial" panose="020B0604020202020204" pitchFamily="34" charset="0"/>
+              <a:cs typeface="Arial" panose="020B0604020202020204" pitchFamily="34" charset="0"/>
+            </a:endParaRPr>
+          </a:p>
+        </p:txBody>
+      </p:sp>
+      <p:grpSp>
+        <p:nvGrpSpPr>
+          <p:cNvPr id="34" name="Gruppo 13">
+            <a:extLst>
+              <a:ext uri="{FF2B5EF4-FFF2-40B4-BE49-F238E27FC236}">
+                <a16:creationId xmlns:a16="http://schemas.microsoft.com/office/drawing/2014/main" id="{4211E45C-1E45-422F-876C-0C7922FDC8EF}"/>
+              </a:ext>
+            </a:extLst>
+          </p:cNvPr>
+          <p:cNvGrpSpPr/>
+          <p:nvPr/>
+        </p:nvGrpSpPr>
+        <p:grpSpPr>
+          <a:xfrm>
+            <a:off x="7925643" y="3452682"/>
+            <a:ext cx="534256" cy="485091"/>
+            <a:chOff x="439547" y="2285573"/>
+            <a:chExt cx="1136114" cy="1278743"/>
+          </a:xfrm>
+        </p:grpSpPr>
+        <p:sp>
+          <p:nvSpPr>
+            <p:cNvPr id="35" name="Suono 14">
+              <a:hlinkClick r:id="" action="ppaction://noaction" highlightClick="1"/>
+              <a:extLst>
+                <a:ext uri="{FF2B5EF4-FFF2-40B4-BE49-F238E27FC236}">
+                  <a16:creationId xmlns:a16="http://schemas.microsoft.com/office/drawing/2014/main" id="{E78A4AB8-2E21-4FDF-83B2-DC365D48CE8A}"/>
+                </a:ext>
+              </a:extLst>
+            </p:cNvPr>
+            <p:cNvSpPr/>
+            <p:nvPr/>
+          </p:nvSpPr>
+          <p:spPr>
+            <a:xfrm>
+              <a:off x="439547" y="2285573"/>
+              <a:ext cx="1136114" cy="1278743"/>
+            </a:xfrm>
+            <a:prstGeom prst="actionButtonSound">
+              <a:avLst/>
+            </a:prstGeom>
+            <a:noFill/>
+            <a:ln w="38100">
+              <a:solidFill>
+                <a:schemeClr val="tx1"/>
+              </a:solidFill>
+            </a:ln>
+          </p:spPr>
+          <p:style>
+            <a:lnRef idx="2">
+              <a:schemeClr val="accent1">
+                <a:shade val="50000"/>
+              </a:schemeClr>
+            </a:lnRef>
+            <a:fillRef idx="1">
+              <a:schemeClr val="accent1"/>
+            </a:fillRef>
+            <a:effectRef idx="0">
+              <a:schemeClr val="accent1"/>
+            </a:effectRef>
+            <a:fontRef idx="minor">
+              <a:schemeClr val="lt1"/>
+            </a:fontRef>
+          </p:style>
+          <p:txBody>
+            <a:bodyPr rtlCol="0" anchor="ctr"/>
+            <a:lstStyle/>
+            <a:p>
+              <a:pPr algn="ctr"/>
+              <a:endParaRPr lang="en-GB" dirty="0"/>
+            </a:p>
+          </p:txBody>
+        </p:sp>
+        <p:sp>
+          <p:nvSpPr>
+            <p:cNvPr id="36" name="Rettangolo 15">
+              <a:extLst>
+                <a:ext uri="{FF2B5EF4-FFF2-40B4-BE49-F238E27FC236}">
+                  <a16:creationId xmlns:a16="http://schemas.microsoft.com/office/drawing/2014/main" id="{C563E4AF-0F0F-4D56-8DBF-BE7245B2D171}"/>
+                </a:ext>
+              </a:extLst>
+            </p:cNvPr>
+            <p:cNvSpPr/>
+            <p:nvPr/>
+          </p:nvSpPr>
+          <p:spPr>
+            <a:xfrm>
+              <a:off x="439547" y="2285573"/>
+              <a:ext cx="1136114" cy="1278743"/>
+            </a:xfrm>
+            <a:prstGeom prst="rect">
+              <a:avLst/>
+            </a:prstGeom>
+            <a:noFill/>
+            <a:ln w="38100">
+              <a:solidFill>
+                <a:schemeClr val="bg1"/>
+              </a:solidFill>
+            </a:ln>
+          </p:spPr>
+          <p:style>
+            <a:lnRef idx="2">
+              <a:schemeClr val="accent1">
+                <a:shade val="50000"/>
+              </a:schemeClr>
+            </a:lnRef>
+            <a:fillRef idx="1">
+              <a:schemeClr val="accent1"/>
+            </a:fillRef>
+            <a:effectRef idx="0">
+              <a:schemeClr val="accent1"/>
+            </a:effectRef>
+            <a:fontRef idx="minor">
+              <a:schemeClr val="lt1"/>
+            </a:fontRef>
+          </p:style>
+          <p:txBody>
+            <a:bodyPr rtlCol="0" anchor="ctr"/>
+            <a:lstStyle/>
+            <a:p>
+              <a:pPr algn="ctr"/>
+              <a:endParaRPr lang="en-GB"/>
+            </a:p>
+          </p:txBody>
+        </p:sp>
+      </p:grpSp>
+      <p:sp>
+        <p:nvSpPr>
+          <p:cNvPr id="37" name="TextBox 36">
+            <a:extLst>
+              <a:ext uri="{FF2B5EF4-FFF2-40B4-BE49-F238E27FC236}">
+                <a16:creationId xmlns:a16="http://schemas.microsoft.com/office/drawing/2014/main" id="{9E10EF52-1C2E-4D3F-A621-D8B5376959A3}"/>
+              </a:ext>
+            </a:extLst>
+          </p:cNvPr>
+          <p:cNvSpPr txBox="1"/>
+          <p:nvPr/>
+        </p:nvSpPr>
+        <p:spPr>
+          <a:xfrm>
+            <a:off x="7730615" y="3772750"/>
+            <a:ext cx="947859" cy="584775"/>
+          </a:xfrm>
+          <a:prstGeom prst="rect">
+            <a:avLst/>
+          </a:prstGeom>
+          <a:noFill/>
+        </p:spPr>
+        <p:txBody>
+          <a:bodyPr wrap="square" rtlCol="0">
+            <a:spAutoFit/>
+          </a:bodyPr>
+          <a:lstStyle/>
+          <a:p>
+            <a:r>
+              <a:rPr lang="it-IT" sz="3200" dirty="0" err="1">
+                <a:latin typeface="Arial" panose="020B0604020202020204" pitchFamily="34" charset="0"/>
+                <a:cs typeface="Arial" panose="020B0604020202020204" pitchFamily="34" charset="0"/>
+              </a:rPr>
+              <a:t>wug</a:t>
+            </a:r>
+            <a:endParaRPr lang="en-GB" sz="3200" dirty="0">
+              <a:latin typeface="Arial" panose="020B0604020202020204" pitchFamily="34" charset="0"/>
+              <a:cs typeface="Arial" panose="020B0604020202020204" pitchFamily="34" charset="0"/>
+            </a:endParaRPr>
+          </a:p>
+        </p:txBody>
+      </p:sp>
+      <p:sp>
+        <p:nvSpPr>
+          <p:cNvPr id="38" name="Rectangle: Rounded Corners 37">
+            <a:extLst>
+              <a:ext uri="{FF2B5EF4-FFF2-40B4-BE49-F238E27FC236}">
+                <a16:creationId xmlns:a16="http://schemas.microsoft.com/office/drawing/2014/main" id="{307DEE5D-CB6C-4A0D-9681-E41B780B36DA}"/>
+              </a:ext>
+            </a:extLst>
+          </p:cNvPr>
+          <p:cNvSpPr/>
+          <p:nvPr/>
+        </p:nvSpPr>
+        <p:spPr>
+          <a:xfrm>
+            <a:off x="9823807" y="4221564"/>
+            <a:ext cx="1964957" cy="1568747"/>
+          </a:xfrm>
+          <a:prstGeom prst="roundRect">
+            <a:avLst/>
+          </a:prstGeom>
+          <a:solidFill>
+            <a:schemeClr val="bg1"/>
+          </a:solidFill>
+          <a:ln w="28575">
+            <a:solidFill>
+              <a:schemeClr val="tx1"/>
+            </a:solidFill>
+          </a:ln>
+        </p:spPr>
+        <p:style>
+          <a:lnRef idx="2">
+            <a:schemeClr val="accent1">
+              <a:shade val="50000"/>
+            </a:schemeClr>
+          </a:lnRef>
+          <a:fillRef idx="1">
+            <a:schemeClr val="accent1"/>
+          </a:fillRef>
+          <a:effectRef idx="0">
+            <a:schemeClr val="accent1"/>
+          </a:effectRef>
+          <a:fontRef idx="minor">
+            <a:schemeClr val="lt1"/>
+          </a:fontRef>
+        </p:style>
+        <p:txBody>
+          <a:bodyPr rtlCol="0" anchor="ctr"/>
+          <a:lstStyle/>
+          <a:p>
+            <a:pPr algn="ctr"/>
+            <a:endParaRPr lang="en-GB" sz="3200" dirty="0">
+              <a:solidFill>
+                <a:schemeClr val="tx1"/>
+              </a:solidFill>
+              <a:latin typeface="Arial" panose="020B0604020202020204" pitchFamily="34" charset="0"/>
+              <a:cs typeface="Arial" panose="020B0604020202020204" pitchFamily="34" charset="0"/>
+            </a:endParaRPr>
+          </a:p>
+        </p:txBody>
+      </p:sp>
+      <p:sp>
+        <p:nvSpPr>
+          <p:cNvPr id="42" name="TextBox 41">
+            <a:extLst>
+              <a:ext uri="{FF2B5EF4-FFF2-40B4-BE49-F238E27FC236}">
+                <a16:creationId xmlns:a16="http://schemas.microsoft.com/office/drawing/2014/main" id="{52BC60D0-2E2F-4733-9AE7-D4D33685F43D}"/>
+              </a:ext>
+            </a:extLst>
+          </p:cNvPr>
+          <p:cNvSpPr txBox="1"/>
+          <p:nvPr/>
+        </p:nvSpPr>
+        <p:spPr>
+          <a:xfrm>
+            <a:off x="8281327" y="1389795"/>
+            <a:ext cx="3783806" cy="830997"/>
+          </a:xfrm>
+          <a:prstGeom prst="rect">
+            <a:avLst/>
+          </a:prstGeom>
+          <a:noFill/>
+        </p:spPr>
+        <p:txBody>
+          <a:bodyPr wrap="square" rtlCol="0">
+            <a:spAutoFit/>
+          </a:bodyPr>
+          <a:lstStyle/>
+          <a:p>
+            <a:r>
+              <a:rPr lang="it-IT" sz="2400" i="1" dirty="0">
+                <a:latin typeface="Arial" panose="020B0604020202020204" pitchFamily="34" charset="0"/>
+                <a:cs typeface="Arial" panose="020B0604020202020204" pitchFamily="34" charset="0"/>
+              </a:rPr>
+              <a:t>«Select the </a:t>
+            </a:r>
+            <a:r>
+              <a:rPr lang="it-IT" sz="2400" b="1" i="1" dirty="0">
+                <a:latin typeface="Arial" panose="020B0604020202020204" pitchFamily="34" charset="0"/>
+                <a:cs typeface="Arial" panose="020B0604020202020204" pitchFamily="34" charset="0"/>
+              </a:rPr>
+              <a:t>label</a:t>
+            </a:r>
+            <a:r>
+              <a:rPr lang="it-IT" sz="2400" i="1" dirty="0">
+                <a:latin typeface="Arial" panose="020B0604020202020204" pitchFamily="34" charset="0"/>
+                <a:cs typeface="Arial" panose="020B0604020202020204" pitchFamily="34" charset="0"/>
+              </a:rPr>
+              <a:t> </a:t>
+            </a:r>
+            <a:r>
+              <a:rPr lang="it-IT" sz="2400" i="1" dirty="0" err="1">
+                <a:latin typeface="Arial" panose="020B0604020202020204" pitchFamily="34" charset="0"/>
+                <a:cs typeface="Arial" panose="020B0604020202020204" pitchFamily="34" charset="0"/>
+              </a:rPr>
+              <a:t>that</a:t>
+            </a:r>
+            <a:r>
+              <a:rPr lang="it-IT" sz="2400" i="1" dirty="0">
+                <a:latin typeface="Arial" panose="020B0604020202020204" pitchFamily="34" charset="0"/>
+                <a:cs typeface="Arial" panose="020B0604020202020204" pitchFamily="34" charset="0"/>
+              </a:rPr>
+              <a:t> best matches the </a:t>
+            </a:r>
+            <a:r>
+              <a:rPr lang="it-IT" sz="2400" b="1" i="1" dirty="0" err="1">
+                <a:latin typeface="Arial" panose="020B0604020202020204" pitchFamily="34" charset="0"/>
+                <a:cs typeface="Arial" panose="020B0604020202020204" pitchFamily="34" charset="0"/>
+              </a:rPr>
+              <a:t>fribble</a:t>
+            </a:r>
+            <a:r>
+              <a:rPr lang="it-IT" sz="2400" i="1" dirty="0">
+                <a:latin typeface="Arial" panose="020B0604020202020204" pitchFamily="34" charset="0"/>
+                <a:cs typeface="Arial" panose="020B0604020202020204" pitchFamily="34" charset="0"/>
+              </a:rPr>
+              <a:t>»</a:t>
+            </a:r>
+            <a:endParaRPr lang="en-GB" sz="2400" i="1" dirty="0">
+              <a:latin typeface="Arial" panose="020B0604020202020204" pitchFamily="34" charset="0"/>
+              <a:cs typeface="Arial" panose="020B0604020202020204" pitchFamily="34" charset="0"/>
+            </a:endParaRPr>
+          </a:p>
+        </p:txBody>
+      </p:sp>
+      <p:grpSp>
+        <p:nvGrpSpPr>
+          <p:cNvPr id="43" name="Gruppo 13">
+            <a:extLst>
+              <a:ext uri="{FF2B5EF4-FFF2-40B4-BE49-F238E27FC236}">
+                <a16:creationId xmlns:a16="http://schemas.microsoft.com/office/drawing/2014/main" id="{CF6EEA7D-331A-4331-89D3-4A0F7DA19AD4}"/>
+              </a:ext>
+            </a:extLst>
+          </p:cNvPr>
+          <p:cNvGrpSpPr/>
+          <p:nvPr/>
+        </p:nvGrpSpPr>
+        <p:grpSpPr>
+          <a:xfrm>
+            <a:off x="9012989" y="3440698"/>
+            <a:ext cx="534256" cy="485091"/>
+            <a:chOff x="439547" y="2285573"/>
+            <a:chExt cx="1136114" cy="1278743"/>
+          </a:xfrm>
+        </p:grpSpPr>
+        <p:sp>
+          <p:nvSpPr>
+            <p:cNvPr id="44" name="Suono 14">
+              <a:hlinkClick r:id="" action="ppaction://noaction" highlightClick="1"/>
+              <a:extLst>
+                <a:ext uri="{FF2B5EF4-FFF2-40B4-BE49-F238E27FC236}">
+                  <a16:creationId xmlns:a16="http://schemas.microsoft.com/office/drawing/2014/main" id="{3B4A4A29-9C70-49CF-841E-4766AA4AA24C}"/>
+                </a:ext>
+              </a:extLst>
+            </p:cNvPr>
+            <p:cNvSpPr/>
+            <p:nvPr/>
+          </p:nvSpPr>
+          <p:spPr>
+            <a:xfrm>
+              <a:off x="439547" y="2285573"/>
+              <a:ext cx="1136114" cy="1278743"/>
+            </a:xfrm>
+            <a:prstGeom prst="actionButtonSound">
+              <a:avLst/>
+            </a:prstGeom>
+            <a:noFill/>
+            <a:ln w="38100">
+              <a:solidFill>
+                <a:schemeClr val="tx1"/>
+              </a:solidFill>
+            </a:ln>
+          </p:spPr>
+          <p:style>
+            <a:lnRef idx="2">
+              <a:schemeClr val="accent1">
+                <a:shade val="50000"/>
+              </a:schemeClr>
+            </a:lnRef>
+            <a:fillRef idx="1">
+              <a:schemeClr val="accent1"/>
+            </a:fillRef>
+            <a:effectRef idx="0">
+              <a:schemeClr val="accent1"/>
+            </a:effectRef>
+            <a:fontRef idx="minor">
+              <a:schemeClr val="lt1"/>
+            </a:fontRef>
+          </p:style>
+          <p:txBody>
+            <a:bodyPr rtlCol="0" anchor="ctr"/>
+            <a:lstStyle/>
+            <a:p>
+              <a:pPr algn="ctr"/>
+              <a:endParaRPr lang="en-GB" dirty="0"/>
+            </a:p>
+          </p:txBody>
+        </p:sp>
+        <p:sp>
+          <p:nvSpPr>
+            <p:cNvPr id="45" name="Rettangolo 15">
+              <a:extLst>
+                <a:ext uri="{FF2B5EF4-FFF2-40B4-BE49-F238E27FC236}">
+                  <a16:creationId xmlns:a16="http://schemas.microsoft.com/office/drawing/2014/main" id="{AAB8BB7E-74C0-4146-B857-C48EEB12478A}"/>
+                </a:ext>
+              </a:extLst>
+            </p:cNvPr>
+            <p:cNvSpPr/>
+            <p:nvPr/>
+          </p:nvSpPr>
+          <p:spPr>
+            <a:xfrm>
+              <a:off x="439547" y="2285573"/>
+              <a:ext cx="1136114" cy="1278743"/>
+            </a:xfrm>
+            <a:prstGeom prst="rect">
+              <a:avLst/>
+            </a:prstGeom>
+            <a:noFill/>
+            <a:ln w="38100">
+              <a:solidFill>
+                <a:schemeClr val="bg1"/>
+              </a:solidFill>
+            </a:ln>
+          </p:spPr>
+          <p:style>
+            <a:lnRef idx="2">
+              <a:schemeClr val="accent1">
+                <a:shade val="50000"/>
+              </a:schemeClr>
+            </a:lnRef>
+            <a:fillRef idx="1">
+              <a:schemeClr val="accent1"/>
+            </a:fillRef>
+            <a:effectRef idx="0">
+              <a:schemeClr val="accent1"/>
+            </a:effectRef>
+            <a:fontRef idx="minor">
+              <a:schemeClr val="lt1"/>
+            </a:fontRef>
+          </p:style>
+          <p:txBody>
+            <a:bodyPr rtlCol="0" anchor="ctr"/>
+            <a:lstStyle/>
+            <a:p>
+              <a:pPr algn="ctr"/>
+              <a:endParaRPr lang="en-GB"/>
+            </a:p>
+          </p:txBody>
+        </p:sp>
+      </p:grpSp>
+      <p:grpSp>
+        <p:nvGrpSpPr>
+          <p:cNvPr id="46" name="Gruppo 13">
+            <a:extLst>
+              <a:ext uri="{FF2B5EF4-FFF2-40B4-BE49-F238E27FC236}">
+                <a16:creationId xmlns:a16="http://schemas.microsoft.com/office/drawing/2014/main" id="{C9D6BBE6-DA44-4BDD-8F23-E30416D2D011}"/>
+              </a:ext>
+            </a:extLst>
+          </p:cNvPr>
+          <p:cNvGrpSpPr/>
+          <p:nvPr/>
+        </p:nvGrpSpPr>
+        <p:grpSpPr>
+          <a:xfrm>
+            <a:off x="9925676" y="3449262"/>
+            <a:ext cx="534256" cy="485091"/>
+            <a:chOff x="439547" y="2285573"/>
+            <a:chExt cx="1136114" cy="1278743"/>
+          </a:xfrm>
+        </p:grpSpPr>
+        <p:sp>
+          <p:nvSpPr>
+            <p:cNvPr id="47" name="Suono 14">
+              <a:hlinkClick r:id="" action="ppaction://noaction" highlightClick="1"/>
+              <a:extLst>
+                <a:ext uri="{FF2B5EF4-FFF2-40B4-BE49-F238E27FC236}">
+                  <a16:creationId xmlns:a16="http://schemas.microsoft.com/office/drawing/2014/main" id="{67968ACD-261C-46A8-87ED-A13CCF88CF1E}"/>
+                </a:ext>
+              </a:extLst>
+            </p:cNvPr>
+            <p:cNvSpPr/>
+            <p:nvPr/>
+          </p:nvSpPr>
+          <p:spPr>
+            <a:xfrm>
+              <a:off x="439547" y="2285573"/>
+              <a:ext cx="1136114" cy="1278743"/>
+            </a:xfrm>
+            <a:prstGeom prst="actionButtonSound">
+              <a:avLst/>
+            </a:prstGeom>
+            <a:noFill/>
+            <a:ln w="38100">
+              <a:solidFill>
+                <a:schemeClr val="tx1"/>
+              </a:solidFill>
+            </a:ln>
+          </p:spPr>
+          <p:style>
+            <a:lnRef idx="2">
+              <a:schemeClr val="accent1">
+                <a:shade val="50000"/>
+              </a:schemeClr>
+            </a:lnRef>
+            <a:fillRef idx="1">
+              <a:schemeClr val="accent1"/>
+            </a:fillRef>
+            <a:effectRef idx="0">
+              <a:schemeClr val="accent1"/>
+            </a:effectRef>
+            <a:fontRef idx="minor">
+              <a:schemeClr val="lt1"/>
+            </a:fontRef>
+          </p:style>
+          <p:txBody>
+            <a:bodyPr rtlCol="0" anchor="ctr"/>
+            <a:lstStyle/>
+            <a:p>
+              <a:pPr algn="ctr"/>
+              <a:endParaRPr lang="en-GB" dirty="0"/>
+            </a:p>
+          </p:txBody>
+        </p:sp>
+        <p:sp>
+          <p:nvSpPr>
+            <p:cNvPr id="48" name="Rettangolo 15">
+              <a:extLst>
+                <a:ext uri="{FF2B5EF4-FFF2-40B4-BE49-F238E27FC236}">
+                  <a16:creationId xmlns:a16="http://schemas.microsoft.com/office/drawing/2014/main" id="{24D2D3D6-19DC-44A5-8F17-D2E6D9C137DA}"/>
+                </a:ext>
+              </a:extLst>
+            </p:cNvPr>
+            <p:cNvSpPr/>
+            <p:nvPr/>
+          </p:nvSpPr>
+          <p:spPr>
+            <a:xfrm>
+              <a:off x="439547" y="2285573"/>
+              <a:ext cx="1136114" cy="1278743"/>
+            </a:xfrm>
+            <a:prstGeom prst="rect">
+              <a:avLst/>
+            </a:prstGeom>
+            <a:noFill/>
+            <a:ln w="38100">
+              <a:solidFill>
+                <a:schemeClr val="bg1"/>
+              </a:solidFill>
+            </a:ln>
+          </p:spPr>
+          <p:style>
+            <a:lnRef idx="2">
+              <a:schemeClr val="accent1">
+                <a:shade val="50000"/>
+              </a:schemeClr>
+            </a:lnRef>
+            <a:fillRef idx="1">
+              <a:schemeClr val="accent1"/>
+            </a:fillRef>
+            <a:effectRef idx="0">
+              <a:schemeClr val="accent1"/>
+            </a:effectRef>
+            <a:fontRef idx="minor">
+              <a:schemeClr val="lt1"/>
+            </a:fontRef>
+          </p:style>
+          <p:txBody>
+            <a:bodyPr rtlCol="0" anchor="ctr"/>
+            <a:lstStyle/>
+            <a:p>
+              <a:pPr algn="ctr"/>
+              <a:endParaRPr lang="en-GB"/>
+            </a:p>
+          </p:txBody>
+        </p:sp>
+      </p:grpSp>
+      <p:sp>
+        <p:nvSpPr>
+          <p:cNvPr id="49" name="TextBox 48">
+            <a:extLst>
+              <a:ext uri="{FF2B5EF4-FFF2-40B4-BE49-F238E27FC236}">
+                <a16:creationId xmlns:a16="http://schemas.microsoft.com/office/drawing/2014/main" id="{BA6C35AD-BDB9-4A30-AB8F-2453109DAA82}"/>
+              </a:ext>
+            </a:extLst>
+          </p:cNvPr>
+          <p:cNvSpPr txBox="1"/>
+          <p:nvPr/>
+        </p:nvSpPr>
+        <p:spPr>
+          <a:xfrm>
+            <a:off x="8910773" y="3787242"/>
+            <a:ext cx="947859" cy="584775"/>
+          </a:xfrm>
+          <a:prstGeom prst="rect">
+            <a:avLst/>
+          </a:prstGeom>
+          <a:noFill/>
+        </p:spPr>
+        <p:txBody>
+          <a:bodyPr wrap="square" rtlCol="0">
+            <a:spAutoFit/>
+          </a:bodyPr>
+          <a:lstStyle/>
+          <a:p>
+            <a:r>
+              <a:rPr lang="it-IT" sz="3200" dirty="0" err="1">
+                <a:latin typeface="Arial" panose="020B0604020202020204" pitchFamily="34" charset="0"/>
+                <a:cs typeface="Arial" panose="020B0604020202020204" pitchFamily="34" charset="0"/>
+              </a:rPr>
+              <a:t>tob</a:t>
+            </a:r>
+            <a:endParaRPr lang="en-GB" sz="3200" dirty="0">
+              <a:latin typeface="Arial" panose="020B0604020202020204" pitchFamily="34" charset="0"/>
+              <a:cs typeface="Arial" panose="020B0604020202020204" pitchFamily="34" charset="0"/>
+            </a:endParaRPr>
+          </a:p>
+        </p:txBody>
+      </p:sp>
+      <p:sp>
+        <p:nvSpPr>
+          <p:cNvPr id="50" name="TextBox 49">
+            <a:extLst>
+              <a:ext uri="{FF2B5EF4-FFF2-40B4-BE49-F238E27FC236}">
+                <a16:creationId xmlns:a16="http://schemas.microsoft.com/office/drawing/2014/main" id="{7886B644-3652-4FCA-AA75-92C9AA4CA565}"/>
+              </a:ext>
+            </a:extLst>
+          </p:cNvPr>
+          <p:cNvSpPr txBox="1"/>
+          <p:nvPr/>
+        </p:nvSpPr>
+        <p:spPr>
+          <a:xfrm>
+            <a:off x="9854286" y="3775258"/>
+            <a:ext cx="947859" cy="584775"/>
+          </a:xfrm>
+          <a:prstGeom prst="rect">
+            <a:avLst/>
+          </a:prstGeom>
+          <a:noFill/>
+        </p:spPr>
+        <p:txBody>
+          <a:bodyPr wrap="square" rtlCol="0">
+            <a:spAutoFit/>
+          </a:bodyPr>
+          <a:lstStyle/>
+          <a:p>
+            <a:r>
+              <a:rPr lang="it-IT" sz="3200" dirty="0" err="1">
+                <a:latin typeface="Arial" panose="020B0604020202020204" pitchFamily="34" charset="0"/>
+                <a:cs typeface="Arial" panose="020B0604020202020204" pitchFamily="34" charset="0"/>
+              </a:rPr>
+              <a:t>dep</a:t>
+            </a:r>
+            <a:endParaRPr lang="en-GB" sz="3200" dirty="0">
+              <a:latin typeface="Arial" panose="020B0604020202020204" pitchFamily="34" charset="0"/>
+              <a:cs typeface="Arial" panose="020B0604020202020204" pitchFamily="34" charset="0"/>
+            </a:endParaRPr>
+          </a:p>
+        </p:txBody>
+      </p:sp>
+      <p:pic>
+        <p:nvPicPr>
+          <p:cNvPr id="7" name="Picture 6">
+            <a:extLst>
+              <a:ext uri="{FF2B5EF4-FFF2-40B4-BE49-F238E27FC236}">
+                <a16:creationId xmlns:a16="http://schemas.microsoft.com/office/drawing/2014/main" id="{65E5811E-647F-400E-B752-C634A84EFD82}"/>
+              </a:ext>
+            </a:extLst>
+          </p:cNvPr>
+          <p:cNvPicPr>
+            <a:picLocks noChangeAspect="1"/>
+          </p:cNvPicPr>
+          <p:nvPr/>
+        </p:nvPicPr>
+        <p:blipFill rotWithShape="1">
+          <a:blip r:embed="rId2"/>
+          <a:srcRect t="6575"/>
+          <a:stretch/>
+        </p:blipFill>
+        <p:spPr>
+          <a:xfrm>
+            <a:off x="1944246" y="3145511"/>
+            <a:ext cx="1085906" cy="818725"/>
+          </a:xfrm>
+          <a:prstGeom prst="rect">
+            <a:avLst/>
+          </a:prstGeom>
+        </p:spPr>
+      </p:pic>
+      <p:pic>
+        <p:nvPicPr>
+          <p:cNvPr id="19" name="Picture 18">
+            <a:extLst>
+              <a:ext uri="{FF2B5EF4-FFF2-40B4-BE49-F238E27FC236}">
+                <a16:creationId xmlns:a16="http://schemas.microsoft.com/office/drawing/2014/main" id="{9404F4C4-5D5A-429F-87BD-76AB8D735458}"/>
+              </a:ext>
+            </a:extLst>
+          </p:cNvPr>
+          <p:cNvPicPr>
+            <a:picLocks noChangeAspect="1"/>
+          </p:cNvPicPr>
+          <p:nvPr/>
+        </p:nvPicPr>
+        <p:blipFill>
+          <a:blip r:embed="rId3"/>
+          <a:stretch>
+            <a:fillRect/>
+          </a:stretch>
+        </p:blipFill>
+        <p:spPr>
+          <a:xfrm>
+            <a:off x="8623523" y="2525459"/>
+            <a:ext cx="1130358" cy="977131"/>
+          </a:xfrm>
+          <a:prstGeom prst="rect">
+            <a:avLst/>
+          </a:prstGeom>
+        </p:spPr>
+      </p:pic>
+      <p:pic>
+        <p:nvPicPr>
+          <p:cNvPr id="51" name="Picture 50">
+            <a:extLst>
+              <a:ext uri="{FF2B5EF4-FFF2-40B4-BE49-F238E27FC236}">
+                <a16:creationId xmlns:a16="http://schemas.microsoft.com/office/drawing/2014/main" id="{FCF89B98-1FD4-4D1F-81AB-28F856C35BE4}"/>
+              </a:ext>
+            </a:extLst>
+          </p:cNvPr>
+          <p:cNvPicPr>
+            <a:picLocks noChangeAspect="1"/>
+          </p:cNvPicPr>
+          <p:nvPr/>
+        </p:nvPicPr>
+        <p:blipFill>
+          <a:blip r:embed="rId3"/>
+          <a:stretch>
+            <a:fillRect/>
+          </a:stretch>
+        </p:blipFill>
+        <p:spPr>
+          <a:xfrm>
+            <a:off x="3848623" y="2977352"/>
+            <a:ext cx="1130358" cy="977131"/>
+          </a:xfrm>
+          <a:prstGeom prst="rect">
+            <a:avLst/>
+          </a:prstGeom>
+        </p:spPr>
+      </p:pic>
+      <p:pic>
+        <p:nvPicPr>
+          <p:cNvPr id="20" name="Picture 19">
+            <a:extLst>
+              <a:ext uri="{FF2B5EF4-FFF2-40B4-BE49-F238E27FC236}">
+                <a16:creationId xmlns:a16="http://schemas.microsoft.com/office/drawing/2014/main" id="{1E0C139C-63AB-44DD-A5AB-91EDAB93AE62}"/>
+              </a:ext>
+            </a:extLst>
+          </p:cNvPr>
+          <p:cNvPicPr>
+            <a:picLocks noChangeAspect="1"/>
+          </p:cNvPicPr>
+          <p:nvPr/>
+        </p:nvPicPr>
+        <p:blipFill>
+          <a:blip r:embed="rId4"/>
+          <a:stretch>
+            <a:fillRect/>
+          </a:stretch>
+        </p:blipFill>
+        <p:spPr>
+          <a:xfrm>
+            <a:off x="2920700" y="3061785"/>
+            <a:ext cx="1054154" cy="1003352"/>
+          </a:xfrm>
+          <a:prstGeom prst="rect">
+            <a:avLst/>
+          </a:prstGeom>
+        </p:spPr>
+      </p:pic>
+    </p:spTree>
+    <p:extLst>
+      <p:ext uri="{BB962C8B-B14F-4D97-AF65-F5344CB8AC3E}">
+        <p14:creationId xmlns:p14="http://schemas.microsoft.com/office/powerpoint/2010/main" val="1693330943"/>
+      </p:ext>
+    </p:extLst>
+  </p:cSld>
+  <p:clrMapOvr>
+    <a:masterClrMapping/>
+  </p:clrMapOvr>
+</p:sld>
+</file>
+
+<file path=ppt/slides/slide4.xml><?xml version="1.0" encoding="utf-8"?>
+<p:sld xmlns:a="http://schemas.openxmlformats.org/drawingml/2006/main" xmlns:r="http://schemas.openxmlformats.org/officeDocument/2006/relationships" xmlns:p="http://schemas.openxmlformats.org/presentationml/2006/main">
+  <p:cSld>
+    <p:spTree>
+      <p:nvGrpSpPr>
+        <p:cNvPr id="1" name=""/>
+        <p:cNvGrpSpPr/>
+        <p:nvPr/>
+      </p:nvGrpSpPr>
+      <p:grpSpPr>
+        <a:xfrm>
+          <a:off x="0" y="0"/>
+          <a:ext cx="0" cy="0"/>
+          <a:chOff x="0" y="0"/>
+          <a:chExt cx="0" cy="0"/>
+        </a:xfrm>
+      </p:grpSpPr>
+      <p:sp>
+        <p:nvSpPr>
+          <p:cNvPr id="4" name="TextBox 3">
+            <a:extLst>
+              <a:ext uri="{FF2B5EF4-FFF2-40B4-BE49-F238E27FC236}">
+                <a16:creationId xmlns:a16="http://schemas.microsoft.com/office/drawing/2014/main" id="{97ADA43C-E64E-4A7A-A395-958080FF3B7C}"/>
+              </a:ext>
+            </a:extLst>
+          </p:cNvPr>
+          <p:cNvSpPr txBox="1"/>
+          <p:nvPr/>
+        </p:nvSpPr>
+        <p:spPr>
+          <a:xfrm>
+            <a:off x="2532818" y="131021"/>
+            <a:ext cx="6858000" cy="584775"/>
+          </a:xfrm>
+          <a:prstGeom prst="rect">
+            <a:avLst/>
+          </a:prstGeom>
+          <a:noFill/>
+        </p:spPr>
+        <p:txBody>
+          <a:bodyPr wrap="square" rtlCol="0">
+            <a:spAutoFit/>
+          </a:bodyPr>
+          <a:lstStyle/>
+          <a:p>
+            <a:pPr algn="ctr"/>
+            <a:r>
+              <a:rPr lang="it-IT" sz="3200" dirty="0" err="1">
+                <a:latin typeface="Arial" panose="020B0604020202020204" pitchFamily="34" charset="0"/>
+                <a:cs typeface="Arial" panose="020B0604020202020204" pitchFamily="34" charset="0"/>
+              </a:rPr>
+              <a:t>Magnitude</a:t>
+            </a:r>
+            <a:r>
+              <a:rPr lang="it-IT" sz="3200" dirty="0">
+                <a:latin typeface="Arial" panose="020B0604020202020204" pitchFamily="34" charset="0"/>
+                <a:cs typeface="Arial" panose="020B0604020202020204" pitchFamily="34" charset="0"/>
+              </a:rPr>
+              <a:t> </a:t>
+            </a:r>
+            <a:r>
+              <a:rPr lang="it-IT" sz="3200" dirty="0" err="1">
+                <a:latin typeface="Arial" panose="020B0604020202020204" pitchFamily="34" charset="0"/>
+                <a:cs typeface="Arial" panose="020B0604020202020204" pitchFamily="34" charset="0"/>
+              </a:rPr>
+              <a:t>estimation</a:t>
+            </a:r>
+            <a:r>
+              <a:rPr lang="it-IT" sz="3200" dirty="0">
+                <a:latin typeface="Arial" panose="020B0604020202020204" pitchFamily="34" charset="0"/>
+                <a:cs typeface="Arial" panose="020B0604020202020204" pitchFamily="34" charset="0"/>
+              </a:rPr>
+              <a:t> task</a:t>
+            </a:r>
+            <a:endParaRPr lang="en-GB" sz="3200" dirty="0">
+              <a:latin typeface="Arial" panose="020B0604020202020204" pitchFamily="34" charset="0"/>
+              <a:cs typeface="Arial" panose="020B0604020202020204" pitchFamily="34" charset="0"/>
+            </a:endParaRPr>
+          </a:p>
+        </p:txBody>
+      </p:sp>
+      <p:sp>
+        <p:nvSpPr>
+          <p:cNvPr id="13" name="CasellaDiTesto 28">
+            <a:extLst>
+              <a:ext uri="{FF2B5EF4-FFF2-40B4-BE49-F238E27FC236}">
+                <a16:creationId xmlns:a16="http://schemas.microsoft.com/office/drawing/2014/main" id="{A07B1D01-78C2-4943-B2B5-6EAC29CBD878}"/>
+              </a:ext>
+            </a:extLst>
+          </p:cNvPr>
+          <p:cNvSpPr txBox="1"/>
+          <p:nvPr/>
+        </p:nvSpPr>
+        <p:spPr>
+          <a:xfrm>
+            <a:off x="5898483" y="4186741"/>
+            <a:ext cx="1293558" cy="400110"/>
+          </a:xfrm>
+          <a:prstGeom prst="rect">
+            <a:avLst/>
+          </a:prstGeom>
+          <a:noFill/>
+        </p:spPr>
+        <p:txBody>
+          <a:bodyPr wrap="square" rtlCol="0">
+            <a:spAutoFit/>
+          </a:bodyPr>
+          <a:lstStyle/>
+          <a:p>
+            <a:r>
+              <a:rPr lang="en-GB" sz="2000" dirty="0">
+                <a:latin typeface="Arial" panose="020B0604020202020204" pitchFamily="34" charset="0"/>
+                <a:cs typeface="Arial" panose="020B0604020202020204" pitchFamily="34" charset="0"/>
+              </a:rPr>
+              <a:t>200 </a:t>
             </a:r>
             <a:r>
               <a:rPr lang="en-GB" sz="2000" dirty="0" err="1">

--- a/exp1/script/testing/timelineTesting.pptx
+++ b/exp1/script/testing/timelineTesting.pptx
@@ -264,7 +264,7 @@
           <a:p>
             <a:fld id="{B1B915C8-2E81-429A-BD90-45E424FDD57F}" type="datetimeFigureOut">
               <a:rPr lang="en-GB" smtClean="0"/>
-              <a:t>30/03/2020</a:t>
+              <a:t>01/05/2020</a:t>
             </a:fld>
             <a:endParaRPr lang="en-GB"/>
           </a:p>
@@ -464,7 +464,7 @@
           <a:p>
             <a:fld id="{B1B915C8-2E81-429A-BD90-45E424FDD57F}" type="datetimeFigureOut">
               <a:rPr lang="en-GB" smtClean="0"/>
-              <a:t>30/03/2020</a:t>
+              <a:t>01/05/2020</a:t>
             </a:fld>
             <a:endParaRPr lang="en-GB"/>
           </a:p>
@@ -674,7 +674,7 @@
           <a:p>
             <a:fld id="{B1B915C8-2E81-429A-BD90-45E424FDD57F}" type="datetimeFigureOut">
               <a:rPr lang="en-GB" smtClean="0"/>
-              <a:t>30/03/2020</a:t>
+              <a:t>01/05/2020</a:t>
             </a:fld>
             <a:endParaRPr lang="en-GB"/>
           </a:p>
@@ -874,7 +874,7 @@
           <a:p>
             <a:fld id="{B1B915C8-2E81-429A-BD90-45E424FDD57F}" type="datetimeFigureOut">
               <a:rPr lang="en-GB" smtClean="0"/>
-              <a:t>30/03/2020</a:t>
+              <a:t>01/05/2020</a:t>
             </a:fld>
             <a:endParaRPr lang="en-GB"/>
           </a:p>
@@ -1150,7 +1150,7 @@
           <a:p>
             <a:fld id="{B1B915C8-2E81-429A-BD90-45E424FDD57F}" type="datetimeFigureOut">
               <a:rPr lang="en-GB" smtClean="0"/>
-              <a:t>30/03/2020</a:t>
+              <a:t>01/05/2020</a:t>
             </a:fld>
             <a:endParaRPr lang="en-GB"/>
           </a:p>
@@ -1418,7 +1418,7 @@
           <a:p>
             <a:fld id="{B1B915C8-2E81-429A-BD90-45E424FDD57F}" type="datetimeFigureOut">
               <a:rPr lang="en-GB" smtClean="0"/>
-              <a:t>30/03/2020</a:t>
+              <a:t>01/05/2020</a:t>
             </a:fld>
             <a:endParaRPr lang="en-GB"/>
           </a:p>
@@ -1833,7 +1833,7 @@
           <a:p>
             <a:fld id="{B1B915C8-2E81-429A-BD90-45E424FDD57F}" type="datetimeFigureOut">
               <a:rPr lang="en-GB" smtClean="0"/>
-              <a:t>30/03/2020</a:t>
+              <a:t>01/05/2020</a:t>
             </a:fld>
             <a:endParaRPr lang="en-GB"/>
           </a:p>
@@ -1975,7 +1975,7 @@
           <a:p>
             <a:fld id="{B1B915C8-2E81-429A-BD90-45E424FDD57F}" type="datetimeFigureOut">
               <a:rPr lang="en-GB" smtClean="0"/>
-              <a:t>30/03/2020</a:t>
+              <a:t>01/05/2020</a:t>
             </a:fld>
             <a:endParaRPr lang="en-GB"/>
           </a:p>
@@ -2088,7 +2088,7 @@
           <a:p>
             <a:fld id="{B1B915C8-2E81-429A-BD90-45E424FDD57F}" type="datetimeFigureOut">
               <a:rPr lang="en-GB" smtClean="0"/>
-              <a:t>30/03/2020</a:t>
+              <a:t>01/05/2020</a:t>
             </a:fld>
             <a:endParaRPr lang="en-GB"/>
           </a:p>
@@ -2401,7 +2401,7 @@
           <a:p>
             <a:fld id="{B1B915C8-2E81-429A-BD90-45E424FDD57F}" type="datetimeFigureOut">
               <a:rPr lang="en-GB" smtClean="0"/>
-              <a:t>30/03/2020</a:t>
+              <a:t>01/05/2020</a:t>
             </a:fld>
             <a:endParaRPr lang="en-GB"/>
           </a:p>
@@ -2690,7 +2690,7 @@
           <a:p>
             <a:fld id="{B1B915C8-2E81-429A-BD90-45E424FDD57F}" type="datetimeFigureOut">
               <a:rPr lang="en-GB" smtClean="0"/>
-              <a:t>30/03/2020</a:t>
+              <a:t>01/05/2020</a:t>
             </a:fld>
             <a:endParaRPr lang="en-GB"/>
           </a:p>
@@ -2933,7 +2933,7 @@
           <a:p>
             <a:fld id="{B1B915C8-2E81-429A-BD90-45E424FDD57F}" type="datetimeFigureOut">
               <a:rPr lang="en-GB" smtClean="0"/>
-              <a:t>30/03/2020</a:t>
+              <a:t>01/05/2020</a:t>
             </a:fld>
             <a:endParaRPr lang="en-GB"/>
           </a:p>
@@ -8263,268 +8263,10 @@
       </p:grpSpPr>
       <p:sp>
         <p:nvSpPr>
-          <p:cNvPr id="4" name="TextBox 3">
-            <a:extLst>
-              <a:ext uri="{FF2B5EF4-FFF2-40B4-BE49-F238E27FC236}">
-                <a16:creationId xmlns:a16="http://schemas.microsoft.com/office/drawing/2014/main" id="{97ADA43C-E64E-4A7A-A395-958080FF3B7C}"/>
-              </a:ext>
-            </a:extLst>
-          </p:cNvPr>
-          <p:cNvSpPr txBox="1"/>
-          <p:nvPr/>
-        </p:nvSpPr>
-        <p:spPr>
-          <a:xfrm>
-            <a:off x="2532818" y="131021"/>
-            <a:ext cx="6858000" cy="584775"/>
-          </a:xfrm>
-          <a:prstGeom prst="rect">
-            <a:avLst/>
-          </a:prstGeom>
-          <a:noFill/>
-        </p:spPr>
-        <p:txBody>
-          <a:bodyPr wrap="square" rtlCol="0">
-            <a:spAutoFit/>
-          </a:bodyPr>
-          <a:lstStyle/>
-          <a:p>
-            <a:pPr algn="ctr"/>
-            <a:r>
-              <a:rPr lang="it-IT" sz="3200" dirty="0" err="1">
-                <a:latin typeface="Arial" panose="020B0604020202020204" pitchFamily="34" charset="0"/>
-                <a:cs typeface="Arial" panose="020B0604020202020204" pitchFamily="34" charset="0"/>
-              </a:rPr>
-              <a:t>Magnitude</a:t>
-            </a:r>
-            <a:r>
-              <a:rPr lang="it-IT" sz="3200" dirty="0">
-                <a:latin typeface="Arial" panose="020B0604020202020204" pitchFamily="34" charset="0"/>
-                <a:cs typeface="Arial" panose="020B0604020202020204" pitchFamily="34" charset="0"/>
-              </a:rPr>
-              <a:t> </a:t>
-            </a:r>
-            <a:r>
-              <a:rPr lang="it-IT" sz="3200" dirty="0" err="1">
-                <a:latin typeface="Arial" panose="020B0604020202020204" pitchFamily="34" charset="0"/>
-                <a:cs typeface="Arial" panose="020B0604020202020204" pitchFamily="34" charset="0"/>
-              </a:rPr>
-              <a:t>estimation</a:t>
-            </a:r>
-            <a:r>
-              <a:rPr lang="it-IT" sz="3200" dirty="0">
-                <a:latin typeface="Arial" panose="020B0604020202020204" pitchFamily="34" charset="0"/>
-                <a:cs typeface="Arial" panose="020B0604020202020204" pitchFamily="34" charset="0"/>
-              </a:rPr>
-              <a:t> task</a:t>
-            </a:r>
-            <a:endParaRPr lang="en-GB" sz="3200" dirty="0">
-              <a:latin typeface="Arial" panose="020B0604020202020204" pitchFamily="34" charset="0"/>
-              <a:cs typeface="Arial" panose="020B0604020202020204" pitchFamily="34" charset="0"/>
-            </a:endParaRPr>
-          </a:p>
-        </p:txBody>
-      </p:sp>
-      <p:sp>
-        <p:nvSpPr>
-          <p:cNvPr id="13" name="CasellaDiTesto 28">
-            <a:extLst>
-              <a:ext uri="{FF2B5EF4-FFF2-40B4-BE49-F238E27FC236}">
-                <a16:creationId xmlns:a16="http://schemas.microsoft.com/office/drawing/2014/main" id="{A07B1D01-78C2-4943-B2B5-6EAC29CBD878}"/>
-              </a:ext>
-            </a:extLst>
-          </p:cNvPr>
-          <p:cNvSpPr txBox="1"/>
-          <p:nvPr/>
-        </p:nvSpPr>
-        <p:spPr>
-          <a:xfrm>
-            <a:off x="5898483" y="4186741"/>
-            <a:ext cx="1293558" cy="400110"/>
-          </a:xfrm>
-          <a:prstGeom prst="rect">
-            <a:avLst/>
-          </a:prstGeom>
-          <a:noFill/>
-        </p:spPr>
-        <p:txBody>
-          <a:bodyPr wrap="square" rtlCol="0">
-            <a:spAutoFit/>
-          </a:bodyPr>
-          <a:lstStyle/>
-          <a:p>
-            <a:r>
-              <a:rPr lang="en-GB" sz="2000" dirty="0">
-                <a:latin typeface="Arial" panose="020B0604020202020204" pitchFamily="34" charset="0"/>
-                <a:cs typeface="Arial" panose="020B0604020202020204" pitchFamily="34" charset="0"/>
-              </a:rPr>
-              <a:t>200 </a:t>
-            </a:r>
-            <a:r>
-              <a:rPr lang="en-GB" sz="2000" dirty="0" err="1">
-                <a:latin typeface="Arial" panose="020B0604020202020204" pitchFamily="34" charset="0"/>
-                <a:cs typeface="Arial" panose="020B0604020202020204" pitchFamily="34" charset="0"/>
-              </a:rPr>
-              <a:t>ms</a:t>
-            </a:r>
-            <a:endParaRPr lang="en-GB" sz="2000" dirty="0">
-              <a:latin typeface="Arial" panose="020B0604020202020204" pitchFamily="34" charset="0"/>
-              <a:cs typeface="Arial" panose="020B0604020202020204" pitchFamily="34" charset="0"/>
-            </a:endParaRPr>
-          </a:p>
-        </p:txBody>
-      </p:sp>
-      <p:sp>
-        <p:nvSpPr>
-          <p:cNvPr id="20" name="CasellaDiTesto 28">
-            <a:extLst>
-              <a:ext uri="{FF2B5EF4-FFF2-40B4-BE49-F238E27FC236}">
-                <a16:creationId xmlns:a16="http://schemas.microsoft.com/office/drawing/2014/main" id="{7A73D548-CDDE-4A7C-8065-03BFA923AEF2}"/>
-              </a:ext>
-            </a:extLst>
-          </p:cNvPr>
-          <p:cNvSpPr txBox="1"/>
-          <p:nvPr/>
-        </p:nvSpPr>
-        <p:spPr>
-          <a:xfrm>
-            <a:off x="7943760" y="5646884"/>
-            <a:ext cx="3087942" cy="400110"/>
-          </a:xfrm>
-          <a:prstGeom prst="rect">
-            <a:avLst/>
-          </a:prstGeom>
-          <a:noFill/>
-        </p:spPr>
-        <p:txBody>
-          <a:bodyPr wrap="square" rtlCol="0">
-            <a:spAutoFit/>
-          </a:bodyPr>
-          <a:lstStyle/>
-          <a:p>
-            <a:r>
-              <a:rPr lang="en-GB" sz="2000" dirty="0">
-                <a:latin typeface="Arial" panose="020B0604020202020204" pitchFamily="34" charset="0"/>
-                <a:cs typeface="Arial" panose="020B0604020202020204" pitchFamily="34" charset="0"/>
-              </a:rPr>
-              <a:t>2000 </a:t>
-            </a:r>
-            <a:r>
-              <a:rPr lang="en-GB" sz="2000" dirty="0" err="1">
-                <a:latin typeface="Arial" panose="020B0604020202020204" pitchFamily="34" charset="0"/>
-                <a:cs typeface="Arial" panose="020B0604020202020204" pitchFamily="34" charset="0"/>
-              </a:rPr>
-              <a:t>ms</a:t>
-            </a:r>
-            <a:r>
-              <a:rPr lang="en-GB" sz="2000" dirty="0">
-                <a:latin typeface="Arial" panose="020B0604020202020204" pitchFamily="34" charset="0"/>
-                <a:cs typeface="Arial" panose="020B0604020202020204" pitchFamily="34" charset="0"/>
-              </a:rPr>
-              <a:t> + random ISI </a:t>
-            </a:r>
-          </a:p>
-        </p:txBody>
-      </p:sp>
-      <p:cxnSp>
-        <p:nvCxnSpPr>
-          <p:cNvPr id="18" name="Connettore 2 32">
-            <a:extLst>
-              <a:ext uri="{FF2B5EF4-FFF2-40B4-BE49-F238E27FC236}">
-                <a16:creationId xmlns:a16="http://schemas.microsoft.com/office/drawing/2014/main" id="{F9E12B3F-CC39-455F-B354-E4E6D27D3914}"/>
-              </a:ext>
-            </a:extLst>
-          </p:cNvPr>
-          <p:cNvCxnSpPr>
-            <a:cxnSpLocks/>
-          </p:cNvCxnSpPr>
-          <p:nvPr/>
-        </p:nvCxnSpPr>
-        <p:spPr>
-          <a:xfrm>
-            <a:off x="2906961" y="2497863"/>
-            <a:ext cx="5347516" cy="4177975"/>
-          </a:xfrm>
-          <a:prstGeom prst="straightConnector1">
-            <a:avLst/>
-          </a:prstGeom>
-          <a:ln w="38100">
-            <a:solidFill>
-              <a:srgbClr val="FF0000"/>
-            </a:solidFill>
-            <a:tailEnd type="arrow"/>
-          </a:ln>
-        </p:spPr>
-        <p:style>
-          <a:lnRef idx="2">
-            <a:schemeClr val="dk1"/>
-          </a:lnRef>
-          <a:fillRef idx="0">
-            <a:schemeClr val="dk1"/>
-          </a:fillRef>
-          <a:effectRef idx="1">
-            <a:schemeClr val="dk1"/>
-          </a:effectRef>
-          <a:fontRef idx="minor">
-            <a:schemeClr val="tx1"/>
-          </a:fontRef>
-        </p:style>
-      </p:cxnSp>
-      <p:sp>
-        <p:nvSpPr>
-          <p:cNvPr id="23" name="CasellaDiTesto 28">
-            <a:extLst>
-              <a:ext uri="{FF2B5EF4-FFF2-40B4-BE49-F238E27FC236}">
-                <a16:creationId xmlns:a16="http://schemas.microsoft.com/office/drawing/2014/main" id="{98ACC3D0-6389-4BE4-967C-523492CB06B2}"/>
-              </a:ext>
-            </a:extLst>
-          </p:cNvPr>
-          <p:cNvSpPr txBox="1"/>
-          <p:nvPr/>
-        </p:nvSpPr>
-        <p:spPr>
-          <a:xfrm>
-            <a:off x="3948895" y="2819171"/>
-            <a:ext cx="1293558" cy="400110"/>
-          </a:xfrm>
-          <a:prstGeom prst="rect">
-            <a:avLst/>
-          </a:prstGeom>
-          <a:noFill/>
-        </p:spPr>
-        <p:txBody>
-          <a:bodyPr wrap="square" rtlCol="0">
-            <a:spAutoFit/>
-          </a:bodyPr>
-          <a:lstStyle/>
-          <a:p>
-            <a:r>
-              <a:rPr lang="en-GB" sz="2000" dirty="0">
-                <a:latin typeface="Arial" panose="020B0604020202020204" pitchFamily="34" charset="0"/>
-                <a:cs typeface="Arial" panose="020B0604020202020204" pitchFamily="34" charset="0"/>
-              </a:rPr>
-              <a:t>500 </a:t>
-            </a:r>
-            <a:r>
-              <a:rPr lang="en-GB" sz="2000" dirty="0" err="1">
-                <a:latin typeface="Arial" panose="020B0604020202020204" pitchFamily="34" charset="0"/>
-                <a:cs typeface="Arial" panose="020B0604020202020204" pitchFamily="34" charset="0"/>
-              </a:rPr>
-              <a:t>ms</a:t>
-            </a:r>
-            <a:endParaRPr lang="en-GB" sz="2000" dirty="0">
-              <a:latin typeface="Arial" panose="020B0604020202020204" pitchFamily="34" charset="0"/>
-              <a:cs typeface="Arial" panose="020B0604020202020204" pitchFamily="34" charset="0"/>
-            </a:endParaRPr>
-          </a:p>
-        </p:txBody>
-      </p:sp>
-      <p:sp>
-        <p:nvSpPr>
-          <p:cNvPr id="33" name="Rectangle: Rounded Corners 32">
-            <a:extLst>
-              <a:ext uri="{FF2B5EF4-FFF2-40B4-BE49-F238E27FC236}">
-                <a16:creationId xmlns:a16="http://schemas.microsoft.com/office/drawing/2014/main" id="{343DEA30-A365-4F48-93E2-E67175CF8E59}"/>
+          <p:cNvPr id="27" name="Rectangle: Rounded Corners 26">
+            <a:extLst>
+              <a:ext uri="{FF2B5EF4-FFF2-40B4-BE49-F238E27FC236}">
+                <a16:creationId xmlns:a16="http://schemas.microsoft.com/office/drawing/2014/main" id="{5693D547-E106-4CD7-A49A-3E4CFF3DAFEC}"/>
               </a:ext>
             </a:extLst>
           </p:cNvPr>
@@ -8533,7 +8275,7 @@
         </p:nvSpPr>
         <p:spPr>
           <a:xfrm>
-            <a:off x="3338024" y="755791"/>
+            <a:off x="5237856" y="2145568"/>
             <a:ext cx="2623794" cy="2013511"/>
           </a:xfrm>
           <a:prstGeom prst="roundRect">
@@ -8591,10 +8333,261 @@
       </p:sp>
       <p:sp>
         <p:nvSpPr>
-          <p:cNvPr id="21" name="Rectangle: Rounded Corners 20">
-            <a:extLst>
-              <a:ext uri="{FF2B5EF4-FFF2-40B4-BE49-F238E27FC236}">
-                <a16:creationId xmlns:a16="http://schemas.microsoft.com/office/drawing/2014/main" id="{3D91D399-AE7D-4BA4-95BC-234B62F1FFF6}"/>
+          <p:cNvPr id="4" name="TextBox 3">
+            <a:extLst>
+              <a:ext uri="{FF2B5EF4-FFF2-40B4-BE49-F238E27FC236}">
+                <a16:creationId xmlns:a16="http://schemas.microsoft.com/office/drawing/2014/main" id="{97ADA43C-E64E-4A7A-A395-958080FF3B7C}"/>
+              </a:ext>
+            </a:extLst>
+          </p:cNvPr>
+          <p:cNvSpPr txBox="1"/>
+          <p:nvPr/>
+        </p:nvSpPr>
+        <p:spPr>
+          <a:xfrm>
+            <a:off x="2532818" y="131021"/>
+            <a:ext cx="6858000" cy="584775"/>
+          </a:xfrm>
+          <a:prstGeom prst="rect">
+            <a:avLst/>
+          </a:prstGeom>
+          <a:noFill/>
+        </p:spPr>
+        <p:txBody>
+          <a:bodyPr wrap="square" rtlCol="0">
+            <a:spAutoFit/>
+          </a:bodyPr>
+          <a:lstStyle/>
+          <a:p>
+            <a:pPr algn="ctr"/>
+            <a:r>
+              <a:rPr lang="it-IT" sz="3200" dirty="0">
+                <a:latin typeface="Arial" panose="020B0604020202020204" pitchFamily="34" charset="0"/>
+                <a:cs typeface="Arial" panose="020B0604020202020204" pitchFamily="34" charset="0"/>
+              </a:rPr>
+              <a:t>Random dot </a:t>
+            </a:r>
+            <a:r>
+              <a:rPr lang="it-IT" sz="3200" dirty="0" err="1">
+                <a:latin typeface="Arial" panose="020B0604020202020204" pitchFamily="34" charset="0"/>
+                <a:cs typeface="Arial" panose="020B0604020202020204" pitchFamily="34" charset="0"/>
+              </a:rPr>
+              <a:t>motion</a:t>
+            </a:r>
+            <a:r>
+              <a:rPr lang="it-IT" sz="3200" dirty="0">
+                <a:latin typeface="Arial" panose="020B0604020202020204" pitchFamily="34" charset="0"/>
+                <a:cs typeface="Arial" panose="020B0604020202020204" pitchFamily="34" charset="0"/>
+              </a:rPr>
+              <a:t> task</a:t>
+            </a:r>
+            <a:endParaRPr lang="en-GB" sz="3200" dirty="0">
+              <a:latin typeface="Arial" panose="020B0604020202020204" pitchFamily="34" charset="0"/>
+              <a:cs typeface="Arial" panose="020B0604020202020204" pitchFamily="34" charset="0"/>
+            </a:endParaRPr>
+          </a:p>
+        </p:txBody>
+      </p:sp>
+      <p:sp>
+        <p:nvSpPr>
+          <p:cNvPr id="13" name="CasellaDiTesto 28">
+            <a:extLst>
+              <a:ext uri="{FF2B5EF4-FFF2-40B4-BE49-F238E27FC236}">
+                <a16:creationId xmlns:a16="http://schemas.microsoft.com/office/drawing/2014/main" id="{A07B1D01-78C2-4943-B2B5-6EAC29CBD878}"/>
+              </a:ext>
+            </a:extLst>
+          </p:cNvPr>
+          <p:cNvSpPr txBox="1"/>
+          <p:nvPr/>
+        </p:nvSpPr>
+        <p:spPr>
+          <a:xfrm>
+            <a:off x="5898483" y="4186741"/>
+            <a:ext cx="1293558" cy="400110"/>
+          </a:xfrm>
+          <a:prstGeom prst="rect">
+            <a:avLst/>
+          </a:prstGeom>
+          <a:noFill/>
+        </p:spPr>
+        <p:txBody>
+          <a:bodyPr wrap="square" rtlCol="0">
+            <a:spAutoFit/>
+          </a:bodyPr>
+          <a:lstStyle/>
+          <a:p>
+            <a:r>
+              <a:rPr lang="en-GB" sz="2000" dirty="0">
+                <a:latin typeface="Arial" panose="020B0604020202020204" pitchFamily="34" charset="0"/>
+                <a:cs typeface="Arial" panose="020B0604020202020204" pitchFamily="34" charset="0"/>
+              </a:rPr>
+              <a:t>200 </a:t>
+            </a:r>
+            <a:r>
+              <a:rPr lang="en-GB" sz="2000" dirty="0" err="1">
+                <a:latin typeface="Arial" panose="020B0604020202020204" pitchFamily="34" charset="0"/>
+                <a:cs typeface="Arial" panose="020B0604020202020204" pitchFamily="34" charset="0"/>
+              </a:rPr>
+              <a:t>ms</a:t>
+            </a:r>
+            <a:endParaRPr lang="en-GB" sz="2000" dirty="0">
+              <a:latin typeface="Arial" panose="020B0604020202020204" pitchFamily="34" charset="0"/>
+              <a:cs typeface="Arial" panose="020B0604020202020204" pitchFamily="34" charset="0"/>
+            </a:endParaRPr>
+          </a:p>
+        </p:txBody>
+      </p:sp>
+      <p:sp>
+        <p:nvSpPr>
+          <p:cNvPr id="20" name="CasellaDiTesto 28">
+            <a:extLst>
+              <a:ext uri="{FF2B5EF4-FFF2-40B4-BE49-F238E27FC236}">
+                <a16:creationId xmlns:a16="http://schemas.microsoft.com/office/drawing/2014/main" id="{7A73D548-CDDE-4A7C-8065-03BFA923AEF2}"/>
+              </a:ext>
+            </a:extLst>
+          </p:cNvPr>
+          <p:cNvSpPr txBox="1"/>
+          <p:nvPr/>
+        </p:nvSpPr>
+        <p:spPr>
+          <a:xfrm>
+            <a:off x="7943760" y="5646884"/>
+            <a:ext cx="3087942" cy="400110"/>
+          </a:xfrm>
+          <a:prstGeom prst="rect">
+            <a:avLst/>
+          </a:prstGeom>
+          <a:noFill/>
+        </p:spPr>
+        <p:txBody>
+          <a:bodyPr wrap="square" rtlCol="0">
+            <a:spAutoFit/>
+          </a:bodyPr>
+          <a:lstStyle/>
+          <a:p>
+            <a:r>
+              <a:rPr lang="en-GB" sz="2000" dirty="0">
+                <a:latin typeface="Arial" panose="020B0604020202020204" pitchFamily="34" charset="0"/>
+                <a:cs typeface="Arial" panose="020B0604020202020204" pitchFamily="34" charset="0"/>
+              </a:rPr>
+              <a:t>2000 </a:t>
+            </a:r>
+            <a:r>
+              <a:rPr lang="en-GB" sz="2000" dirty="0" err="1">
+                <a:latin typeface="Arial" panose="020B0604020202020204" pitchFamily="34" charset="0"/>
+                <a:cs typeface="Arial" panose="020B0604020202020204" pitchFamily="34" charset="0"/>
+              </a:rPr>
+              <a:t>ms</a:t>
+            </a:r>
+            <a:r>
+              <a:rPr lang="en-GB" sz="2000" dirty="0">
+                <a:latin typeface="Arial" panose="020B0604020202020204" pitchFamily="34" charset="0"/>
+                <a:cs typeface="Arial" panose="020B0604020202020204" pitchFamily="34" charset="0"/>
+              </a:rPr>
+              <a:t> + random ISI </a:t>
+            </a:r>
+          </a:p>
+        </p:txBody>
+      </p:sp>
+      <p:cxnSp>
+        <p:nvCxnSpPr>
+          <p:cNvPr id="18" name="Connettore 2 32">
+            <a:extLst>
+              <a:ext uri="{FF2B5EF4-FFF2-40B4-BE49-F238E27FC236}">
+                <a16:creationId xmlns:a16="http://schemas.microsoft.com/office/drawing/2014/main" id="{F9E12B3F-CC39-455F-B354-E4E6D27D3914}"/>
+              </a:ext>
+            </a:extLst>
+          </p:cNvPr>
+          <p:cNvCxnSpPr>
+            <a:cxnSpLocks/>
+          </p:cNvCxnSpPr>
+          <p:nvPr/>
+        </p:nvCxnSpPr>
+        <p:spPr>
+          <a:xfrm>
+            <a:off x="2906961" y="2497863"/>
+            <a:ext cx="5347516" cy="4177975"/>
+          </a:xfrm>
+          <a:prstGeom prst="straightConnector1">
+            <a:avLst/>
+          </a:prstGeom>
+          <a:ln w="38100">
+            <a:solidFill>
+              <a:srgbClr val="FF0000"/>
+            </a:solidFill>
+            <a:tailEnd type="arrow"/>
+          </a:ln>
+        </p:spPr>
+        <p:style>
+          <a:lnRef idx="2">
+            <a:schemeClr val="dk1"/>
+          </a:lnRef>
+          <a:fillRef idx="0">
+            <a:schemeClr val="dk1"/>
+          </a:fillRef>
+          <a:effectRef idx="1">
+            <a:schemeClr val="dk1"/>
+          </a:effectRef>
+          <a:fontRef idx="minor">
+            <a:schemeClr val="tx1"/>
+          </a:fontRef>
+        </p:style>
+      </p:cxnSp>
+      <p:sp>
+        <p:nvSpPr>
+          <p:cNvPr id="23" name="CasellaDiTesto 28">
+            <a:extLst>
+              <a:ext uri="{FF2B5EF4-FFF2-40B4-BE49-F238E27FC236}">
+                <a16:creationId xmlns:a16="http://schemas.microsoft.com/office/drawing/2014/main" id="{98ACC3D0-6389-4BE4-967C-523492CB06B2}"/>
+              </a:ext>
+            </a:extLst>
+          </p:cNvPr>
+          <p:cNvSpPr txBox="1"/>
+          <p:nvPr/>
+        </p:nvSpPr>
+        <p:spPr>
+          <a:xfrm>
+            <a:off x="3948895" y="2819171"/>
+            <a:ext cx="1293558" cy="400110"/>
+          </a:xfrm>
+          <a:prstGeom prst="rect">
+            <a:avLst/>
+          </a:prstGeom>
+          <a:noFill/>
+        </p:spPr>
+        <p:txBody>
+          <a:bodyPr wrap="square" rtlCol="0">
+            <a:spAutoFit/>
+          </a:bodyPr>
+          <a:lstStyle/>
+          <a:p>
+            <a:r>
+              <a:rPr lang="en-GB" sz="2000" dirty="0">
+                <a:latin typeface="Arial" panose="020B0604020202020204" pitchFamily="34" charset="0"/>
+                <a:cs typeface="Arial" panose="020B0604020202020204" pitchFamily="34" charset="0"/>
+              </a:rPr>
+              <a:t>500 </a:t>
+            </a:r>
+            <a:r>
+              <a:rPr lang="en-GB" sz="2000" dirty="0" err="1">
+                <a:latin typeface="Arial" panose="020B0604020202020204" pitchFamily="34" charset="0"/>
+                <a:cs typeface="Arial" panose="020B0604020202020204" pitchFamily="34" charset="0"/>
+              </a:rPr>
+              <a:t>ms</a:t>
+            </a:r>
+            <a:endParaRPr lang="en-GB" sz="2000" dirty="0">
+              <a:latin typeface="Arial" panose="020B0604020202020204" pitchFamily="34" charset="0"/>
+              <a:cs typeface="Arial" panose="020B0604020202020204" pitchFamily="34" charset="0"/>
+            </a:endParaRPr>
+          </a:p>
+        </p:txBody>
+      </p:sp>
+      <p:sp>
+        <p:nvSpPr>
+          <p:cNvPr id="33" name="Rectangle: Rounded Corners 32">
+            <a:extLst>
+              <a:ext uri="{FF2B5EF4-FFF2-40B4-BE49-F238E27FC236}">
+                <a16:creationId xmlns:a16="http://schemas.microsoft.com/office/drawing/2014/main" id="{343DEA30-A365-4F48-93E2-E67175CF8E59}"/>
               </a:ext>
             </a:extLst>
           </p:cNvPr>
@@ -8603,7 +8596,7 @@
         </p:nvSpPr>
         <p:spPr>
           <a:xfrm>
-            <a:off x="5285031" y="2158244"/>
+            <a:off x="3338024" y="755791"/>
             <a:ext cx="2623794" cy="2013511"/>
           </a:xfrm>
           <a:prstGeom prst="roundRect">
@@ -8639,6 +8632,16 @@
           <a:lstStyle/>
           <a:p>
             <a:pPr algn="ctr"/>
+            <a:r>
+              <a:rPr lang="it-IT" sz="3200" dirty="0">
+                <a:solidFill>
+                  <a:schemeClr val="tx1"/>
+                </a:solidFill>
+                <a:latin typeface="Arial" panose="020B0604020202020204" pitchFamily="34" charset="0"/>
+                <a:cs typeface="Arial" panose="020B0604020202020204" pitchFamily="34" charset="0"/>
+              </a:rPr>
+              <a:t>+</a:t>
+            </a:r>
             <a:endParaRPr lang="en-GB" sz="3200" dirty="0">
               <a:solidFill>
                 <a:schemeClr val="tx1"/>
@@ -8699,16 +8702,6 @@
           <a:lstStyle/>
           <a:p>
             <a:pPr algn="ctr"/>
-            <a:r>
-              <a:rPr lang="it-IT" sz="3200" dirty="0">
-                <a:solidFill>
-                  <a:schemeClr val="tx1"/>
-                </a:solidFill>
-                <a:latin typeface="Arial" panose="020B0604020202020204" pitchFamily="34" charset="0"/>
-                <a:cs typeface="Arial" panose="020B0604020202020204" pitchFamily="34" charset="0"/>
-              </a:rPr>
-              <a:t>- - - -</a:t>
-            </a:r>
             <a:endParaRPr lang="en-GB" sz="3200" dirty="0">
               <a:solidFill>
                 <a:schemeClr val="tx1"/>
@@ -8721,706 +8714,6 @@
       </p:sp>
       <p:sp>
         <p:nvSpPr>
-          <p:cNvPr id="3" name="Oval 2">
-            <a:extLst>
-              <a:ext uri="{FF2B5EF4-FFF2-40B4-BE49-F238E27FC236}">
-                <a16:creationId xmlns:a16="http://schemas.microsoft.com/office/drawing/2014/main" id="{9B2B0901-12B3-43EF-9431-EE0ECD7F6EC2}"/>
-              </a:ext>
-            </a:extLst>
-          </p:cNvPr>
-          <p:cNvSpPr/>
-          <p:nvPr/>
-        </p:nvSpPr>
-        <p:spPr>
-          <a:xfrm>
-            <a:off x="6076350" y="2656288"/>
-            <a:ext cx="951704" cy="929395"/>
-          </a:xfrm>
-          <a:prstGeom prst="ellipse">
-            <a:avLst/>
-          </a:prstGeom>
-          <a:noFill/>
-          <a:ln w="38100">
-            <a:solidFill>
-              <a:schemeClr val="tx1"/>
-            </a:solidFill>
-          </a:ln>
-        </p:spPr>
-        <p:style>
-          <a:lnRef idx="2">
-            <a:schemeClr val="accent1">
-              <a:shade val="50000"/>
-            </a:schemeClr>
-          </a:lnRef>
-          <a:fillRef idx="1">
-            <a:schemeClr val="accent1"/>
-          </a:fillRef>
-          <a:effectRef idx="0">
-            <a:schemeClr val="accent1"/>
-          </a:effectRef>
-          <a:fontRef idx="minor">
-            <a:schemeClr val="lt1"/>
-          </a:fontRef>
-        </p:style>
-        <p:txBody>
-          <a:bodyPr rtlCol="0" anchor="ctr"/>
-          <a:lstStyle/>
-          <a:p>
-            <a:pPr algn="ctr"/>
-            <a:endParaRPr lang="en-GB"/>
-          </a:p>
-        </p:txBody>
-      </p:sp>
-      <p:sp>
-        <p:nvSpPr>
-          <p:cNvPr id="6" name="Oval 5">
-            <a:extLst>
-              <a:ext uri="{FF2B5EF4-FFF2-40B4-BE49-F238E27FC236}">
-                <a16:creationId xmlns:a16="http://schemas.microsoft.com/office/drawing/2014/main" id="{C127C3A1-A8FF-4394-B221-3A3E9E8A552B}"/>
-              </a:ext>
-            </a:extLst>
-          </p:cNvPr>
-          <p:cNvSpPr/>
-          <p:nvPr/>
-        </p:nvSpPr>
-        <p:spPr>
-          <a:xfrm>
-            <a:off x="6266702" y="2871329"/>
-            <a:ext cx="45719" cy="49941"/>
-          </a:xfrm>
-          <a:prstGeom prst="ellipse">
-            <a:avLst/>
-          </a:prstGeom>
-          <a:solidFill>
-            <a:schemeClr val="tx1"/>
-          </a:solidFill>
-          <a:ln>
-            <a:solidFill>
-              <a:schemeClr val="tx1"/>
-            </a:solidFill>
-          </a:ln>
-        </p:spPr>
-        <p:style>
-          <a:lnRef idx="2">
-            <a:schemeClr val="accent1">
-              <a:shade val="50000"/>
-            </a:schemeClr>
-          </a:lnRef>
-          <a:fillRef idx="1">
-            <a:schemeClr val="accent1"/>
-          </a:fillRef>
-          <a:effectRef idx="0">
-            <a:schemeClr val="accent1"/>
-          </a:effectRef>
-          <a:fontRef idx="minor">
-            <a:schemeClr val="lt1"/>
-          </a:fontRef>
-        </p:style>
-        <p:txBody>
-          <a:bodyPr rtlCol="0" anchor="ctr"/>
-          <a:lstStyle/>
-          <a:p>
-            <a:pPr algn="ctr"/>
-            <a:endParaRPr lang="en-GB"/>
-          </a:p>
-        </p:txBody>
-      </p:sp>
-      <p:sp>
-        <p:nvSpPr>
-          <p:cNvPr id="36" name="Oval 35">
-            <a:extLst>
-              <a:ext uri="{FF2B5EF4-FFF2-40B4-BE49-F238E27FC236}">
-                <a16:creationId xmlns:a16="http://schemas.microsoft.com/office/drawing/2014/main" id="{7AA1FEB1-C32E-41C1-ACF9-64A6CDC6A447}"/>
-              </a:ext>
-            </a:extLst>
-          </p:cNvPr>
-          <p:cNvSpPr/>
-          <p:nvPr/>
-        </p:nvSpPr>
-        <p:spPr>
-          <a:xfrm>
-            <a:off x="6453825" y="3019226"/>
-            <a:ext cx="45719" cy="49941"/>
-          </a:xfrm>
-          <a:prstGeom prst="ellipse">
-            <a:avLst/>
-          </a:prstGeom>
-          <a:solidFill>
-            <a:schemeClr val="tx1"/>
-          </a:solidFill>
-          <a:ln>
-            <a:solidFill>
-              <a:schemeClr val="tx1"/>
-            </a:solidFill>
-          </a:ln>
-        </p:spPr>
-        <p:style>
-          <a:lnRef idx="2">
-            <a:schemeClr val="accent1">
-              <a:shade val="50000"/>
-            </a:schemeClr>
-          </a:lnRef>
-          <a:fillRef idx="1">
-            <a:schemeClr val="accent1"/>
-          </a:fillRef>
-          <a:effectRef idx="0">
-            <a:schemeClr val="accent1"/>
-          </a:effectRef>
-          <a:fontRef idx="minor">
-            <a:schemeClr val="lt1"/>
-          </a:fontRef>
-        </p:style>
-        <p:txBody>
-          <a:bodyPr rtlCol="0" anchor="ctr"/>
-          <a:lstStyle/>
-          <a:p>
-            <a:pPr algn="ctr"/>
-            <a:endParaRPr lang="en-GB"/>
-          </a:p>
-        </p:txBody>
-      </p:sp>
-      <p:sp>
-        <p:nvSpPr>
-          <p:cNvPr id="37" name="Oval 36">
-            <a:extLst>
-              <a:ext uri="{FF2B5EF4-FFF2-40B4-BE49-F238E27FC236}">
-                <a16:creationId xmlns:a16="http://schemas.microsoft.com/office/drawing/2014/main" id="{99463C7B-F880-4523-8B1B-8DA3BB540FF4}"/>
-              </a:ext>
-            </a:extLst>
-          </p:cNvPr>
-          <p:cNvSpPr/>
-          <p:nvPr/>
-        </p:nvSpPr>
-        <p:spPr>
-          <a:xfrm>
-            <a:off x="6606225" y="3171626"/>
-            <a:ext cx="45719" cy="49941"/>
-          </a:xfrm>
-          <a:prstGeom prst="ellipse">
-            <a:avLst/>
-          </a:prstGeom>
-          <a:solidFill>
-            <a:schemeClr val="tx1"/>
-          </a:solidFill>
-          <a:ln>
-            <a:solidFill>
-              <a:schemeClr val="tx1"/>
-            </a:solidFill>
-          </a:ln>
-        </p:spPr>
-        <p:style>
-          <a:lnRef idx="2">
-            <a:schemeClr val="accent1">
-              <a:shade val="50000"/>
-            </a:schemeClr>
-          </a:lnRef>
-          <a:fillRef idx="1">
-            <a:schemeClr val="accent1"/>
-          </a:fillRef>
-          <a:effectRef idx="0">
-            <a:schemeClr val="accent1"/>
-          </a:effectRef>
-          <a:fontRef idx="minor">
-            <a:schemeClr val="lt1"/>
-          </a:fontRef>
-        </p:style>
-        <p:txBody>
-          <a:bodyPr rtlCol="0" anchor="ctr"/>
-          <a:lstStyle/>
-          <a:p>
-            <a:pPr algn="ctr"/>
-            <a:endParaRPr lang="en-GB"/>
-          </a:p>
-        </p:txBody>
-      </p:sp>
-      <p:sp>
-        <p:nvSpPr>
-          <p:cNvPr id="38" name="Oval 37">
-            <a:extLst>
-              <a:ext uri="{FF2B5EF4-FFF2-40B4-BE49-F238E27FC236}">
-                <a16:creationId xmlns:a16="http://schemas.microsoft.com/office/drawing/2014/main" id="{61F9D2D7-3F11-48B8-8846-297A21BCE7D6}"/>
-              </a:ext>
-            </a:extLst>
-          </p:cNvPr>
-          <p:cNvSpPr/>
-          <p:nvPr/>
-        </p:nvSpPr>
-        <p:spPr>
-          <a:xfrm>
-            <a:off x="6289562" y="3184832"/>
-            <a:ext cx="45719" cy="49941"/>
-          </a:xfrm>
-          <a:prstGeom prst="ellipse">
-            <a:avLst/>
-          </a:prstGeom>
-          <a:solidFill>
-            <a:schemeClr val="tx1"/>
-          </a:solidFill>
-          <a:ln>
-            <a:solidFill>
-              <a:schemeClr val="tx1"/>
-            </a:solidFill>
-          </a:ln>
-        </p:spPr>
-        <p:style>
-          <a:lnRef idx="2">
-            <a:schemeClr val="accent1">
-              <a:shade val="50000"/>
-            </a:schemeClr>
-          </a:lnRef>
-          <a:fillRef idx="1">
-            <a:schemeClr val="accent1"/>
-          </a:fillRef>
-          <a:effectRef idx="0">
-            <a:schemeClr val="accent1"/>
-          </a:effectRef>
-          <a:fontRef idx="minor">
-            <a:schemeClr val="lt1"/>
-          </a:fontRef>
-        </p:style>
-        <p:txBody>
-          <a:bodyPr rtlCol="0" anchor="ctr"/>
-          <a:lstStyle/>
-          <a:p>
-            <a:pPr algn="ctr"/>
-            <a:endParaRPr lang="en-GB"/>
-          </a:p>
-        </p:txBody>
-      </p:sp>
-      <p:sp>
-        <p:nvSpPr>
-          <p:cNvPr id="39" name="Oval 38">
-            <a:extLst>
-              <a:ext uri="{FF2B5EF4-FFF2-40B4-BE49-F238E27FC236}">
-                <a16:creationId xmlns:a16="http://schemas.microsoft.com/office/drawing/2014/main" id="{1FF08DD6-D21C-44AF-9778-7141CC089A02}"/>
-              </a:ext>
-            </a:extLst>
-          </p:cNvPr>
-          <p:cNvSpPr/>
-          <p:nvPr/>
-        </p:nvSpPr>
-        <p:spPr>
-          <a:xfrm>
-            <a:off x="6634161" y="2724767"/>
-            <a:ext cx="45719" cy="49941"/>
-          </a:xfrm>
-          <a:prstGeom prst="ellipse">
-            <a:avLst/>
-          </a:prstGeom>
-          <a:solidFill>
-            <a:schemeClr val="tx1"/>
-          </a:solidFill>
-          <a:ln>
-            <a:solidFill>
-              <a:schemeClr val="tx1"/>
-            </a:solidFill>
-          </a:ln>
-        </p:spPr>
-        <p:style>
-          <a:lnRef idx="2">
-            <a:schemeClr val="accent1">
-              <a:shade val="50000"/>
-            </a:schemeClr>
-          </a:lnRef>
-          <a:fillRef idx="1">
-            <a:schemeClr val="accent1"/>
-          </a:fillRef>
-          <a:effectRef idx="0">
-            <a:schemeClr val="accent1"/>
-          </a:effectRef>
-          <a:fontRef idx="minor">
-            <a:schemeClr val="lt1"/>
-          </a:fontRef>
-        </p:style>
-        <p:txBody>
-          <a:bodyPr rtlCol="0" anchor="ctr"/>
-          <a:lstStyle/>
-          <a:p>
-            <a:pPr algn="ctr"/>
-            <a:endParaRPr lang="en-GB"/>
-          </a:p>
-        </p:txBody>
-      </p:sp>
-      <p:sp>
-        <p:nvSpPr>
-          <p:cNvPr id="40" name="Oval 39">
-            <a:extLst>
-              <a:ext uri="{FF2B5EF4-FFF2-40B4-BE49-F238E27FC236}">
-                <a16:creationId xmlns:a16="http://schemas.microsoft.com/office/drawing/2014/main" id="{C266F565-9A51-4AB4-A235-8A0E728D9DB9}"/>
-              </a:ext>
-            </a:extLst>
-          </p:cNvPr>
-          <p:cNvSpPr/>
-          <p:nvPr/>
-        </p:nvSpPr>
-        <p:spPr>
-          <a:xfrm>
-            <a:off x="6786561" y="2877167"/>
-            <a:ext cx="45719" cy="49941"/>
-          </a:xfrm>
-          <a:prstGeom prst="ellipse">
-            <a:avLst/>
-          </a:prstGeom>
-          <a:solidFill>
-            <a:schemeClr val="tx1"/>
-          </a:solidFill>
-          <a:ln>
-            <a:solidFill>
-              <a:schemeClr val="tx1"/>
-            </a:solidFill>
-          </a:ln>
-        </p:spPr>
-        <p:style>
-          <a:lnRef idx="2">
-            <a:schemeClr val="accent1">
-              <a:shade val="50000"/>
-            </a:schemeClr>
-          </a:lnRef>
-          <a:fillRef idx="1">
-            <a:schemeClr val="accent1"/>
-          </a:fillRef>
-          <a:effectRef idx="0">
-            <a:schemeClr val="accent1"/>
-          </a:effectRef>
-          <a:fontRef idx="minor">
-            <a:schemeClr val="lt1"/>
-          </a:fontRef>
-        </p:style>
-        <p:txBody>
-          <a:bodyPr rtlCol="0" anchor="ctr"/>
-          <a:lstStyle/>
-          <a:p>
-            <a:pPr algn="ctr"/>
-            <a:endParaRPr lang="en-GB"/>
-          </a:p>
-        </p:txBody>
-      </p:sp>
-      <p:sp>
-        <p:nvSpPr>
-          <p:cNvPr id="41" name="Oval 40">
-            <a:extLst>
-              <a:ext uri="{FF2B5EF4-FFF2-40B4-BE49-F238E27FC236}">
-                <a16:creationId xmlns:a16="http://schemas.microsoft.com/office/drawing/2014/main" id="{BF037021-D5F5-4878-BAB1-D45FE2C19573}"/>
-              </a:ext>
-            </a:extLst>
-          </p:cNvPr>
-          <p:cNvSpPr/>
-          <p:nvPr/>
-        </p:nvSpPr>
-        <p:spPr>
-          <a:xfrm>
-            <a:off x="6476684" y="3404029"/>
-            <a:ext cx="45719" cy="49941"/>
-          </a:xfrm>
-          <a:prstGeom prst="ellipse">
-            <a:avLst/>
-          </a:prstGeom>
-          <a:solidFill>
-            <a:schemeClr val="tx1"/>
-          </a:solidFill>
-          <a:ln>
-            <a:solidFill>
-              <a:schemeClr val="tx1"/>
-            </a:solidFill>
-          </a:ln>
-        </p:spPr>
-        <p:style>
-          <a:lnRef idx="2">
-            <a:schemeClr val="accent1">
-              <a:shade val="50000"/>
-            </a:schemeClr>
-          </a:lnRef>
-          <a:fillRef idx="1">
-            <a:schemeClr val="accent1"/>
-          </a:fillRef>
-          <a:effectRef idx="0">
-            <a:schemeClr val="accent1"/>
-          </a:effectRef>
-          <a:fontRef idx="minor">
-            <a:schemeClr val="lt1"/>
-          </a:fontRef>
-        </p:style>
-        <p:txBody>
-          <a:bodyPr rtlCol="0" anchor="ctr"/>
-          <a:lstStyle/>
-          <a:p>
-            <a:pPr algn="ctr"/>
-            <a:endParaRPr lang="en-GB"/>
-          </a:p>
-        </p:txBody>
-      </p:sp>
-      <p:sp>
-        <p:nvSpPr>
-          <p:cNvPr id="42" name="Oval 41">
-            <a:extLst>
-              <a:ext uri="{FF2B5EF4-FFF2-40B4-BE49-F238E27FC236}">
-                <a16:creationId xmlns:a16="http://schemas.microsoft.com/office/drawing/2014/main" id="{5A11A5D1-5A51-4C34-A70C-C3D067241152}"/>
-              </a:ext>
-            </a:extLst>
-          </p:cNvPr>
-          <p:cNvSpPr/>
-          <p:nvPr/>
-        </p:nvSpPr>
-        <p:spPr>
-          <a:xfrm>
-            <a:off x="6814164" y="3071044"/>
-            <a:ext cx="45719" cy="49941"/>
-          </a:xfrm>
-          <a:prstGeom prst="ellipse">
-            <a:avLst/>
-          </a:prstGeom>
-          <a:solidFill>
-            <a:schemeClr val="tx1"/>
-          </a:solidFill>
-          <a:ln>
-            <a:solidFill>
-              <a:schemeClr val="tx1"/>
-            </a:solidFill>
-          </a:ln>
-        </p:spPr>
-        <p:style>
-          <a:lnRef idx="2">
-            <a:schemeClr val="accent1">
-              <a:shade val="50000"/>
-            </a:schemeClr>
-          </a:lnRef>
-          <a:fillRef idx="1">
-            <a:schemeClr val="accent1"/>
-          </a:fillRef>
-          <a:effectRef idx="0">
-            <a:schemeClr val="accent1"/>
-          </a:effectRef>
-          <a:fontRef idx="minor">
-            <a:schemeClr val="lt1"/>
-          </a:fontRef>
-        </p:style>
-        <p:txBody>
-          <a:bodyPr rtlCol="0" anchor="ctr"/>
-          <a:lstStyle/>
-          <a:p>
-            <a:pPr algn="ctr"/>
-            <a:endParaRPr lang="en-GB"/>
-          </a:p>
-        </p:txBody>
-      </p:sp>
-      <p:sp>
-        <p:nvSpPr>
-          <p:cNvPr id="43" name="Oval 42">
-            <a:extLst>
-              <a:ext uri="{FF2B5EF4-FFF2-40B4-BE49-F238E27FC236}">
-                <a16:creationId xmlns:a16="http://schemas.microsoft.com/office/drawing/2014/main" id="{A4798650-7919-4AA9-9F55-6413FBA41CE0}"/>
-              </a:ext>
-            </a:extLst>
-          </p:cNvPr>
-          <p:cNvSpPr/>
-          <p:nvPr/>
-        </p:nvSpPr>
-        <p:spPr>
-          <a:xfrm>
-            <a:off x="6140149" y="3146655"/>
-            <a:ext cx="45719" cy="49941"/>
-          </a:xfrm>
-          <a:prstGeom prst="ellipse">
-            <a:avLst/>
-          </a:prstGeom>
-          <a:solidFill>
-            <a:schemeClr val="tx1"/>
-          </a:solidFill>
-          <a:ln>
-            <a:solidFill>
-              <a:schemeClr val="tx1"/>
-            </a:solidFill>
-          </a:ln>
-        </p:spPr>
-        <p:style>
-          <a:lnRef idx="2">
-            <a:schemeClr val="accent1">
-              <a:shade val="50000"/>
-            </a:schemeClr>
-          </a:lnRef>
-          <a:fillRef idx="1">
-            <a:schemeClr val="accent1"/>
-          </a:fillRef>
-          <a:effectRef idx="0">
-            <a:schemeClr val="accent1"/>
-          </a:effectRef>
-          <a:fontRef idx="minor">
-            <a:schemeClr val="lt1"/>
-          </a:fontRef>
-        </p:style>
-        <p:txBody>
-          <a:bodyPr rtlCol="0" anchor="ctr"/>
-          <a:lstStyle/>
-          <a:p>
-            <a:pPr algn="ctr"/>
-            <a:endParaRPr lang="en-GB"/>
-          </a:p>
-        </p:txBody>
-      </p:sp>
-      <p:sp>
-        <p:nvSpPr>
-          <p:cNvPr id="44" name="Oval 43">
-            <a:extLst>
-              <a:ext uri="{FF2B5EF4-FFF2-40B4-BE49-F238E27FC236}">
-                <a16:creationId xmlns:a16="http://schemas.microsoft.com/office/drawing/2014/main" id="{3B7088EB-BA6C-4AA9-BE17-22D4C122D30E}"/>
-              </a:ext>
-            </a:extLst>
-          </p:cNvPr>
-          <p:cNvSpPr/>
-          <p:nvPr/>
-        </p:nvSpPr>
-        <p:spPr>
-          <a:xfrm>
-            <a:off x="6715761" y="3379058"/>
-            <a:ext cx="45719" cy="49941"/>
-          </a:xfrm>
-          <a:prstGeom prst="ellipse">
-            <a:avLst/>
-          </a:prstGeom>
-          <a:solidFill>
-            <a:schemeClr val="tx1"/>
-          </a:solidFill>
-          <a:ln>
-            <a:solidFill>
-              <a:schemeClr val="tx1"/>
-            </a:solidFill>
-          </a:ln>
-        </p:spPr>
-        <p:style>
-          <a:lnRef idx="2">
-            <a:schemeClr val="accent1">
-              <a:shade val="50000"/>
-            </a:schemeClr>
-          </a:lnRef>
-          <a:fillRef idx="1">
-            <a:schemeClr val="accent1"/>
-          </a:fillRef>
-          <a:effectRef idx="0">
-            <a:schemeClr val="accent1"/>
-          </a:effectRef>
-          <a:fontRef idx="minor">
-            <a:schemeClr val="lt1"/>
-          </a:fontRef>
-        </p:style>
-        <p:txBody>
-          <a:bodyPr rtlCol="0" anchor="ctr"/>
-          <a:lstStyle/>
-          <a:p>
-            <a:pPr algn="ctr"/>
-            <a:endParaRPr lang="en-GB"/>
-          </a:p>
-        </p:txBody>
-      </p:sp>
-      <p:sp>
-        <p:nvSpPr>
-          <p:cNvPr id="47" name="Oval 46">
-            <a:extLst>
-              <a:ext uri="{FF2B5EF4-FFF2-40B4-BE49-F238E27FC236}">
-                <a16:creationId xmlns:a16="http://schemas.microsoft.com/office/drawing/2014/main" id="{7D5000F0-C9AD-46D2-84F6-BF92AD1AC5EF}"/>
-              </a:ext>
-            </a:extLst>
-          </p:cNvPr>
-          <p:cNvSpPr/>
-          <p:nvPr/>
-        </p:nvSpPr>
-        <p:spPr>
-          <a:xfrm>
-            <a:off x="6499543" y="2795732"/>
-            <a:ext cx="45719" cy="49941"/>
-          </a:xfrm>
-          <a:prstGeom prst="ellipse">
-            <a:avLst/>
-          </a:prstGeom>
-          <a:solidFill>
-            <a:schemeClr val="tx1"/>
-          </a:solidFill>
-          <a:ln>
-            <a:solidFill>
-              <a:schemeClr val="tx1"/>
-            </a:solidFill>
-          </a:ln>
-        </p:spPr>
-        <p:style>
-          <a:lnRef idx="2">
-            <a:schemeClr val="accent1">
-              <a:shade val="50000"/>
-            </a:schemeClr>
-          </a:lnRef>
-          <a:fillRef idx="1">
-            <a:schemeClr val="accent1"/>
-          </a:fillRef>
-          <a:effectRef idx="0">
-            <a:schemeClr val="accent1"/>
-          </a:effectRef>
-          <a:fontRef idx="minor">
-            <a:schemeClr val="lt1"/>
-          </a:fontRef>
-        </p:style>
-        <p:txBody>
-          <a:bodyPr rtlCol="0" anchor="ctr"/>
-          <a:lstStyle/>
-          <a:p>
-            <a:pPr algn="ctr"/>
-            <a:endParaRPr lang="en-GB"/>
-          </a:p>
-        </p:txBody>
-      </p:sp>
-      <p:sp>
-        <p:nvSpPr>
-          <p:cNvPr id="48" name="Oval 47">
-            <a:extLst>
-              <a:ext uri="{FF2B5EF4-FFF2-40B4-BE49-F238E27FC236}">
-                <a16:creationId xmlns:a16="http://schemas.microsoft.com/office/drawing/2014/main" id="{6D42F01E-E1ED-4661-9E6E-A8B1A7CC9FB2}"/>
-              </a:ext>
-            </a:extLst>
-          </p:cNvPr>
-          <p:cNvSpPr/>
-          <p:nvPr/>
-        </p:nvSpPr>
-        <p:spPr>
-          <a:xfrm>
-            <a:off x="6208705" y="3044532"/>
-            <a:ext cx="45719" cy="49941"/>
-          </a:xfrm>
-          <a:prstGeom prst="ellipse">
-            <a:avLst/>
-          </a:prstGeom>
-          <a:solidFill>
-            <a:schemeClr val="tx1"/>
-          </a:solidFill>
-          <a:ln>
-            <a:solidFill>
-              <a:schemeClr val="tx1"/>
-            </a:solidFill>
-          </a:ln>
-        </p:spPr>
-        <p:style>
-          <a:lnRef idx="2">
-            <a:schemeClr val="accent1">
-              <a:shade val="50000"/>
-            </a:schemeClr>
-          </a:lnRef>
-          <a:fillRef idx="1">
-            <a:schemeClr val="accent1"/>
-          </a:fillRef>
-          <a:effectRef idx="0">
-            <a:schemeClr val="accent1"/>
-          </a:effectRef>
-          <a:fontRef idx="minor">
-            <a:schemeClr val="lt1"/>
-          </a:fontRef>
-        </p:style>
-        <p:txBody>
-          <a:bodyPr rtlCol="0" anchor="ctr"/>
-          <a:lstStyle/>
-          <a:p>
-            <a:pPr algn="ctr"/>
-            <a:endParaRPr lang="en-GB"/>
-          </a:p>
-        </p:txBody>
-      </p:sp>
-      <p:sp>
-        <p:nvSpPr>
           <p:cNvPr id="51" name="TextBox 50">
             <a:extLst>
               <a:ext uri="{FF2B5EF4-FFF2-40B4-BE49-F238E27FC236}">
@@ -9433,8 +8726,8 @@
         </p:nvSpPr>
         <p:spPr>
           <a:xfrm>
-            <a:off x="6362574" y="1037862"/>
-            <a:ext cx="3783806" cy="461665"/>
+            <a:off x="6266702" y="1296385"/>
+            <a:ext cx="6857999" cy="707886"/>
           </a:xfrm>
           <a:prstGeom prst="rect">
             <a:avLst/>
@@ -9448,33 +8741,251 @@
           <a:lstStyle/>
           <a:p>
             <a:r>
-              <a:rPr lang="it-IT" sz="2400" i="1" dirty="0">
-                <a:latin typeface="Arial" panose="020B0604020202020204" pitchFamily="34" charset="0"/>
-                <a:cs typeface="Arial" panose="020B0604020202020204" pitchFamily="34" charset="0"/>
-              </a:rPr>
-              <a:t>«How </a:t>
-            </a:r>
-            <a:r>
-              <a:rPr lang="it-IT" sz="2400" i="1" dirty="0" err="1">
-                <a:latin typeface="Arial" panose="020B0604020202020204" pitchFamily="34" charset="0"/>
-                <a:cs typeface="Arial" panose="020B0604020202020204" pitchFamily="34" charset="0"/>
-              </a:rPr>
-              <a:t>many</a:t>
-            </a:r>
-            <a:r>
-              <a:rPr lang="it-IT" sz="2400" i="1" dirty="0">
-                <a:latin typeface="Arial" panose="020B0604020202020204" pitchFamily="34" charset="0"/>
-                <a:cs typeface="Arial" panose="020B0604020202020204" pitchFamily="34" charset="0"/>
-              </a:rPr>
-              <a:t> dots?»</a:t>
-            </a:r>
-            <a:endParaRPr lang="en-GB" sz="2400" i="1" dirty="0">
+              <a:rPr lang="it-IT" sz="2000" i="1" dirty="0">
+                <a:latin typeface="Arial" panose="020B0604020202020204" pitchFamily="34" charset="0"/>
+                <a:cs typeface="Arial" panose="020B0604020202020204" pitchFamily="34" charset="0"/>
+              </a:rPr>
+              <a:t>«</a:t>
+            </a:r>
+            <a:r>
+              <a:rPr lang="it-IT" sz="2000" i="1" dirty="0" err="1">
+                <a:latin typeface="Arial" panose="020B0604020202020204" pitchFamily="34" charset="0"/>
+                <a:cs typeface="Arial" panose="020B0604020202020204" pitchFamily="34" charset="0"/>
+              </a:rPr>
+              <a:t>If</a:t>
+            </a:r>
+            <a:r>
+              <a:rPr lang="it-IT" sz="2000" i="1" dirty="0">
+                <a:latin typeface="Arial" panose="020B0604020202020204" pitchFamily="34" charset="0"/>
+                <a:cs typeface="Arial" panose="020B0604020202020204" pitchFamily="34" charset="0"/>
+              </a:rPr>
+              <a:t> the dots </a:t>
+            </a:r>
+            <a:r>
+              <a:rPr lang="it-IT" sz="2000" i="1" dirty="0" err="1">
+                <a:latin typeface="Arial" panose="020B0604020202020204" pitchFamily="34" charset="0"/>
+                <a:cs typeface="Arial" panose="020B0604020202020204" pitchFamily="34" charset="0"/>
+              </a:rPr>
+              <a:t>move</a:t>
+            </a:r>
+            <a:r>
+              <a:rPr lang="it-IT" sz="2000" i="1" dirty="0">
+                <a:latin typeface="Arial" panose="020B0604020202020204" pitchFamily="34" charset="0"/>
+                <a:cs typeface="Arial" panose="020B0604020202020204" pitchFamily="34" charset="0"/>
+              </a:rPr>
+              <a:t> </a:t>
+            </a:r>
+            <a:r>
+              <a:rPr lang="it-IT" sz="2000" i="1" dirty="0" err="1">
+                <a:latin typeface="Arial" panose="020B0604020202020204" pitchFamily="34" charset="0"/>
+                <a:cs typeface="Arial" panose="020B0604020202020204" pitchFamily="34" charset="0"/>
+              </a:rPr>
+              <a:t>left</a:t>
+            </a:r>
+            <a:r>
+              <a:rPr lang="it-IT" sz="2000" i="1" dirty="0">
+                <a:latin typeface="Arial" panose="020B0604020202020204" pitchFamily="34" charset="0"/>
+                <a:cs typeface="Arial" panose="020B0604020202020204" pitchFamily="34" charset="0"/>
+              </a:rPr>
+              <a:t> press the </a:t>
+            </a:r>
+            <a:r>
+              <a:rPr lang="it-IT" sz="2000" i="1" dirty="0" err="1">
+                <a:latin typeface="Arial" panose="020B0604020202020204" pitchFamily="34" charset="0"/>
+                <a:cs typeface="Arial" panose="020B0604020202020204" pitchFamily="34" charset="0"/>
+              </a:rPr>
+              <a:t>left</a:t>
+            </a:r>
+            <a:r>
+              <a:rPr lang="it-IT" sz="2000" i="1" dirty="0">
+                <a:latin typeface="Arial" panose="020B0604020202020204" pitchFamily="34" charset="0"/>
+                <a:cs typeface="Arial" panose="020B0604020202020204" pitchFamily="34" charset="0"/>
+              </a:rPr>
+              <a:t> </a:t>
+            </a:r>
+            <a:r>
+              <a:rPr lang="it-IT" sz="2000" i="1" dirty="0" err="1">
+                <a:latin typeface="Arial" panose="020B0604020202020204" pitchFamily="34" charset="0"/>
+                <a:cs typeface="Arial" panose="020B0604020202020204" pitchFamily="34" charset="0"/>
+              </a:rPr>
+              <a:t>arrow</a:t>
+            </a:r>
+            <a:r>
+              <a:rPr lang="it-IT" sz="2000" i="1" dirty="0">
+                <a:latin typeface="Arial" panose="020B0604020202020204" pitchFamily="34" charset="0"/>
+                <a:cs typeface="Arial" panose="020B0604020202020204" pitchFamily="34" charset="0"/>
+              </a:rPr>
+              <a:t> key </a:t>
+            </a:r>
+          </a:p>
+          <a:p>
+            <a:r>
+              <a:rPr lang="it-IT" sz="2000" i="1" dirty="0" err="1">
+                <a:latin typeface="Arial" panose="020B0604020202020204" pitchFamily="34" charset="0"/>
+                <a:cs typeface="Arial" panose="020B0604020202020204" pitchFamily="34" charset="0"/>
+              </a:rPr>
+              <a:t>if</a:t>
+            </a:r>
+            <a:r>
+              <a:rPr lang="it-IT" sz="2000" i="1" dirty="0">
+                <a:latin typeface="Arial" panose="020B0604020202020204" pitchFamily="34" charset="0"/>
+                <a:cs typeface="Arial" panose="020B0604020202020204" pitchFamily="34" charset="0"/>
+              </a:rPr>
+              <a:t> the dots </a:t>
+            </a:r>
+            <a:r>
+              <a:rPr lang="it-IT" sz="2000" i="1" dirty="0" err="1">
+                <a:latin typeface="Arial" panose="020B0604020202020204" pitchFamily="34" charset="0"/>
+                <a:cs typeface="Arial" panose="020B0604020202020204" pitchFamily="34" charset="0"/>
+              </a:rPr>
+              <a:t>move</a:t>
+            </a:r>
+            <a:r>
+              <a:rPr lang="it-IT" sz="2000" i="1" dirty="0">
+                <a:latin typeface="Arial" panose="020B0604020202020204" pitchFamily="34" charset="0"/>
+                <a:cs typeface="Arial" panose="020B0604020202020204" pitchFamily="34" charset="0"/>
+              </a:rPr>
+              <a:t> </a:t>
+            </a:r>
+            <a:r>
+              <a:rPr lang="it-IT" sz="2000" i="1" dirty="0" err="1">
+                <a:latin typeface="Arial" panose="020B0604020202020204" pitchFamily="34" charset="0"/>
+                <a:cs typeface="Arial" panose="020B0604020202020204" pitchFamily="34" charset="0"/>
+              </a:rPr>
+              <a:t>right</a:t>
+            </a:r>
+            <a:r>
+              <a:rPr lang="it-IT" sz="2000" i="1" dirty="0">
+                <a:latin typeface="Arial" panose="020B0604020202020204" pitchFamily="34" charset="0"/>
+                <a:cs typeface="Arial" panose="020B0604020202020204" pitchFamily="34" charset="0"/>
+              </a:rPr>
+              <a:t> press the </a:t>
+            </a:r>
+            <a:r>
+              <a:rPr lang="it-IT" sz="2000" i="1" dirty="0" err="1">
+                <a:latin typeface="Arial" panose="020B0604020202020204" pitchFamily="34" charset="0"/>
+                <a:cs typeface="Arial" panose="020B0604020202020204" pitchFamily="34" charset="0"/>
+              </a:rPr>
+              <a:t>right</a:t>
+            </a:r>
+            <a:r>
+              <a:rPr lang="it-IT" sz="2000" i="1" dirty="0">
+                <a:latin typeface="Arial" panose="020B0604020202020204" pitchFamily="34" charset="0"/>
+                <a:cs typeface="Arial" panose="020B0604020202020204" pitchFamily="34" charset="0"/>
+              </a:rPr>
+              <a:t> </a:t>
+            </a:r>
+            <a:r>
+              <a:rPr lang="it-IT" sz="2000" i="1" dirty="0" err="1">
+                <a:latin typeface="Arial" panose="020B0604020202020204" pitchFamily="34" charset="0"/>
+                <a:cs typeface="Arial" panose="020B0604020202020204" pitchFamily="34" charset="0"/>
+              </a:rPr>
+              <a:t>arrow</a:t>
+            </a:r>
+            <a:r>
+              <a:rPr lang="it-IT" sz="2000" i="1" dirty="0">
+                <a:latin typeface="Arial" panose="020B0604020202020204" pitchFamily="34" charset="0"/>
+                <a:cs typeface="Arial" panose="020B0604020202020204" pitchFamily="34" charset="0"/>
+              </a:rPr>
+              <a:t> key.»</a:t>
+            </a:r>
+            <a:endParaRPr lang="en-GB" sz="2000" i="1" dirty="0">
               <a:latin typeface="Arial" panose="020B0604020202020204" pitchFamily="34" charset="0"/>
               <a:cs typeface="Arial" panose="020B0604020202020204" pitchFamily="34" charset="0"/>
             </a:endParaRPr>
           </a:p>
         </p:txBody>
       </p:sp>
+      <p:pic>
+        <p:nvPicPr>
+          <p:cNvPr id="5" name="Picture 4">
+            <a:extLst>
+              <a:ext uri="{FF2B5EF4-FFF2-40B4-BE49-F238E27FC236}">
+                <a16:creationId xmlns:a16="http://schemas.microsoft.com/office/drawing/2014/main" id="{142C7B63-3B27-463A-936D-331650E4BFDB}"/>
+              </a:ext>
+            </a:extLst>
+          </p:cNvPr>
+          <p:cNvPicPr>
+            <a:picLocks noChangeAspect="1"/>
+          </p:cNvPicPr>
+          <p:nvPr/>
+        </p:nvPicPr>
+        <p:blipFill>
+          <a:blip r:embed="rId2"/>
+          <a:stretch>
+            <a:fillRect/>
+          </a:stretch>
+        </p:blipFill>
+        <p:spPr>
+          <a:xfrm>
+            <a:off x="5976301" y="2523875"/>
+            <a:ext cx="1327232" cy="1231810"/>
+          </a:xfrm>
+          <a:prstGeom prst="rect">
+            <a:avLst/>
+          </a:prstGeom>
+        </p:spPr>
+      </p:pic>
+      <p:pic>
+        <p:nvPicPr>
+          <p:cNvPr id="7" name="Picture 6">
+            <a:extLst>
+              <a:ext uri="{FF2B5EF4-FFF2-40B4-BE49-F238E27FC236}">
+                <a16:creationId xmlns:a16="http://schemas.microsoft.com/office/drawing/2014/main" id="{5D443BD7-C3D5-436F-958D-F3A442B0C084}"/>
+              </a:ext>
+            </a:extLst>
+          </p:cNvPr>
+          <p:cNvPicPr>
+            <a:picLocks noChangeAspect="1"/>
+          </p:cNvPicPr>
+          <p:nvPr/>
+        </p:nvPicPr>
+        <p:blipFill>
+          <a:blip r:embed="rId3"/>
+          <a:stretch>
+            <a:fillRect/>
+          </a:stretch>
+        </p:blipFill>
+        <p:spPr>
+          <a:xfrm>
+            <a:off x="7609234" y="4186741"/>
+            <a:ext cx="874696" cy="874696"/>
+          </a:xfrm>
+          <a:prstGeom prst="rect">
+            <a:avLst/>
+          </a:prstGeom>
+        </p:spPr>
+      </p:pic>
+      <p:pic>
+        <p:nvPicPr>
+          <p:cNvPr id="29" name="Picture 28">
+            <a:extLst>
+              <a:ext uri="{FF2B5EF4-FFF2-40B4-BE49-F238E27FC236}">
+                <a16:creationId xmlns:a16="http://schemas.microsoft.com/office/drawing/2014/main" id="{F0BD3C08-577D-49FE-A051-BAEBFE1E1256}"/>
+              </a:ext>
+            </a:extLst>
+          </p:cNvPr>
+          <p:cNvPicPr>
+            <a:picLocks noChangeAspect="1"/>
+          </p:cNvPicPr>
+          <p:nvPr/>
+        </p:nvPicPr>
+        <p:blipFill>
+          <a:blip r:embed="rId3"/>
+          <a:stretch>
+            <a:fillRect/>
+          </a:stretch>
+        </p:blipFill>
+        <p:spPr>
+          <a:xfrm rot="10800000">
+            <a:off x="8741683" y="4202780"/>
+            <a:ext cx="874696" cy="874696"/>
+          </a:xfrm>
+          <a:prstGeom prst="rect">
+            <a:avLst/>
+          </a:prstGeom>
+        </p:spPr>
+      </p:pic>
     </p:spTree>
     <p:extLst>
       <p:ext uri="{BB962C8B-B14F-4D97-AF65-F5344CB8AC3E}">

--- a/exp1/script/testing/timelineTesting.pptx
+++ b/exp1/script/testing/timelineTesting.pptx
@@ -4684,7 +4684,7 @@
                 <a:latin typeface="Arial" panose="020B0604020202020204" pitchFamily="34" charset="0"/>
                 <a:cs typeface="Arial" panose="020B0604020202020204" pitchFamily="34" charset="0"/>
               </a:rPr>
-              <a:t>High frequency exemplars</a:t>
+              <a:t>Low frequency exemplars</a:t>
             </a:r>
             <a:endParaRPr lang="en-GB" sz="3200" dirty="0">
               <a:latin typeface="Arial" panose="020B0604020202020204" pitchFamily="34" charset="0"/>
@@ -6491,11 +6491,18 @@
           <a:p>
             <a:pPr algn="ctr"/>
             <a:r>
+              <a:rPr lang="en-GB" sz="2400">
+                <a:latin typeface="Arial" panose="020B0604020202020204" pitchFamily="34" charset="0"/>
+                <a:cs typeface="Arial" panose="020B0604020202020204" pitchFamily="34" charset="0"/>
+              </a:rPr>
+              <a:t>High </a:t>
+            </a:r>
+            <a:r>
               <a:rPr lang="en-GB" sz="2400" dirty="0">
                 <a:latin typeface="Arial" panose="020B0604020202020204" pitchFamily="34" charset="0"/>
                 <a:cs typeface="Arial" panose="020B0604020202020204" pitchFamily="34" charset="0"/>
               </a:rPr>
-              <a:t>Low frequency exemplars</a:t>
+              <a:t>frequency exemplars</a:t>
             </a:r>
             <a:endParaRPr lang="en-GB" sz="3200" dirty="0">
               <a:latin typeface="Arial" panose="020B0604020202020204" pitchFamily="34" charset="0"/>

--- a/exp1/script/testing/timelineTesting.pptx
+++ b/exp1/script/testing/timelineTesting.pptx
@@ -4276,8 +4276,8 @@
         </p:nvSpPr>
         <p:spPr>
           <a:xfrm>
-            <a:off x="7350627" y="3494325"/>
-            <a:ext cx="696772" cy="400110"/>
+            <a:off x="7309531" y="3494325"/>
+            <a:ext cx="812654" cy="400110"/>
           </a:xfrm>
           <a:prstGeom prst="rect">
             <a:avLst/>
@@ -4295,7 +4295,7 @@
                 <a:latin typeface="Arial" panose="020B0604020202020204" pitchFamily="34" charset="0"/>
                 <a:cs typeface="Arial" panose="020B0604020202020204" pitchFamily="34" charset="0"/>
               </a:rPr>
-              <a:t>+10</a:t>
+              <a:t>+100</a:t>
             </a:r>
             <a:endParaRPr lang="en-GB" sz="2000" dirty="0">
               <a:latin typeface="Arial" panose="020B0604020202020204" pitchFamily="34" charset="0"/>
@@ -4337,7 +4337,7 @@
                 <a:latin typeface="Arial" panose="020B0604020202020204" pitchFamily="34" charset="0"/>
                 <a:cs typeface="Arial" panose="020B0604020202020204" pitchFamily="34" charset="0"/>
               </a:rPr>
-              <a:t>-10</a:t>
+              <a:t>-100</a:t>
             </a:r>
             <a:endParaRPr lang="en-GB" sz="2000" dirty="0">
               <a:latin typeface="Arial" panose="020B0604020202020204" pitchFamily="34" charset="0"/>
@@ -4503,28 +4503,28 @@
                 <a:latin typeface="Arial" panose="020B0604020202020204" pitchFamily="34" charset="0"/>
                 <a:cs typeface="Arial" panose="020B0604020202020204" pitchFamily="34" charset="0"/>
               </a:rPr>
-              <a:t>«How </a:t>
+              <a:t>«To </a:t>
             </a:r>
             <a:r>
               <a:rPr lang="it-IT" sz="2800" i="1" dirty="0" err="1">
                 <a:latin typeface="Arial" panose="020B0604020202020204" pitchFamily="34" charset="0"/>
                 <a:cs typeface="Arial" panose="020B0604020202020204" pitchFamily="34" charset="0"/>
               </a:rPr>
-              <a:t>well</a:t>
+              <a:t>what</a:t>
             </a:r>
             <a:r>
               <a:rPr lang="it-IT" sz="2800" i="1" dirty="0">
                 <a:latin typeface="Arial" panose="020B0604020202020204" pitchFamily="34" charset="0"/>
                 <a:cs typeface="Arial" panose="020B0604020202020204" pitchFamily="34" charset="0"/>
               </a:rPr>
-              <a:t> do </a:t>
+              <a:t> </a:t>
             </a:r>
             <a:r>
               <a:rPr lang="it-IT" sz="2800" i="1" dirty="0" err="1">
                 <a:latin typeface="Arial" panose="020B0604020202020204" pitchFamily="34" charset="0"/>
                 <a:cs typeface="Arial" panose="020B0604020202020204" pitchFamily="34" charset="0"/>
               </a:rPr>
-              <a:t>you</a:t>
+              <a:t>extent</a:t>
             </a:r>
             <a:r>
               <a:rPr lang="it-IT" sz="2800" i="1" dirty="0">
@@ -4534,67 +4534,11 @@
               <a:t> </a:t>
             </a:r>
             <a:r>
-              <a:rPr lang="it-IT" sz="2800" i="1" dirty="0" err="1">
-                <a:latin typeface="Arial" panose="020B0604020202020204" pitchFamily="34" charset="0"/>
-                <a:cs typeface="Arial" panose="020B0604020202020204" pitchFamily="34" charset="0"/>
-              </a:rPr>
-              <a:t>think</a:t>
-            </a:r>
-            <a:r>
-              <a:rPr lang="it-IT" sz="2800" i="1" dirty="0">
-                <a:latin typeface="Arial" panose="020B0604020202020204" pitchFamily="34" charset="0"/>
-                <a:cs typeface="Arial" panose="020B0604020202020204" pitchFamily="34" charset="0"/>
-              </a:rPr>
-              <a:t> </a:t>
-            </a:r>
-            <a:r>
-              <a:rPr lang="it-IT" sz="2800" i="1" dirty="0" err="1">
-                <a:latin typeface="Arial" panose="020B0604020202020204" pitchFamily="34" charset="0"/>
-                <a:cs typeface="Arial" panose="020B0604020202020204" pitchFamily="34" charset="0"/>
-              </a:rPr>
-              <a:t>this</a:t>
-            </a:r>
-            <a:r>
-              <a:rPr lang="it-IT" sz="2800" i="1" dirty="0">
-                <a:latin typeface="Arial" panose="020B0604020202020204" pitchFamily="34" charset="0"/>
-                <a:cs typeface="Arial" panose="020B0604020202020204" pitchFamily="34" charset="0"/>
-              </a:rPr>
-              <a:t> label </a:t>
-            </a:r>
-            <a:r>
-              <a:rPr lang="it-IT" sz="2800" i="1" dirty="0" err="1">
-                <a:latin typeface="Arial" panose="020B0604020202020204" pitchFamily="34" charset="0"/>
-                <a:cs typeface="Arial" panose="020B0604020202020204" pitchFamily="34" charset="0"/>
-              </a:rPr>
-              <a:t>goes</a:t>
-            </a:r>
-            <a:r>
-              <a:rPr lang="it-IT" sz="2800" i="1" dirty="0">
-                <a:latin typeface="Arial" panose="020B0604020202020204" pitchFamily="34" charset="0"/>
-                <a:cs typeface="Arial" panose="020B0604020202020204" pitchFamily="34" charset="0"/>
-              </a:rPr>
-              <a:t> with </a:t>
-            </a:r>
-            <a:r>
-              <a:rPr lang="it-IT" sz="2800" i="1" dirty="0" err="1">
-                <a:latin typeface="Arial" panose="020B0604020202020204" pitchFamily="34" charset="0"/>
-                <a:cs typeface="Arial" panose="020B0604020202020204" pitchFamily="34" charset="0"/>
-              </a:rPr>
-              <a:t>this</a:t>
-            </a:r>
-            <a:r>
-              <a:rPr lang="it-IT" sz="2800" i="1" dirty="0">
-                <a:latin typeface="Arial" panose="020B0604020202020204" pitchFamily="34" charset="0"/>
-                <a:cs typeface="Arial" panose="020B0604020202020204" pitchFamily="34" charset="0"/>
-              </a:rPr>
-              <a:t> </a:t>
-            </a:r>
-            <a:r>
-              <a:rPr lang="it-IT" sz="2800" i="1" dirty="0" err="1">
-                <a:latin typeface="Arial" panose="020B0604020202020204" pitchFamily="34" charset="0"/>
-                <a:cs typeface="Arial" panose="020B0604020202020204" pitchFamily="34" charset="0"/>
-              </a:rPr>
-              <a:t>fribble</a:t>
+              <a:rPr lang="en-GB" sz="2800" i="1" dirty="0">
+                <a:latin typeface="Arial" panose="020B0604020202020204" pitchFamily="34" charset="0"/>
+                <a:cs typeface="Arial" panose="020B0604020202020204" pitchFamily="34" charset="0"/>
+              </a:rPr>
+              <a:t>this label is correct for this alien?</a:t>
             </a:r>
             <a:r>
               <a:rPr lang="it-IT" sz="2800" i="1" dirty="0">
@@ -4607,6 +4551,74 @@
               <a:latin typeface="Arial" panose="020B0604020202020204" pitchFamily="34" charset="0"/>
               <a:cs typeface="Arial" panose="020B0604020202020204" pitchFamily="34" charset="0"/>
             </a:endParaRPr>
+          </a:p>
+        </p:txBody>
+      </p:sp>
+      <p:sp>
+        <p:nvSpPr>
+          <p:cNvPr id="3" name="TextBox 2">
+            <a:extLst>
+              <a:ext uri="{FF2B5EF4-FFF2-40B4-BE49-F238E27FC236}">
+                <a16:creationId xmlns:a16="http://schemas.microsoft.com/office/drawing/2014/main" id="{DE2E89AB-88AF-499F-AF3F-A2FF6E59E891}"/>
+              </a:ext>
+            </a:extLst>
+          </p:cNvPr>
+          <p:cNvSpPr txBox="1"/>
+          <p:nvPr/>
+        </p:nvSpPr>
+        <p:spPr>
+          <a:xfrm>
+            <a:off x="8454746" y="2746783"/>
+            <a:ext cx="3361638" cy="1477328"/>
+          </a:xfrm>
+          <a:prstGeom prst="rect">
+            <a:avLst/>
+          </a:prstGeom>
+          <a:noFill/>
+        </p:spPr>
+        <p:txBody>
+          <a:bodyPr wrap="square" rtlCol="0">
+            <a:spAutoFit/>
+          </a:bodyPr>
+          <a:lstStyle/>
+          <a:p>
+            <a:r>
+              <a:rPr lang="en-US" dirty="0">
+                <a:latin typeface="Arial" panose="020B0604020202020204" pitchFamily="34" charset="0"/>
+                <a:cs typeface="Arial" panose="020B0604020202020204" pitchFamily="34" charset="0"/>
+              </a:rPr>
+              <a:t>+100: It’s the correct label</a:t>
+            </a:r>
+          </a:p>
+          <a:p>
+            <a:endParaRPr lang="en-US" dirty="0">
+              <a:latin typeface="Arial" panose="020B0604020202020204" pitchFamily="34" charset="0"/>
+              <a:cs typeface="Arial" panose="020B0604020202020204" pitchFamily="34" charset="0"/>
+            </a:endParaRPr>
+          </a:p>
+          <a:p>
+            <a:r>
+              <a:rPr lang="en-US" dirty="0">
+                <a:latin typeface="Arial" panose="020B0604020202020204" pitchFamily="34" charset="0"/>
+                <a:cs typeface="Arial" panose="020B0604020202020204" pitchFamily="34" charset="0"/>
+              </a:rPr>
+              <a:t>0: I don’t know</a:t>
+            </a:r>
+          </a:p>
+          <a:p>
+            <a:endParaRPr lang="en-US" dirty="0">
+              <a:latin typeface="Arial" panose="020B0604020202020204" pitchFamily="34" charset="0"/>
+              <a:cs typeface="Arial" panose="020B0604020202020204" pitchFamily="34" charset="0"/>
+            </a:endParaRPr>
+          </a:p>
+          <a:p>
+            <a:r>
+              <a:rPr lang="en-US" dirty="0">
+                <a:latin typeface="Arial" panose="020B0604020202020204" pitchFamily="34" charset="0"/>
+                <a:cs typeface="Arial" panose="020B0604020202020204" pitchFamily="34" charset="0"/>
+              </a:rPr>
+              <a:t>+100: It’s NOT the correct label</a:t>
+            </a:r>
           </a:p>
         </p:txBody>
       </p:sp>

--- a/exp1/script/testing/timelineTesting.pptx
+++ b/exp1/script/testing/timelineTesting.pptx
@@ -6,9 +6,14 @@
   </p:sldMasterIdLst>
   <p:sldIdLst>
     <p:sldId id="256" r:id="rId2"/>
-    <p:sldId id="257" r:id="rId3"/>
-    <p:sldId id="259" r:id="rId4"/>
-    <p:sldId id="258" r:id="rId5"/>
+    <p:sldId id="264" r:id="rId3"/>
+    <p:sldId id="257" r:id="rId4"/>
+    <p:sldId id="259" r:id="rId5"/>
+    <p:sldId id="258" r:id="rId6"/>
+    <p:sldId id="260" r:id="rId7"/>
+    <p:sldId id="263" r:id="rId8"/>
+    <p:sldId id="261" r:id="rId9"/>
+    <p:sldId id="262" r:id="rId10"/>
   </p:sldIdLst>
   <p:sldSz cx="12192000" cy="6858000"/>
   <p:notesSz cx="6858000" cy="9144000"/>
@@ -264,7 +269,7 @@
           <a:p>
             <a:fld id="{B1B915C8-2E81-429A-BD90-45E424FDD57F}" type="datetimeFigureOut">
               <a:rPr lang="en-GB" smtClean="0"/>
-              <a:t>01/05/2020</a:t>
+              <a:t>25/02/2021</a:t>
             </a:fld>
             <a:endParaRPr lang="en-GB"/>
           </a:p>
@@ -464,7 +469,7 @@
           <a:p>
             <a:fld id="{B1B915C8-2E81-429A-BD90-45E424FDD57F}" type="datetimeFigureOut">
               <a:rPr lang="en-GB" smtClean="0"/>
-              <a:t>01/05/2020</a:t>
+              <a:t>25/02/2021</a:t>
             </a:fld>
             <a:endParaRPr lang="en-GB"/>
           </a:p>
@@ -674,7 +679,7 @@
           <a:p>
             <a:fld id="{B1B915C8-2E81-429A-BD90-45E424FDD57F}" type="datetimeFigureOut">
               <a:rPr lang="en-GB" smtClean="0"/>
-              <a:t>01/05/2020</a:t>
+              <a:t>25/02/2021</a:t>
             </a:fld>
             <a:endParaRPr lang="en-GB"/>
           </a:p>
@@ -874,7 +879,7 @@
           <a:p>
             <a:fld id="{B1B915C8-2E81-429A-BD90-45E424FDD57F}" type="datetimeFigureOut">
               <a:rPr lang="en-GB" smtClean="0"/>
-              <a:t>01/05/2020</a:t>
+              <a:t>25/02/2021</a:t>
             </a:fld>
             <a:endParaRPr lang="en-GB"/>
           </a:p>
@@ -1150,7 +1155,7 @@
           <a:p>
             <a:fld id="{B1B915C8-2E81-429A-BD90-45E424FDD57F}" type="datetimeFigureOut">
               <a:rPr lang="en-GB" smtClean="0"/>
-              <a:t>01/05/2020</a:t>
+              <a:t>25/02/2021</a:t>
             </a:fld>
             <a:endParaRPr lang="en-GB"/>
           </a:p>
@@ -1418,7 +1423,7 @@
           <a:p>
             <a:fld id="{B1B915C8-2E81-429A-BD90-45E424FDD57F}" type="datetimeFigureOut">
               <a:rPr lang="en-GB" smtClean="0"/>
-              <a:t>01/05/2020</a:t>
+              <a:t>25/02/2021</a:t>
             </a:fld>
             <a:endParaRPr lang="en-GB"/>
           </a:p>
@@ -1833,7 +1838,7 @@
           <a:p>
             <a:fld id="{B1B915C8-2E81-429A-BD90-45E424FDD57F}" type="datetimeFigureOut">
               <a:rPr lang="en-GB" smtClean="0"/>
-              <a:t>01/05/2020</a:t>
+              <a:t>25/02/2021</a:t>
             </a:fld>
             <a:endParaRPr lang="en-GB"/>
           </a:p>
@@ -1975,7 +1980,7 @@
           <a:p>
             <a:fld id="{B1B915C8-2E81-429A-BD90-45E424FDD57F}" type="datetimeFigureOut">
               <a:rPr lang="en-GB" smtClean="0"/>
-              <a:t>01/05/2020</a:t>
+              <a:t>25/02/2021</a:t>
             </a:fld>
             <a:endParaRPr lang="en-GB"/>
           </a:p>
@@ -2088,7 +2093,7 @@
           <a:p>
             <a:fld id="{B1B915C8-2E81-429A-BD90-45E424FDD57F}" type="datetimeFigureOut">
               <a:rPr lang="en-GB" smtClean="0"/>
-              <a:t>01/05/2020</a:t>
+              <a:t>25/02/2021</a:t>
             </a:fld>
             <a:endParaRPr lang="en-GB"/>
           </a:p>
@@ -2401,7 +2406,7 @@
           <a:p>
             <a:fld id="{B1B915C8-2E81-429A-BD90-45E424FDD57F}" type="datetimeFigureOut">
               <a:rPr lang="en-GB" smtClean="0"/>
-              <a:t>01/05/2020</a:t>
+              <a:t>25/02/2021</a:t>
             </a:fld>
             <a:endParaRPr lang="en-GB"/>
           </a:p>
@@ -2690,7 +2695,7 @@
           <a:p>
             <a:fld id="{B1B915C8-2E81-429A-BD90-45E424FDD57F}" type="datetimeFigureOut">
               <a:rPr lang="en-GB" smtClean="0"/>
-              <a:t>01/05/2020</a:t>
+              <a:t>25/02/2021</a:t>
             </a:fld>
             <a:endParaRPr lang="en-GB"/>
           </a:p>
@@ -2933,7 +2938,7 @@
           <a:p>
             <a:fld id="{B1B915C8-2E81-429A-BD90-45E424FDD57F}" type="datetimeFigureOut">
               <a:rPr lang="en-GB" smtClean="0"/>
-              <a:t>01/05/2020</a:t>
+              <a:t>25/02/2021</a:t>
             </a:fld>
             <a:endParaRPr lang="en-GB"/>
           </a:p>
@@ -4654,6 +4659,1182 @@
       </p:grpSpPr>
       <p:sp>
         <p:nvSpPr>
+          <p:cNvPr id="24" name="Rectangle: Rounded Corners 23">
+            <a:extLst>
+              <a:ext uri="{FF2B5EF4-FFF2-40B4-BE49-F238E27FC236}">
+                <a16:creationId xmlns:a16="http://schemas.microsoft.com/office/drawing/2014/main" id="{C0F498D6-A708-4E73-B2C2-DFC5B47E62EE}"/>
+              </a:ext>
+            </a:extLst>
+          </p:cNvPr>
+          <p:cNvSpPr/>
+          <p:nvPr/>
+        </p:nvSpPr>
+        <p:spPr>
+          <a:xfrm>
+            <a:off x="2878139" y="1028519"/>
+            <a:ext cx="1981057" cy="1500668"/>
+          </a:xfrm>
+          <a:prstGeom prst="roundRect">
+            <a:avLst/>
+          </a:prstGeom>
+          <a:solidFill>
+            <a:schemeClr val="bg1"/>
+          </a:solidFill>
+          <a:ln w="28575">
+            <a:solidFill>
+              <a:schemeClr val="tx1"/>
+            </a:solidFill>
+          </a:ln>
+        </p:spPr>
+        <p:style>
+          <a:lnRef idx="2">
+            <a:schemeClr val="accent1">
+              <a:shade val="50000"/>
+            </a:schemeClr>
+          </a:lnRef>
+          <a:fillRef idx="1">
+            <a:schemeClr val="accent1"/>
+          </a:fillRef>
+          <a:effectRef idx="0">
+            <a:schemeClr val="accent1"/>
+          </a:effectRef>
+          <a:fontRef idx="minor">
+            <a:schemeClr val="lt1"/>
+          </a:fontRef>
+        </p:style>
+        <p:txBody>
+          <a:bodyPr rtlCol="0" anchor="ctr"/>
+          <a:lstStyle/>
+          <a:p>
+            <a:pPr algn="ctr"/>
+            <a:r>
+              <a:rPr lang="it-IT" sz="3200" dirty="0">
+                <a:solidFill>
+                  <a:schemeClr val="tx1"/>
+                </a:solidFill>
+                <a:latin typeface="Arial" panose="020B0604020202020204" pitchFamily="34" charset="0"/>
+                <a:cs typeface="Arial" panose="020B0604020202020204" pitchFamily="34" charset="0"/>
+              </a:rPr>
+              <a:t>+</a:t>
+            </a:r>
+            <a:endParaRPr lang="en-GB" sz="3200" dirty="0">
+              <a:solidFill>
+                <a:schemeClr val="tx1"/>
+              </a:solidFill>
+              <a:latin typeface="Arial" panose="020B0604020202020204" pitchFamily="34" charset="0"/>
+              <a:cs typeface="Arial" panose="020B0604020202020204" pitchFamily="34" charset="0"/>
+            </a:endParaRPr>
+          </a:p>
+        </p:txBody>
+      </p:sp>
+      <p:sp>
+        <p:nvSpPr>
+          <p:cNvPr id="4" name="TextBox 3">
+            <a:extLst>
+              <a:ext uri="{FF2B5EF4-FFF2-40B4-BE49-F238E27FC236}">
+                <a16:creationId xmlns:a16="http://schemas.microsoft.com/office/drawing/2014/main" id="{97ADA43C-E64E-4A7A-A395-958080FF3B7C}"/>
+              </a:ext>
+            </a:extLst>
+          </p:cNvPr>
+          <p:cNvSpPr txBox="1"/>
+          <p:nvPr/>
+        </p:nvSpPr>
+        <p:spPr>
+          <a:xfrm>
+            <a:off x="2532818" y="131021"/>
+            <a:ext cx="6858000" cy="584775"/>
+          </a:xfrm>
+          <a:prstGeom prst="rect">
+            <a:avLst/>
+          </a:prstGeom>
+          <a:noFill/>
+        </p:spPr>
+        <p:txBody>
+          <a:bodyPr wrap="square" rtlCol="0">
+            <a:spAutoFit/>
+          </a:bodyPr>
+          <a:lstStyle/>
+          <a:p>
+            <a:pPr algn="ctr"/>
+            <a:r>
+              <a:rPr lang="it-IT" sz="3200" dirty="0" err="1">
+                <a:latin typeface="Arial" panose="020B0604020202020204" pitchFamily="34" charset="0"/>
+                <a:cs typeface="Arial" panose="020B0604020202020204" pitchFamily="34" charset="0"/>
+              </a:rPr>
+              <a:t>Contigency</a:t>
+            </a:r>
+            <a:r>
+              <a:rPr lang="it-IT" sz="3200" dirty="0">
+                <a:latin typeface="Arial" panose="020B0604020202020204" pitchFamily="34" charset="0"/>
+                <a:cs typeface="Arial" panose="020B0604020202020204" pitchFamily="34" charset="0"/>
+              </a:rPr>
+              <a:t> </a:t>
+            </a:r>
+            <a:r>
+              <a:rPr lang="it-IT" sz="3200" dirty="0" err="1">
+                <a:latin typeface="Arial" panose="020B0604020202020204" pitchFamily="34" charset="0"/>
+                <a:cs typeface="Arial" panose="020B0604020202020204" pitchFamily="34" charset="0"/>
+              </a:rPr>
+              <a:t>judgement</a:t>
+            </a:r>
+            <a:r>
+              <a:rPr lang="it-IT" sz="3200" dirty="0">
+                <a:latin typeface="Arial" panose="020B0604020202020204" pitchFamily="34" charset="0"/>
+                <a:cs typeface="Arial" panose="020B0604020202020204" pitchFamily="34" charset="0"/>
+              </a:rPr>
+              <a:t> task</a:t>
+            </a:r>
+            <a:endParaRPr lang="en-GB" sz="3200" dirty="0">
+              <a:latin typeface="Arial" panose="020B0604020202020204" pitchFamily="34" charset="0"/>
+              <a:cs typeface="Arial" panose="020B0604020202020204" pitchFamily="34" charset="0"/>
+            </a:endParaRPr>
+          </a:p>
+        </p:txBody>
+      </p:sp>
+      <p:sp>
+        <p:nvSpPr>
+          <p:cNvPr id="13" name="CasellaDiTesto 28">
+            <a:extLst>
+              <a:ext uri="{FF2B5EF4-FFF2-40B4-BE49-F238E27FC236}">
+                <a16:creationId xmlns:a16="http://schemas.microsoft.com/office/drawing/2014/main" id="{A07B1D01-78C2-4943-B2B5-6EAC29CBD878}"/>
+              </a:ext>
+            </a:extLst>
+          </p:cNvPr>
+          <p:cNvSpPr txBox="1"/>
+          <p:nvPr/>
+        </p:nvSpPr>
+        <p:spPr>
+          <a:xfrm>
+            <a:off x="4707931" y="3584627"/>
+            <a:ext cx="1293558" cy="400110"/>
+          </a:xfrm>
+          <a:prstGeom prst="rect">
+            <a:avLst/>
+          </a:prstGeom>
+          <a:noFill/>
+        </p:spPr>
+        <p:txBody>
+          <a:bodyPr wrap="square" rtlCol="0">
+            <a:spAutoFit/>
+          </a:bodyPr>
+          <a:lstStyle/>
+          <a:p>
+            <a:r>
+              <a:rPr lang="en-GB" sz="2000" dirty="0">
+                <a:latin typeface="Arial" panose="020B0604020202020204" pitchFamily="34" charset="0"/>
+                <a:cs typeface="Arial" panose="020B0604020202020204" pitchFamily="34" charset="0"/>
+              </a:rPr>
+              <a:t>1000 </a:t>
+            </a:r>
+            <a:r>
+              <a:rPr lang="en-GB" sz="2000" dirty="0" err="1">
+                <a:latin typeface="Arial" panose="020B0604020202020204" pitchFamily="34" charset="0"/>
+                <a:cs typeface="Arial" panose="020B0604020202020204" pitchFamily="34" charset="0"/>
+              </a:rPr>
+              <a:t>ms</a:t>
+            </a:r>
+            <a:endParaRPr lang="en-GB" sz="2000" dirty="0">
+              <a:latin typeface="Arial" panose="020B0604020202020204" pitchFamily="34" charset="0"/>
+              <a:cs typeface="Arial" panose="020B0604020202020204" pitchFamily="34" charset="0"/>
+            </a:endParaRPr>
+          </a:p>
+        </p:txBody>
+      </p:sp>
+      <p:sp>
+        <p:nvSpPr>
+          <p:cNvPr id="16" name="CasellaDiTesto 28">
+            <a:extLst>
+              <a:ext uri="{FF2B5EF4-FFF2-40B4-BE49-F238E27FC236}">
+                <a16:creationId xmlns:a16="http://schemas.microsoft.com/office/drawing/2014/main" id="{16B37AB4-478C-4724-AC8D-24D91A82171D}"/>
+              </a:ext>
+            </a:extLst>
+          </p:cNvPr>
+          <p:cNvSpPr txBox="1"/>
+          <p:nvPr/>
+        </p:nvSpPr>
+        <p:spPr>
+          <a:xfrm>
+            <a:off x="6078061" y="4828761"/>
+            <a:ext cx="1293558" cy="400110"/>
+          </a:xfrm>
+          <a:prstGeom prst="rect">
+            <a:avLst/>
+          </a:prstGeom>
+          <a:noFill/>
+        </p:spPr>
+        <p:txBody>
+          <a:bodyPr wrap="square" rtlCol="0">
+            <a:spAutoFit/>
+          </a:bodyPr>
+          <a:lstStyle/>
+          <a:p>
+            <a:r>
+              <a:rPr lang="en-GB" sz="2000" dirty="0">
+                <a:latin typeface="Arial" panose="020B0604020202020204" pitchFamily="34" charset="0"/>
+                <a:cs typeface="Arial" panose="020B0604020202020204" pitchFamily="34" charset="0"/>
+              </a:rPr>
+              <a:t>4000 </a:t>
+            </a:r>
+            <a:r>
+              <a:rPr lang="en-GB" sz="2000" dirty="0" err="1">
+                <a:latin typeface="Arial" panose="020B0604020202020204" pitchFamily="34" charset="0"/>
+                <a:cs typeface="Arial" panose="020B0604020202020204" pitchFamily="34" charset="0"/>
+              </a:rPr>
+              <a:t>ms</a:t>
+            </a:r>
+            <a:endParaRPr lang="en-GB" sz="2000" dirty="0">
+              <a:latin typeface="Arial" panose="020B0604020202020204" pitchFamily="34" charset="0"/>
+              <a:cs typeface="Arial" panose="020B0604020202020204" pitchFamily="34" charset="0"/>
+            </a:endParaRPr>
+          </a:p>
+        </p:txBody>
+      </p:sp>
+      <p:sp>
+        <p:nvSpPr>
+          <p:cNvPr id="20" name="CasellaDiTesto 28">
+            <a:extLst>
+              <a:ext uri="{FF2B5EF4-FFF2-40B4-BE49-F238E27FC236}">
+                <a16:creationId xmlns:a16="http://schemas.microsoft.com/office/drawing/2014/main" id="{7A73D548-CDDE-4A7C-8065-03BFA923AEF2}"/>
+              </a:ext>
+            </a:extLst>
+          </p:cNvPr>
+          <p:cNvSpPr txBox="1"/>
+          <p:nvPr/>
+        </p:nvSpPr>
+        <p:spPr>
+          <a:xfrm>
+            <a:off x="7522415" y="5954960"/>
+            <a:ext cx="3087942" cy="400110"/>
+          </a:xfrm>
+          <a:prstGeom prst="rect">
+            <a:avLst/>
+          </a:prstGeom>
+          <a:noFill/>
+        </p:spPr>
+        <p:txBody>
+          <a:bodyPr wrap="square" rtlCol="0">
+            <a:spAutoFit/>
+          </a:bodyPr>
+          <a:lstStyle/>
+          <a:p>
+            <a:r>
+              <a:rPr lang="en-GB" sz="2000" dirty="0">
+                <a:latin typeface="Arial" panose="020B0604020202020204" pitchFamily="34" charset="0"/>
+                <a:cs typeface="Arial" panose="020B0604020202020204" pitchFamily="34" charset="0"/>
+              </a:rPr>
+              <a:t>1000 </a:t>
+            </a:r>
+            <a:r>
+              <a:rPr lang="en-GB" sz="2000" dirty="0" err="1">
+                <a:latin typeface="Arial" panose="020B0604020202020204" pitchFamily="34" charset="0"/>
+                <a:cs typeface="Arial" panose="020B0604020202020204" pitchFamily="34" charset="0"/>
+              </a:rPr>
+              <a:t>ms</a:t>
+            </a:r>
+            <a:r>
+              <a:rPr lang="en-GB" sz="2000" dirty="0">
+                <a:latin typeface="Arial" panose="020B0604020202020204" pitchFamily="34" charset="0"/>
+                <a:cs typeface="Arial" panose="020B0604020202020204" pitchFamily="34" charset="0"/>
+              </a:rPr>
+              <a:t> + random ISI </a:t>
+            </a:r>
+          </a:p>
+        </p:txBody>
+      </p:sp>
+      <p:cxnSp>
+        <p:nvCxnSpPr>
+          <p:cNvPr id="18" name="Connettore 2 32">
+            <a:extLst>
+              <a:ext uri="{FF2B5EF4-FFF2-40B4-BE49-F238E27FC236}">
+                <a16:creationId xmlns:a16="http://schemas.microsoft.com/office/drawing/2014/main" id="{F9E12B3F-CC39-455F-B354-E4E6D27D3914}"/>
+              </a:ext>
+            </a:extLst>
+          </p:cNvPr>
+          <p:cNvCxnSpPr>
+            <a:cxnSpLocks/>
+          </p:cNvCxnSpPr>
+          <p:nvPr/>
+        </p:nvCxnSpPr>
+        <p:spPr>
+          <a:xfrm>
+            <a:off x="2712193" y="2588048"/>
+            <a:ext cx="5347516" cy="4177975"/>
+          </a:xfrm>
+          <a:prstGeom prst="straightConnector1">
+            <a:avLst/>
+          </a:prstGeom>
+          <a:ln w="38100">
+            <a:solidFill>
+              <a:srgbClr val="FF0000"/>
+            </a:solidFill>
+            <a:tailEnd type="arrow"/>
+          </a:ln>
+        </p:spPr>
+        <p:style>
+          <a:lnRef idx="2">
+            <a:schemeClr val="dk1"/>
+          </a:lnRef>
+          <a:fillRef idx="0">
+            <a:schemeClr val="dk1"/>
+          </a:fillRef>
+          <a:effectRef idx="1">
+            <a:schemeClr val="dk1"/>
+          </a:effectRef>
+          <a:fontRef idx="minor">
+            <a:schemeClr val="tx1"/>
+          </a:fontRef>
+        </p:style>
+      </p:cxnSp>
+      <p:sp>
+        <p:nvSpPr>
+          <p:cNvPr id="23" name="CasellaDiTesto 28">
+            <a:extLst>
+              <a:ext uri="{FF2B5EF4-FFF2-40B4-BE49-F238E27FC236}">
+                <a16:creationId xmlns:a16="http://schemas.microsoft.com/office/drawing/2014/main" id="{98ACC3D0-6389-4BE4-967C-523492CB06B2}"/>
+              </a:ext>
+            </a:extLst>
+          </p:cNvPr>
+          <p:cNvSpPr txBox="1"/>
+          <p:nvPr/>
+        </p:nvSpPr>
+        <p:spPr>
+          <a:xfrm>
+            <a:off x="3351833" y="2507294"/>
+            <a:ext cx="1293558" cy="400110"/>
+          </a:xfrm>
+          <a:prstGeom prst="rect">
+            <a:avLst/>
+          </a:prstGeom>
+          <a:noFill/>
+        </p:spPr>
+        <p:txBody>
+          <a:bodyPr wrap="square" rtlCol="0">
+            <a:spAutoFit/>
+          </a:bodyPr>
+          <a:lstStyle/>
+          <a:p>
+            <a:r>
+              <a:rPr lang="en-GB" sz="2000" dirty="0">
+                <a:latin typeface="Arial" panose="020B0604020202020204" pitchFamily="34" charset="0"/>
+                <a:cs typeface="Arial" panose="020B0604020202020204" pitchFamily="34" charset="0"/>
+              </a:rPr>
+              <a:t>500 </a:t>
+            </a:r>
+            <a:r>
+              <a:rPr lang="en-GB" sz="2000" dirty="0" err="1">
+                <a:latin typeface="Arial" panose="020B0604020202020204" pitchFamily="34" charset="0"/>
+                <a:cs typeface="Arial" panose="020B0604020202020204" pitchFamily="34" charset="0"/>
+              </a:rPr>
+              <a:t>ms</a:t>
+            </a:r>
+            <a:endParaRPr lang="en-GB" sz="2000" dirty="0">
+              <a:latin typeface="Arial" panose="020B0604020202020204" pitchFamily="34" charset="0"/>
+              <a:cs typeface="Arial" panose="020B0604020202020204" pitchFamily="34" charset="0"/>
+            </a:endParaRPr>
+          </a:p>
+        </p:txBody>
+      </p:sp>
+      <p:sp>
+        <p:nvSpPr>
+          <p:cNvPr id="21" name="Rectangle: Rounded Corners 20">
+            <a:extLst>
+              <a:ext uri="{FF2B5EF4-FFF2-40B4-BE49-F238E27FC236}">
+                <a16:creationId xmlns:a16="http://schemas.microsoft.com/office/drawing/2014/main" id="{3D91D399-AE7D-4BA4-95BC-234B62F1FFF6}"/>
+              </a:ext>
+            </a:extLst>
+          </p:cNvPr>
+          <p:cNvSpPr/>
+          <p:nvPr/>
+        </p:nvSpPr>
+        <p:spPr>
+          <a:xfrm>
+            <a:off x="4444826" y="2094530"/>
+            <a:ext cx="1981057" cy="1500668"/>
+          </a:xfrm>
+          <a:prstGeom prst="roundRect">
+            <a:avLst/>
+          </a:prstGeom>
+          <a:solidFill>
+            <a:schemeClr val="bg1"/>
+          </a:solidFill>
+          <a:ln w="28575">
+            <a:solidFill>
+              <a:schemeClr val="tx1"/>
+            </a:solidFill>
+          </a:ln>
+        </p:spPr>
+        <p:style>
+          <a:lnRef idx="2">
+            <a:schemeClr val="accent1">
+              <a:shade val="50000"/>
+            </a:schemeClr>
+          </a:lnRef>
+          <a:fillRef idx="1">
+            <a:schemeClr val="accent1"/>
+          </a:fillRef>
+          <a:effectRef idx="0">
+            <a:schemeClr val="accent1"/>
+          </a:effectRef>
+          <a:fontRef idx="minor">
+            <a:schemeClr val="lt1"/>
+          </a:fontRef>
+        </p:style>
+        <p:txBody>
+          <a:bodyPr rtlCol="0" anchor="ctr"/>
+          <a:lstStyle/>
+          <a:p>
+            <a:pPr algn="ctr"/>
+            <a:endParaRPr lang="en-GB" sz="3200" dirty="0">
+              <a:solidFill>
+                <a:schemeClr val="tx1"/>
+              </a:solidFill>
+              <a:latin typeface="Arial" panose="020B0604020202020204" pitchFamily="34" charset="0"/>
+              <a:cs typeface="Arial" panose="020B0604020202020204" pitchFamily="34" charset="0"/>
+            </a:endParaRPr>
+          </a:p>
+        </p:txBody>
+      </p:sp>
+      <p:pic>
+        <p:nvPicPr>
+          <p:cNvPr id="15" name="Picture 14">
+            <a:extLst>
+              <a:ext uri="{FF2B5EF4-FFF2-40B4-BE49-F238E27FC236}">
+                <a16:creationId xmlns:a16="http://schemas.microsoft.com/office/drawing/2014/main" id="{E904BDA0-06B0-4FBB-BE00-A720EA99881C}"/>
+              </a:ext>
+            </a:extLst>
+          </p:cNvPr>
+          <p:cNvPicPr>
+            <a:picLocks noChangeAspect="1"/>
+          </p:cNvPicPr>
+          <p:nvPr/>
+        </p:nvPicPr>
+        <p:blipFill>
+          <a:blip r:embed="rId2"/>
+          <a:stretch>
+            <a:fillRect/>
+          </a:stretch>
+        </p:blipFill>
+        <p:spPr>
+          <a:xfrm>
+            <a:off x="5040428" y="2661317"/>
+            <a:ext cx="1040940" cy="856499"/>
+          </a:xfrm>
+          <a:prstGeom prst="rect">
+            <a:avLst/>
+          </a:prstGeom>
+        </p:spPr>
+      </p:pic>
+      <p:sp>
+        <p:nvSpPr>
+          <p:cNvPr id="5" name="TextBox 4">
+            <a:extLst>
+              <a:ext uri="{FF2B5EF4-FFF2-40B4-BE49-F238E27FC236}">
+                <a16:creationId xmlns:a16="http://schemas.microsoft.com/office/drawing/2014/main" id="{DFA1746E-5E5B-4C9C-8185-D77664C859DF}"/>
+              </a:ext>
+            </a:extLst>
+          </p:cNvPr>
+          <p:cNvSpPr txBox="1"/>
+          <p:nvPr/>
+        </p:nvSpPr>
+        <p:spPr>
+          <a:xfrm>
+            <a:off x="5169932" y="2086762"/>
+            <a:ext cx="1267973" cy="584775"/>
+          </a:xfrm>
+          <a:prstGeom prst="rect">
+            <a:avLst/>
+          </a:prstGeom>
+          <a:noFill/>
+        </p:spPr>
+        <p:txBody>
+          <a:bodyPr wrap="square" rtlCol="0">
+            <a:spAutoFit/>
+          </a:bodyPr>
+          <a:lstStyle/>
+          <a:p>
+            <a:r>
+              <a:rPr lang="it-IT" sz="3200" dirty="0" err="1">
+                <a:latin typeface="Arial" panose="020B0604020202020204" pitchFamily="34" charset="0"/>
+                <a:cs typeface="Arial" panose="020B0604020202020204" pitchFamily="34" charset="0"/>
+              </a:rPr>
+              <a:t>tob</a:t>
+            </a:r>
+            <a:endParaRPr lang="en-GB" sz="3200" dirty="0">
+              <a:latin typeface="Arial" panose="020B0604020202020204" pitchFamily="34" charset="0"/>
+              <a:cs typeface="Arial" panose="020B0604020202020204" pitchFamily="34" charset="0"/>
+            </a:endParaRPr>
+          </a:p>
+        </p:txBody>
+      </p:sp>
+      <p:sp>
+        <p:nvSpPr>
+          <p:cNvPr id="28" name="Rectangle: Rounded Corners 27">
+            <a:extLst>
+              <a:ext uri="{FF2B5EF4-FFF2-40B4-BE49-F238E27FC236}">
+                <a16:creationId xmlns:a16="http://schemas.microsoft.com/office/drawing/2014/main" id="{B8C08449-2728-4568-A25B-47376A9DE8A7}"/>
+              </a:ext>
+            </a:extLst>
+          </p:cNvPr>
+          <p:cNvSpPr/>
+          <p:nvPr/>
+        </p:nvSpPr>
+        <p:spPr>
+          <a:xfrm>
+            <a:off x="5961818" y="3295050"/>
+            <a:ext cx="1981057" cy="1500668"/>
+          </a:xfrm>
+          <a:prstGeom prst="roundRect">
+            <a:avLst/>
+          </a:prstGeom>
+          <a:solidFill>
+            <a:schemeClr val="bg1"/>
+          </a:solidFill>
+          <a:ln w="28575">
+            <a:solidFill>
+              <a:schemeClr val="tx1"/>
+            </a:solidFill>
+          </a:ln>
+        </p:spPr>
+        <p:style>
+          <a:lnRef idx="2">
+            <a:schemeClr val="accent1">
+              <a:shade val="50000"/>
+            </a:schemeClr>
+          </a:lnRef>
+          <a:fillRef idx="1">
+            <a:schemeClr val="accent1"/>
+          </a:fillRef>
+          <a:effectRef idx="0">
+            <a:schemeClr val="accent1"/>
+          </a:effectRef>
+          <a:fontRef idx="minor">
+            <a:schemeClr val="lt1"/>
+          </a:fontRef>
+        </p:style>
+        <p:txBody>
+          <a:bodyPr rtlCol="0" anchor="ctr"/>
+          <a:lstStyle/>
+          <a:p>
+            <a:pPr algn="ctr"/>
+            <a:endParaRPr lang="en-GB" sz="3200" dirty="0">
+              <a:solidFill>
+                <a:schemeClr val="tx1"/>
+              </a:solidFill>
+              <a:latin typeface="Arial" panose="020B0604020202020204" pitchFamily="34" charset="0"/>
+              <a:cs typeface="Arial" panose="020B0604020202020204" pitchFamily="34" charset="0"/>
+            </a:endParaRPr>
+          </a:p>
+        </p:txBody>
+      </p:sp>
+      <p:sp>
+        <p:nvSpPr>
+          <p:cNvPr id="29" name="Rectangle: Rounded Corners 28">
+            <a:extLst>
+              <a:ext uri="{FF2B5EF4-FFF2-40B4-BE49-F238E27FC236}">
+                <a16:creationId xmlns:a16="http://schemas.microsoft.com/office/drawing/2014/main" id="{AF660D76-7140-4A63-B7AF-8BD11F6B5731}"/>
+              </a:ext>
+            </a:extLst>
+          </p:cNvPr>
+          <p:cNvSpPr/>
+          <p:nvPr/>
+        </p:nvSpPr>
+        <p:spPr>
+          <a:xfrm>
+            <a:off x="7487861" y="4459927"/>
+            <a:ext cx="1981057" cy="1500668"/>
+          </a:xfrm>
+          <a:prstGeom prst="roundRect">
+            <a:avLst/>
+          </a:prstGeom>
+          <a:solidFill>
+            <a:schemeClr val="bg1"/>
+          </a:solidFill>
+          <a:ln w="28575">
+            <a:solidFill>
+              <a:schemeClr val="tx1"/>
+            </a:solidFill>
+          </a:ln>
+        </p:spPr>
+        <p:style>
+          <a:lnRef idx="2">
+            <a:schemeClr val="accent1">
+              <a:shade val="50000"/>
+            </a:schemeClr>
+          </a:lnRef>
+          <a:fillRef idx="1">
+            <a:schemeClr val="accent1"/>
+          </a:fillRef>
+          <a:effectRef idx="0">
+            <a:schemeClr val="accent1"/>
+          </a:effectRef>
+          <a:fontRef idx="minor">
+            <a:schemeClr val="lt1"/>
+          </a:fontRef>
+        </p:style>
+        <p:txBody>
+          <a:bodyPr rtlCol="0" anchor="ctr"/>
+          <a:lstStyle/>
+          <a:p>
+            <a:pPr algn="ctr"/>
+            <a:endParaRPr lang="en-GB" sz="3200" dirty="0">
+              <a:solidFill>
+                <a:schemeClr val="tx1"/>
+              </a:solidFill>
+              <a:latin typeface="Arial" panose="020B0604020202020204" pitchFamily="34" charset="0"/>
+              <a:cs typeface="Arial" panose="020B0604020202020204" pitchFamily="34" charset="0"/>
+            </a:endParaRPr>
+          </a:p>
+        </p:txBody>
+      </p:sp>
+      <p:cxnSp>
+        <p:nvCxnSpPr>
+          <p:cNvPr id="11" name="Straight Connector 10">
+            <a:extLst>
+              <a:ext uri="{FF2B5EF4-FFF2-40B4-BE49-F238E27FC236}">
+                <a16:creationId xmlns:a16="http://schemas.microsoft.com/office/drawing/2014/main" id="{B87CE540-85E8-43D3-8E4B-6D635177CD32}"/>
+              </a:ext>
+            </a:extLst>
+          </p:cNvPr>
+          <p:cNvCxnSpPr>
+            <a:cxnSpLocks/>
+          </p:cNvCxnSpPr>
+          <p:nvPr/>
+        </p:nvCxnSpPr>
+        <p:spPr>
+          <a:xfrm>
+            <a:off x="6275130" y="4027562"/>
+            <a:ext cx="1449716" cy="0"/>
+          </a:xfrm>
+          <a:prstGeom prst="line">
+            <a:avLst/>
+          </a:prstGeom>
+          <a:ln w="38100">
+            <a:solidFill>
+              <a:schemeClr val="tx1"/>
+            </a:solidFill>
+          </a:ln>
+        </p:spPr>
+        <p:style>
+          <a:lnRef idx="1">
+            <a:schemeClr val="accent1"/>
+          </a:lnRef>
+          <a:fillRef idx="0">
+            <a:schemeClr val="accent1"/>
+          </a:fillRef>
+          <a:effectRef idx="0">
+            <a:schemeClr val="accent1"/>
+          </a:effectRef>
+          <a:fontRef idx="minor">
+            <a:schemeClr val="tx1"/>
+          </a:fontRef>
+        </p:style>
+      </p:cxnSp>
+      <p:cxnSp>
+        <p:nvCxnSpPr>
+          <p:cNvPr id="19" name="Straight Connector 18">
+            <a:extLst>
+              <a:ext uri="{FF2B5EF4-FFF2-40B4-BE49-F238E27FC236}">
+                <a16:creationId xmlns:a16="http://schemas.microsoft.com/office/drawing/2014/main" id="{1B32525B-60B2-46C8-A966-EF805C646D25}"/>
+              </a:ext>
+            </a:extLst>
+          </p:cNvPr>
+          <p:cNvCxnSpPr>
+            <a:cxnSpLocks/>
+          </p:cNvCxnSpPr>
+          <p:nvPr/>
+        </p:nvCxnSpPr>
+        <p:spPr>
+          <a:xfrm>
+            <a:off x="6256583" y="3863657"/>
+            <a:ext cx="0" cy="347696"/>
+          </a:xfrm>
+          <a:prstGeom prst="line">
+            <a:avLst/>
+          </a:prstGeom>
+          <a:ln w="38100">
+            <a:solidFill>
+              <a:schemeClr val="tx1"/>
+            </a:solidFill>
+          </a:ln>
+        </p:spPr>
+        <p:style>
+          <a:lnRef idx="1">
+            <a:schemeClr val="accent1"/>
+          </a:lnRef>
+          <a:fillRef idx="0">
+            <a:schemeClr val="accent1"/>
+          </a:fillRef>
+          <a:effectRef idx="0">
+            <a:schemeClr val="accent1"/>
+          </a:effectRef>
+          <a:fontRef idx="minor">
+            <a:schemeClr val="tx1"/>
+          </a:fontRef>
+        </p:style>
+      </p:cxnSp>
+      <p:cxnSp>
+        <p:nvCxnSpPr>
+          <p:cNvPr id="30" name="Straight Connector 29">
+            <a:extLst>
+              <a:ext uri="{FF2B5EF4-FFF2-40B4-BE49-F238E27FC236}">
+                <a16:creationId xmlns:a16="http://schemas.microsoft.com/office/drawing/2014/main" id="{55856ED7-68CE-458B-BBAF-6CB58738DAED}"/>
+              </a:ext>
+            </a:extLst>
+          </p:cNvPr>
+          <p:cNvCxnSpPr/>
+          <p:nvPr/>
+        </p:nvCxnSpPr>
+        <p:spPr>
+          <a:xfrm>
+            <a:off x="7738826" y="3876415"/>
+            <a:ext cx="0" cy="347696"/>
+          </a:xfrm>
+          <a:prstGeom prst="line">
+            <a:avLst/>
+          </a:prstGeom>
+          <a:ln w="38100">
+            <a:solidFill>
+              <a:schemeClr val="tx1"/>
+            </a:solidFill>
+          </a:ln>
+        </p:spPr>
+        <p:style>
+          <a:lnRef idx="1">
+            <a:schemeClr val="accent1"/>
+          </a:lnRef>
+          <a:fillRef idx="0">
+            <a:schemeClr val="accent1"/>
+          </a:fillRef>
+          <a:effectRef idx="0">
+            <a:schemeClr val="accent1"/>
+          </a:effectRef>
+          <a:fontRef idx="minor">
+            <a:schemeClr val="tx1"/>
+          </a:fontRef>
+        </p:style>
+      </p:cxnSp>
+      <p:pic>
+        <p:nvPicPr>
+          <p:cNvPr id="32" name="Picture 31">
+            <a:extLst>
+              <a:ext uri="{FF2B5EF4-FFF2-40B4-BE49-F238E27FC236}">
+                <a16:creationId xmlns:a16="http://schemas.microsoft.com/office/drawing/2014/main" id="{E7110B1F-6E64-48AC-8706-49A307D862CC}"/>
+              </a:ext>
+            </a:extLst>
+          </p:cNvPr>
+          <p:cNvPicPr>
+            <a:picLocks noChangeAspect="1"/>
+          </p:cNvPicPr>
+          <p:nvPr/>
+        </p:nvPicPr>
+        <p:blipFill>
+          <a:blip r:embed="rId3"/>
+          <a:stretch>
+            <a:fillRect/>
+          </a:stretch>
+        </p:blipFill>
+        <p:spPr>
+          <a:xfrm>
+            <a:off x="6567667" y="4048602"/>
+            <a:ext cx="501931" cy="471491"/>
+          </a:xfrm>
+          <a:prstGeom prst="rect">
+            <a:avLst/>
+          </a:prstGeom>
+        </p:spPr>
+      </p:pic>
+      <p:sp>
+        <p:nvSpPr>
+          <p:cNvPr id="2" name="TextBox 1">
+            <a:extLst>
+              <a:ext uri="{FF2B5EF4-FFF2-40B4-BE49-F238E27FC236}">
+                <a16:creationId xmlns:a16="http://schemas.microsoft.com/office/drawing/2014/main" id="{43702622-08E5-4FE9-AAD5-F217D3ECA8F2}"/>
+              </a:ext>
+            </a:extLst>
+          </p:cNvPr>
+          <p:cNvSpPr txBox="1"/>
+          <p:nvPr/>
+        </p:nvSpPr>
+        <p:spPr>
+          <a:xfrm>
+            <a:off x="7309531" y="3494325"/>
+            <a:ext cx="812654" cy="400110"/>
+          </a:xfrm>
+          <a:prstGeom prst="rect">
+            <a:avLst/>
+          </a:prstGeom>
+          <a:noFill/>
+        </p:spPr>
+        <p:txBody>
+          <a:bodyPr wrap="square" rtlCol="0">
+            <a:spAutoFit/>
+          </a:bodyPr>
+          <a:lstStyle/>
+          <a:p>
+            <a:r>
+              <a:rPr lang="it-IT" sz="2000" dirty="0">
+                <a:latin typeface="Arial" panose="020B0604020202020204" pitchFamily="34" charset="0"/>
+                <a:cs typeface="Arial" panose="020B0604020202020204" pitchFamily="34" charset="0"/>
+              </a:rPr>
+              <a:t>+100</a:t>
+            </a:r>
+            <a:endParaRPr lang="en-GB" sz="2000" dirty="0">
+              <a:latin typeface="Arial" panose="020B0604020202020204" pitchFamily="34" charset="0"/>
+              <a:cs typeface="Arial" panose="020B0604020202020204" pitchFamily="34" charset="0"/>
+            </a:endParaRPr>
+          </a:p>
+        </p:txBody>
+      </p:sp>
+      <p:sp>
+        <p:nvSpPr>
+          <p:cNvPr id="22" name="TextBox 21">
+            <a:extLst>
+              <a:ext uri="{FF2B5EF4-FFF2-40B4-BE49-F238E27FC236}">
+                <a16:creationId xmlns:a16="http://schemas.microsoft.com/office/drawing/2014/main" id="{E9C5269F-801F-412A-BE86-E7FEB8CD5B46}"/>
+              </a:ext>
+            </a:extLst>
+          </p:cNvPr>
+          <p:cNvSpPr txBox="1"/>
+          <p:nvPr/>
+        </p:nvSpPr>
+        <p:spPr>
+          <a:xfrm>
+            <a:off x="6036177" y="3494325"/>
+            <a:ext cx="696772" cy="400110"/>
+          </a:xfrm>
+          <a:prstGeom prst="rect">
+            <a:avLst/>
+          </a:prstGeom>
+          <a:noFill/>
+        </p:spPr>
+        <p:txBody>
+          <a:bodyPr wrap="square" rtlCol="0">
+            <a:spAutoFit/>
+          </a:bodyPr>
+          <a:lstStyle/>
+          <a:p>
+            <a:r>
+              <a:rPr lang="it-IT" sz="2000" dirty="0">
+                <a:latin typeface="Arial" panose="020B0604020202020204" pitchFamily="34" charset="0"/>
+                <a:cs typeface="Arial" panose="020B0604020202020204" pitchFamily="34" charset="0"/>
+              </a:rPr>
+              <a:t>-100</a:t>
+            </a:r>
+            <a:endParaRPr lang="en-GB" sz="2000" dirty="0">
+              <a:latin typeface="Arial" panose="020B0604020202020204" pitchFamily="34" charset="0"/>
+              <a:cs typeface="Arial" panose="020B0604020202020204" pitchFamily="34" charset="0"/>
+            </a:endParaRPr>
+          </a:p>
+        </p:txBody>
+      </p:sp>
+      <p:sp>
+        <p:nvSpPr>
+          <p:cNvPr id="25" name="TextBox 24">
+            <a:extLst>
+              <a:ext uri="{FF2B5EF4-FFF2-40B4-BE49-F238E27FC236}">
+                <a16:creationId xmlns:a16="http://schemas.microsoft.com/office/drawing/2014/main" id="{BF85B3F7-DD88-4C73-BA47-C3B8A8A58658}"/>
+              </a:ext>
+            </a:extLst>
+          </p:cNvPr>
+          <p:cNvSpPr txBox="1"/>
+          <p:nvPr/>
+        </p:nvSpPr>
+        <p:spPr>
+          <a:xfrm>
+            <a:off x="6827192" y="3494325"/>
+            <a:ext cx="408696" cy="400110"/>
+          </a:xfrm>
+          <a:prstGeom prst="rect">
+            <a:avLst/>
+          </a:prstGeom>
+          <a:noFill/>
+        </p:spPr>
+        <p:txBody>
+          <a:bodyPr wrap="square" rtlCol="0">
+            <a:spAutoFit/>
+          </a:bodyPr>
+          <a:lstStyle/>
+          <a:p>
+            <a:r>
+              <a:rPr lang="it-IT" sz="2000" dirty="0">
+                <a:latin typeface="Arial" panose="020B0604020202020204" pitchFamily="34" charset="0"/>
+                <a:cs typeface="Arial" panose="020B0604020202020204" pitchFamily="34" charset="0"/>
+              </a:rPr>
+              <a:t>0</a:t>
+            </a:r>
+            <a:endParaRPr lang="en-GB" sz="2000" dirty="0">
+              <a:latin typeface="Arial" panose="020B0604020202020204" pitchFamily="34" charset="0"/>
+              <a:cs typeface="Arial" panose="020B0604020202020204" pitchFamily="34" charset="0"/>
+            </a:endParaRPr>
+          </a:p>
+        </p:txBody>
+      </p:sp>
+      <p:cxnSp>
+        <p:nvCxnSpPr>
+          <p:cNvPr id="26" name="Straight Connector 25">
+            <a:extLst>
+              <a:ext uri="{FF2B5EF4-FFF2-40B4-BE49-F238E27FC236}">
+                <a16:creationId xmlns:a16="http://schemas.microsoft.com/office/drawing/2014/main" id="{484CCD55-0ABF-4F9B-ACBB-DEA49AAA6147}"/>
+              </a:ext>
+            </a:extLst>
+          </p:cNvPr>
+          <p:cNvCxnSpPr/>
+          <p:nvPr/>
+        </p:nvCxnSpPr>
+        <p:spPr>
+          <a:xfrm>
+            <a:off x="6995876" y="3866890"/>
+            <a:ext cx="0" cy="347696"/>
+          </a:xfrm>
+          <a:prstGeom prst="line">
+            <a:avLst/>
+          </a:prstGeom>
+          <a:ln w="38100">
+            <a:solidFill>
+              <a:schemeClr val="tx1"/>
+            </a:solidFill>
+          </a:ln>
+        </p:spPr>
+        <p:style>
+          <a:lnRef idx="1">
+            <a:schemeClr val="accent1"/>
+          </a:lnRef>
+          <a:fillRef idx="0">
+            <a:schemeClr val="accent1"/>
+          </a:fillRef>
+          <a:effectRef idx="0">
+            <a:schemeClr val="accent1"/>
+          </a:effectRef>
+          <a:fontRef idx="minor">
+            <a:schemeClr val="tx1"/>
+          </a:fontRef>
+        </p:style>
+      </p:cxnSp>
+      <p:cxnSp>
+        <p:nvCxnSpPr>
+          <p:cNvPr id="27" name="Straight Connector 26">
+            <a:extLst>
+              <a:ext uri="{FF2B5EF4-FFF2-40B4-BE49-F238E27FC236}">
+                <a16:creationId xmlns:a16="http://schemas.microsoft.com/office/drawing/2014/main" id="{C1C6FC87-2358-41DD-B971-06BE77A1F1FF}"/>
+              </a:ext>
+            </a:extLst>
+          </p:cNvPr>
+          <p:cNvCxnSpPr/>
+          <p:nvPr/>
+        </p:nvCxnSpPr>
+        <p:spPr>
+          <a:xfrm>
+            <a:off x="6686312" y="3955265"/>
+            <a:ext cx="0" cy="91559"/>
+          </a:xfrm>
+          <a:prstGeom prst="line">
+            <a:avLst/>
+          </a:prstGeom>
+          <a:ln w="38100">
+            <a:solidFill>
+              <a:srgbClr val="FF0000"/>
+            </a:solidFill>
+          </a:ln>
+        </p:spPr>
+        <p:style>
+          <a:lnRef idx="1">
+            <a:schemeClr val="accent1"/>
+          </a:lnRef>
+          <a:fillRef idx="0">
+            <a:schemeClr val="accent1"/>
+          </a:fillRef>
+          <a:effectRef idx="0">
+            <a:schemeClr val="accent1"/>
+          </a:effectRef>
+          <a:fontRef idx="minor">
+            <a:schemeClr val="tx1"/>
+          </a:fontRef>
+        </p:style>
+      </p:cxnSp>
+      <p:sp>
+        <p:nvSpPr>
+          <p:cNvPr id="31" name="TextBox 30">
+            <a:extLst>
+              <a:ext uri="{FF2B5EF4-FFF2-40B4-BE49-F238E27FC236}">
+                <a16:creationId xmlns:a16="http://schemas.microsoft.com/office/drawing/2014/main" id="{F803D0BB-C349-4DCE-BB54-F87F630043E7}"/>
+              </a:ext>
+            </a:extLst>
+          </p:cNvPr>
+          <p:cNvSpPr txBox="1"/>
+          <p:nvPr/>
+        </p:nvSpPr>
+        <p:spPr>
+          <a:xfrm>
+            <a:off x="6808039" y="1667324"/>
+            <a:ext cx="4740113" cy="954107"/>
+          </a:xfrm>
+          <a:prstGeom prst="rect">
+            <a:avLst/>
+          </a:prstGeom>
+          <a:noFill/>
+        </p:spPr>
+        <p:txBody>
+          <a:bodyPr wrap="square" rtlCol="0">
+            <a:spAutoFit/>
+          </a:bodyPr>
+          <a:lstStyle/>
+          <a:p>
+            <a:r>
+              <a:rPr lang="it-IT" sz="2800" i="1" dirty="0">
+                <a:latin typeface="Arial" panose="020B0604020202020204" pitchFamily="34" charset="0"/>
+                <a:cs typeface="Arial" panose="020B0604020202020204" pitchFamily="34" charset="0"/>
+              </a:rPr>
+              <a:t>«To </a:t>
+            </a:r>
+            <a:r>
+              <a:rPr lang="it-IT" sz="2800" i="1" dirty="0" err="1">
+                <a:latin typeface="Arial" panose="020B0604020202020204" pitchFamily="34" charset="0"/>
+                <a:cs typeface="Arial" panose="020B0604020202020204" pitchFamily="34" charset="0"/>
+              </a:rPr>
+              <a:t>what</a:t>
+            </a:r>
+            <a:r>
+              <a:rPr lang="it-IT" sz="2800" i="1" dirty="0">
+                <a:latin typeface="Arial" panose="020B0604020202020204" pitchFamily="34" charset="0"/>
+                <a:cs typeface="Arial" panose="020B0604020202020204" pitchFamily="34" charset="0"/>
+              </a:rPr>
+              <a:t> </a:t>
+            </a:r>
+            <a:r>
+              <a:rPr lang="it-IT" sz="2800" i="1" dirty="0" err="1">
+                <a:latin typeface="Arial" panose="020B0604020202020204" pitchFamily="34" charset="0"/>
+                <a:cs typeface="Arial" panose="020B0604020202020204" pitchFamily="34" charset="0"/>
+              </a:rPr>
+              <a:t>extent</a:t>
+            </a:r>
+            <a:r>
+              <a:rPr lang="it-IT" sz="2800" i="1" dirty="0">
+                <a:latin typeface="Arial" panose="020B0604020202020204" pitchFamily="34" charset="0"/>
+                <a:cs typeface="Arial" panose="020B0604020202020204" pitchFamily="34" charset="0"/>
+              </a:rPr>
+              <a:t> </a:t>
+            </a:r>
+            <a:r>
+              <a:rPr lang="en-GB" sz="2800" i="1" dirty="0">
+                <a:latin typeface="Arial" panose="020B0604020202020204" pitchFamily="34" charset="0"/>
+                <a:cs typeface="Arial" panose="020B0604020202020204" pitchFamily="34" charset="0"/>
+              </a:rPr>
+              <a:t>this label is correct for this alien?</a:t>
+            </a:r>
+            <a:r>
+              <a:rPr lang="it-IT" sz="2800" i="1" dirty="0">
+                <a:latin typeface="Arial" panose="020B0604020202020204" pitchFamily="34" charset="0"/>
+                <a:cs typeface="Arial" panose="020B0604020202020204" pitchFamily="34" charset="0"/>
+              </a:rPr>
+              <a:t>?»</a:t>
+            </a:r>
+            <a:endParaRPr lang="en-GB" sz="2800" i="1" dirty="0">
+              <a:latin typeface="Arial" panose="020B0604020202020204" pitchFamily="34" charset="0"/>
+              <a:cs typeface="Arial" panose="020B0604020202020204" pitchFamily="34" charset="0"/>
+            </a:endParaRPr>
+          </a:p>
+        </p:txBody>
+      </p:sp>
+      <p:sp>
+        <p:nvSpPr>
+          <p:cNvPr id="3" name="TextBox 2">
+            <a:extLst>
+              <a:ext uri="{FF2B5EF4-FFF2-40B4-BE49-F238E27FC236}">
+                <a16:creationId xmlns:a16="http://schemas.microsoft.com/office/drawing/2014/main" id="{DE2E89AB-88AF-499F-AF3F-A2FF6E59E891}"/>
+              </a:ext>
+            </a:extLst>
+          </p:cNvPr>
+          <p:cNvSpPr txBox="1"/>
+          <p:nvPr/>
+        </p:nvSpPr>
+        <p:spPr>
+          <a:xfrm>
+            <a:off x="8454746" y="2746783"/>
+            <a:ext cx="3361638" cy="1477328"/>
+          </a:xfrm>
+          <a:prstGeom prst="rect">
+            <a:avLst/>
+          </a:prstGeom>
+          <a:noFill/>
+        </p:spPr>
+        <p:txBody>
+          <a:bodyPr wrap="square" rtlCol="0">
+            <a:spAutoFit/>
+          </a:bodyPr>
+          <a:lstStyle/>
+          <a:p>
+            <a:r>
+              <a:rPr lang="en-US" dirty="0">
+                <a:latin typeface="Arial" panose="020B0604020202020204" pitchFamily="34" charset="0"/>
+                <a:cs typeface="Arial" panose="020B0604020202020204" pitchFamily="34" charset="0"/>
+              </a:rPr>
+              <a:t>+100: It’s the correct label</a:t>
+            </a:r>
+          </a:p>
+          <a:p>
+            <a:endParaRPr lang="en-US" dirty="0">
+              <a:latin typeface="Arial" panose="020B0604020202020204" pitchFamily="34" charset="0"/>
+              <a:cs typeface="Arial" panose="020B0604020202020204" pitchFamily="34" charset="0"/>
+            </a:endParaRPr>
+          </a:p>
+          <a:p>
+            <a:r>
+              <a:rPr lang="en-US" dirty="0">
+                <a:latin typeface="Arial" panose="020B0604020202020204" pitchFamily="34" charset="0"/>
+                <a:cs typeface="Arial" panose="020B0604020202020204" pitchFamily="34" charset="0"/>
+              </a:rPr>
+              <a:t>0: I don’t know</a:t>
+            </a:r>
+          </a:p>
+          <a:p>
+            <a:endParaRPr lang="en-US" dirty="0">
+              <a:latin typeface="Arial" panose="020B0604020202020204" pitchFamily="34" charset="0"/>
+              <a:cs typeface="Arial" panose="020B0604020202020204" pitchFamily="34" charset="0"/>
+            </a:endParaRPr>
+          </a:p>
+          <a:p>
+            <a:r>
+              <a:rPr lang="en-US" dirty="0">
+                <a:latin typeface="Arial" panose="020B0604020202020204" pitchFamily="34" charset="0"/>
+                <a:cs typeface="Arial" panose="020B0604020202020204" pitchFamily="34" charset="0"/>
+              </a:rPr>
+              <a:t>+100: It’s NOT the correct label</a:t>
+            </a:r>
+          </a:p>
+        </p:txBody>
+      </p:sp>
+    </p:spTree>
+    <p:extLst>
+      <p:ext uri="{BB962C8B-B14F-4D97-AF65-F5344CB8AC3E}">
+        <p14:creationId xmlns:p14="http://schemas.microsoft.com/office/powerpoint/2010/main" val="2733525251"/>
+      </p:ext>
+    </p:extLst>
+  </p:cSld>
+  <p:clrMapOvr>
+    <a:masterClrMapping/>
+  </p:clrMapOvr>
+</p:sld>
+</file>
+
+<file path=ppt/slides/slide3.xml><?xml version="1.0" encoding="utf-8"?>
+<p:sld xmlns:a="http://schemas.openxmlformats.org/drawingml/2006/main" xmlns:r="http://schemas.openxmlformats.org/officeDocument/2006/relationships" xmlns:p="http://schemas.openxmlformats.org/presentationml/2006/main">
+  <p:cSld>
+    <p:spTree>
+      <p:nvGrpSpPr>
+        <p:cNvPr id="1" name=""/>
+        <p:cNvGrpSpPr/>
+        <p:nvPr/>
+      </p:nvGrpSpPr>
+      <p:grpSpPr>
+        <a:xfrm>
+          <a:off x="0" y="0"/>
+          <a:ext cx="0" cy="0"/>
+          <a:chOff x="0" y="0"/>
+          <a:chExt cx="0" cy="0"/>
+        </a:xfrm>
+      </p:grpSpPr>
+      <p:sp>
+        <p:nvSpPr>
           <p:cNvPr id="4" name="TextBox 3">
             <a:extLst>
               <a:ext uri="{FF2B5EF4-FFF2-40B4-BE49-F238E27FC236}">
@@ -6446,7 +7627,7 @@
 </p:sld>
 </file>
 
-<file path=ppt/slides/slide3.xml><?xml version="1.0" encoding="utf-8"?>
+<file path=ppt/slides/slide4.xml><?xml version="1.0" encoding="utf-8"?>
 <p:sld xmlns:a="http://schemas.openxmlformats.org/drawingml/2006/main" xmlns:r="http://schemas.openxmlformats.org/officeDocument/2006/relationships" xmlns:p="http://schemas.openxmlformats.org/presentationml/2006/main">
   <p:cSld>
     <p:spTree>
@@ -8263,7 +9444,7 @@
 </p:sld>
 </file>
 
-<file path=ppt/slides/slide4.xml><?xml version="1.0" encoding="utf-8"?>
+<file path=ppt/slides/slide5.xml><?xml version="1.0" encoding="utf-8"?>
 <p:sld xmlns:a="http://schemas.openxmlformats.org/drawingml/2006/main" xmlns:r="http://schemas.openxmlformats.org/officeDocument/2006/relationships" xmlns:p="http://schemas.openxmlformats.org/presentationml/2006/main">
   <p:cSld>
     <p:spTree>
@@ -9009,6 +10190,4796 @@
     <p:extLst>
       <p:ext uri="{BB962C8B-B14F-4D97-AF65-F5344CB8AC3E}">
         <p14:creationId xmlns:p14="http://schemas.microsoft.com/office/powerpoint/2010/main" val="3186987880"/>
+      </p:ext>
+    </p:extLst>
+  </p:cSld>
+  <p:clrMapOvr>
+    <a:masterClrMapping/>
+  </p:clrMapOvr>
+</p:sld>
+</file>
+
+<file path=ppt/slides/slide6.xml><?xml version="1.0" encoding="utf-8"?>
+<p:sld xmlns:a="http://schemas.openxmlformats.org/drawingml/2006/main" xmlns:r="http://schemas.openxmlformats.org/officeDocument/2006/relationships" xmlns:p="http://schemas.openxmlformats.org/presentationml/2006/main">
+  <p:cSld>
+    <p:spTree>
+      <p:nvGrpSpPr>
+        <p:cNvPr id="1" name=""/>
+        <p:cNvGrpSpPr/>
+        <p:nvPr/>
+      </p:nvGrpSpPr>
+      <p:grpSpPr>
+        <a:xfrm>
+          <a:off x="0" y="0"/>
+          <a:ext cx="0" cy="0"/>
+          <a:chOff x="0" y="0"/>
+          <a:chExt cx="0" cy="0"/>
+        </a:xfrm>
+      </p:grpSpPr>
+      <p:sp>
+        <p:nvSpPr>
+          <p:cNvPr id="4" name="TextBox 3">
+            <a:extLst>
+              <a:ext uri="{FF2B5EF4-FFF2-40B4-BE49-F238E27FC236}">
+                <a16:creationId xmlns:a16="http://schemas.microsoft.com/office/drawing/2014/main" id="{1EE176F0-B740-4F11-9387-5B461E4192E0}"/>
+              </a:ext>
+            </a:extLst>
+          </p:cNvPr>
+          <p:cNvSpPr txBox="1"/>
+          <p:nvPr/>
+        </p:nvSpPr>
+        <p:spPr>
+          <a:xfrm>
+            <a:off x="2532818" y="131021"/>
+            <a:ext cx="6858000" cy="954107"/>
+          </a:xfrm>
+          <a:prstGeom prst="rect">
+            <a:avLst/>
+          </a:prstGeom>
+          <a:noFill/>
+        </p:spPr>
+        <p:txBody>
+          <a:bodyPr wrap="square" rtlCol="0">
+            <a:spAutoFit/>
+          </a:bodyPr>
+          <a:lstStyle/>
+          <a:p>
+            <a:pPr algn="ctr"/>
+            <a:r>
+              <a:rPr lang="en-GB" sz="3200" dirty="0">
+                <a:latin typeface="Arial" panose="020B0604020202020204" pitchFamily="34" charset="0"/>
+                <a:cs typeface="Arial" panose="020B0604020202020204" pitchFamily="34" charset="0"/>
+              </a:rPr>
+              <a:t>Generalization tasks</a:t>
+            </a:r>
+          </a:p>
+          <a:p>
+            <a:pPr algn="ctr"/>
+            <a:r>
+              <a:rPr lang="en-GB" sz="2400" dirty="0">
+                <a:latin typeface="Arial" panose="020B0604020202020204" pitchFamily="34" charset="0"/>
+                <a:cs typeface="Arial" panose="020B0604020202020204" pitchFamily="34" charset="0"/>
+              </a:rPr>
+              <a:t>Low frequency exemplars</a:t>
+            </a:r>
+            <a:endParaRPr lang="en-GB" sz="3200" dirty="0">
+              <a:latin typeface="Arial" panose="020B0604020202020204" pitchFamily="34" charset="0"/>
+              <a:cs typeface="Arial" panose="020B0604020202020204" pitchFamily="34" charset="0"/>
+            </a:endParaRPr>
+          </a:p>
+        </p:txBody>
+      </p:sp>
+      <p:sp>
+        <p:nvSpPr>
+          <p:cNvPr id="5" name="Rectangle: Rounded Corners 4">
+            <a:extLst>
+              <a:ext uri="{FF2B5EF4-FFF2-40B4-BE49-F238E27FC236}">
+                <a16:creationId xmlns:a16="http://schemas.microsoft.com/office/drawing/2014/main" id="{2AAF000F-807F-4809-BBFC-7D5C3A134F50}"/>
+              </a:ext>
+            </a:extLst>
+          </p:cNvPr>
+          <p:cNvSpPr/>
+          <p:nvPr/>
+        </p:nvSpPr>
+        <p:spPr>
+          <a:xfrm>
+            <a:off x="318918" y="1367566"/>
+            <a:ext cx="1981057" cy="1500668"/>
+          </a:xfrm>
+          <a:prstGeom prst="roundRect">
+            <a:avLst/>
+          </a:prstGeom>
+          <a:solidFill>
+            <a:schemeClr val="bg1"/>
+          </a:solidFill>
+          <a:ln w="28575">
+            <a:solidFill>
+              <a:schemeClr val="tx1"/>
+            </a:solidFill>
+          </a:ln>
+        </p:spPr>
+        <p:style>
+          <a:lnRef idx="2">
+            <a:schemeClr val="accent1">
+              <a:shade val="50000"/>
+            </a:schemeClr>
+          </a:lnRef>
+          <a:fillRef idx="1">
+            <a:schemeClr val="accent1"/>
+          </a:fillRef>
+          <a:effectRef idx="0">
+            <a:schemeClr val="accent1"/>
+          </a:effectRef>
+          <a:fontRef idx="minor">
+            <a:schemeClr val="lt1"/>
+          </a:fontRef>
+        </p:style>
+        <p:txBody>
+          <a:bodyPr rtlCol="0" anchor="ctr"/>
+          <a:lstStyle/>
+          <a:p>
+            <a:pPr algn="ctr"/>
+            <a:r>
+              <a:rPr lang="it-IT" sz="3200" dirty="0">
+                <a:solidFill>
+                  <a:schemeClr val="tx1"/>
+                </a:solidFill>
+                <a:latin typeface="Arial" panose="020B0604020202020204" pitchFamily="34" charset="0"/>
+                <a:cs typeface="Arial" panose="020B0604020202020204" pitchFamily="34" charset="0"/>
+              </a:rPr>
+              <a:t>+</a:t>
+            </a:r>
+            <a:endParaRPr lang="en-GB" sz="3200" dirty="0">
+              <a:solidFill>
+                <a:schemeClr val="tx1"/>
+              </a:solidFill>
+              <a:latin typeface="Arial" panose="020B0604020202020204" pitchFamily="34" charset="0"/>
+              <a:cs typeface="Arial" panose="020B0604020202020204" pitchFamily="34" charset="0"/>
+            </a:endParaRPr>
+          </a:p>
+        </p:txBody>
+      </p:sp>
+      <p:sp>
+        <p:nvSpPr>
+          <p:cNvPr id="6" name="CasellaDiTesto 28">
+            <a:extLst>
+              <a:ext uri="{FF2B5EF4-FFF2-40B4-BE49-F238E27FC236}">
+                <a16:creationId xmlns:a16="http://schemas.microsoft.com/office/drawing/2014/main" id="{8D4DC71E-3660-428C-AA62-0AC2E424FF27}"/>
+              </a:ext>
+            </a:extLst>
+          </p:cNvPr>
+          <p:cNvSpPr txBox="1"/>
+          <p:nvPr/>
+        </p:nvSpPr>
+        <p:spPr>
+          <a:xfrm>
+            <a:off x="2939533" y="4348651"/>
+            <a:ext cx="1293558" cy="400110"/>
+          </a:xfrm>
+          <a:prstGeom prst="rect">
+            <a:avLst/>
+          </a:prstGeom>
+          <a:noFill/>
+        </p:spPr>
+        <p:txBody>
+          <a:bodyPr wrap="square" rtlCol="0">
+            <a:spAutoFit/>
+          </a:bodyPr>
+          <a:lstStyle/>
+          <a:p>
+            <a:r>
+              <a:rPr lang="en-GB" sz="2000" dirty="0">
+                <a:latin typeface="Arial" panose="020B0604020202020204" pitchFamily="34" charset="0"/>
+                <a:cs typeface="Arial" panose="020B0604020202020204" pitchFamily="34" charset="0"/>
+              </a:rPr>
+              <a:t>3500 </a:t>
+            </a:r>
+            <a:r>
+              <a:rPr lang="en-GB" sz="2000" dirty="0" err="1">
+                <a:latin typeface="Arial" panose="020B0604020202020204" pitchFamily="34" charset="0"/>
+                <a:cs typeface="Arial" panose="020B0604020202020204" pitchFamily="34" charset="0"/>
+              </a:rPr>
+              <a:t>ms</a:t>
+            </a:r>
+            <a:endParaRPr lang="en-GB" sz="2000" dirty="0">
+              <a:latin typeface="Arial" panose="020B0604020202020204" pitchFamily="34" charset="0"/>
+              <a:cs typeface="Arial" panose="020B0604020202020204" pitchFamily="34" charset="0"/>
+            </a:endParaRPr>
+          </a:p>
+        </p:txBody>
+      </p:sp>
+      <p:sp>
+        <p:nvSpPr>
+          <p:cNvPr id="8" name="CasellaDiTesto 28">
+            <a:extLst>
+              <a:ext uri="{FF2B5EF4-FFF2-40B4-BE49-F238E27FC236}">
+                <a16:creationId xmlns:a16="http://schemas.microsoft.com/office/drawing/2014/main" id="{F425339B-D093-44B9-82F1-262664BDE7B8}"/>
+              </a:ext>
+            </a:extLst>
+          </p:cNvPr>
+          <p:cNvSpPr txBox="1"/>
+          <p:nvPr/>
+        </p:nvSpPr>
+        <p:spPr>
+          <a:xfrm>
+            <a:off x="4086153" y="5594821"/>
+            <a:ext cx="3087942" cy="400110"/>
+          </a:xfrm>
+          <a:prstGeom prst="rect">
+            <a:avLst/>
+          </a:prstGeom>
+          <a:noFill/>
+        </p:spPr>
+        <p:txBody>
+          <a:bodyPr wrap="square" rtlCol="0">
+            <a:spAutoFit/>
+          </a:bodyPr>
+          <a:lstStyle/>
+          <a:p>
+            <a:r>
+              <a:rPr lang="en-GB" sz="2000" dirty="0">
+                <a:latin typeface="Arial" panose="020B0604020202020204" pitchFamily="34" charset="0"/>
+                <a:cs typeface="Arial" panose="020B0604020202020204" pitchFamily="34" charset="0"/>
+              </a:rPr>
+              <a:t>1000 </a:t>
+            </a:r>
+            <a:r>
+              <a:rPr lang="en-GB" sz="2000" dirty="0" err="1">
+                <a:latin typeface="Arial" panose="020B0604020202020204" pitchFamily="34" charset="0"/>
+                <a:cs typeface="Arial" panose="020B0604020202020204" pitchFamily="34" charset="0"/>
+              </a:rPr>
+              <a:t>ms</a:t>
+            </a:r>
+            <a:r>
+              <a:rPr lang="en-GB" sz="2000" dirty="0">
+                <a:latin typeface="Arial" panose="020B0604020202020204" pitchFamily="34" charset="0"/>
+                <a:cs typeface="Arial" panose="020B0604020202020204" pitchFamily="34" charset="0"/>
+              </a:rPr>
+              <a:t> + random ISI </a:t>
+            </a:r>
+          </a:p>
+        </p:txBody>
+      </p:sp>
+      <p:cxnSp>
+        <p:nvCxnSpPr>
+          <p:cNvPr id="9" name="Connettore 2 32">
+            <a:extLst>
+              <a:ext uri="{FF2B5EF4-FFF2-40B4-BE49-F238E27FC236}">
+                <a16:creationId xmlns:a16="http://schemas.microsoft.com/office/drawing/2014/main" id="{32F45C80-D43A-48CF-88AD-3EC057234B9D}"/>
+              </a:ext>
+            </a:extLst>
+          </p:cNvPr>
+          <p:cNvCxnSpPr>
+            <a:cxnSpLocks/>
+          </p:cNvCxnSpPr>
+          <p:nvPr/>
+        </p:nvCxnSpPr>
+        <p:spPr>
+          <a:xfrm>
+            <a:off x="318918" y="3227594"/>
+            <a:ext cx="4088692" cy="2885531"/>
+          </a:xfrm>
+          <a:prstGeom prst="straightConnector1">
+            <a:avLst/>
+          </a:prstGeom>
+          <a:ln w="38100">
+            <a:solidFill>
+              <a:srgbClr val="FF0000"/>
+            </a:solidFill>
+            <a:tailEnd type="arrow"/>
+          </a:ln>
+        </p:spPr>
+        <p:style>
+          <a:lnRef idx="2">
+            <a:schemeClr val="dk1"/>
+          </a:lnRef>
+          <a:fillRef idx="0">
+            <a:schemeClr val="dk1"/>
+          </a:fillRef>
+          <a:effectRef idx="1">
+            <a:schemeClr val="dk1"/>
+          </a:effectRef>
+          <a:fontRef idx="minor">
+            <a:schemeClr val="tx1"/>
+          </a:fontRef>
+        </p:style>
+      </p:cxnSp>
+      <p:sp>
+        <p:nvSpPr>
+          <p:cNvPr id="10" name="CasellaDiTesto 28">
+            <a:extLst>
+              <a:ext uri="{FF2B5EF4-FFF2-40B4-BE49-F238E27FC236}">
+                <a16:creationId xmlns:a16="http://schemas.microsoft.com/office/drawing/2014/main" id="{B169C700-7490-4845-99FF-7A315F831DB7}"/>
+              </a:ext>
+            </a:extLst>
+          </p:cNvPr>
+          <p:cNvSpPr txBox="1"/>
+          <p:nvPr/>
+        </p:nvSpPr>
+        <p:spPr>
+          <a:xfrm>
+            <a:off x="792612" y="2846341"/>
+            <a:ext cx="1293558" cy="400110"/>
+          </a:xfrm>
+          <a:prstGeom prst="rect">
+            <a:avLst/>
+          </a:prstGeom>
+          <a:noFill/>
+        </p:spPr>
+        <p:txBody>
+          <a:bodyPr wrap="square" rtlCol="0">
+            <a:spAutoFit/>
+          </a:bodyPr>
+          <a:lstStyle/>
+          <a:p>
+            <a:r>
+              <a:rPr lang="en-GB" sz="2000" dirty="0">
+                <a:latin typeface="Arial" panose="020B0604020202020204" pitchFamily="34" charset="0"/>
+                <a:cs typeface="Arial" panose="020B0604020202020204" pitchFamily="34" charset="0"/>
+              </a:rPr>
+              <a:t>500 </a:t>
+            </a:r>
+            <a:r>
+              <a:rPr lang="en-GB" sz="2000" dirty="0" err="1">
+                <a:latin typeface="Arial" panose="020B0604020202020204" pitchFamily="34" charset="0"/>
+                <a:cs typeface="Arial" panose="020B0604020202020204" pitchFamily="34" charset="0"/>
+              </a:rPr>
+              <a:t>ms</a:t>
+            </a:r>
+            <a:endParaRPr lang="en-GB" sz="2000" dirty="0">
+              <a:latin typeface="Arial" panose="020B0604020202020204" pitchFamily="34" charset="0"/>
+              <a:cs typeface="Arial" panose="020B0604020202020204" pitchFamily="34" charset="0"/>
+            </a:endParaRPr>
+          </a:p>
+        </p:txBody>
+      </p:sp>
+      <p:sp>
+        <p:nvSpPr>
+          <p:cNvPr id="11" name="Rectangle: Rounded Corners 10">
+            <a:extLst>
+              <a:ext uri="{FF2B5EF4-FFF2-40B4-BE49-F238E27FC236}">
+                <a16:creationId xmlns:a16="http://schemas.microsoft.com/office/drawing/2014/main" id="{7DACFB8F-1786-4406-92AB-2BE0BAC5972C}"/>
+              </a:ext>
+            </a:extLst>
+          </p:cNvPr>
+          <p:cNvSpPr/>
+          <p:nvPr/>
+        </p:nvSpPr>
+        <p:spPr>
+          <a:xfrm>
+            <a:off x="1885606" y="2433576"/>
+            <a:ext cx="3135820" cy="1856067"/>
+          </a:xfrm>
+          <a:prstGeom prst="roundRect">
+            <a:avLst/>
+          </a:prstGeom>
+          <a:solidFill>
+            <a:schemeClr val="bg1"/>
+          </a:solidFill>
+          <a:ln w="28575">
+            <a:solidFill>
+              <a:schemeClr val="tx1"/>
+            </a:solidFill>
+          </a:ln>
+        </p:spPr>
+        <p:style>
+          <a:lnRef idx="2">
+            <a:schemeClr val="accent1">
+              <a:shade val="50000"/>
+            </a:schemeClr>
+          </a:lnRef>
+          <a:fillRef idx="1">
+            <a:schemeClr val="accent1"/>
+          </a:fillRef>
+          <a:effectRef idx="0">
+            <a:schemeClr val="accent1"/>
+          </a:effectRef>
+          <a:fontRef idx="minor">
+            <a:schemeClr val="lt1"/>
+          </a:fontRef>
+        </p:style>
+        <p:txBody>
+          <a:bodyPr rtlCol="0" anchor="ctr"/>
+          <a:lstStyle/>
+          <a:p>
+            <a:pPr algn="ctr"/>
+            <a:endParaRPr lang="en-GB" sz="3200" dirty="0">
+              <a:solidFill>
+                <a:schemeClr val="tx1"/>
+              </a:solidFill>
+              <a:latin typeface="Arial" panose="020B0604020202020204" pitchFamily="34" charset="0"/>
+              <a:cs typeface="Arial" panose="020B0604020202020204" pitchFamily="34" charset="0"/>
+            </a:endParaRPr>
+          </a:p>
+        </p:txBody>
+      </p:sp>
+      <p:pic>
+        <p:nvPicPr>
+          <p:cNvPr id="12" name="Picture 11">
+            <a:extLst>
+              <a:ext uri="{FF2B5EF4-FFF2-40B4-BE49-F238E27FC236}">
+                <a16:creationId xmlns:a16="http://schemas.microsoft.com/office/drawing/2014/main" id="{C2F722FE-A00E-4A28-89F3-48DC534D8840}"/>
+              </a:ext>
+            </a:extLst>
+          </p:cNvPr>
+          <p:cNvPicPr>
+            <a:picLocks noChangeAspect="1"/>
+          </p:cNvPicPr>
+          <p:nvPr/>
+        </p:nvPicPr>
+        <p:blipFill>
+          <a:blip r:embed="rId2"/>
+          <a:stretch>
+            <a:fillRect/>
+          </a:stretch>
+        </p:blipFill>
+        <p:spPr>
+          <a:xfrm>
+            <a:off x="1970373" y="3145511"/>
+            <a:ext cx="1040940" cy="856499"/>
+          </a:xfrm>
+          <a:prstGeom prst="rect">
+            <a:avLst/>
+          </a:prstGeom>
+        </p:spPr>
+      </p:pic>
+      <p:sp>
+        <p:nvSpPr>
+          <p:cNvPr id="16" name="TextBox 15">
+            <a:extLst>
+              <a:ext uri="{FF2B5EF4-FFF2-40B4-BE49-F238E27FC236}">
+                <a16:creationId xmlns:a16="http://schemas.microsoft.com/office/drawing/2014/main" id="{EA6AF12B-83A8-48D0-BAEB-2D4FD43D5DDF}"/>
+              </a:ext>
+            </a:extLst>
+          </p:cNvPr>
+          <p:cNvSpPr txBox="1"/>
+          <p:nvPr/>
+        </p:nvSpPr>
+        <p:spPr>
+          <a:xfrm>
+            <a:off x="2610711" y="2425809"/>
+            <a:ext cx="1267973" cy="584775"/>
+          </a:xfrm>
+          <a:prstGeom prst="rect">
+            <a:avLst/>
+          </a:prstGeom>
+          <a:noFill/>
+        </p:spPr>
+        <p:txBody>
+          <a:bodyPr wrap="square" rtlCol="0">
+            <a:spAutoFit/>
+          </a:bodyPr>
+          <a:lstStyle/>
+          <a:p>
+            <a:r>
+              <a:rPr lang="it-IT" sz="3200" dirty="0" err="1">
+                <a:latin typeface="Arial" panose="020B0604020202020204" pitchFamily="34" charset="0"/>
+                <a:cs typeface="Arial" panose="020B0604020202020204" pitchFamily="34" charset="0"/>
+              </a:rPr>
+              <a:t>wug</a:t>
+            </a:r>
+            <a:endParaRPr lang="en-GB" sz="3200" dirty="0">
+              <a:latin typeface="Arial" panose="020B0604020202020204" pitchFamily="34" charset="0"/>
+              <a:cs typeface="Arial" panose="020B0604020202020204" pitchFamily="34" charset="0"/>
+            </a:endParaRPr>
+          </a:p>
+        </p:txBody>
+      </p:sp>
+      <p:sp>
+        <p:nvSpPr>
+          <p:cNvPr id="18" name="Rectangle: Rounded Corners 17">
+            <a:extLst>
+              <a:ext uri="{FF2B5EF4-FFF2-40B4-BE49-F238E27FC236}">
+                <a16:creationId xmlns:a16="http://schemas.microsoft.com/office/drawing/2014/main" id="{0B86A26D-B563-4C06-A0F4-AD1CA36CB0B9}"/>
+              </a:ext>
+            </a:extLst>
+          </p:cNvPr>
+          <p:cNvSpPr/>
+          <p:nvPr/>
+        </p:nvSpPr>
+        <p:spPr>
+          <a:xfrm>
+            <a:off x="4322191" y="4019695"/>
+            <a:ext cx="1981057" cy="1500668"/>
+          </a:xfrm>
+          <a:prstGeom prst="roundRect">
+            <a:avLst/>
+          </a:prstGeom>
+          <a:solidFill>
+            <a:schemeClr val="bg1"/>
+          </a:solidFill>
+          <a:ln w="28575">
+            <a:solidFill>
+              <a:schemeClr val="tx1"/>
+            </a:solidFill>
+          </a:ln>
+        </p:spPr>
+        <p:style>
+          <a:lnRef idx="2">
+            <a:schemeClr val="accent1">
+              <a:shade val="50000"/>
+            </a:schemeClr>
+          </a:lnRef>
+          <a:fillRef idx="1">
+            <a:schemeClr val="accent1"/>
+          </a:fillRef>
+          <a:effectRef idx="0">
+            <a:schemeClr val="accent1"/>
+          </a:effectRef>
+          <a:fontRef idx="minor">
+            <a:schemeClr val="lt1"/>
+          </a:fontRef>
+        </p:style>
+        <p:txBody>
+          <a:bodyPr rtlCol="0" anchor="ctr"/>
+          <a:lstStyle/>
+          <a:p>
+            <a:pPr algn="ctr"/>
+            <a:endParaRPr lang="en-GB" sz="3200" dirty="0">
+              <a:solidFill>
+                <a:schemeClr val="tx1"/>
+              </a:solidFill>
+              <a:latin typeface="Arial" panose="020B0604020202020204" pitchFamily="34" charset="0"/>
+              <a:cs typeface="Arial" panose="020B0604020202020204" pitchFamily="34" charset="0"/>
+            </a:endParaRPr>
+          </a:p>
+        </p:txBody>
+      </p:sp>
+      <p:sp>
+        <p:nvSpPr>
+          <p:cNvPr id="28" name="TextBox 27">
+            <a:extLst>
+              <a:ext uri="{FF2B5EF4-FFF2-40B4-BE49-F238E27FC236}">
+                <a16:creationId xmlns:a16="http://schemas.microsoft.com/office/drawing/2014/main" id="{5F435B34-0E34-4EE1-A85F-CC969E5B95CC}"/>
+              </a:ext>
+            </a:extLst>
+          </p:cNvPr>
+          <p:cNvSpPr txBox="1"/>
+          <p:nvPr/>
+        </p:nvSpPr>
+        <p:spPr>
+          <a:xfrm>
+            <a:off x="2454146" y="1452337"/>
+            <a:ext cx="3783806" cy="830997"/>
+          </a:xfrm>
+          <a:prstGeom prst="rect">
+            <a:avLst/>
+          </a:prstGeom>
+          <a:noFill/>
+        </p:spPr>
+        <p:txBody>
+          <a:bodyPr wrap="square" rtlCol="0">
+            <a:spAutoFit/>
+          </a:bodyPr>
+          <a:lstStyle/>
+          <a:p>
+            <a:r>
+              <a:rPr lang="it-IT" sz="2400" i="1" dirty="0">
+                <a:latin typeface="Arial" panose="020B0604020202020204" pitchFamily="34" charset="0"/>
+                <a:cs typeface="Arial" panose="020B0604020202020204" pitchFamily="34" charset="0"/>
+              </a:rPr>
+              <a:t>«Select the </a:t>
+            </a:r>
+            <a:r>
+              <a:rPr lang="it-IT" sz="2400" b="1" i="1" dirty="0" err="1">
+                <a:latin typeface="Arial" panose="020B0604020202020204" pitchFamily="34" charset="0"/>
+                <a:cs typeface="Arial" panose="020B0604020202020204" pitchFamily="34" charset="0"/>
+              </a:rPr>
+              <a:t>fribble</a:t>
+            </a:r>
+            <a:r>
+              <a:rPr lang="it-IT" sz="2400" i="1" dirty="0">
+                <a:latin typeface="Arial" panose="020B0604020202020204" pitchFamily="34" charset="0"/>
+                <a:cs typeface="Arial" panose="020B0604020202020204" pitchFamily="34" charset="0"/>
+              </a:rPr>
+              <a:t> </a:t>
+            </a:r>
+            <a:r>
+              <a:rPr lang="it-IT" sz="2400" i="1" dirty="0" err="1">
+                <a:latin typeface="Arial" panose="020B0604020202020204" pitchFamily="34" charset="0"/>
+                <a:cs typeface="Arial" panose="020B0604020202020204" pitchFamily="34" charset="0"/>
+              </a:rPr>
+              <a:t>that</a:t>
+            </a:r>
+            <a:r>
+              <a:rPr lang="it-IT" sz="2400" i="1" dirty="0">
+                <a:latin typeface="Arial" panose="020B0604020202020204" pitchFamily="34" charset="0"/>
+                <a:cs typeface="Arial" panose="020B0604020202020204" pitchFamily="34" charset="0"/>
+              </a:rPr>
+              <a:t> best matches the </a:t>
+            </a:r>
+            <a:r>
+              <a:rPr lang="it-IT" sz="2400" b="1" i="1" dirty="0">
+                <a:latin typeface="Arial" panose="020B0604020202020204" pitchFamily="34" charset="0"/>
+                <a:cs typeface="Arial" panose="020B0604020202020204" pitchFamily="34" charset="0"/>
+              </a:rPr>
+              <a:t>label</a:t>
+            </a:r>
+            <a:r>
+              <a:rPr lang="it-IT" sz="2400" i="1" dirty="0">
+                <a:latin typeface="Arial" panose="020B0604020202020204" pitchFamily="34" charset="0"/>
+                <a:cs typeface="Arial" panose="020B0604020202020204" pitchFamily="34" charset="0"/>
+              </a:rPr>
+              <a:t>»</a:t>
+            </a:r>
+            <a:endParaRPr lang="en-GB" sz="2400" i="1" dirty="0">
+              <a:latin typeface="Arial" panose="020B0604020202020204" pitchFamily="34" charset="0"/>
+              <a:cs typeface="Arial" panose="020B0604020202020204" pitchFamily="34" charset="0"/>
+            </a:endParaRPr>
+          </a:p>
+        </p:txBody>
+      </p:sp>
+      <p:pic>
+        <p:nvPicPr>
+          <p:cNvPr id="2" name="Picture 1">
+            <a:extLst>
+              <a:ext uri="{FF2B5EF4-FFF2-40B4-BE49-F238E27FC236}">
+                <a16:creationId xmlns:a16="http://schemas.microsoft.com/office/drawing/2014/main" id="{6A5F4129-102E-4366-B8B5-42D31878ED42}"/>
+              </a:ext>
+            </a:extLst>
+          </p:cNvPr>
+          <p:cNvPicPr>
+            <a:picLocks noChangeAspect="1"/>
+          </p:cNvPicPr>
+          <p:nvPr/>
+        </p:nvPicPr>
+        <p:blipFill>
+          <a:blip r:embed="rId3"/>
+          <a:stretch>
+            <a:fillRect/>
+          </a:stretch>
+        </p:blipFill>
+        <p:spPr>
+          <a:xfrm>
+            <a:off x="2939534" y="3145510"/>
+            <a:ext cx="1164774" cy="940953"/>
+          </a:xfrm>
+          <a:prstGeom prst="rect">
+            <a:avLst/>
+          </a:prstGeom>
+        </p:spPr>
+      </p:pic>
+      <p:pic>
+        <p:nvPicPr>
+          <p:cNvPr id="3" name="Picture 2">
+            <a:extLst>
+              <a:ext uri="{FF2B5EF4-FFF2-40B4-BE49-F238E27FC236}">
+                <a16:creationId xmlns:a16="http://schemas.microsoft.com/office/drawing/2014/main" id="{4A74CDB1-F637-4872-8F06-D4F097B16EF0}"/>
+              </a:ext>
+            </a:extLst>
+          </p:cNvPr>
+          <p:cNvPicPr>
+            <a:picLocks noChangeAspect="1"/>
+          </p:cNvPicPr>
+          <p:nvPr/>
+        </p:nvPicPr>
+        <p:blipFill>
+          <a:blip r:embed="rId4"/>
+          <a:stretch>
+            <a:fillRect/>
+          </a:stretch>
+        </p:blipFill>
+        <p:spPr>
+          <a:xfrm>
+            <a:off x="4038636" y="3051353"/>
+            <a:ext cx="956679" cy="940953"/>
+          </a:xfrm>
+          <a:prstGeom prst="rect">
+            <a:avLst/>
+          </a:prstGeom>
+        </p:spPr>
+      </p:pic>
+      <p:sp>
+        <p:nvSpPr>
+          <p:cNvPr id="23" name="Rectangle: Rounded Corners 22">
+            <a:extLst>
+              <a:ext uri="{FF2B5EF4-FFF2-40B4-BE49-F238E27FC236}">
+                <a16:creationId xmlns:a16="http://schemas.microsoft.com/office/drawing/2014/main" id="{58183BED-25DD-49D6-A5C1-14B6ED554954}"/>
+              </a:ext>
+            </a:extLst>
+          </p:cNvPr>
+          <p:cNvSpPr/>
+          <p:nvPr/>
+        </p:nvSpPr>
+        <p:spPr>
+          <a:xfrm>
+            <a:off x="6019373" y="1427501"/>
+            <a:ext cx="1981057" cy="1500668"/>
+          </a:xfrm>
+          <a:prstGeom prst="roundRect">
+            <a:avLst/>
+          </a:prstGeom>
+          <a:solidFill>
+            <a:schemeClr val="bg1"/>
+          </a:solidFill>
+          <a:ln w="28575">
+            <a:solidFill>
+              <a:schemeClr val="tx1"/>
+            </a:solidFill>
+          </a:ln>
+        </p:spPr>
+        <p:style>
+          <a:lnRef idx="2">
+            <a:schemeClr val="accent1">
+              <a:shade val="50000"/>
+            </a:schemeClr>
+          </a:lnRef>
+          <a:fillRef idx="1">
+            <a:schemeClr val="accent1"/>
+          </a:fillRef>
+          <a:effectRef idx="0">
+            <a:schemeClr val="accent1"/>
+          </a:effectRef>
+          <a:fontRef idx="minor">
+            <a:schemeClr val="lt1"/>
+          </a:fontRef>
+        </p:style>
+        <p:txBody>
+          <a:bodyPr rtlCol="0" anchor="ctr"/>
+          <a:lstStyle/>
+          <a:p>
+            <a:pPr algn="ctr"/>
+            <a:r>
+              <a:rPr lang="it-IT" sz="3200" dirty="0">
+                <a:solidFill>
+                  <a:schemeClr val="tx1"/>
+                </a:solidFill>
+                <a:latin typeface="Arial" panose="020B0604020202020204" pitchFamily="34" charset="0"/>
+                <a:cs typeface="Arial" panose="020B0604020202020204" pitchFamily="34" charset="0"/>
+              </a:rPr>
+              <a:t>+</a:t>
+            </a:r>
+            <a:endParaRPr lang="en-GB" sz="3200" dirty="0">
+              <a:solidFill>
+                <a:schemeClr val="tx1"/>
+              </a:solidFill>
+              <a:latin typeface="Arial" panose="020B0604020202020204" pitchFamily="34" charset="0"/>
+              <a:cs typeface="Arial" panose="020B0604020202020204" pitchFamily="34" charset="0"/>
+            </a:endParaRPr>
+          </a:p>
+        </p:txBody>
+      </p:sp>
+      <p:sp>
+        <p:nvSpPr>
+          <p:cNvPr id="24" name="CasellaDiTesto 28">
+            <a:extLst>
+              <a:ext uri="{FF2B5EF4-FFF2-40B4-BE49-F238E27FC236}">
+                <a16:creationId xmlns:a16="http://schemas.microsoft.com/office/drawing/2014/main" id="{52252317-111E-4956-B35A-F2889EFD5A16}"/>
+              </a:ext>
+            </a:extLst>
+          </p:cNvPr>
+          <p:cNvSpPr txBox="1"/>
+          <p:nvPr/>
+        </p:nvSpPr>
+        <p:spPr>
+          <a:xfrm>
+            <a:off x="8639988" y="4408586"/>
+            <a:ext cx="1293558" cy="400110"/>
+          </a:xfrm>
+          <a:prstGeom prst="rect">
+            <a:avLst/>
+          </a:prstGeom>
+          <a:noFill/>
+        </p:spPr>
+        <p:txBody>
+          <a:bodyPr wrap="square" rtlCol="0">
+            <a:spAutoFit/>
+          </a:bodyPr>
+          <a:lstStyle/>
+          <a:p>
+            <a:r>
+              <a:rPr lang="en-GB" sz="2000" dirty="0">
+                <a:latin typeface="Arial" panose="020B0604020202020204" pitchFamily="34" charset="0"/>
+                <a:cs typeface="Arial" panose="020B0604020202020204" pitchFamily="34" charset="0"/>
+              </a:rPr>
+              <a:t>3500 </a:t>
+            </a:r>
+            <a:r>
+              <a:rPr lang="en-GB" sz="2000" dirty="0" err="1">
+                <a:latin typeface="Arial" panose="020B0604020202020204" pitchFamily="34" charset="0"/>
+                <a:cs typeface="Arial" panose="020B0604020202020204" pitchFamily="34" charset="0"/>
+              </a:rPr>
+              <a:t>ms</a:t>
+            </a:r>
+            <a:endParaRPr lang="en-GB" sz="2000" dirty="0">
+              <a:latin typeface="Arial" panose="020B0604020202020204" pitchFamily="34" charset="0"/>
+              <a:cs typeface="Arial" panose="020B0604020202020204" pitchFamily="34" charset="0"/>
+            </a:endParaRPr>
+          </a:p>
+        </p:txBody>
+      </p:sp>
+      <p:sp>
+        <p:nvSpPr>
+          <p:cNvPr id="25" name="CasellaDiTesto 28">
+            <a:extLst>
+              <a:ext uri="{FF2B5EF4-FFF2-40B4-BE49-F238E27FC236}">
+                <a16:creationId xmlns:a16="http://schemas.microsoft.com/office/drawing/2014/main" id="{BD90D6BB-9F92-4F98-B0C0-7816BBCABD90}"/>
+              </a:ext>
+            </a:extLst>
+          </p:cNvPr>
+          <p:cNvSpPr txBox="1"/>
+          <p:nvPr/>
+        </p:nvSpPr>
+        <p:spPr>
+          <a:xfrm>
+            <a:off x="9506149" y="5735070"/>
+            <a:ext cx="2996629" cy="400110"/>
+          </a:xfrm>
+          <a:prstGeom prst="rect">
+            <a:avLst/>
+          </a:prstGeom>
+          <a:noFill/>
+        </p:spPr>
+        <p:txBody>
+          <a:bodyPr wrap="square" rtlCol="0">
+            <a:spAutoFit/>
+          </a:bodyPr>
+          <a:lstStyle/>
+          <a:p>
+            <a:r>
+              <a:rPr lang="en-GB" sz="2000" dirty="0">
+                <a:latin typeface="Arial" panose="020B0604020202020204" pitchFamily="34" charset="0"/>
+                <a:cs typeface="Arial" panose="020B0604020202020204" pitchFamily="34" charset="0"/>
+              </a:rPr>
+              <a:t>1000 </a:t>
+            </a:r>
+            <a:r>
+              <a:rPr lang="en-GB" sz="2000" dirty="0" err="1">
+                <a:latin typeface="Arial" panose="020B0604020202020204" pitchFamily="34" charset="0"/>
+                <a:cs typeface="Arial" panose="020B0604020202020204" pitchFamily="34" charset="0"/>
+              </a:rPr>
+              <a:t>ms</a:t>
+            </a:r>
+            <a:r>
+              <a:rPr lang="en-GB" sz="2000" dirty="0">
+                <a:latin typeface="Arial" panose="020B0604020202020204" pitchFamily="34" charset="0"/>
+                <a:cs typeface="Arial" panose="020B0604020202020204" pitchFamily="34" charset="0"/>
+              </a:rPr>
+              <a:t> + random ISI </a:t>
+            </a:r>
+          </a:p>
+        </p:txBody>
+      </p:sp>
+      <p:cxnSp>
+        <p:nvCxnSpPr>
+          <p:cNvPr id="26" name="Connettore 2 32">
+            <a:extLst>
+              <a:ext uri="{FF2B5EF4-FFF2-40B4-BE49-F238E27FC236}">
+                <a16:creationId xmlns:a16="http://schemas.microsoft.com/office/drawing/2014/main" id="{A8CB6DDE-95DD-4863-9875-8D8294B910FC}"/>
+              </a:ext>
+            </a:extLst>
+          </p:cNvPr>
+          <p:cNvCxnSpPr>
+            <a:cxnSpLocks/>
+          </p:cNvCxnSpPr>
+          <p:nvPr/>
+        </p:nvCxnSpPr>
+        <p:spPr>
+          <a:xfrm>
+            <a:off x="5888006" y="3463537"/>
+            <a:ext cx="4088692" cy="2885531"/>
+          </a:xfrm>
+          <a:prstGeom prst="straightConnector1">
+            <a:avLst/>
+          </a:prstGeom>
+          <a:ln w="38100">
+            <a:solidFill>
+              <a:srgbClr val="FF0000"/>
+            </a:solidFill>
+            <a:tailEnd type="arrow"/>
+          </a:ln>
+        </p:spPr>
+        <p:style>
+          <a:lnRef idx="2">
+            <a:schemeClr val="dk1"/>
+          </a:lnRef>
+          <a:fillRef idx="0">
+            <a:schemeClr val="dk1"/>
+          </a:fillRef>
+          <a:effectRef idx="1">
+            <a:schemeClr val="dk1"/>
+          </a:effectRef>
+          <a:fontRef idx="minor">
+            <a:schemeClr val="tx1"/>
+          </a:fontRef>
+        </p:style>
+      </p:cxnSp>
+      <p:sp>
+        <p:nvSpPr>
+          <p:cNvPr id="27" name="CasellaDiTesto 28">
+            <a:extLst>
+              <a:ext uri="{FF2B5EF4-FFF2-40B4-BE49-F238E27FC236}">
+                <a16:creationId xmlns:a16="http://schemas.microsoft.com/office/drawing/2014/main" id="{D6E73E61-8D94-450A-8CB0-91FA6B312F75}"/>
+              </a:ext>
+            </a:extLst>
+          </p:cNvPr>
+          <p:cNvSpPr txBox="1"/>
+          <p:nvPr/>
+        </p:nvSpPr>
+        <p:spPr>
+          <a:xfrm>
+            <a:off x="6493067" y="2906276"/>
+            <a:ext cx="1293558" cy="400110"/>
+          </a:xfrm>
+          <a:prstGeom prst="rect">
+            <a:avLst/>
+          </a:prstGeom>
+          <a:noFill/>
+        </p:spPr>
+        <p:txBody>
+          <a:bodyPr wrap="square" rtlCol="0">
+            <a:spAutoFit/>
+          </a:bodyPr>
+          <a:lstStyle/>
+          <a:p>
+            <a:r>
+              <a:rPr lang="en-GB" sz="2000" dirty="0">
+                <a:latin typeface="Arial" panose="020B0604020202020204" pitchFamily="34" charset="0"/>
+                <a:cs typeface="Arial" panose="020B0604020202020204" pitchFamily="34" charset="0"/>
+              </a:rPr>
+              <a:t>500 </a:t>
+            </a:r>
+            <a:r>
+              <a:rPr lang="en-GB" sz="2000" dirty="0" err="1">
+                <a:latin typeface="Arial" panose="020B0604020202020204" pitchFamily="34" charset="0"/>
+                <a:cs typeface="Arial" panose="020B0604020202020204" pitchFamily="34" charset="0"/>
+              </a:rPr>
+              <a:t>ms</a:t>
+            </a:r>
+            <a:endParaRPr lang="en-GB" sz="2000" dirty="0">
+              <a:latin typeface="Arial" panose="020B0604020202020204" pitchFamily="34" charset="0"/>
+              <a:cs typeface="Arial" panose="020B0604020202020204" pitchFamily="34" charset="0"/>
+            </a:endParaRPr>
+          </a:p>
+        </p:txBody>
+      </p:sp>
+      <p:sp>
+        <p:nvSpPr>
+          <p:cNvPr id="32" name="Rectangle: Rounded Corners 31">
+            <a:extLst>
+              <a:ext uri="{FF2B5EF4-FFF2-40B4-BE49-F238E27FC236}">
+                <a16:creationId xmlns:a16="http://schemas.microsoft.com/office/drawing/2014/main" id="{652A054E-77B7-4305-BFA5-2D5076BB06BE}"/>
+              </a:ext>
+            </a:extLst>
+          </p:cNvPr>
+          <p:cNvSpPr/>
+          <p:nvPr/>
+        </p:nvSpPr>
+        <p:spPr>
+          <a:xfrm>
+            <a:off x="7586061" y="2493511"/>
+            <a:ext cx="3109709" cy="1856067"/>
+          </a:xfrm>
+          <a:prstGeom prst="roundRect">
+            <a:avLst/>
+          </a:prstGeom>
+          <a:solidFill>
+            <a:schemeClr val="bg1"/>
+          </a:solidFill>
+          <a:ln w="28575">
+            <a:solidFill>
+              <a:schemeClr val="tx1"/>
+            </a:solidFill>
+          </a:ln>
+        </p:spPr>
+        <p:style>
+          <a:lnRef idx="2">
+            <a:schemeClr val="accent1">
+              <a:shade val="50000"/>
+            </a:schemeClr>
+          </a:lnRef>
+          <a:fillRef idx="1">
+            <a:schemeClr val="accent1"/>
+          </a:fillRef>
+          <a:effectRef idx="0">
+            <a:schemeClr val="accent1"/>
+          </a:effectRef>
+          <a:fontRef idx="minor">
+            <a:schemeClr val="lt1"/>
+          </a:fontRef>
+        </p:style>
+        <p:txBody>
+          <a:bodyPr rtlCol="0" anchor="ctr"/>
+          <a:lstStyle/>
+          <a:p>
+            <a:pPr algn="ctr"/>
+            <a:endParaRPr lang="en-GB" sz="3200" dirty="0">
+              <a:solidFill>
+                <a:schemeClr val="tx1"/>
+              </a:solidFill>
+              <a:latin typeface="Arial" panose="020B0604020202020204" pitchFamily="34" charset="0"/>
+              <a:cs typeface="Arial" panose="020B0604020202020204" pitchFamily="34" charset="0"/>
+            </a:endParaRPr>
+          </a:p>
+        </p:txBody>
+      </p:sp>
+      <p:grpSp>
+        <p:nvGrpSpPr>
+          <p:cNvPr id="34" name="Gruppo 13">
+            <a:extLst>
+              <a:ext uri="{FF2B5EF4-FFF2-40B4-BE49-F238E27FC236}">
+                <a16:creationId xmlns:a16="http://schemas.microsoft.com/office/drawing/2014/main" id="{4211E45C-1E45-422F-876C-0C7922FDC8EF}"/>
+              </a:ext>
+            </a:extLst>
+          </p:cNvPr>
+          <p:cNvGrpSpPr/>
+          <p:nvPr/>
+        </p:nvGrpSpPr>
+        <p:grpSpPr>
+          <a:xfrm>
+            <a:off x="7925643" y="3452682"/>
+            <a:ext cx="534256" cy="485091"/>
+            <a:chOff x="439547" y="2285573"/>
+            <a:chExt cx="1136114" cy="1278743"/>
+          </a:xfrm>
+        </p:grpSpPr>
+        <p:sp>
+          <p:nvSpPr>
+            <p:cNvPr id="35" name="Suono 14">
+              <a:hlinkClick r:id="" action="ppaction://noaction" highlightClick="1"/>
+              <a:extLst>
+                <a:ext uri="{FF2B5EF4-FFF2-40B4-BE49-F238E27FC236}">
+                  <a16:creationId xmlns:a16="http://schemas.microsoft.com/office/drawing/2014/main" id="{E78A4AB8-2E21-4FDF-83B2-DC365D48CE8A}"/>
+                </a:ext>
+              </a:extLst>
+            </p:cNvPr>
+            <p:cNvSpPr/>
+            <p:nvPr/>
+          </p:nvSpPr>
+          <p:spPr>
+            <a:xfrm>
+              <a:off x="439547" y="2285573"/>
+              <a:ext cx="1136114" cy="1278743"/>
+            </a:xfrm>
+            <a:prstGeom prst="actionButtonSound">
+              <a:avLst/>
+            </a:prstGeom>
+            <a:noFill/>
+            <a:ln w="38100">
+              <a:solidFill>
+                <a:schemeClr val="tx1"/>
+              </a:solidFill>
+            </a:ln>
+          </p:spPr>
+          <p:style>
+            <a:lnRef idx="2">
+              <a:schemeClr val="accent1">
+                <a:shade val="50000"/>
+              </a:schemeClr>
+            </a:lnRef>
+            <a:fillRef idx="1">
+              <a:schemeClr val="accent1"/>
+            </a:fillRef>
+            <a:effectRef idx="0">
+              <a:schemeClr val="accent1"/>
+            </a:effectRef>
+            <a:fontRef idx="minor">
+              <a:schemeClr val="lt1"/>
+            </a:fontRef>
+          </p:style>
+          <p:txBody>
+            <a:bodyPr rtlCol="0" anchor="ctr"/>
+            <a:lstStyle/>
+            <a:p>
+              <a:pPr algn="ctr"/>
+              <a:endParaRPr lang="en-GB" dirty="0"/>
+            </a:p>
+          </p:txBody>
+        </p:sp>
+        <p:sp>
+          <p:nvSpPr>
+            <p:cNvPr id="36" name="Rettangolo 15">
+              <a:extLst>
+                <a:ext uri="{FF2B5EF4-FFF2-40B4-BE49-F238E27FC236}">
+                  <a16:creationId xmlns:a16="http://schemas.microsoft.com/office/drawing/2014/main" id="{C563E4AF-0F0F-4D56-8DBF-BE7245B2D171}"/>
+                </a:ext>
+              </a:extLst>
+            </p:cNvPr>
+            <p:cNvSpPr/>
+            <p:nvPr/>
+          </p:nvSpPr>
+          <p:spPr>
+            <a:xfrm>
+              <a:off x="439547" y="2285573"/>
+              <a:ext cx="1136114" cy="1278743"/>
+            </a:xfrm>
+            <a:prstGeom prst="rect">
+              <a:avLst/>
+            </a:prstGeom>
+            <a:noFill/>
+            <a:ln w="38100">
+              <a:solidFill>
+                <a:schemeClr val="bg1"/>
+              </a:solidFill>
+            </a:ln>
+          </p:spPr>
+          <p:style>
+            <a:lnRef idx="2">
+              <a:schemeClr val="accent1">
+                <a:shade val="50000"/>
+              </a:schemeClr>
+            </a:lnRef>
+            <a:fillRef idx="1">
+              <a:schemeClr val="accent1"/>
+            </a:fillRef>
+            <a:effectRef idx="0">
+              <a:schemeClr val="accent1"/>
+            </a:effectRef>
+            <a:fontRef idx="minor">
+              <a:schemeClr val="lt1"/>
+            </a:fontRef>
+          </p:style>
+          <p:txBody>
+            <a:bodyPr rtlCol="0" anchor="ctr"/>
+            <a:lstStyle/>
+            <a:p>
+              <a:pPr algn="ctr"/>
+              <a:endParaRPr lang="en-GB"/>
+            </a:p>
+          </p:txBody>
+        </p:sp>
+      </p:grpSp>
+      <p:sp>
+        <p:nvSpPr>
+          <p:cNvPr id="37" name="TextBox 36">
+            <a:extLst>
+              <a:ext uri="{FF2B5EF4-FFF2-40B4-BE49-F238E27FC236}">
+                <a16:creationId xmlns:a16="http://schemas.microsoft.com/office/drawing/2014/main" id="{9E10EF52-1C2E-4D3F-A621-D8B5376959A3}"/>
+              </a:ext>
+            </a:extLst>
+          </p:cNvPr>
+          <p:cNvSpPr txBox="1"/>
+          <p:nvPr/>
+        </p:nvSpPr>
+        <p:spPr>
+          <a:xfrm>
+            <a:off x="7730615" y="3772750"/>
+            <a:ext cx="947859" cy="584775"/>
+          </a:xfrm>
+          <a:prstGeom prst="rect">
+            <a:avLst/>
+          </a:prstGeom>
+          <a:noFill/>
+        </p:spPr>
+        <p:txBody>
+          <a:bodyPr wrap="square" rtlCol="0">
+            <a:spAutoFit/>
+          </a:bodyPr>
+          <a:lstStyle/>
+          <a:p>
+            <a:r>
+              <a:rPr lang="it-IT" sz="3200" dirty="0" err="1">
+                <a:latin typeface="Arial" panose="020B0604020202020204" pitchFamily="34" charset="0"/>
+                <a:cs typeface="Arial" panose="020B0604020202020204" pitchFamily="34" charset="0"/>
+              </a:rPr>
+              <a:t>wug</a:t>
+            </a:r>
+            <a:endParaRPr lang="en-GB" sz="3200" dirty="0">
+              <a:latin typeface="Arial" panose="020B0604020202020204" pitchFamily="34" charset="0"/>
+              <a:cs typeface="Arial" panose="020B0604020202020204" pitchFamily="34" charset="0"/>
+            </a:endParaRPr>
+          </a:p>
+        </p:txBody>
+      </p:sp>
+      <p:sp>
+        <p:nvSpPr>
+          <p:cNvPr id="38" name="Rectangle: Rounded Corners 37">
+            <a:extLst>
+              <a:ext uri="{FF2B5EF4-FFF2-40B4-BE49-F238E27FC236}">
+                <a16:creationId xmlns:a16="http://schemas.microsoft.com/office/drawing/2014/main" id="{307DEE5D-CB6C-4A0D-9681-E41B780B36DA}"/>
+              </a:ext>
+            </a:extLst>
+          </p:cNvPr>
+          <p:cNvSpPr/>
+          <p:nvPr/>
+        </p:nvSpPr>
+        <p:spPr>
+          <a:xfrm>
+            <a:off x="9823807" y="4221564"/>
+            <a:ext cx="1964957" cy="1568747"/>
+          </a:xfrm>
+          <a:prstGeom prst="roundRect">
+            <a:avLst/>
+          </a:prstGeom>
+          <a:solidFill>
+            <a:schemeClr val="bg1"/>
+          </a:solidFill>
+          <a:ln w="28575">
+            <a:solidFill>
+              <a:schemeClr val="tx1"/>
+            </a:solidFill>
+          </a:ln>
+        </p:spPr>
+        <p:style>
+          <a:lnRef idx="2">
+            <a:schemeClr val="accent1">
+              <a:shade val="50000"/>
+            </a:schemeClr>
+          </a:lnRef>
+          <a:fillRef idx="1">
+            <a:schemeClr val="accent1"/>
+          </a:fillRef>
+          <a:effectRef idx="0">
+            <a:schemeClr val="accent1"/>
+          </a:effectRef>
+          <a:fontRef idx="minor">
+            <a:schemeClr val="lt1"/>
+          </a:fontRef>
+        </p:style>
+        <p:txBody>
+          <a:bodyPr rtlCol="0" anchor="ctr"/>
+          <a:lstStyle/>
+          <a:p>
+            <a:pPr algn="ctr"/>
+            <a:endParaRPr lang="en-GB" sz="3200" dirty="0">
+              <a:solidFill>
+                <a:schemeClr val="tx1"/>
+              </a:solidFill>
+              <a:latin typeface="Arial" panose="020B0604020202020204" pitchFamily="34" charset="0"/>
+              <a:cs typeface="Arial" panose="020B0604020202020204" pitchFamily="34" charset="0"/>
+            </a:endParaRPr>
+          </a:p>
+        </p:txBody>
+      </p:sp>
+      <p:pic>
+        <p:nvPicPr>
+          <p:cNvPr id="40" name="Picture 39">
+            <a:extLst>
+              <a:ext uri="{FF2B5EF4-FFF2-40B4-BE49-F238E27FC236}">
+                <a16:creationId xmlns:a16="http://schemas.microsoft.com/office/drawing/2014/main" id="{E280C3D5-9C93-4714-8E32-446CB4BB7B02}"/>
+              </a:ext>
+            </a:extLst>
+          </p:cNvPr>
+          <p:cNvPicPr>
+            <a:picLocks noChangeAspect="1"/>
+          </p:cNvPicPr>
+          <p:nvPr/>
+        </p:nvPicPr>
+        <p:blipFill>
+          <a:blip r:embed="rId3"/>
+          <a:stretch>
+            <a:fillRect/>
+          </a:stretch>
+        </p:blipFill>
+        <p:spPr>
+          <a:xfrm>
+            <a:off x="8614246" y="2559078"/>
+            <a:ext cx="1164774" cy="940953"/>
+          </a:xfrm>
+          <a:prstGeom prst="rect">
+            <a:avLst/>
+          </a:prstGeom>
+        </p:spPr>
+      </p:pic>
+      <p:sp>
+        <p:nvSpPr>
+          <p:cNvPr id="42" name="TextBox 41">
+            <a:extLst>
+              <a:ext uri="{FF2B5EF4-FFF2-40B4-BE49-F238E27FC236}">
+                <a16:creationId xmlns:a16="http://schemas.microsoft.com/office/drawing/2014/main" id="{52BC60D0-2E2F-4733-9AE7-D4D33685F43D}"/>
+              </a:ext>
+            </a:extLst>
+          </p:cNvPr>
+          <p:cNvSpPr txBox="1"/>
+          <p:nvPr/>
+        </p:nvSpPr>
+        <p:spPr>
+          <a:xfrm>
+            <a:off x="8281327" y="1389795"/>
+            <a:ext cx="3783806" cy="830997"/>
+          </a:xfrm>
+          <a:prstGeom prst="rect">
+            <a:avLst/>
+          </a:prstGeom>
+          <a:noFill/>
+        </p:spPr>
+        <p:txBody>
+          <a:bodyPr wrap="square" rtlCol="0">
+            <a:spAutoFit/>
+          </a:bodyPr>
+          <a:lstStyle/>
+          <a:p>
+            <a:r>
+              <a:rPr lang="it-IT" sz="2400" i="1" dirty="0">
+                <a:latin typeface="Arial" panose="020B0604020202020204" pitchFamily="34" charset="0"/>
+                <a:cs typeface="Arial" panose="020B0604020202020204" pitchFamily="34" charset="0"/>
+              </a:rPr>
+              <a:t>«Select the </a:t>
+            </a:r>
+            <a:r>
+              <a:rPr lang="it-IT" sz="2400" b="1" i="1" dirty="0">
+                <a:latin typeface="Arial" panose="020B0604020202020204" pitchFamily="34" charset="0"/>
+                <a:cs typeface="Arial" panose="020B0604020202020204" pitchFamily="34" charset="0"/>
+              </a:rPr>
+              <a:t>label</a:t>
+            </a:r>
+            <a:r>
+              <a:rPr lang="it-IT" sz="2400" i="1" dirty="0">
+                <a:latin typeface="Arial" panose="020B0604020202020204" pitchFamily="34" charset="0"/>
+                <a:cs typeface="Arial" panose="020B0604020202020204" pitchFamily="34" charset="0"/>
+              </a:rPr>
+              <a:t> </a:t>
+            </a:r>
+            <a:r>
+              <a:rPr lang="it-IT" sz="2400" i="1" dirty="0" err="1">
+                <a:latin typeface="Arial" panose="020B0604020202020204" pitchFamily="34" charset="0"/>
+                <a:cs typeface="Arial" panose="020B0604020202020204" pitchFamily="34" charset="0"/>
+              </a:rPr>
+              <a:t>that</a:t>
+            </a:r>
+            <a:r>
+              <a:rPr lang="it-IT" sz="2400" i="1" dirty="0">
+                <a:latin typeface="Arial" panose="020B0604020202020204" pitchFamily="34" charset="0"/>
+                <a:cs typeface="Arial" panose="020B0604020202020204" pitchFamily="34" charset="0"/>
+              </a:rPr>
+              <a:t> best matches the </a:t>
+            </a:r>
+            <a:r>
+              <a:rPr lang="it-IT" sz="2400" b="1" i="1" dirty="0" err="1">
+                <a:latin typeface="Arial" panose="020B0604020202020204" pitchFamily="34" charset="0"/>
+                <a:cs typeface="Arial" panose="020B0604020202020204" pitchFamily="34" charset="0"/>
+              </a:rPr>
+              <a:t>fribble</a:t>
+            </a:r>
+            <a:r>
+              <a:rPr lang="it-IT" sz="2400" i="1" dirty="0">
+                <a:latin typeface="Arial" panose="020B0604020202020204" pitchFamily="34" charset="0"/>
+                <a:cs typeface="Arial" panose="020B0604020202020204" pitchFamily="34" charset="0"/>
+              </a:rPr>
+              <a:t>»</a:t>
+            </a:r>
+            <a:endParaRPr lang="en-GB" sz="2400" i="1" dirty="0">
+              <a:latin typeface="Arial" panose="020B0604020202020204" pitchFamily="34" charset="0"/>
+              <a:cs typeface="Arial" panose="020B0604020202020204" pitchFamily="34" charset="0"/>
+            </a:endParaRPr>
+          </a:p>
+        </p:txBody>
+      </p:sp>
+      <p:grpSp>
+        <p:nvGrpSpPr>
+          <p:cNvPr id="43" name="Gruppo 13">
+            <a:extLst>
+              <a:ext uri="{FF2B5EF4-FFF2-40B4-BE49-F238E27FC236}">
+                <a16:creationId xmlns:a16="http://schemas.microsoft.com/office/drawing/2014/main" id="{CF6EEA7D-331A-4331-89D3-4A0F7DA19AD4}"/>
+              </a:ext>
+            </a:extLst>
+          </p:cNvPr>
+          <p:cNvGrpSpPr/>
+          <p:nvPr/>
+        </p:nvGrpSpPr>
+        <p:grpSpPr>
+          <a:xfrm>
+            <a:off x="9012989" y="3440698"/>
+            <a:ext cx="534256" cy="485091"/>
+            <a:chOff x="439547" y="2285573"/>
+            <a:chExt cx="1136114" cy="1278743"/>
+          </a:xfrm>
+        </p:grpSpPr>
+        <p:sp>
+          <p:nvSpPr>
+            <p:cNvPr id="44" name="Suono 14">
+              <a:hlinkClick r:id="" action="ppaction://noaction" highlightClick="1"/>
+              <a:extLst>
+                <a:ext uri="{FF2B5EF4-FFF2-40B4-BE49-F238E27FC236}">
+                  <a16:creationId xmlns:a16="http://schemas.microsoft.com/office/drawing/2014/main" id="{3B4A4A29-9C70-49CF-841E-4766AA4AA24C}"/>
+                </a:ext>
+              </a:extLst>
+            </p:cNvPr>
+            <p:cNvSpPr/>
+            <p:nvPr/>
+          </p:nvSpPr>
+          <p:spPr>
+            <a:xfrm>
+              <a:off x="439547" y="2285573"/>
+              <a:ext cx="1136114" cy="1278743"/>
+            </a:xfrm>
+            <a:prstGeom prst="actionButtonSound">
+              <a:avLst/>
+            </a:prstGeom>
+            <a:noFill/>
+            <a:ln w="38100">
+              <a:solidFill>
+                <a:schemeClr val="tx1"/>
+              </a:solidFill>
+            </a:ln>
+          </p:spPr>
+          <p:style>
+            <a:lnRef idx="2">
+              <a:schemeClr val="accent1">
+                <a:shade val="50000"/>
+              </a:schemeClr>
+            </a:lnRef>
+            <a:fillRef idx="1">
+              <a:schemeClr val="accent1"/>
+            </a:fillRef>
+            <a:effectRef idx="0">
+              <a:schemeClr val="accent1"/>
+            </a:effectRef>
+            <a:fontRef idx="minor">
+              <a:schemeClr val="lt1"/>
+            </a:fontRef>
+          </p:style>
+          <p:txBody>
+            <a:bodyPr rtlCol="0" anchor="ctr"/>
+            <a:lstStyle/>
+            <a:p>
+              <a:pPr algn="ctr"/>
+              <a:endParaRPr lang="en-GB" dirty="0"/>
+            </a:p>
+          </p:txBody>
+        </p:sp>
+        <p:sp>
+          <p:nvSpPr>
+            <p:cNvPr id="45" name="Rettangolo 15">
+              <a:extLst>
+                <a:ext uri="{FF2B5EF4-FFF2-40B4-BE49-F238E27FC236}">
+                  <a16:creationId xmlns:a16="http://schemas.microsoft.com/office/drawing/2014/main" id="{AAB8BB7E-74C0-4146-B857-C48EEB12478A}"/>
+                </a:ext>
+              </a:extLst>
+            </p:cNvPr>
+            <p:cNvSpPr/>
+            <p:nvPr/>
+          </p:nvSpPr>
+          <p:spPr>
+            <a:xfrm>
+              <a:off x="439547" y="2285573"/>
+              <a:ext cx="1136114" cy="1278743"/>
+            </a:xfrm>
+            <a:prstGeom prst="rect">
+              <a:avLst/>
+            </a:prstGeom>
+            <a:noFill/>
+            <a:ln w="38100">
+              <a:solidFill>
+                <a:schemeClr val="bg1"/>
+              </a:solidFill>
+            </a:ln>
+          </p:spPr>
+          <p:style>
+            <a:lnRef idx="2">
+              <a:schemeClr val="accent1">
+                <a:shade val="50000"/>
+              </a:schemeClr>
+            </a:lnRef>
+            <a:fillRef idx="1">
+              <a:schemeClr val="accent1"/>
+            </a:fillRef>
+            <a:effectRef idx="0">
+              <a:schemeClr val="accent1"/>
+            </a:effectRef>
+            <a:fontRef idx="minor">
+              <a:schemeClr val="lt1"/>
+            </a:fontRef>
+          </p:style>
+          <p:txBody>
+            <a:bodyPr rtlCol="0" anchor="ctr"/>
+            <a:lstStyle/>
+            <a:p>
+              <a:pPr algn="ctr"/>
+              <a:endParaRPr lang="en-GB"/>
+            </a:p>
+          </p:txBody>
+        </p:sp>
+      </p:grpSp>
+      <p:grpSp>
+        <p:nvGrpSpPr>
+          <p:cNvPr id="46" name="Gruppo 13">
+            <a:extLst>
+              <a:ext uri="{FF2B5EF4-FFF2-40B4-BE49-F238E27FC236}">
+                <a16:creationId xmlns:a16="http://schemas.microsoft.com/office/drawing/2014/main" id="{C9D6BBE6-DA44-4BDD-8F23-E30416D2D011}"/>
+              </a:ext>
+            </a:extLst>
+          </p:cNvPr>
+          <p:cNvGrpSpPr/>
+          <p:nvPr/>
+        </p:nvGrpSpPr>
+        <p:grpSpPr>
+          <a:xfrm>
+            <a:off x="9925676" y="3449262"/>
+            <a:ext cx="534256" cy="485091"/>
+            <a:chOff x="439547" y="2285573"/>
+            <a:chExt cx="1136114" cy="1278743"/>
+          </a:xfrm>
+        </p:grpSpPr>
+        <p:sp>
+          <p:nvSpPr>
+            <p:cNvPr id="47" name="Suono 14">
+              <a:hlinkClick r:id="" action="ppaction://noaction" highlightClick="1"/>
+              <a:extLst>
+                <a:ext uri="{FF2B5EF4-FFF2-40B4-BE49-F238E27FC236}">
+                  <a16:creationId xmlns:a16="http://schemas.microsoft.com/office/drawing/2014/main" id="{67968ACD-261C-46A8-87ED-A13CCF88CF1E}"/>
+                </a:ext>
+              </a:extLst>
+            </p:cNvPr>
+            <p:cNvSpPr/>
+            <p:nvPr/>
+          </p:nvSpPr>
+          <p:spPr>
+            <a:xfrm>
+              <a:off x="439547" y="2285573"/>
+              <a:ext cx="1136114" cy="1278743"/>
+            </a:xfrm>
+            <a:prstGeom prst="actionButtonSound">
+              <a:avLst/>
+            </a:prstGeom>
+            <a:noFill/>
+            <a:ln w="38100">
+              <a:solidFill>
+                <a:schemeClr val="tx1"/>
+              </a:solidFill>
+            </a:ln>
+          </p:spPr>
+          <p:style>
+            <a:lnRef idx="2">
+              <a:schemeClr val="accent1">
+                <a:shade val="50000"/>
+              </a:schemeClr>
+            </a:lnRef>
+            <a:fillRef idx="1">
+              <a:schemeClr val="accent1"/>
+            </a:fillRef>
+            <a:effectRef idx="0">
+              <a:schemeClr val="accent1"/>
+            </a:effectRef>
+            <a:fontRef idx="minor">
+              <a:schemeClr val="lt1"/>
+            </a:fontRef>
+          </p:style>
+          <p:txBody>
+            <a:bodyPr rtlCol="0" anchor="ctr"/>
+            <a:lstStyle/>
+            <a:p>
+              <a:pPr algn="ctr"/>
+              <a:endParaRPr lang="en-GB" dirty="0"/>
+            </a:p>
+          </p:txBody>
+        </p:sp>
+        <p:sp>
+          <p:nvSpPr>
+            <p:cNvPr id="48" name="Rettangolo 15">
+              <a:extLst>
+                <a:ext uri="{FF2B5EF4-FFF2-40B4-BE49-F238E27FC236}">
+                  <a16:creationId xmlns:a16="http://schemas.microsoft.com/office/drawing/2014/main" id="{24D2D3D6-19DC-44A5-8F17-D2E6D9C137DA}"/>
+                </a:ext>
+              </a:extLst>
+            </p:cNvPr>
+            <p:cNvSpPr/>
+            <p:nvPr/>
+          </p:nvSpPr>
+          <p:spPr>
+            <a:xfrm>
+              <a:off x="439547" y="2285573"/>
+              <a:ext cx="1136114" cy="1278743"/>
+            </a:xfrm>
+            <a:prstGeom prst="rect">
+              <a:avLst/>
+            </a:prstGeom>
+            <a:noFill/>
+            <a:ln w="38100">
+              <a:solidFill>
+                <a:schemeClr val="bg1"/>
+              </a:solidFill>
+            </a:ln>
+          </p:spPr>
+          <p:style>
+            <a:lnRef idx="2">
+              <a:schemeClr val="accent1">
+                <a:shade val="50000"/>
+              </a:schemeClr>
+            </a:lnRef>
+            <a:fillRef idx="1">
+              <a:schemeClr val="accent1"/>
+            </a:fillRef>
+            <a:effectRef idx="0">
+              <a:schemeClr val="accent1"/>
+            </a:effectRef>
+            <a:fontRef idx="minor">
+              <a:schemeClr val="lt1"/>
+            </a:fontRef>
+          </p:style>
+          <p:txBody>
+            <a:bodyPr rtlCol="0" anchor="ctr"/>
+            <a:lstStyle/>
+            <a:p>
+              <a:pPr algn="ctr"/>
+              <a:endParaRPr lang="en-GB"/>
+            </a:p>
+          </p:txBody>
+        </p:sp>
+      </p:grpSp>
+      <p:sp>
+        <p:nvSpPr>
+          <p:cNvPr id="49" name="TextBox 48">
+            <a:extLst>
+              <a:ext uri="{FF2B5EF4-FFF2-40B4-BE49-F238E27FC236}">
+                <a16:creationId xmlns:a16="http://schemas.microsoft.com/office/drawing/2014/main" id="{BA6C35AD-BDB9-4A30-AB8F-2453109DAA82}"/>
+              </a:ext>
+            </a:extLst>
+          </p:cNvPr>
+          <p:cNvSpPr txBox="1"/>
+          <p:nvPr/>
+        </p:nvSpPr>
+        <p:spPr>
+          <a:xfrm>
+            <a:off x="8910773" y="3787242"/>
+            <a:ext cx="947859" cy="584775"/>
+          </a:xfrm>
+          <a:prstGeom prst="rect">
+            <a:avLst/>
+          </a:prstGeom>
+          <a:noFill/>
+        </p:spPr>
+        <p:txBody>
+          <a:bodyPr wrap="square" rtlCol="0">
+            <a:spAutoFit/>
+          </a:bodyPr>
+          <a:lstStyle/>
+          <a:p>
+            <a:r>
+              <a:rPr lang="it-IT" sz="3200" dirty="0" err="1">
+                <a:latin typeface="Arial" panose="020B0604020202020204" pitchFamily="34" charset="0"/>
+                <a:cs typeface="Arial" panose="020B0604020202020204" pitchFamily="34" charset="0"/>
+              </a:rPr>
+              <a:t>tob</a:t>
+            </a:r>
+            <a:endParaRPr lang="en-GB" sz="3200" dirty="0">
+              <a:latin typeface="Arial" panose="020B0604020202020204" pitchFamily="34" charset="0"/>
+              <a:cs typeface="Arial" panose="020B0604020202020204" pitchFamily="34" charset="0"/>
+            </a:endParaRPr>
+          </a:p>
+        </p:txBody>
+      </p:sp>
+      <p:sp>
+        <p:nvSpPr>
+          <p:cNvPr id="50" name="TextBox 49">
+            <a:extLst>
+              <a:ext uri="{FF2B5EF4-FFF2-40B4-BE49-F238E27FC236}">
+                <a16:creationId xmlns:a16="http://schemas.microsoft.com/office/drawing/2014/main" id="{7886B644-3652-4FCA-AA75-92C9AA4CA565}"/>
+              </a:ext>
+            </a:extLst>
+          </p:cNvPr>
+          <p:cNvSpPr txBox="1"/>
+          <p:nvPr/>
+        </p:nvSpPr>
+        <p:spPr>
+          <a:xfrm>
+            <a:off x="9854286" y="3775258"/>
+            <a:ext cx="947859" cy="584775"/>
+          </a:xfrm>
+          <a:prstGeom prst="rect">
+            <a:avLst/>
+          </a:prstGeom>
+          <a:noFill/>
+        </p:spPr>
+        <p:txBody>
+          <a:bodyPr wrap="square" rtlCol="0">
+            <a:spAutoFit/>
+          </a:bodyPr>
+          <a:lstStyle/>
+          <a:p>
+            <a:r>
+              <a:rPr lang="it-IT" sz="3200" dirty="0" err="1">
+                <a:latin typeface="Arial" panose="020B0604020202020204" pitchFamily="34" charset="0"/>
+                <a:cs typeface="Arial" panose="020B0604020202020204" pitchFamily="34" charset="0"/>
+              </a:rPr>
+              <a:t>dep</a:t>
+            </a:r>
+            <a:endParaRPr lang="en-GB" sz="3200" dirty="0">
+              <a:latin typeface="Arial" panose="020B0604020202020204" pitchFamily="34" charset="0"/>
+              <a:cs typeface="Arial" panose="020B0604020202020204" pitchFamily="34" charset="0"/>
+            </a:endParaRPr>
+          </a:p>
+        </p:txBody>
+      </p:sp>
+    </p:spTree>
+    <p:extLst>
+      <p:ext uri="{BB962C8B-B14F-4D97-AF65-F5344CB8AC3E}">
+        <p14:creationId xmlns:p14="http://schemas.microsoft.com/office/powerpoint/2010/main" val="1649271895"/>
+      </p:ext>
+    </p:extLst>
+  </p:cSld>
+  <p:clrMapOvr>
+    <a:masterClrMapping/>
+  </p:clrMapOvr>
+</p:sld>
+</file>
+
+<file path=ppt/slides/slide7.xml><?xml version="1.0" encoding="utf-8"?>
+<p:sld xmlns:a="http://schemas.openxmlformats.org/drawingml/2006/main" xmlns:r="http://schemas.openxmlformats.org/officeDocument/2006/relationships" xmlns:p="http://schemas.openxmlformats.org/presentationml/2006/main">
+  <p:cSld>
+    <p:spTree>
+      <p:nvGrpSpPr>
+        <p:cNvPr id="1" name=""/>
+        <p:cNvGrpSpPr/>
+        <p:nvPr/>
+      </p:nvGrpSpPr>
+      <p:grpSpPr>
+        <a:xfrm>
+          <a:off x="0" y="0"/>
+          <a:ext cx="0" cy="0"/>
+          <a:chOff x="0" y="0"/>
+          <a:chExt cx="0" cy="0"/>
+        </a:xfrm>
+      </p:grpSpPr>
+      <p:sp>
+        <p:nvSpPr>
+          <p:cNvPr id="4" name="TextBox 3">
+            <a:extLst>
+              <a:ext uri="{FF2B5EF4-FFF2-40B4-BE49-F238E27FC236}">
+                <a16:creationId xmlns:a16="http://schemas.microsoft.com/office/drawing/2014/main" id="{1EE176F0-B740-4F11-9387-5B461E4192E0}"/>
+              </a:ext>
+            </a:extLst>
+          </p:cNvPr>
+          <p:cNvSpPr txBox="1"/>
+          <p:nvPr/>
+        </p:nvSpPr>
+        <p:spPr>
+          <a:xfrm>
+            <a:off x="2532818" y="131021"/>
+            <a:ext cx="6858000" cy="584775"/>
+          </a:xfrm>
+          <a:prstGeom prst="rect">
+            <a:avLst/>
+          </a:prstGeom>
+          <a:noFill/>
+        </p:spPr>
+        <p:txBody>
+          <a:bodyPr wrap="square" rtlCol="0">
+            <a:spAutoFit/>
+          </a:bodyPr>
+          <a:lstStyle/>
+          <a:p>
+            <a:pPr algn="ctr"/>
+            <a:r>
+              <a:rPr lang="en-GB" sz="3200" dirty="0">
+                <a:latin typeface="Arial" panose="020B0604020202020204" pitchFamily="34" charset="0"/>
+                <a:cs typeface="Arial" panose="020B0604020202020204" pitchFamily="34" charset="0"/>
+              </a:rPr>
+              <a:t>2AFC - together</a:t>
+            </a:r>
+          </a:p>
+        </p:txBody>
+      </p:sp>
+      <p:sp>
+        <p:nvSpPr>
+          <p:cNvPr id="5" name="Rectangle: Rounded Corners 4">
+            <a:extLst>
+              <a:ext uri="{FF2B5EF4-FFF2-40B4-BE49-F238E27FC236}">
+                <a16:creationId xmlns:a16="http://schemas.microsoft.com/office/drawing/2014/main" id="{2AAF000F-807F-4809-BBFC-7D5C3A134F50}"/>
+              </a:ext>
+            </a:extLst>
+          </p:cNvPr>
+          <p:cNvSpPr/>
+          <p:nvPr/>
+        </p:nvSpPr>
+        <p:spPr>
+          <a:xfrm>
+            <a:off x="318918" y="1367566"/>
+            <a:ext cx="1981057" cy="1500668"/>
+          </a:xfrm>
+          <a:prstGeom prst="roundRect">
+            <a:avLst/>
+          </a:prstGeom>
+          <a:solidFill>
+            <a:schemeClr val="bg1"/>
+          </a:solidFill>
+          <a:ln w="28575">
+            <a:solidFill>
+              <a:schemeClr val="tx1"/>
+            </a:solidFill>
+          </a:ln>
+        </p:spPr>
+        <p:style>
+          <a:lnRef idx="2">
+            <a:schemeClr val="accent1">
+              <a:shade val="50000"/>
+            </a:schemeClr>
+          </a:lnRef>
+          <a:fillRef idx="1">
+            <a:schemeClr val="accent1"/>
+          </a:fillRef>
+          <a:effectRef idx="0">
+            <a:schemeClr val="accent1"/>
+          </a:effectRef>
+          <a:fontRef idx="minor">
+            <a:schemeClr val="lt1"/>
+          </a:fontRef>
+        </p:style>
+        <p:txBody>
+          <a:bodyPr rtlCol="0" anchor="ctr"/>
+          <a:lstStyle/>
+          <a:p>
+            <a:pPr algn="ctr"/>
+            <a:r>
+              <a:rPr lang="it-IT" sz="3200" dirty="0">
+                <a:solidFill>
+                  <a:schemeClr val="tx1"/>
+                </a:solidFill>
+                <a:latin typeface="Arial" panose="020B0604020202020204" pitchFamily="34" charset="0"/>
+                <a:cs typeface="Arial" panose="020B0604020202020204" pitchFamily="34" charset="0"/>
+              </a:rPr>
+              <a:t>+</a:t>
+            </a:r>
+            <a:endParaRPr lang="en-GB" sz="3200" dirty="0">
+              <a:solidFill>
+                <a:schemeClr val="tx1"/>
+              </a:solidFill>
+              <a:latin typeface="Arial" panose="020B0604020202020204" pitchFamily="34" charset="0"/>
+              <a:cs typeface="Arial" panose="020B0604020202020204" pitchFamily="34" charset="0"/>
+            </a:endParaRPr>
+          </a:p>
+        </p:txBody>
+      </p:sp>
+      <p:sp>
+        <p:nvSpPr>
+          <p:cNvPr id="6" name="CasellaDiTesto 28">
+            <a:extLst>
+              <a:ext uri="{FF2B5EF4-FFF2-40B4-BE49-F238E27FC236}">
+                <a16:creationId xmlns:a16="http://schemas.microsoft.com/office/drawing/2014/main" id="{8D4DC71E-3660-428C-AA62-0AC2E424FF27}"/>
+              </a:ext>
+            </a:extLst>
+          </p:cNvPr>
+          <p:cNvSpPr txBox="1"/>
+          <p:nvPr/>
+        </p:nvSpPr>
+        <p:spPr>
+          <a:xfrm>
+            <a:off x="2939533" y="4348651"/>
+            <a:ext cx="1293558" cy="400110"/>
+          </a:xfrm>
+          <a:prstGeom prst="rect">
+            <a:avLst/>
+          </a:prstGeom>
+          <a:noFill/>
+        </p:spPr>
+        <p:txBody>
+          <a:bodyPr wrap="square" rtlCol="0">
+            <a:spAutoFit/>
+          </a:bodyPr>
+          <a:lstStyle/>
+          <a:p>
+            <a:r>
+              <a:rPr lang="en-GB" sz="2000" dirty="0">
+                <a:latin typeface="Arial" panose="020B0604020202020204" pitchFamily="34" charset="0"/>
+                <a:cs typeface="Arial" panose="020B0604020202020204" pitchFamily="34" charset="0"/>
+              </a:rPr>
+              <a:t>3500 </a:t>
+            </a:r>
+            <a:r>
+              <a:rPr lang="en-GB" sz="2000" dirty="0" err="1">
+                <a:latin typeface="Arial" panose="020B0604020202020204" pitchFamily="34" charset="0"/>
+                <a:cs typeface="Arial" panose="020B0604020202020204" pitchFamily="34" charset="0"/>
+              </a:rPr>
+              <a:t>ms</a:t>
+            </a:r>
+            <a:endParaRPr lang="en-GB" sz="2000" dirty="0">
+              <a:latin typeface="Arial" panose="020B0604020202020204" pitchFamily="34" charset="0"/>
+              <a:cs typeface="Arial" panose="020B0604020202020204" pitchFamily="34" charset="0"/>
+            </a:endParaRPr>
+          </a:p>
+        </p:txBody>
+      </p:sp>
+      <p:sp>
+        <p:nvSpPr>
+          <p:cNvPr id="8" name="CasellaDiTesto 28">
+            <a:extLst>
+              <a:ext uri="{FF2B5EF4-FFF2-40B4-BE49-F238E27FC236}">
+                <a16:creationId xmlns:a16="http://schemas.microsoft.com/office/drawing/2014/main" id="{F425339B-D093-44B9-82F1-262664BDE7B8}"/>
+              </a:ext>
+            </a:extLst>
+          </p:cNvPr>
+          <p:cNvSpPr txBox="1"/>
+          <p:nvPr/>
+        </p:nvSpPr>
+        <p:spPr>
+          <a:xfrm>
+            <a:off x="4086153" y="5594821"/>
+            <a:ext cx="3087942" cy="400110"/>
+          </a:xfrm>
+          <a:prstGeom prst="rect">
+            <a:avLst/>
+          </a:prstGeom>
+          <a:noFill/>
+        </p:spPr>
+        <p:txBody>
+          <a:bodyPr wrap="square" rtlCol="0">
+            <a:spAutoFit/>
+          </a:bodyPr>
+          <a:lstStyle/>
+          <a:p>
+            <a:r>
+              <a:rPr lang="en-GB" sz="2000" dirty="0">
+                <a:latin typeface="Arial" panose="020B0604020202020204" pitchFamily="34" charset="0"/>
+                <a:cs typeface="Arial" panose="020B0604020202020204" pitchFamily="34" charset="0"/>
+              </a:rPr>
+              <a:t>1000 </a:t>
+            </a:r>
+            <a:r>
+              <a:rPr lang="en-GB" sz="2000" dirty="0" err="1">
+                <a:latin typeface="Arial" panose="020B0604020202020204" pitchFamily="34" charset="0"/>
+                <a:cs typeface="Arial" panose="020B0604020202020204" pitchFamily="34" charset="0"/>
+              </a:rPr>
+              <a:t>ms</a:t>
+            </a:r>
+            <a:r>
+              <a:rPr lang="en-GB" sz="2000" dirty="0">
+                <a:latin typeface="Arial" panose="020B0604020202020204" pitchFamily="34" charset="0"/>
+                <a:cs typeface="Arial" panose="020B0604020202020204" pitchFamily="34" charset="0"/>
+              </a:rPr>
+              <a:t> + random ISI </a:t>
+            </a:r>
+          </a:p>
+        </p:txBody>
+      </p:sp>
+      <p:cxnSp>
+        <p:nvCxnSpPr>
+          <p:cNvPr id="9" name="Connettore 2 32">
+            <a:extLst>
+              <a:ext uri="{FF2B5EF4-FFF2-40B4-BE49-F238E27FC236}">
+                <a16:creationId xmlns:a16="http://schemas.microsoft.com/office/drawing/2014/main" id="{32F45C80-D43A-48CF-88AD-3EC057234B9D}"/>
+              </a:ext>
+            </a:extLst>
+          </p:cNvPr>
+          <p:cNvCxnSpPr>
+            <a:cxnSpLocks/>
+          </p:cNvCxnSpPr>
+          <p:nvPr/>
+        </p:nvCxnSpPr>
+        <p:spPr>
+          <a:xfrm>
+            <a:off x="318918" y="3227594"/>
+            <a:ext cx="4088692" cy="2885531"/>
+          </a:xfrm>
+          <a:prstGeom prst="straightConnector1">
+            <a:avLst/>
+          </a:prstGeom>
+          <a:ln w="38100">
+            <a:solidFill>
+              <a:srgbClr val="FF0000"/>
+            </a:solidFill>
+            <a:tailEnd type="arrow"/>
+          </a:ln>
+        </p:spPr>
+        <p:style>
+          <a:lnRef idx="2">
+            <a:schemeClr val="dk1"/>
+          </a:lnRef>
+          <a:fillRef idx="0">
+            <a:schemeClr val="dk1"/>
+          </a:fillRef>
+          <a:effectRef idx="1">
+            <a:schemeClr val="dk1"/>
+          </a:effectRef>
+          <a:fontRef idx="minor">
+            <a:schemeClr val="tx1"/>
+          </a:fontRef>
+        </p:style>
+      </p:cxnSp>
+      <p:sp>
+        <p:nvSpPr>
+          <p:cNvPr id="10" name="CasellaDiTesto 28">
+            <a:extLst>
+              <a:ext uri="{FF2B5EF4-FFF2-40B4-BE49-F238E27FC236}">
+                <a16:creationId xmlns:a16="http://schemas.microsoft.com/office/drawing/2014/main" id="{B169C700-7490-4845-99FF-7A315F831DB7}"/>
+              </a:ext>
+            </a:extLst>
+          </p:cNvPr>
+          <p:cNvSpPr txBox="1"/>
+          <p:nvPr/>
+        </p:nvSpPr>
+        <p:spPr>
+          <a:xfrm>
+            <a:off x="792612" y="2846341"/>
+            <a:ext cx="1293558" cy="400110"/>
+          </a:xfrm>
+          <a:prstGeom prst="rect">
+            <a:avLst/>
+          </a:prstGeom>
+          <a:noFill/>
+        </p:spPr>
+        <p:txBody>
+          <a:bodyPr wrap="square" rtlCol="0">
+            <a:spAutoFit/>
+          </a:bodyPr>
+          <a:lstStyle/>
+          <a:p>
+            <a:r>
+              <a:rPr lang="en-GB" sz="2000" dirty="0">
+                <a:latin typeface="Arial" panose="020B0604020202020204" pitchFamily="34" charset="0"/>
+                <a:cs typeface="Arial" panose="020B0604020202020204" pitchFamily="34" charset="0"/>
+              </a:rPr>
+              <a:t>500 </a:t>
+            </a:r>
+            <a:r>
+              <a:rPr lang="en-GB" sz="2000" dirty="0" err="1">
+                <a:latin typeface="Arial" panose="020B0604020202020204" pitchFamily="34" charset="0"/>
+                <a:cs typeface="Arial" panose="020B0604020202020204" pitchFamily="34" charset="0"/>
+              </a:rPr>
+              <a:t>ms</a:t>
+            </a:r>
+            <a:endParaRPr lang="en-GB" sz="2000" dirty="0">
+              <a:latin typeface="Arial" panose="020B0604020202020204" pitchFamily="34" charset="0"/>
+              <a:cs typeface="Arial" panose="020B0604020202020204" pitchFamily="34" charset="0"/>
+            </a:endParaRPr>
+          </a:p>
+        </p:txBody>
+      </p:sp>
+      <p:sp>
+        <p:nvSpPr>
+          <p:cNvPr id="11" name="Rectangle: Rounded Corners 10">
+            <a:extLst>
+              <a:ext uri="{FF2B5EF4-FFF2-40B4-BE49-F238E27FC236}">
+                <a16:creationId xmlns:a16="http://schemas.microsoft.com/office/drawing/2014/main" id="{7DACFB8F-1786-4406-92AB-2BE0BAC5972C}"/>
+              </a:ext>
+            </a:extLst>
+          </p:cNvPr>
+          <p:cNvSpPr/>
+          <p:nvPr/>
+        </p:nvSpPr>
+        <p:spPr>
+          <a:xfrm>
+            <a:off x="1885606" y="2433576"/>
+            <a:ext cx="3135820" cy="1856067"/>
+          </a:xfrm>
+          <a:prstGeom prst="roundRect">
+            <a:avLst/>
+          </a:prstGeom>
+          <a:solidFill>
+            <a:schemeClr val="bg1"/>
+          </a:solidFill>
+          <a:ln w="28575">
+            <a:solidFill>
+              <a:schemeClr val="tx1"/>
+            </a:solidFill>
+          </a:ln>
+        </p:spPr>
+        <p:style>
+          <a:lnRef idx="2">
+            <a:schemeClr val="accent1">
+              <a:shade val="50000"/>
+            </a:schemeClr>
+          </a:lnRef>
+          <a:fillRef idx="1">
+            <a:schemeClr val="accent1"/>
+          </a:fillRef>
+          <a:effectRef idx="0">
+            <a:schemeClr val="accent1"/>
+          </a:effectRef>
+          <a:fontRef idx="minor">
+            <a:schemeClr val="lt1"/>
+          </a:fontRef>
+        </p:style>
+        <p:txBody>
+          <a:bodyPr rtlCol="0" anchor="ctr"/>
+          <a:lstStyle/>
+          <a:p>
+            <a:pPr algn="ctr"/>
+            <a:endParaRPr lang="en-GB" sz="3200" dirty="0">
+              <a:solidFill>
+                <a:schemeClr val="tx1"/>
+              </a:solidFill>
+              <a:latin typeface="Arial" panose="020B0604020202020204" pitchFamily="34" charset="0"/>
+              <a:cs typeface="Arial" panose="020B0604020202020204" pitchFamily="34" charset="0"/>
+            </a:endParaRPr>
+          </a:p>
+        </p:txBody>
+      </p:sp>
+      <p:pic>
+        <p:nvPicPr>
+          <p:cNvPr id="12" name="Picture 11">
+            <a:extLst>
+              <a:ext uri="{FF2B5EF4-FFF2-40B4-BE49-F238E27FC236}">
+                <a16:creationId xmlns:a16="http://schemas.microsoft.com/office/drawing/2014/main" id="{C2F722FE-A00E-4A28-89F3-48DC534D8840}"/>
+              </a:ext>
+            </a:extLst>
+          </p:cNvPr>
+          <p:cNvPicPr>
+            <a:picLocks noChangeAspect="1"/>
+          </p:cNvPicPr>
+          <p:nvPr/>
+        </p:nvPicPr>
+        <p:blipFill>
+          <a:blip r:embed="rId2"/>
+          <a:stretch>
+            <a:fillRect/>
+          </a:stretch>
+        </p:blipFill>
+        <p:spPr>
+          <a:xfrm>
+            <a:off x="1970373" y="3145511"/>
+            <a:ext cx="1040940" cy="856499"/>
+          </a:xfrm>
+          <a:prstGeom prst="rect">
+            <a:avLst/>
+          </a:prstGeom>
+        </p:spPr>
+      </p:pic>
+      <p:sp>
+        <p:nvSpPr>
+          <p:cNvPr id="16" name="TextBox 15">
+            <a:extLst>
+              <a:ext uri="{FF2B5EF4-FFF2-40B4-BE49-F238E27FC236}">
+                <a16:creationId xmlns:a16="http://schemas.microsoft.com/office/drawing/2014/main" id="{EA6AF12B-83A8-48D0-BAEB-2D4FD43D5DDF}"/>
+              </a:ext>
+            </a:extLst>
+          </p:cNvPr>
+          <p:cNvSpPr txBox="1"/>
+          <p:nvPr/>
+        </p:nvSpPr>
+        <p:spPr>
+          <a:xfrm>
+            <a:off x="2610711" y="2425809"/>
+            <a:ext cx="1267973" cy="584775"/>
+          </a:xfrm>
+          <a:prstGeom prst="rect">
+            <a:avLst/>
+          </a:prstGeom>
+          <a:noFill/>
+        </p:spPr>
+        <p:txBody>
+          <a:bodyPr wrap="square" rtlCol="0">
+            <a:spAutoFit/>
+          </a:bodyPr>
+          <a:lstStyle/>
+          <a:p>
+            <a:r>
+              <a:rPr lang="it-IT" sz="3200" dirty="0" err="1">
+                <a:latin typeface="Arial" panose="020B0604020202020204" pitchFamily="34" charset="0"/>
+                <a:cs typeface="Arial" panose="020B0604020202020204" pitchFamily="34" charset="0"/>
+              </a:rPr>
+              <a:t>wug</a:t>
+            </a:r>
+            <a:endParaRPr lang="en-GB" sz="3200" dirty="0">
+              <a:latin typeface="Arial" panose="020B0604020202020204" pitchFamily="34" charset="0"/>
+              <a:cs typeface="Arial" panose="020B0604020202020204" pitchFamily="34" charset="0"/>
+            </a:endParaRPr>
+          </a:p>
+        </p:txBody>
+      </p:sp>
+      <p:sp>
+        <p:nvSpPr>
+          <p:cNvPr id="18" name="Rectangle: Rounded Corners 17">
+            <a:extLst>
+              <a:ext uri="{FF2B5EF4-FFF2-40B4-BE49-F238E27FC236}">
+                <a16:creationId xmlns:a16="http://schemas.microsoft.com/office/drawing/2014/main" id="{0B86A26D-B563-4C06-A0F4-AD1CA36CB0B9}"/>
+              </a:ext>
+            </a:extLst>
+          </p:cNvPr>
+          <p:cNvSpPr/>
+          <p:nvPr/>
+        </p:nvSpPr>
+        <p:spPr>
+          <a:xfrm>
+            <a:off x="4322191" y="4019695"/>
+            <a:ext cx="1981057" cy="1500668"/>
+          </a:xfrm>
+          <a:prstGeom prst="roundRect">
+            <a:avLst/>
+          </a:prstGeom>
+          <a:solidFill>
+            <a:schemeClr val="bg1"/>
+          </a:solidFill>
+          <a:ln w="28575">
+            <a:solidFill>
+              <a:schemeClr val="tx1"/>
+            </a:solidFill>
+          </a:ln>
+        </p:spPr>
+        <p:style>
+          <a:lnRef idx="2">
+            <a:schemeClr val="accent1">
+              <a:shade val="50000"/>
+            </a:schemeClr>
+          </a:lnRef>
+          <a:fillRef idx="1">
+            <a:schemeClr val="accent1"/>
+          </a:fillRef>
+          <a:effectRef idx="0">
+            <a:schemeClr val="accent1"/>
+          </a:effectRef>
+          <a:fontRef idx="minor">
+            <a:schemeClr val="lt1"/>
+          </a:fontRef>
+        </p:style>
+        <p:txBody>
+          <a:bodyPr rtlCol="0" anchor="ctr"/>
+          <a:lstStyle/>
+          <a:p>
+            <a:pPr algn="ctr"/>
+            <a:endParaRPr lang="en-GB" sz="3200" dirty="0">
+              <a:solidFill>
+                <a:schemeClr val="tx1"/>
+              </a:solidFill>
+              <a:latin typeface="Arial" panose="020B0604020202020204" pitchFamily="34" charset="0"/>
+              <a:cs typeface="Arial" panose="020B0604020202020204" pitchFamily="34" charset="0"/>
+            </a:endParaRPr>
+          </a:p>
+        </p:txBody>
+      </p:sp>
+      <p:sp>
+        <p:nvSpPr>
+          <p:cNvPr id="28" name="TextBox 27">
+            <a:extLst>
+              <a:ext uri="{FF2B5EF4-FFF2-40B4-BE49-F238E27FC236}">
+                <a16:creationId xmlns:a16="http://schemas.microsoft.com/office/drawing/2014/main" id="{5F435B34-0E34-4EE1-A85F-CC969E5B95CC}"/>
+              </a:ext>
+            </a:extLst>
+          </p:cNvPr>
+          <p:cNvSpPr txBox="1"/>
+          <p:nvPr/>
+        </p:nvSpPr>
+        <p:spPr>
+          <a:xfrm>
+            <a:off x="2454146" y="1452337"/>
+            <a:ext cx="3783806" cy="830997"/>
+          </a:xfrm>
+          <a:prstGeom prst="rect">
+            <a:avLst/>
+          </a:prstGeom>
+          <a:noFill/>
+        </p:spPr>
+        <p:txBody>
+          <a:bodyPr wrap="square" rtlCol="0">
+            <a:spAutoFit/>
+          </a:bodyPr>
+          <a:lstStyle/>
+          <a:p>
+            <a:r>
+              <a:rPr lang="it-IT" sz="2400" i="1" dirty="0">
+                <a:latin typeface="Arial" panose="020B0604020202020204" pitchFamily="34" charset="0"/>
+                <a:cs typeface="Arial" panose="020B0604020202020204" pitchFamily="34" charset="0"/>
+              </a:rPr>
+              <a:t>«Select the </a:t>
+            </a:r>
+            <a:r>
+              <a:rPr lang="it-IT" sz="2400" b="1" i="1" dirty="0" err="1">
+                <a:latin typeface="Arial" panose="020B0604020202020204" pitchFamily="34" charset="0"/>
+                <a:cs typeface="Arial" panose="020B0604020202020204" pitchFamily="34" charset="0"/>
+              </a:rPr>
+              <a:t>fribble</a:t>
+            </a:r>
+            <a:r>
+              <a:rPr lang="it-IT" sz="2400" i="1" dirty="0">
+                <a:latin typeface="Arial" panose="020B0604020202020204" pitchFamily="34" charset="0"/>
+                <a:cs typeface="Arial" panose="020B0604020202020204" pitchFamily="34" charset="0"/>
+              </a:rPr>
+              <a:t> </a:t>
+            </a:r>
+            <a:r>
+              <a:rPr lang="it-IT" sz="2400" i="1" dirty="0" err="1">
+                <a:latin typeface="Arial" panose="020B0604020202020204" pitchFamily="34" charset="0"/>
+                <a:cs typeface="Arial" panose="020B0604020202020204" pitchFamily="34" charset="0"/>
+              </a:rPr>
+              <a:t>that</a:t>
+            </a:r>
+            <a:r>
+              <a:rPr lang="it-IT" sz="2400" i="1" dirty="0">
+                <a:latin typeface="Arial" panose="020B0604020202020204" pitchFamily="34" charset="0"/>
+                <a:cs typeface="Arial" panose="020B0604020202020204" pitchFamily="34" charset="0"/>
+              </a:rPr>
+              <a:t> best matches the </a:t>
+            </a:r>
+            <a:r>
+              <a:rPr lang="it-IT" sz="2400" b="1" i="1" dirty="0">
+                <a:latin typeface="Arial" panose="020B0604020202020204" pitchFamily="34" charset="0"/>
+                <a:cs typeface="Arial" panose="020B0604020202020204" pitchFamily="34" charset="0"/>
+              </a:rPr>
+              <a:t>label</a:t>
+            </a:r>
+            <a:r>
+              <a:rPr lang="it-IT" sz="2400" i="1" dirty="0">
+                <a:latin typeface="Arial" panose="020B0604020202020204" pitchFamily="34" charset="0"/>
+                <a:cs typeface="Arial" panose="020B0604020202020204" pitchFamily="34" charset="0"/>
+              </a:rPr>
+              <a:t>»</a:t>
+            </a:r>
+            <a:endParaRPr lang="en-GB" sz="2400" i="1" dirty="0">
+              <a:latin typeface="Arial" panose="020B0604020202020204" pitchFamily="34" charset="0"/>
+              <a:cs typeface="Arial" panose="020B0604020202020204" pitchFamily="34" charset="0"/>
+            </a:endParaRPr>
+          </a:p>
+        </p:txBody>
+      </p:sp>
+      <p:pic>
+        <p:nvPicPr>
+          <p:cNvPr id="2" name="Picture 1">
+            <a:extLst>
+              <a:ext uri="{FF2B5EF4-FFF2-40B4-BE49-F238E27FC236}">
+                <a16:creationId xmlns:a16="http://schemas.microsoft.com/office/drawing/2014/main" id="{6A5F4129-102E-4366-B8B5-42D31878ED42}"/>
+              </a:ext>
+            </a:extLst>
+          </p:cNvPr>
+          <p:cNvPicPr>
+            <a:picLocks noChangeAspect="1"/>
+          </p:cNvPicPr>
+          <p:nvPr/>
+        </p:nvPicPr>
+        <p:blipFill>
+          <a:blip r:embed="rId3"/>
+          <a:stretch>
+            <a:fillRect/>
+          </a:stretch>
+        </p:blipFill>
+        <p:spPr>
+          <a:xfrm>
+            <a:off x="2939534" y="3145510"/>
+            <a:ext cx="1164774" cy="940953"/>
+          </a:xfrm>
+          <a:prstGeom prst="rect">
+            <a:avLst/>
+          </a:prstGeom>
+        </p:spPr>
+      </p:pic>
+      <p:pic>
+        <p:nvPicPr>
+          <p:cNvPr id="3" name="Picture 2">
+            <a:extLst>
+              <a:ext uri="{FF2B5EF4-FFF2-40B4-BE49-F238E27FC236}">
+                <a16:creationId xmlns:a16="http://schemas.microsoft.com/office/drawing/2014/main" id="{4A74CDB1-F637-4872-8F06-D4F097B16EF0}"/>
+              </a:ext>
+            </a:extLst>
+          </p:cNvPr>
+          <p:cNvPicPr>
+            <a:picLocks noChangeAspect="1"/>
+          </p:cNvPicPr>
+          <p:nvPr/>
+        </p:nvPicPr>
+        <p:blipFill>
+          <a:blip r:embed="rId4"/>
+          <a:stretch>
+            <a:fillRect/>
+          </a:stretch>
+        </p:blipFill>
+        <p:spPr>
+          <a:xfrm>
+            <a:off x="4038636" y="3051353"/>
+            <a:ext cx="956679" cy="940953"/>
+          </a:xfrm>
+          <a:prstGeom prst="rect">
+            <a:avLst/>
+          </a:prstGeom>
+        </p:spPr>
+      </p:pic>
+      <p:sp>
+        <p:nvSpPr>
+          <p:cNvPr id="23" name="Rectangle: Rounded Corners 22">
+            <a:extLst>
+              <a:ext uri="{FF2B5EF4-FFF2-40B4-BE49-F238E27FC236}">
+                <a16:creationId xmlns:a16="http://schemas.microsoft.com/office/drawing/2014/main" id="{58183BED-25DD-49D6-A5C1-14B6ED554954}"/>
+              </a:ext>
+            </a:extLst>
+          </p:cNvPr>
+          <p:cNvSpPr/>
+          <p:nvPr/>
+        </p:nvSpPr>
+        <p:spPr>
+          <a:xfrm>
+            <a:off x="6019373" y="1427501"/>
+            <a:ext cx="1981057" cy="1500668"/>
+          </a:xfrm>
+          <a:prstGeom prst="roundRect">
+            <a:avLst/>
+          </a:prstGeom>
+          <a:solidFill>
+            <a:schemeClr val="bg1"/>
+          </a:solidFill>
+          <a:ln w="28575">
+            <a:solidFill>
+              <a:schemeClr val="tx1"/>
+            </a:solidFill>
+          </a:ln>
+        </p:spPr>
+        <p:style>
+          <a:lnRef idx="2">
+            <a:schemeClr val="accent1">
+              <a:shade val="50000"/>
+            </a:schemeClr>
+          </a:lnRef>
+          <a:fillRef idx="1">
+            <a:schemeClr val="accent1"/>
+          </a:fillRef>
+          <a:effectRef idx="0">
+            <a:schemeClr val="accent1"/>
+          </a:effectRef>
+          <a:fontRef idx="minor">
+            <a:schemeClr val="lt1"/>
+          </a:fontRef>
+        </p:style>
+        <p:txBody>
+          <a:bodyPr rtlCol="0" anchor="ctr"/>
+          <a:lstStyle/>
+          <a:p>
+            <a:pPr algn="ctr"/>
+            <a:r>
+              <a:rPr lang="it-IT" sz="3200" dirty="0">
+                <a:solidFill>
+                  <a:schemeClr val="tx1"/>
+                </a:solidFill>
+                <a:latin typeface="Arial" panose="020B0604020202020204" pitchFamily="34" charset="0"/>
+                <a:cs typeface="Arial" panose="020B0604020202020204" pitchFamily="34" charset="0"/>
+              </a:rPr>
+              <a:t>+</a:t>
+            </a:r>
+            <a:endParaRPr lang="en-GB" sz="3200" dirty="0">
+              <a:solidFill>
+                <a:schemeClr val="tx1"/>
+              </a:solidFill>
+              <a:latin typeface="Arial" panose="020B0604020202020204" pitchFamily="34" charset="0"/>
+              <a:cs typeface="Arial" panose="020B0604020202020204" pitchFamily="34" charset="0"/>
+            </a:endParaRPr>
+          </a:p>
+        </p:txBody>
+      </p:sp>
+      <p:sp>
+        <p:nvSpPr>
+          <p:cNvPr id="24" name="CasellaDiTesto 28">
+            <a:extLst>
+              <a:ext uri="{FF2B5EF4-FFF2-40B4-BE49-F238E27FC236}">
+                <a16:creationId xmlns:a16="http://schemas.microsoft.com/office/drawing/2014/main" id="{52252317-111E-4956-B35A-F2889EFD5A16}"/>
+              </a:ext>
+            </a:extLst>
+          </p:cNvPr>
+          <p:cNvSpPr txBox="1"/>
+          <p:nvPr/>
+        </p:nvSpPr>
+        <p:spPr>
+          <a:xfrm>
+            <a:off x="8639988" y="4408586"/>
+            <a:ext cx="1293558" cy="400110"/>
+          </a:xfrm>
+          <a:prstGeom prst="rect">
+            <a:avLst/>
+          </a:prstGeom>
+          <a:noFill/>
+        </p:spPr>
+        <p:txBody>
+          <a:bodyPr wrap="square" rtlCol="0">
+            <a:spAutoFit/>
+          </a:bodyPr>
+          <a:lstStyle/>
+          <a:p>
+            <a:r>
+              <a:rPr lang="en-GB" sz="2000" dirty="0">
+                <a:latin typeface="Arial" panose="020B0604020202020204" pitchFamily="34" charset="0"/>
+                <a:cs typeface="Arial" panose="020B0604020202020204" pitchFamily="34" charset="0"/>
+              </a:rPr>
+              <a:t>3500 </a:t>
+            </a:r>
+            <a:r>
+              <a:rPr lang="en-GB" sz="2000" dirty="0" err="1">
+                <a:latin typeface="Arial" panose="020B0604020202020204" pitchFamily="34" charset="0"/>
+                <a:cs typeface="Arial" panose="020B0604020202020204" pitchFamily="34" charset="0"/>
+              </a:rPr>
+              <a:t>ms</a:t>
+            </a:r>
+            <a:endParaRPr lang="en-GB" sz="2000" dirty="0">
+              <a:latin typeface="Arial" panose="020B0604020202020204" pitchFamily="34" charset="0"/>
+              <a:cs typeface="Arial" panose="020B0604020202020204" pitchFamily="34" charset="0"/>
+            </a:endParaRPr>
+          </a:p>
+        </p:txBody>
+      </p:sp>
+      <p:sp>
+        <p:nvSpPr>
+          <p:cNvPr id="25" name="CasellaDiTesto 28">
+            <a:extLst>
+              <a:ext uri="{FF2B5EF4-FFF2-40B4-BE49-F238E27FC236}">
+                <a16:creationId xmlns:a16="http://schemas.microsoft.com/office/drawing/2014/main" id="{BD90D6BB-9F92-4F98-B0C0-7816BBCABD90}"/>
+              </a:ext>
+            </a:extLst>
+          </p:cNvPr>
+          <p:cNvSpPr txBox="1"/>
+          <p:nvPr/>
+        </p:nvSpPr>
+        <p:spPr>
+          <a:xfrm>
+            <a:off x="9506149" y="5735070"/>
+            <a:ext cx="2996629" cy="400110"/>
+          </a:xfrm>
+          <a:prstGeom prst="rect">
+            <a:avLst/>
+          </a:prstGeom>
+          <a:noFill/>
+        </p:spPr>
+        <p:txBody>
+          <a:bodyPr wrap="square" rtlCol="0">
+            <a:spAutoFit/>
+          </a:bodyPr>
+          <a:lstStyle/>
+          <a:p>
+            <a:r>
+              <a:rPr lang="en-GB" sz="2000" dirty="0">
+                <a:latin typeface="Arial" panose="020B0604020202020204" pitchFamily="34" charset="0"/>
+                <a:cs typeface="Arial" panose="020B0604020202020204" pitchFamily="34" charset="0"/>
+              </a:rPr>
+              <a:t>1000 </a:t>
+            </a:r>
+            <a:r>
+              <a:rPr lang="en-GB" sz="2000" dirty="0" err="1">
+                <a:latin typeface="Arial" panose="020B0604020202020204" pitchFamily="34" charset="0"/>
+                <a:cs typeface="Arial" panose="020B0604020202020204" pitchFamily="34" charset="0"/>
+              </a:rPr>
+              <a:t>ms</a:t>
+            </a:r>
+            <a:r>
+              <a:rPr lang="en-GB" sz="2000" dirty="0">
+                <a:latin typeface="Arial" panose="020B0604020202020204" pitchFamily="34" charset="0"/>
+                <a:cs typeface="Arial" panose="020B0604020202020204" pitchFamily="34" charset="0"/>
+              </a:rPr>
+              <a:t> + random ISI </a:t>
+            </a:r>
+          </a:p>
+        </p:txBody>
+      </p:sp>
+      <p:cxnSp>
+        <p:nvCxnSpPr>
+          <p:cNvPr id="26" name="Connettore 2 32">
+            <a:extLst>
+              <a:ext uri="{FF2B5EF4-FFF2-40B4-BE49-F238E27FC236}">
+                <a16:creationId xmlns:a16="http://schemas.microsoft.com/office/drawing/2014/main" id="{A8CB6DDE-95DD-4863-9875-8D8294B910FC}"/>
+              </a:ext>
+            </a:extLst>
+          </p:cNvPr>
+          <p:cNvCxnSpPr>
+            <a:cxnSpLocks/>
+          </p:cNvCxnSpPr>
+          <p:nvPr/>
+        </p:nvCxnSpPr>
+        <p:spPr>
+          <a:xfrm>
+            <a:off x="5888006" y="3463537"/>
+            <a:ext cx="4088692" cy="2885531"/>
+          </a:xfrm>
+          <a:prstGeom prst="straightConnector1">
+            <a:avLst/>
+          </a:prstGeom>
+          <a:ln w="38100">
+            <a:solidFill>
+              <a:srgbClr val="FF0000"/>
+            </a:solidFill>
+            <a:tailEnd type="arrow"/>
+          </a:ln>
+        </p:spPr>
+        <p:style>
+          <a:lnRef idx="2">
+            <a:schemeClr val="dk1"/>
+          </a:lnRef>
+          <a:fillRef idx="0">
+            <a:schemeClr val="dk1"/>
+          </a:fillRef>
+          <a:effectRef idx="1">
+            <a:schemeClr val="dk1"/>
+          </a:effectRef>
+          <a:fontRef idx="minor">
+            <a:schemeClr val="tx1"/>
+          </a:fontRef>
+        </p:style>
+      </p:cxnSp>
+      <p:sp>
+        <p:nvSpPr>
+          <p:cNvPr id="27" name="CasellaDiTesto 28">
+            <a:extLst>
+              <a:ext uri="{FF2B5EF4-FFF2-40B4-BE49-F238E27FC236}">
+                <a16:creationId xmlns:a16="http://schemas.microsoft.com/office/drawing/2014/main" id="{D6E73E61-8D94-450A-8CB0-91FA6B312F75}"/>
+              </a:ext>
+            </a:extLst>
+          </p:cNvPr>
+          <p:cNvSpPr txBox="1"/>
+          <p:nvPr/>
+        </p:nvSpPr>
+        <p:spPr>
+          <a:xfrm>
+            <a:off x="6493067" y="2906276"/>
+            <a:ext cx="1293558" cy="400110"/>
+          </a:xfrm>
+          <a:prstGeom prst="rect">
+            <a:avLst/>
+          </a:prstGeom>
+          <a:noFill/>
+        </p:spPr>
+        <p:txBody>
+          <a:bodyPr wrap="square" rtlCol="0">
+            <a:spAutoFit/>
+          </a:bodyPr>
+          <a:lstStyle/>
+          <a:p>
+            <a:r>
+              <a:rPr lang="en-GB" sz="2000" dirty="0">
+                <a:latin typeface="Arial" panose="020B0604020202020204" pitchFamily="34" charset="0"/>
+                <a:cs typeface="Arial" panose="020B0604020202020204" pitchFamily="34" charset="0"/>
+              </a:rPr>
+              <a:t>500 </a:t>
+            </a:r>
+            <a:r>
+              <a:rPr lang="en-GB" sz="2000" dirty="0" err="1">
+                <a:latin typeface="Arial" panose="020B0604020202020204" pitchFamily="34" charset="0"/>
+                <a:cs typeface="Arial" panose="020B0604020202020204" pitchFamily="34" charset="0"/>
+              </a:rPr>
+              <a:t>ms</a:t>
+            </a:r>
+            <a:endParaRPr lang="en-GB" sz="2000" dirty="0">
+              <a:latin typeface="Arial" panose="020B0604020202020204" pitchFamily="34" charset="0"/>
+              <a:cs typeface="Arial" panose="020B0604020202020204" pitchFamily="34" charset="0"/>
+            </a:endParaRPr>
+          </a:p>
+        </p:txBody>
+      </p:sp>
+      <p:sp>
+        <p:nvSpPr>
+          <p:cNvPr id="32" name="Rectangle: Rounded Corners 31">
+            <a:extLst>
+              <a:ext uri="{FF2B5EF4-FFF2-40B4-BE49-F238E27FC236}">
+                <a16:creationId xmlns:a16="http://schemas.microsoft.com/office/drawing/2014/main" id="{652A054E-77B7-4305-BFA5-2D5076BB06BE}"/>
+              </a:ext>
+            </a:extLst>
+          </p:cNvPr>
+          <p:cNvSpPr/>
+          <p:nvPr/>
+        </p:nvSpPr>
+        <p:spPr>
+          <a:xfrm>
+            <a:off x="7586061" y="2493511"/>
+            <a:ext cx="3109709" cy="1856067"/>
+          </a:xfrm>
+          <a:prstGeom prst="roundRect">
+            <a:avLst/>
+          </a:prstGeom>
+          <a:solidFill>
+            <a:schemeClr val="bg1"/>
+          </a:solidFill>
+          <a:ln w="28575">
+            <a:solidFill>
+              <a:schemeClr val="tx1"/>
+            </a:solidFill>
+          </a:ln>
+        </p:spPr>
+        <p:style>
+          <a:lnRef idx="2">
+            <a:schemeClr val="accent1">
+              <a:shade val="50000"/>
+            </a:schemeClr>
+          </a:lnRef>
+          <a:fillRef idx="1">
+            <a:schemeClr val="accent1"/>
+          </a:fillRef>
+          <a:effectRef idx="0">
+            <a:schemeClr val="accent1"/>
+          </a:effectRef>
+          <a:fontRef idx="minor">
+            <a:schemeClr val="lt1"/>
+          </a:fontRef>
+        </p:style>
+        <p:txBody>
+          <a:bodyPr rtlCol="0" anchor="ctr"/>
+          <a:lstStyle/>
+          <a:p>
+            <a:pPr algn="ctr"/>
+            <a:endParaRPr lang="en-GB" sz="3200" dirty="0">
+              <a:solidFill>
+                <a:schemeClr val="tx1"/>
+              </a:solidFill>
+              <a:latin typeface="Arial" panose="020B0604020202020204" pitchFamily="34" charset="0"/>
+              <a:cs typeface="Arial" panose="020B0604020202020204" pitchFamily="34" charset="0"/>
+            </a:endParaRPr>
+          </a:p>
+        </p:txBody>
+      </p:sp>
+      <p:grpSp>
+        <p:nvGrpSpPr>
+          <p:cNvPr id="34" name="Gruppo 13">
+            <a:extLst>
+              <a:ext uri="{FF2B5EF4-FFF2-40B4-BE49-F238E27FC236}">
+                <a16:creationId xmlns:a16="http://schemas.microsoft.com/office/drawing/2014/main" id="{4211E45C-1E45-422F-876C-0C7922FDC8EF}"/>
+              </a:ext>
+            </a:extLst>
+          </p:cNvPr>
+          <p:cNvGrpSpPr/>
+          <p:nvPr/>
+        </p:nvGrpSpPr>
+        <p:grpSpPr>
+          <a:xfrm>
+            <a:off x="7925643" y="3452682"/>
+            <a:ext cx="534256" cy="485091"/>
+            <a:chOff x="439547" y="2285573"/>
+            <a:chExt cx="1136114" cy="1278743"/>
+          </a:xfrm>
+        </p:grpSpPr>
+        <p:sp>
+          <p:nvSpPr>
+            <p:cNvPr id="35" name="Suono 14">
+              <a:hlinkClick r:id="" action="ppaction://noaction" highlightClick="1"/>
+              <a:extLst>
+                <a:ext uri="{FF2B5EF4-FFF2-40B4-BE49-F238E27FC236}">
+                  <a16:creationId xmlns:a16="http://schemas.microsoft.com/office/drawing/2014/main" id="{E78A4AB8-2E21-4FDF-83B2-DC365D48CE8A}"/>
+                </a:ext>
+              </a:extLst>
+            </p:cNvPr>
+            <p:cNvSpPr/>
+            <p:nvPr/>
+          </p:nvSpPr>
+          <p:spPr>
+            <a:xfrm>
+              <a:off x="439547" y="2285573"/>
+              <a:ext cx="1136114" cy="1278743"/>
+            </a:xfrm>
+            <a:prstGeom prst="actionButtonSound">
+              <a:avLst/>
+            </a:prstGeom>
+            <a:noFill/>
+            <a:ln w="38100">
+              <a:solidFill>
+                <a:schemeClr val="tx1"/>
+              </a:solidFill>
+            </a:ln>
+          </p:spPr>
+          <p:style>
+            <a:lnRef idx="2">
+              <a:schemeClr val="accent1">
+                <a:shade val="50000"/>
+              </a:schemeClr>
+            </a:lnRef>
+            <a:fillRef idx="1">
+              <a:schemeClr val="accent1"/>
+            </a:fillRef>
+            <a:effectRef idx="0">
+              <a:schemeClr val="accent1"/>
+            </a:effectRef>
+            <a:fontRef idx="minor">
+              <a:schemeClr val="lt1"/>
+            </a:fontRef>
+          </p:style>
+          <p:txBody>
+            <a:bodyPr rtlCol="0" anchor="ctr"/>
+            <a:lstStyle/>
+            <a:p>
+              <a:pPr algn="ctr"/>
+              <a:endParaRPr lang="en-GB" dirty="0"/>
+            </a:p>
+          </p:txBody>
+        </p:sp>
+        <p:sp>
+          <p:nvSpPr>
+            <p:cNvPr id="36" name="Rettangolo 15">
+              <a:extLst>
+                <a:ext uri="{FF2B5EF4-FFF2-40B4-BE49-F238E27FC236}">
+                  <a16:creationId xmlns:a16="http://schemas.microsoft.com/office/drawing/2014/main" id="{C563E4AF-0F0F-4D56-8DBF-BE7245B2D171}"/>
+                </a:ext>
+              </a:extLst>
+            </p:cNvPr>
+            <p:cNvSpPr/>
+            <p:nvPr/>
+          </p:nvSpPr>
+          <p:spPr>
+            <a:xfrm>
+              <a:off x="439547" y="2285573"/>
+              <a:ext cx="1136114" cy="1278743"/>
+            </a:xfrm>
+            <a:prstGeom prst="rect">
+              <a:avLst/>
+            </a:prstGeom>
+            <a:noFill/>
+            <a:ln w="38100">
+              <a:solidFill>
+                <a:schemeClr val="bg1"/>
+              </a:solidFill>
+            </a:ln>
+          </p:spPr>
+          <p:style>
+            <a:lnRef idx="2">
+              <a:schemeClr val="accent1">
+                <a:shade val="50000"/>
+              </a:schemeClr>
+            </a:lnRef>
+            <a:fillRef idx="1">
+              <a:schemeClr val="accent1"/>
+            </a:fillRef>
+            <a:effectRef idx="0">
+              <a:schemeClr val="accent1"/>
+            </a:effectRef>
+            <a:fontRef idx="minor">
+              <a:schemeClr val="lt1"/>
+            </a:fontRef>
+          </p:style>
+          <p:txBody>
+            <a:bodyPr rtlCol="0" anchor="ctr"/>
+            <a:lstStyle/>
+            <a:p>
+              <a:pPr algn="ctr"/>
+              <a:endParaRPr lang="en-GB"/>
+            </a:p>
+          </p:txBody>
+        </p:sp>
+      </p:grpSp>
+      <p:sp>
+        <p:nvSpPr>
+          <p:cNvPr id="37" name="TextBox 36">
+            <a:extLst>
+              <a:ext uri="{FF2B5EF4-FFF2-40B4-BE49-F238E27FC236}">
+                <a16:creationId xmlns:a16="http://schemas.microsoft.com/office/drawing/2014/main" id="{9E10EF52-1C2E-4D3F-A621-D8B5376959A3}"/>
+              </a:ext>
+            </a:extLst>
+          </p:cNvPr>
+          <p:cNvSpPr txBox="1"/>
+          <p:nvPr/>
+        </p:nvSpPr>
+        <p:spPr>
+          <a:xfrm>
+            <a:off x="7730615" y="3772750"/>
+            <a:ext cx="947859" cy="584775"/>
+          </a:xfrm>
+          <a:prstGeom prst="rect">
+            <a:avLst/>
+          </a:prstGeom>
+          <a:noFill/>
+        </p:spPr>
+        <p:txBody>
+          <a:bodyPr wrap="square" rtlCol="0">
+            <a:spAutoFit/>
+          </a:bodyPr>
+          <a:lstStyle/>
+          <a:p>
+            <a:r>
+              <a:rPr lang="it-IT" sz="3200" dirty="0" err="1">
+                <a:latin typeface="Arial" panose="020B0604020202020204" pitchFamily="34" charset="0"/>
+                <a:cs typeface="Arial" panose="020B0604020202020204" pitchFamily="34" charset="0"/>
+              </a:rPr>
+              <a:t>wug</a:t>
+            </a:r>
+            <a:endParaRPr lang="en-GB" sz="3200" dirty="0">
+              <a:latin typeface="Arial" panose="020B0604020202020204" pitchFamily="34" charset="0"/>
+              <a:cs typeface="Arial" panose="020B0604020202020204" pitchFamily="34" charset="0"/>
+            </a:endParaRPr>
+          </a:p>
+        </p:txBody>
+      </p:sp>
+      <p:sp>
+        <p:nvSpPr>
+          <p:cNvPr id="38" name="Rectangle: Rounded Corners 37">
+            <a:extLst>
+              <a:ext uri="{FF2B5EF4-FFF2-40B4-BE49-F238E27FC236}">
+                <a16:creationId xmlns:a16="http://schemas.microsoft.com/office/drawing/2014/main" id="{307DEE5D-CB6C-4A0D-9681-E41B780B36DA}"/>
+              </a:ext>
+            </a:extLst>
+          </p:cNvPr>
+          <p:cNvSpPr/>
+          <p:nvPr/>
+        </p:nvSpPr>
+        <p:spPr>
+          <a:xfrm>
+            <a:off x="9823807" y="4221564"/>
+            <a:ext cx="1964957" cy="1568747"/>
+          </a:xfrm>
+          <a:prstGeom prst="roundRect">
+            <a:avLst/>
+          </a:prstGeom>
+          <a:solidFill>
+            <a:schemeClr val="bg1"/>
+          </a:solidFill>
+          <a:ln w="28575">
+            <a:solidFill>
+              <a:schemeClr val="tx1"/>
+            </a:solidFill>
+          </a:ln>
+        </p:spPr>
+        <p:style>
+          <a:lnRef idx="2">
+            <a:schemeClr val="accent1">
+              <a:shade val="50000"/>
+            </a:schemeClr>
+          </a:lnRef>
+          <a:fillRef idx="1">
+            <a:schemeClr val="accent1"/>
+          </a:fillRef>
+          <a:effectRef idx="0">
+            <a:schemeClr val="accent1"/>
+          </a:effectRef>
+          <a:fontRef idx="minor">
+            <a:schemeClr val="lt1"/>
+          </a:fontRef>
+        </p:style>
+        <p:txBody>
+          <a:bodyPr rtlCol="0" anchor="ctr"/>
+          <a:lstStyle/>
+          <a:p>
+            <a:pPr algn="ctr"/>
+            <a:endParaRPr lang="en-GB" sz="3200" dirty="0">
+              <a:solidFill>
+                <a:schemeClr val="tx1"/>
+              </a:solidFill>
+              <a:latin typeface="Arial" panose="020B0604020202020204" pitchFamily="34" charset="0"/>
+              <a:cs typeface="Arial" panose="020B0604020202020204" pitchFamily="34" charset="0"/>
+            </a:endParaRPr>
+          </a:p>
+        </p:txBody>
+      </p:sp>
+      <p:pic>
+        <p:nvPicPr>
+          <p:cNvPr id="40" name="Picture 39">
+            <a:extLst>
+              <a:ext uri="{FF2B5EF4-FFF2-40B4-BE49-F238E27FC236}">
+                <a16:creationId xmlns:a16="http://schemas.microsoft.com/office/drawing/2014/main" id="{E280C3D5-9C93-4714-8E32-446CB4BB7B02}"/>
+              </a:ext>
+            </a:extLst>
+          </p:cNvPr>
+          <p:cNvPicPr>
+            <a:picLocks noChangeAspect="1"/>
+          </p:cNvPicPr>
+          <p:nvPr/>
+        </p:nvPicPr>
+        <p:blipFill>
+          <a:blip r:embed="rId3"/>
+          <a:stretch>
+            <a:fillRect/>
+          </a:stretch>
+        </p:blipFill>
+        <p:spPr>
+          <a:xfrm>
+            <a:off x="8614246" y="2559078"/>
+            <a:ext cx="1164774" cy="940953"/>
+          </a:xfrm>
+          <a:prstGeom prst="rect">
+            <a:avLst/>
+          </a:prstGeom>
+        </p:spPr>
+      </p:pic>
+      <p:sp>
+        <p:nvSpPr>
+          <p:cNvPr id="42" name="TextBox 41">
+            <a:extLst>
+              <a:ext uri="{FF2B5EF4-FFF2-40B4-BE49-F238E27FC236}">
+                <a16:creationId xmlns:a16="http://schemas.microsoft.com/office/drawing/2014/main" id="{52BC60D0-2E2F-4733-9AE7-D4D33685F43D}"/>
+              </a:ext>
+            </a:extLst>
+          </p:cNvPr>
+          <p:cNvSpPr txBox="1"/>
+          <p:nvPr/>
+        </p:nvSpPr>
+        <p:spPr>
+          <a:xfrm>
+            <a:off x="8281327" y="1389795"/>
+            <a:ext cx="3783806" cy="830997"/>
+          </a:xfrm>
+          <a:prstGeom prst="rect">
+            <a:avLst/>
+          </a:prstGeom>
+          <a:noFill/>
+        </p:spPr>
+        <p:txBody>
+          <a:bodyPr wrap="square" rtlCol="0">
+            <a:spAutoFit/>
+          </a:bodyPr>
+          <a:lstStyle/>
+          <a:p>
+            <a:r>
+              <a:rPr lang="it-IT" sz="2400" i="1" dirty="0">
+                <a:latin typeface="Arial" panose="020B0604020202020204" pitchFamily="34" charset="0"/>
+                <a:cs typeface="Arial" panose="020B0604020202020204" pitchFamily="34" charset="0"/>
+              </a:rPr>
+              <a:t>«Select the </a:t>
+            </a:r>
+            <a:r>
+              <a:rPr lang="it-IT" sz="2400" b="1" i="1" dirty="0">
+                <a:latin typeface="Arial" panose="020B0604020202020204" pitchFamily="34" charset="0"/>
+                <a:cs typeface="Arial" panose="020B0604020202020204" pitchFamily="34" charset="0"/>
+              </a:rPr>
+              <a:t>label</a:t>
+            </a:r>
+            <a:r>
+              <a:rPr lang="it-IT" sz="2400" i="1" dirty="0">
+                <a:latin typeface="Arial" panose="020B0604020202020204" pitchFamily="34" charset="0"/>
+                <a:cs typeface="Arial" panose="020B0604020202020204" pitchFamily="34" charset="0"/>
+              </a:rPr>
+              <a:t> </a:t>
+            </a:r>
+            <a:r>
+              <a:rPr lang="it-IT" sz="2400" i="1" dirty="0" err="1">
+                <a:latin typeface="Arial" panose="020B0604020202020204" pitchFamily="34" charset="0"/>
+                <a:cs typeface="Arial" panose="020B0604020202020204" pitchFamily="34" charset="0"/>
+              </a:rPr>
+              <a:t>that</a:t>
+            </a:r>
+            <a:r>
+              <a:rPr lang="it-IT" sz="2400" i="1" dirty="0">
+                <a:latin typeface="Arial" panose="020B0604020202020204" pitchFamily="34" charset="0"/>
+                <a:cs typeface="Arial" panose="020B0604020202020204" pitchFamily="34" charset="0"/>
+              </a:rPr>
+              <a:t> best matches the </a:t>
+            </a:r>
+            <a:r>
+              <a:rPr lang="it-IT" sz="2400" b="1" i="1" dirty="0" err="1">
+                <a:latin typeface="Arial" panose="020B0604020202020204" pitchFamily="34" charset="0"/>
+                <a:cs typeface="Arial" panose="020B0604020202020204" pitchFamily="34" charset="0"/>
+              </a:rPr>
+              <a:t>fribble</a:t>
+            </a:r>
+            <a:r>
+              <a:rPr lang="it-IT" sz="2400" i="1" dirty="0">
+                <a:latin typeface="Arial" panose="020B0604020202020204" pitchFamily="34" charset="0"/>
+                <a:cs typeface="Arial" panose="020B0604020202020204" pitchFamily="34" charset="0"/>
+              </a:rPr>
+              <a:t>»</a:t>
+            </a:r>
+            <a:endParaRPr lang="en-GB" sz="2400" i="1" dirty="0">
+              <a:latin typeface="Arial" panose="020B0604020202020204" pitchFamily="34" charset="0"/>
+              <a:cs typeface="Arial" panose="020B0604020202020204" pitchFamily="34" charset="0"/>
+            </a:endParaRPr>
+          </a:p>
+        </p:txBody>
+      </p:sp>
+      <p:grpSp>
+        <p:nvGrpSpPr>
+          <p:cNvPr id="43" name="Gruppo 13">
+            <a:extLst>
+              <a:ext uri="{FF2B5EF4-FFF2-40B4-BE49-F238E27FC236}">
+                <a16:creationId xmlns:a16="http://schemas.microsoft.com/office/drawing/2014/main" id="{CF6EEA7D-331A-4331-89D3-4A0F7DA19AD4}"/>
+              </a:ext>
+            </a:extLst>
+          </p:cNvPr>
+          <p:cNvGrpSpPr/>
+          <p:nvPr/>
+        </p:nvGrpSpPr>
+        <p:grpSpPr>
+          <a:xfrm>
+            <a:off x="9012989" y="3440698"/>
+            <a:ext cx="534256" cy="485091"/>
+            <a:chOff x="439547" y="2285573"/>
+            <a:chExt cx="1136114" cy="1278743"/>
+          </a:xfrm>
+        </p:grpSpPr>
+        <p:sp>
+          <p:nvSpPr>
+            <p:cNvPr id="44" name="Suono 14">
+              <a:hlinkClick r:id="" action="ppaction://noaction" highlightClick="1"/>
+              <a:extLst>
+                <a:ext uri="{FF2B5EF4-FFF2-40B4-BE49-F238E27FC236}">
+                  <a16:creationId xmlns:a16="http://schemas.microsoft.com/office/drawing/2014/main" id="{3B4A4A29-9C70-49CF-841E-4766AA4AA24C}"/>
+                </a:ext>
+              </a:extLst>
+            </p:cNvPr>
+            <p:cNvSpPr/>
+            <p:nvPr/>
+          </p:nvSpPr>
+          <p:spPr>
+            <a:xfrm>
+              <a:off x="439547" y="2285573"/>
+              <a:ext cx="1136114" cy="1278743"/>
+            </a:xfrm>
+            <a:prstGeom prst="actionButtonSound">
+              <a:avLst/>
+            </a:prstGeom>
+            <a:noFill/>
+            <a:ln w="38100">
+              <a:solidFill>
+                <a:schemeClr val="tx1"/>
+              </a:solidFill>
+            </a:ln>
+          </p:spPr>
+          <p:style>
+            <a:lnRef idx="2">
+              <a:schemeClr val="accent1">
+                <a:shade val="50000"/>
+              </a:schemeClr>
+            </a:lnRef>
+            <a:fillRef idx="1">
+              <a:schemeClr val="accent1"/>
+            </a:fillRef>
+            <a:effectRef idx="0">
+              <a:schemeClr val="accent1"/>
+            </a:effectRef>
+            <a:fontRef idx="minor">
+              <a:schemeClr val="lt1"/>
+            </a:fontRef>
+          </p:style>
+          <p:txBody>
+            <a:bodyPr rtlCol="0" anchor="ctr"/>
+            <a:lstStyle/>
+            <a:p>
+              <a:pPr algn="ctr"/>
+              <a:endParaRPr lang="en-GB" dirty="0"/>
+            </a:p>
+          </p:txBody>
+        </p:sp>
+        <p:sp>
+          <p:nvSpPr>
+            <p:cNvPr id="45" name="Rettangolo 15">
+              <a:extLst>
+                <a:ext uri="{FF2B5EF4-FFF2-40B4-BE49-F238E27FC236}">
+                  <a16:creationId xmlns:a16="http://schemas.microsoft.com/office/drawing/2014/main" id="{AAB8BB7E-74C0-4146-B857-C48EEB12478A}"/>
+                </a:ext>
+              </a:extLst>
+            </p:cNvPr>
+            <p:cNvSpPr/>
+            <p:nvPr/>
+          </p:nvSpPr>
+          <p:spPr>
+            <a:xfrm>
+              <a:off x="439547" y="2285573"/>
+              <a:ext cx="1136114" cy="1278743"/>
+            </a:xfrm>
+            <a:prstGeom prst="rect">
+              <a:avLst/>
+            </a:prstGeom>
+            <a:noFill/>
+            <a:ln w="38100">
+              <a:solidFill>
+                <a:schemeClr val="bg1"/>
+              </a:solidFill>
+            </a:ln>
+          </p:spPr>
+          <p:style>
+            <a:lnRef idx="2">
+              <a:schemeClr val="accent1">
+                <a:shade val="50000"/>
+              </a:schemeClr>
+            </a:lnRef>
+            <a:fillRef idx="1">
+              <a:schemeClr val="accent1"/>
+            </a:fillRef>
+            <a:effectRef idx="0">
+              <a:schemeClr val="accent1"/>
+            </a:effectRef>
+            <a:fontRef idx="minor">
+              <a:schemeClr val="lt1"/>
+            </a:fontRef>
+          </p:style>
+          <p:txBody>
+            <a:bodyPr rtlCol="0" anchor="ctr"/>
+            <a:lstStyle/>
+            <a:p>
+              <a:pPr algn="ctr"/>
+              <a:endParaRPr lang="en-GB"/>
+            </a:p>
+          </p:txBody>
+        </p:sp>
+      </p:grpSp>
+      <p:grpSp>
+        <p:nvGrpSpPr>
+          <p:cNvPr id="46" name="Gruppo 13">
+            <a:extLst>
+              <a:ext uri="{FF2B5EF4-FFF2-40B4-BE49-F238E27FC236}">
+                <a16:creationId xmlns:a16="http://schemas.microsoft.com/office/drawing/2014/main" id="{C9D6BBE6-DA44-4BDD-8F23-E30416D2D011}"/>
+              </a:ext>
+            </a:extLst>
+          </p:cNvPr>
+          <p:cNvGrpSpPr/>
+          <p:nvPr/>
+        </p:nvGrpSpPr>
+        <p:grpSpPr>
+          <a:xfrm>
+            <a:off x="9925676" y="3449262"/>
+            <a:ext cx="534256" cy="485091"/>
+            <a:chOff x="439547" y="2285573"/>
+            <a:chExt cx="1136114" cy="1278743"/>
+          </a:xfrm>
+        </p:grpSpPr>
+        <p:sp>
+          <p:nvSpPr>
+            <p:cNvPr id="47" name="Suono 14">
+              <a:hlinkClick r:id="" action="ppaction://noaction" highlightClick="1"/>
+              <a:extLst>
+                <a:ext uri="{FF2B5EF4-FFF2-40B4-BE49-F238E27FC236}">
+                  <a16:creationId xmlns:a16="http://schemas.microsoft.com/office/drawing/2014/main" id="{67968ACD-261C-46A8-87ED-A13CCF88CF1E}"/>
+                </a:ext>
+              </a:extLst>
+            </p:cNvPr>
+            <p:cNvSpPr/>
+            <p:nvPr/>
+          </p:nvSpPr>
+          <p:spPr>
+            <a:xfrm>
+              <a:off x="439547" y="2285573"/>
+              <a:ext cx="1136114" cy="1278743"/>
+            </a:xfrm>
+            <a:prstGeom prst="actionButtonSound">
+              <a:avLst/>
+            </a:prstGeom>
+            <a:noFill/>
+            <a:ln w="38100">
+              <a:solidFill>
+                <a:schemeClr val="tx1"/>
+              </a:solidFill>
+            </a:ln>
+          </p:spPr>
+          <p:style>
+            <a:lnRef idx="2">
+              <a:schemeClr val="accent1">
+                <a:shade val="50000"/>
+              </a:schemeClr>
+            </a:lnRef>
+            <a:fillRef idx="1">
+              <a:schemeClr val="accent1"/>
+            </a:fillRef>
+            <a:effectRef idx="0">
+              <a:schemeClr val="accent1"/>
+            </a:effectRef>
+            <a:fontRef idx="minor">
+              <a:schemeClr val="lt1"/>
+            </a:fontRef>
+          </p:style>
+          <p:txBody>
+            <a:bodyPr rtlCol="0" anchor="ctr"/>
+            <a:lstStyle/>
+            <a:p>
+              <a:pPr algn="ctr"/>
+              <a:endParaRPr lang="en-GB" dirty="0"/>
+            </a:p>
+          </p:txBody>
+        </p:sp>
+        <p:sp>
+          <p:nvSpPr>
+            <p:cNvPr id="48" name="Rettangolo 15">
+              <a:extLst>
+                <a:ext uri="{FF2B5EF4-FFF2-40B4-BE49-F238E27FC236}">
+                  <a16:creationId xmlns:a16="http://schemas.microsoft.com/office/drawing/2014/main" id="{24D2D3D6-19DC-44A5-8F17-D2E6D9C137DA}"/>
+                </a:ext>
+              </a:extLst>
+            </p:cNvPr>
+            <p:cNvSpPr/>
+            <p:nvPr/>
+          </p:nvSpPr>
+          <p:spPr>
+            <a:xfrm>
+              <a:off x="439547" y="2285573"/>
+              <a:ext cx="1136114" cy="1278743"/>
+            </a:xfrm>
+            <a:prstGeom prst="rect">
+              <a:avLst/>
+            </a:prstGeom>
+            <a:noFill/>
+            <a:ln w="38100">
+              <a:solidFill>
+                <a:schemeClr val="bg1"/>
+              </a:solidFill>
+            </a:ln>
+          </p:spPr>
+          <p:style>
+            <a:lnRef idx="2">
+              <a:schemeClr val="accent1">
+                <a:shade val="50000"/>
+              </a:schemeClr>
+            </a:lnRef>
+            <a:fillRef idx="1">
+              <a:schemeClr val="accent1"/>
+            </a:fillRef>
+            <a:effectRef idx="0">
+              <a:schemeClr val="accent1"/>
+            </a:effectRef>
+            <a:fontRef idx="minor">
+              <a:schemeClr val="lt1"/>
+            </a:fontRef>
+          </p:style>
+          <p:txBody>
+            <a:bodyPr rtlCol="0" anchor="ctr"/>
+            <a:lstStyle/>
+            <a:p>
+              <a:pPr algn="ctr"/>
+              <a:endParaRPr lang="en-GB"/>
+            </a:p>
+          </p:txBody>
+        </p:sp>
+      </p:grpSp>
+      <p:sp>
+        <p:nvSpPr>
+          <p:cNvPr id="49" name="TextBox 48">
+            <a:extLst>
+              <a:ext uri="{FF2B5EF4-FFF2-40B4-BE49-F238E27FC236}">
+                <a16:creationId xmlns:a16="http://schemas.microsoft.com/office/drawing/2014/main" id="{BA6C35AD-BDB9-4A30-AB8F-2453109DAA82}"/>
+              </a:ext>
+            </a:extLst>
+          </p:cNvPr>
+          <p:cNvSpPr txBox="1"/>
+          <p:nvPr/>
+        </p:nvSpPr>
+        <p:spPr>
+          <a:xfrm>
+            <a:off x="8910773" y="3787242"/>
+            <a:ext cx="947859" cy="584775"/>
+          </a:xfrm>
+          <a:prstGeom prst="rect">
+            <a:avLst/>
+          </a:prstGeom>
+          <a:noFill/>
+        </p:spPr>
+        <p:txBody>
+          <a:bodyPr wrap="square" rtlCol="0">
+            <a:spAutoFit/>
+          </a:bodyPr>
+          <a:lstStyle/>
+          <a:p>
+            <a:r>
+              <a:rPr lang="it-IT" sz="3200" dirty="0" err="1">
+                <a:latin typeface="Arial" panose="020B0604020202020204" pitchFamily="34" charset="0"/>
+                <a:cs typeface="Arial" panose="020B0604020202020204" pitchFamily="34" charset="0"/>
+              </a:rPr>
+              <a:t>tob</a:t>
+            </a:r>
+            <a:endParaRPr lang="en-GB" sz="3200" dirty="0">
+              <a:latin typeface="Arial" panose="020B0604020202020204" pitchFamily="34" charset="0"/>
+              <a:cs typeface="Arial" panose="020B0604020202020204" pitchFamily="34" charset="0"/>
+            </a:endParaRPr>
+          </a:p>
+        </p:txBody>
+      </p:sp>
+      <p:sp>
+        <p:nvSpPr>
+          <p:cNvPr id="50" name="TextBox 49">
+            <a:extLst>
+              <a:ext uri="{FF2B5EF4-FFF2-40B4-BE49-F238E27FC236}">
+                <a16:creationId xmlns:a16="http://schemas.microsoft.com/office/drawing/2014/main" id="{7886B644-3652-4FCA-AA75-92C9AA4CA565}"/>
+              </a:ext>
+            </a:extLst>
+          </p:cNvPr>
+          <p:cNvSpPr txBox="1"/>
+          <p:nvPr/>
+        </p:nvSpPr>
+        <p:spPr>
+          <a:xfrm>
+            <a:off x="9854286" y="3775258"/>
+            <a:ext cx="947859" cy="584775"/>
+          </a:xfrm>
+          <a:prstGeom prst="rect">
+            <a:avLst/>
+          </a:prstGeom>
+          <a:noFill/>
+        </p:spPr>
+        <p:txBody>
+          <a:bodyPr wrap="square" rtlCol="0">
+            <a:spAutoFit/>
+          </a:bodyPr>
+          <a:lstStyle/>
+          <a:p>
+            <a:r>
+              <a:rPr lang="it-IT" sz="3200" dirty="0" err="1">
+                <a:latin typeface="Arial" panose="020B0604020202020204" pitchFamily="34" charset="0"/>
+                <a:cs typeface="Arial" panose="020B0604020202020204" pitchFamily="34" charset="0"/>
+              </a:rPr>
+              <a:t>dep</a:t>
+            </a:r>
+            <a:endParaRPr lang="en-GB" sz="3200" dirty="0">
+              <a:latin typeface="Arial" panose="020B0604020202020204" pitchFamily="34" charset="0"/>
+              <a:cs typeface="Arial" panose="020B0604020202020204" pitchFamily="34" charset="0"/>
+            </a:endParaRPr>
+          </a:p>
+        </p:txBody>
+      </p:sp>
+    </p:spTree>
+    <p:extLst>
+      <p:ext uri="{BB962C8B-B14F-4D97-AF65-F5344CB8AC3E}">
+        <p14:creationId xmlns:p14="http://schemas.microsoft.com/office/powerpoint/2010/main" val="1559761743"/>
+      </p:ext>
+    </p:extLst>
+  </p:cSld>
+  <p:clrMapOvr>
+    <a:masterClrMapping/>
+  </p:clrMapOvr>
+</p:sld>
+</file>
+
+<file path=ppt/slides/slide8.xml><?xml version="1.0" encoding="utf-8"?>
+<p:sld xmlns:a="http://schemas.openxmlformats.org/drawingml/2006/main" xmlns:r="http://schemas.openxmlformats.org/officeDocument/2006/relationships" xmlns:p="http://schemas.openxmlformats.org/presentationml/2006/main">
+  <p:cSld>
+    <p:spTree>
+      <p:nvGrpSpPr>
+        <p:cNvPr id="1" name=""/>
+        <p:cNvGrpSpPr/>
+        <p:nvPr/>
+      </p:nvGrpSpPr>
+      <p:grpSpPr>
+        <a:xfrm>
+          <a:off x="0" y="0"/>
+          <a:ext cx="0" cy="0"/>
+          <a:chOff x="0" y="0"/>
+          <a:chExt cx="0" cy="0"/>
+        </a:xfrm>
+      </p:grpSpPr>
+      <p:sp>
+        <p:nvSpPr>
+          <p:cNvPr id="4" name="TextBox 3">
+            <a:extLst>
+              <a:ext uri="{FF2B5EF4-FFF2-40B4-BE49-F238E27FC236}">
+                <a16:creationId xmlns:a16="http://schemas.microsoft.com/office/drawing/2014/main" id="{1EE176F0-B740-4F11-9387-5B461E4192E0}"/>
+              </a:ext>
+            </a:extLst>
+          </p:cNvPr>
+          <p:cNvSpPr txBox="1"/>
+          <p:nvPr/>
+        </p:nvSpPr>
+        <p:spPr>
+          <a:xfrm>
+            <a:off x="1286832" y="206998"/>
+            <a:ext cx="6858000" cy="584775"/>
+          </a:xfrm>
+          <a:prstGeom prst="rect">
+            <a:avLst/>
+          </a:prstGeom>
+          <a:noFill/>
+        </p:spPr>
+        <p:txBody>
+          <a:bodyPr wrap="square" rtlCol="0">
+            <a:spAutoFit/>
+          </a:bodyPr>
+          <a:lstStyle/>
+          <a:p>
+            <a:pPr algn="ctr"/>
+            <a:r>
+              <a:rPr lang="en-GB" sz="3200" dirty="0">
+                <a:latin typeface="Arial" panose="020B0604020202020204" pitchFamily="34" charset="0"/>
+                <a:cs typeface="Arial" panose="020B0604020202020204" pitchFamily="34" charset="0"/>
+              </a:rPr>
+              <a:t>2 AFC – 4 pictures</a:t>
+            </a:r>
+          </a:p>
+        </p:txBody>
+      </p:sp>
+      <p:sp>
+        <p:nvSpPr>
+          <p:cNvPr id="5" name="Rectangle: Rounded Corners 4">
+            <a:extLst>
+              <a:ext uri="{FF2B5EF4-FFF2-40B4-BE49-F238E27FC236}">
+                <a16:creationId xmlns:a16="http://schemas.microsoft.com/office/drawing/2014/main" id="{2AAF000F-807F-4809-BBFC-7D5C3A134F50}"/>
+              </a:ext>
+            </a:extLst>
+          </p:cNvPr>
+          <p:cNvSpPr/>
+          <p:nvPr/>
+        </p:nvSpPr>
+        <p:spPr>
+          <a:xfrm>
+            <a:off x="1921684" y="1367566"/>
+            <a:ext cx="1981057" cy="1500668"/>
+          </a:xfrm>
+          <a:prstGeom prst="roundRect">
+            <a:avLst/>
+          </a:prstGeom>
+          <a:solidFill>
+            <a:schemeClr val="bg1"/>
+          </a:solidFill>
+          <a:ln w="28575">
+            <a:solidFill>
+              <a:schemeClr val="tx1"/>
+            </a:solidFill>
+          </a:ln>
+        </p:spPr>
+        <p:style>
+          <a:lnRef idx="2">
+            <a:schemeClr val="accent1">
+              <a:shade val="50000"/>
+            </a:schemeClr>
+          </a:lnRef>
+          <a:fillRef idx="1">
+            <a:schemeClr val="accent1"/>
+          </a:fillRef>
+          <a:effectRef idx="0">
+            <a:schemeClr val="accent1"/>
+          </a:effectRef>
+          <a:fontRef idx="minor">
+            <a:schemeClr val="lt1"/>
+          </a:fontRef>
+        </p:style>
+        <p:txBody>
+          <a:bodyPr rtlCol="0" anchor="ctr"/>
+          <a:lstStyle/>
+          <a:p>
+            <a:pPr algn="ctr"/>
+            <a:r>
+              <a:rPr lang="it-IT" sz="3200" dirty="0">
+                <a:solidFill>
+                  <a:schemeClr val="tx1"/>
+                </a:solidFill>
+                <a:latin typeface="Arial" panose="020B0604020202020204" pitchFamily="34" charset="0"/>
+                <a:cs typeface="Arial" panose="020B0604020202020204" pitchFamily="34" charset="0"/>
+              </a:rPr>
+              <a:t>+</a:t>
+            </a:r>
+            <a:endParaRPr lang="en-GB" sz="3200" dirty="0">
+              <a:solidFill>
+                <a:schemeClr val="tx1"/>
+              </a:solidFill>
+              <a:latin typeface="Arial" panose="020B0604020202020204" pitchFamily="34" charset="0"/>
+              <a:cs typeface="Arial" panose="020B0604020202020204" pitchFamily="34" charset="0"/>
+            </a:endParaRPr>
+          </a:p>
+        </p:txBody>
+      </p:sp>
+      <p:sp>
+        <p:nvSpPr>
+          <p:cNvPr id="6" name="CasellaDiTesto 28">
+            <a:extLst>
+              <a:ext uri="{FF2B5EF4-FFF2-40B4-BE49-F238E27FC236}">
+                <a16:creationId xmlns:a16="http://schemas.microsoft.com/office/drawing/2014/main" id="{8D4DC71E-3660-428C-AA62-0AC2E424FF27}"/>
+              </a:ext>
+            </a:extLst>
+          </p:cNvPr>
+          <p:cNvSpPr txBox="1"/>
+          <p:nvPr/>
+        </p:nvSpPr>
+        <p:spPr>
+          <a:xfrm>
+            <a:off x="4542299" y="4348651"/>
+            <a:ext cx="1293558" cy="400110"/>
+          </a:xfrm>
+          <a:prstGeom prst="rect">
+            <a:avLst/>
+          </a:prstGeom>
+          <a:noFill/>
+        </p:spPr>
+        <p:txBody>
+          <a:bodyPr wrap="square" rtlCol="0">
+            <a:spAutoFit/>
+          </a:bodyPr>
+          <a:lstStyle/>
+          <a:p>
+            <a:r>
+              <a:rPr lang="en-GB" sz="2000" dirty="0">
+                <a:latin typeface="Arial" panose="020B0604020202020204" pitchFamily="34" charset="0"/>
+                <a:cs typeface="Arial" panose="020B0604020202020204" pitchFamily="34" charset="0"/>
+              </a:rPr>
+              <a:t>3500 </a:t>
+            </a:r>
+            <a:r>
+              <a:rPr lang="en-GB" sz="2000" dirty="0" err="1">
+                <a:latin typeface="Arial" panose="020B0604020202020204" pitchFamily="34" charset="0"/>
+                <a:cs typeface="Arial" panose="020B0604020202020204" pitchFamily="34" charset="0"/>
+              </a:rPr>
+              <a:t>ms</a:t>
+            </a:r>
+            <a:endParaRPr lang="en-GB" sz="2000" dirty="0">
+              <a:latin typeface="Arial" panose="020B0604020202020204" pitchFamily="34" charset="0"/>
+              <a:cs typeface="Arial" panose="020B0604020202020204" pitchFamily="34" charset="0"/>
+            </a:endParaRPr>
+          </a:p>
+        </p:txBody>
+      </p:sp>
+      <p:sp>
+        <p:nvSpPr>
+          <p:cNvPr id="8" name="CasellaDiTesto 28">
+            <a:extLst>
+              <a:ext uri="{FF2B5EF4-FFF2-40B4-BE49-F238E27FC236}">
+                <a16:creationId xmlns:a16="http://schemas.microsoft.com/office/drawing/2014/main" id="{F425339B-D093-44B9-82F1-262664BDE7B8}"/>
+              </a:ext>
+            </a:extLst>
+          </p:cNvPr>
+          <p:cNvSpPr txBox="1"/>
+          <p:nvPr/>
+        </p:nvSpPr>
+        <p:spPr>
+          <a:xfrm>
+            <a:off x="5688919" y="5594821"/>
+            <a:ext cx="3087942" cy="400110"/>
+          </a:xfrm>
+          <a:prstGeom prst="rect">
+            <a:avLst/>
+          </a:prstGeom>
+          <a:noFill/>
+        </p:spPr>
+        <p:txBody>
+          <a:bodyPr wrap="square" rtlCol="0">
+            <a:spAutoFit/>
+          </a:bodyPr>
+          <a:lstStyle/>
+          <a:p>
+            <a:r>
+              <a:rPr lang="en-GB" sz="2000" dirty="0">
+                <a:latin typeface="Arial" panose="020B0604020202020204" pitchFamily="34" charset="0"/>
+                <a:cs typeface="Arial" panose="020B0604020202020204" pitchFamily="34" charset="0"/>
+              </a:rPr>
+              <a:t>1000 </a:t>
+            </a:r>
+            <a:r>
+              <a:rPr lang="en-GB" sz="2000" dirty="0" err="1">
+                <a:latin typeface="Arial" panose="020B0604020202020204" pitchFamily="34" charset="0"/>
+                <a:cs typeface="Arial" panose="020B0604020202020204" pitchFamily="34" charset="0"/>
+              </a:rPr>
+              <a:t>ms</a:t>
+            </a:r>
+            <a:r>
+              <a:rPr lang="en-GB" sz="2000" dirty="0">
+                <a:latin typeface="Arial" panose="020B0604020202020204" pitchFamily="34" charset="0"/>
+                <a:cs typeface="Arial" panose="020B0604020202020204" pitchFamily="34" charset="0"/>
+              </a:rPr>
+              <a:t> + random ISI </a:t>
+            </a:r>
+          </a:p>
+        </p:txBody>
+      </p:sp>
+      <p:cxnSp>
+        <p:nvCxnSpPr>
+          <p:cNvPr id="9" name="Connettore 2 32">
+            <a:extLst>
+              <a:ext uri="{FF2B5EF4-FFF2-40B4-BE49-F238E27FC236}">
+                <a16:creationId xmlns:a16="http://schemas.microsoft.com/office/drawing/2014/main" id="{32F45C80-D43A-48CF-88AD-3EC057234B9D}"/>
+              </a:ext>
+            </a:extLst>
+          </p:cNvPr>
+          <p:cNvCxnSpPr>
+            <a:cxnSpLocks/>
+          </p:cNvCxnSpPr>
+          <p:nvPr/>
+        </p:nvCxnSpPr>
+        <p:spPr>
+          <a:xfrm>
+            <a:off x="1921684" y="3227594"/>
+            <a:ext cx="4088692" cy="2885531"/>
+          </a:xfrm>
+          <a:prstGeom prst="straightConnector1">
+            <a:avLst/>
+          </a:prstGeom>
+          <a:ln w="38100">
+            <a:solidFill>
+              <a:srgbClr val="FF0000"/>
+            </a:solidFill>
+            <a:tailEnd type="arrow"/>
+          </a:ln>
+        </p:spPr>
+        <p:style>
+          <a:lnRef idx="2">
+            <a:schemeClr val="dk1"/>
+          </a:lnRef>
+          <a:fillRef idx="0">
+            <a:schemeClr val="dk1"/>
+          </a:fillRef>
+          <a:effectRef idx="1">
+            <a:schemeClr val="dk1"/>
+          </a:effectRef>
+          <a:fontRef idx="minor">
+            <a:schemeClr val="tx1"/>
+          </a:fontRef>
+        </p:style>
+      </p:cxnSp>
+      <p:sp>
+        <p:nvSpPr>
+          <p:cNvPr id="10" name="CasellaDiTesto 28">
+            <a:extLst>
+              <a:ext uri="{FF2B5EF4-FFF2-40B4-BE49-F238E27FC236}">
+                <a16:creationId xmlns:a16="http://schemas.microsoft.com/office/drawing/2014/main" id="{B169C700-7490-4845-99FF-7A315F831DB7}"/>
+              </a:ext>
+            </a:extLst>
+          </p:cNvPr>
+          <p:cNvSpPr txBox="1"/>
+          <p:nvPr/>
+        </p:nvSpPr>
+        <p:spPr>
+          <a:xfrm>
+            <a:off x="2395378" y="2846341"/>
+            <a:ext cx="1293558" cy="400110"/>
+          </a:xfrm>
+          <a:prstGeom prst="rect">
+            <a:avLst/>
+          </a:prstGeom>
+          <a:noFill/>
+        </p:spPr>
+        <p:txBody>
+          <a:bodyPr wrap="square" rtlCol="0">
+            <a:spAutoFit/>
+          </a:bodyPr>
+          <a:lstStyle/>
+          <a:p>
+            <a:r>
+              <a:rPr lang="en-GB" sz="2000" dirty="0">
+                <a:latin typeface="Arial" panose="020B0604020202020204" pitchFamily="34" charset="0"/>
+                <a:cs typeface="Arial" panose="020B0604020202020204" pitchFamily="34" charset="0"/>
+              </a:rPr>
+              <a:t>500 </a:t>
+            </a:r>
+            <a:r>
+              <a:rPr lang="en-GB" sz="2000" dirty="0" err="1">
+                <a:latin typeface="Arial" panose="020B0604020202020204" pitchFamily="34" charset="0"/>
+                <a:cs typeface="Arial" panose="020B0604020202020204" pitchFamily="34" charset="0"/>
+              </a:rPr>
+              <a:t>ms</a:t>
+            </a:r>
+            <a:endParaRPr lang="en-GB" sz="2000" dirty="0">
+              <a:latin typeface="Arial" panose="020B0604020202020204" pitchFamily="34" charset="0"/>
+              <a:cs typeface="Arial" panose="020B0604020202020204" pitchFamily="34" charset="0"/>
+            </a:endParaRPr>
+          </a:p>
+        </p:txBody>
+      </p:sp>
+      <p:sp>
+        <p:nvSpPr>
+          <p:cNvPr id="11" name="Rectangle: Rounded Corners 10">
+            <a:extLst>
+              <a:ext uri="{FF2B5EF4-FFF2-40B4-BE49-F238E27FC236}">
+                <a16:creationId xmlns:a16="http://schemas.microsoft.com/office/drawing/2014/main" id="{7DACFB8F-1786-4406-92AB-2BE0BAC5972C}"/>
+              </a:ext>
+            </a:extLst>
+          </p:cNvPr>
+          <p:cNvSpPr/>
+          <p:nvPr/>
+        </p:nvSpPr>
+        <p:spPr>
+          <a:xfrm>
+            <a:off x="3488371" y="2433576"/>
+            <a:ext cx="4203837" cy="1856067"/>
+          </a:xfrm>
+          <a:prstGeom prst="roundRect">
+            <a:avLst/>
+          </a:prstGeom>
+          <a:solidFill>
+            <a:schemeClr val="bg1"/>
+          </a:solidFill>
+          <a:ln w="28575">
+            <a:solidFill>
+              <a:schemeClr val="tx1"/>
+            </a:solidFill>
+          </a:ln>
+        </p:spPr>
+        <p:style>
+          <a:lnRef idx="2">
+            <a:schemeClr val="accent1">
+              <a:shade val="50000"/>
+            </a:schemeClr>
+          </a:lnRef>
+          <a:fillRef idx="1">
+            <a:schemeClr val="accent1"/>
+          </a:fillRef>
+          <a:effectRef idx="0">
+            <a:schemeClr val="accent1"/>
+          </a:effectRef>
+          <a:fontRef idx="minor">
+            <a:schemeClr val="lt1"/>
+          </a:fontRef>
+        </p:style>
+        <p:txBody>
+          <a:bodyPr rtlCol="0" anchor="ctr"/>
+          <a:lstStyle/>
+          <a:p>
+            <a:pPr algn="ctr"/>
+            <a:endParaRPr lang="en-GB" sz="3200" dirty="0">
+              <a:solidFill>
+                <a:schemeClr val="tx1"/>
+              </a:solidFill>
+              <a:latin typeface="Arial" panose="020B0604020202020204" pitchFamily="34" charset="0"/>
+              <a:cs typeface="Arial" panose="020B0604020202020204" pitchFamily="34" charset="0"/>
+            </a:endParaRPr>
+          </a:p>
+        </p:txBody>
+      </p:sp>
+      <p:pic>
+        <p:nvPicPr>
+          <p:cNvPr id="12" name="Picture 11">
+            <a:extLst>
+              <a:ext uri="{FF2B5EF4-FFF2-40B4-BE49-F238E27FC236}">
+                <a16:creationId xmlns:a16="http://schemas.microsoft.com/office/drawing/2014/main" id="{C2F722FE-A00E-4A28-89F3-48DC534D8840}"/>
+              </a:ext>
+            </a:extLst>
+          </p:cNvPr>
+          <p:cNvPicPr>
+            <a:picLocks noChangeAspect="1"/>
+          </p:cNvPicPr>
+          <p:nvPr/>
+        </p:nvPicPr>
+        <p:blipFill>
+          <a:blip r:embed="rId2"/>
+          <a:stretch>
+            <a:fillRect/>
+          </a:stretch>
+        </p:blipFill>
+        <p:spPr>
+          <a:xfrm>
+            <a:off x="3573139" y="3145511"/>
+            <a:ext cx="1040940" cy="856499"/>
+          </a:xfrm>
+          <a:prstGeom prst="rect">
+            <a:avLst/>
+          </a:prstGeom>
+        </p:spPr>
+      </p:pic>
+      <p:sp>
+        <p:nvSpPr>
+          <p:cNvPr id="16" name="TextBox 15">
+            <a:extLst>
+              <a:ext uri="{FF2B5EF4-FFF2-40B4-BE49-F238E27FC236}">
+                <a16:creationId xmlns:a16="http://schemas.microsoft.com/office/drawing/2014/main" id="{EA6AF12B-83A8-48D0-BAEB-2D4FD43D5DDF}"/>
+              </a:ext>
+            </a:extLst>
+          </p:cNvPr>
+          <p:cNvSpPr txBox="1"/>
+          <p:nvPr/>
+        </p:nvSpPr>
+        <p:spPr>
+          <a:xfrm>
+            <a:off x="5183953" y="2435581"/>
+            <a:ext cx="1267973" cy="584775"/>
+          </a:xfrm>
+          <a:prstGeom prst="rect">
+            <a:avLst/>
+          </a:prstGeom>
+          <a:noFill/>
+        </p:spPr>
+        <p:txBody>
+          <a:bodyPr wrap="square" rtlCol="0">
+            <a:spAutoFit/>
+          </a:bodyPr>
+          <a:lstStyle/>
+          <a:p>
+            <a:r>
+              <a:rPr lang="it-IT" sz="3200" dirty="0" err="1">
+                <a:latin typeface="Arial" panose="020B0604020202020204" pitchFamily="34" charset="0"/>
+                <a:cs typeface="Arial" panose="020B0604020202020204" pitchFamily="34" charset="0"/>
+              </a:rPr>
+              <a:t>wug</a:t>
+            </a:r>
+            <a:endParaRPr lang="en-GB" sz="3200" dirty="0">
+              <a:latin typeface="Arial" panose="020B0604020202020204" pitchFamily="34" charset="0"/>
+              <a:cs typeface="Arial" panose="020B0604020202020204" pitchFamily="34" charset="0"/>
+            </a:endParaRPr>
+          </a:p>
+        </p:txBody>
+      </p:sp>
+      <p:sp>
+        <p:nvSpPr>
+          <p:cNvPr id="18" name="Rectangle: Rounded Corners 17">
+            <a:extLst>
+              <a:ext uri="{FF2B5EF4-FFF2-40B4-BE49-F238E27FC236}">
+                <a16:creationId xmlns:a16="http://schemas.microsoft.com/office/drawing/2014/main" id="{0B86A26D-B563-4C06-A0F4-AD1CA36CB0B9}"/>
+              </a:ext>
+            </a:extLst>
+          </p:cNvPr>
+          <p:cNvSpPr/>
+          <p:nvPr/>
+        </p:nvSpPr>
+        <p:spPr>
+          <a:xfrm>
+            <a:off x="5924957" y="4019695"/>
+            <a:ext cx="1981057" cy="1500668"/>
+          </a:xfrm>
+          <a:prstGeom prst="roundRect">
+            <a:avLst/>
+          </a:prstGeom>
+          <a:solidFill>
+            <a:schemeClr val="bg1"/>
+          </a:solidFill>
+          <a:ln w="28575">
+            <a:solidFill>
+              <a:schemeClr val="tx1"/>
+            </a:solidFill>
+          </a:ln>
+        </p:spPr>
+        <p:style>
+          <a:lnRef idx="2">
+            <a:schemeClr val="accent1">
+              <a:shade val="50000"/>
+            </a:schemeClr>
+          </a:lnRef>
+          <a:fillRef idx="1">
+            <a:schemeClr val="accent1"/>
+          </a:fillRef>
+          <a:effectRef idx="0">
+            <a:schemeClr val="accent1"/>
+          </a:effectRef>
+          <a:fontRef idx="minor">
+            <a:schemeClr val="lt1"/>
+          </a:fontRef>
+        </p:style>
+        <p:txBody>
+          <a:bodyPr rtlCol="0" anchor="ctr"/>
+          <a:lstStyle/>
+          <a:p>
+            <a:pPr algn="ctr"/>
+            <a:endParaRPr lang="en-GB" sz="3200" dirty="0">
+              <a:solidFill>
+                <a:schemeClr val="tx1"/>
+              </a:solidFill>
+              <a:latin typeface="Arial" panose="020B0604020202020204" pitchFamily="34" charset="0"/>
+              <a:cs typeface="Arial" panose="020B0604020202020204" pitchFamily="34" charset="0"/>
+            </a:endParaRPr>
+          </a:p>
+        </p:txBody>
+      </p:sp>
+      <p:sp>
+        <p:nvSpPr>
+          <p:cNvPr id="28" name="TextBox 27">
+            <a:extLst>
+              <a:ext uri="{FF2B5EF4-FFF2-40B4-BE49-F238E27FC236}">
+                <a16:creationId xmlns:a16="http://schemas.microsoft.com/office/drawing/2014/main" id="{5F435B34-0E34-4EE1-A85F-CC969E5B95CC}"/>
+              </a:ext>
+            </a:extLst>
+          </p:cNvPr>
+          <p:cNvSpPr txBox="1"/>
+          <p:nvPr/>
+        </p:nvSpPr>
+        <p:spPr>
+          <a:xfrm>
+            <a:off x="4056912" y="1452337"/>
+            <a:ext cx="3783806" cy="830997"/>
+          </a:xfrm>
+          <a:prstGeom prst="rect">
+            <a:avLst/>
+          </a:prstGeom>
+          <a:noFill/>
+        </p:spPr>
+        <p:txBody>
+          <a:bodyPr wrap="square" rtlCol="0">
+            <a:spAutoFit/>
+          </a:bodyPr>
+          <a:lstStyle/>
+          <a:p>
+            <a:r>
+              <a:rPr lang="it-IT" sz="2400" i="1" dirty="0">
+                <a:latin typeface="Arial" panose="020B0604020202020204" pitchFamily="34" charset="0"/>
+                <a:cs typeface="Arial" panose="020B0604020202020204" pitchFamily="34" charset="0"/>
+              </a:rPr>
+              <a:t>«Select the </a:t>
+            </a:r>
+            <a:r>
+              <a:rPr lang="it-IT" sz="2400" b="1" i="1" dirty="0" err="1">
+                <a:latin typeface="Arial" panose="020B0604020202020204" pitchFamily="34" charset="0"/>
+                <a:cs typeface="Arial" panose="020B0604020202020204" pitchFamily="34" charset="0"/>
+              </a:rPr>
+              <a:t>fribble</a:t>
+            </a:r>
+            <a:r>
+              <a:rPr lang="it-IT" sz="2400" i="1" dirty="0">
+                <a:latin typeface="Arial" panose="020B0604020202020204" pitchFamily="34" charset="0"/>
+                <a:cs typeface="Arial" panose="020B0604020202020204" pitchFamily="34" charset="0"/>
+              </a:rPr>
+              <a:t> </a:t>
+            </a:r>
+            <a:r>
+              <a:rPr lang="it-IT" sz="2400" i="1" dirty="0" err="1">
+                <a:latin typeface="Arial" panose="020B0604020202020204" pitchFamily="34" charset="0"/>
+                <a:cs typeface="Arial" panose="020B0604020202020204" pitchFamily="34" charset="0"/>
+              </a:rPr>
+              <a:t>that</a:t>
+            </a:r>
+            <a:r>
+              <a:rPr lang="it-IT" sz="2400" i="1" dirty="0">
+                <a:latin typeface="Arial" panose="020B0604020202020204" pitchFamily="34" charset="0"/>
+                <a:cs typeface="Arial" panose="020B0604020202020204" pitchFamily="34" charset="0"/>
+              </a:rPr>
+              <a:t> best matches the </a:t>
+            </a:r>
+            <a:r>
+              <a:rPr lang="it-IT" sz="2400" b="1" i="1" dirty="0">
+                <a:latin typeface="Arial" panose="020B0604020202020204" pitchFamily="34" charset="0"/>
+                <a:cs typeface="Arial" panose="020B0604020202020204" pitchFamily="34" charset="0"/>
+              </a:rPr>
+              <a:t>label</a:t>
+            </a:r>
+            <a:r>
+              <a:rPr lang="it-IT" sz="2400" i="1" dirty="0">
+                <a:latin typeface="Arial" panose="020B0604020202020204" pitchFamily="34" charset="0"/>
+                <a:cs typeface="Arial" panose="020B0604020202020204" pitchFamily="34" charset="0"/>
+              </a:rPr>
+              <a:t>»</a:t>
+            </a:r>
+            <a:endParaRPr lang="en-GB" sz="2400" i="1" dirty="0">
+              <a:latin typeface="Arial" panose="020B0604020202020204" pitchFamily="34" charset="0"/>
+              <a:cs typeface="Arial" panose="020B0604020202020204" pitchFamily="34" charset="0"/>
+            </a:endParaRPr>
+          </a:p>
+        </p:txBody>
+      </p:sp>
+      <p:pic>
+        <p:nvPicPr>
+          <p:cNvPr id="2" name="Picture 1">
+            <a:extLst>
+              <a:ext uri="{FF2B5EF4-FFF2-40B4-BE49-F238E27FC236}">
+                <a16:creationId xmlns:a16="http://schemas.microsoft.com/office/drawing/2014/main" id="{6A5F4129-102E-4366-B8B5-42D31878ED42}"/>
+              </a:ext>
+            </a:extLst>
+          </p:cNvPr>
+          <p:cNvPicPr>
+            <a:picLocks noChangeAspect="1"/>
+          </p:cNvPicPr>
+          <p:nvPr/>
+        </p:nvPicPr>
+        <p:blipFill>
+          <a:blip r:embed="rId3"/>
+          <a:stretch>
+            <a:fillRect/>
+          </a:stretch>
+        </p:blipFill>
+        <p:spPr>
+          <a:xfrm>
+            <a:off x="4542300" y="3145510"/>
+            <a:ext cx="1164774" cy="940953"/>
+          </a:xfrm>
+          <a:prstGeom prst="rect">
+            <a:avLst/>
+          </a:prstGeom>
+        </p:spPr>
+      </p:pic>
+      <p:pic>
+        <p:nvPicPr>
+          <p:cNvPr id="3" name="Picture 2">
+            <a:extLst>
+              <a:ext uri="{FF2B5EF4-FFF2-40B4-BE49-F238E27FC236}">
+                <a16:creationId xmlns:a16="http://schemas.microsoft.com/office/drawing/2014/main" id="{4A74CDB1-F637-4872-8F06-D4F097B16EF0}"/>
+              </a:ext>
+            </a:extLst>
+          </p:cNvPr>
+          <p:cNvPicPr>
+            <a:picLocks noChangeAspect="1"/>
+          </p:cNvPicPr>
+          <p:nvPr/>
+        </p:nvPicPr>
+        <p:blipFill>
+          <a:blip r:embed="rId4"/>
+          <a:stretch>
+            <a:fillRect/>
+          </a:stretch>
+        </p:blipFill>
+        <p:spPr>
+          <a:xfrm>
+            <a:off x="5641402" y="3051353"/>
+            <a:ext cx="956679" cy="940953"/>
+          </a:xfrm>
+          <a:prstGeom prst="rect">
+            <a:avLst/>
+          </a:prstGeom>
+        </p:spPr>
+      </p:pic>
+      <p:pic>
+        <p:nvPicPr>
+          <p:cNvPr id="13" name="Picture 12">
+            <a:extLst>
+              <a:ext uri="{FF2B5EF4-FFF2-40B4-BE49-F238E27FC236}">
+                <a16:creationId xmlns:a16="http://schemas.microsoft.com/office/drawing/2014/main" id="{15DB4934-A722-4BB4-A3F7-868F9927C841}"/>
+              </a:ext>
+            </a:extLst>
+          </p:cNvPr>
+          <p:cNvPicPr>
+            <a:picLocks noChangeAspect="1"/>
+          </p:cNvPicPr>
+          <p:nvPr/>
+        </p:nvPicPr>
+        <p:blipFill>
+          <a:blip r:embed="rId5"/>
+          <a:stretch>
+            <a:fillRect/>
+          </a:stretch>
+        </p:blipFill>
+        <p:spPr>
+          <a:xfrm>
+            <a:off x="6560438" y="2976173"/>
+            <a:ext cx="925306" cy="960773"/>
+          </a:xfrm>
+          <a:prstGeom prst="rect">
+            <a:avLst/>
+          </a:prstGeom>
+        </p:spPr>
+      </p:pic>
+    </p:spTree>
+    <p:extLst>
+      <p:ext uri="{BB962C8B-B14F-4D97-AF65-F5344CB8AC3E}">
+        <p14:creationId xmlns:p14="http://schemas.microsoft.com/office/powerpoint/2010/main" val="2595055535"/>
+      </p:ext>
+    </p:extLst>
+  </p:cSld>
+  <p:clrMapOvr>
+    <a:masterClrMapping/>
+  </p:clrMapOvr>
+</p:sld>
+</file>
+
+<file path=ppt/slides/slide9.xml><?xml version="1.0" encoding="utf-8"?>
+<p:sld xmlns:a="http://schemas.openxmlformats.org/drawingml/2006/main" xmlns:r="http://schemas.openxmlformats.org/officeDocument/2006/relationships" xmlns:p="http://schemas.openxmlformats.org/presentationml/2006/main">
+  <p:cSld>
+    <p:spTree>
+      <p:nvGrpSpPr>
+        <p:cNvPr id="1" name=""/>
+        <p:cNvGrpSpPr/>
+        <p:nvPr/>
+      </p:nvGrpSpPr>
+      <p:grpSpPr>
+        <a:xfrm>
+          <a:off x="0" y="0"/>
+          <a:ext cx="0" cy="0"/>
+          <a:chOff x="0" y="0"/>
+          <a:chExt cx="0" cy="0"/>
+        </a:xfrm>
+      </p:grpSpPr>
+      <p:sp>
+        <p:nvSpPr>
+          <p:cNvPr id="23" name="Rectangle: Rounded Corners 22">
+            <a:extLst>
+              <a:ext uri="{FF2B5EF4-FFF2-40B4-BE49-F238E27FC236}">
+                <a16:creationId xmlns:a16="http://schemas.microsoft.com/office/drawing/2014/main" id="{58183BED-25DD-49D6-A5C1-14B6ED554954}"/>
+              </a:ext>
+            </a:extLst>
+          </p:cNvPr>
+          <p:cNvSpPr/>
+          <p:nvPr/>
+        </p:nvSpPr>
+        <p:spPr>
+          <a:xfrm>
+            <a:off x="3050142" y="1427501"/>
+            <a:ext cx="1981057" cy="1500668"/>
+          </a:xfrm>
+          <a:prstGeom prst="roundRect">
+            <a:avLst/>
+          </a:prstGeom>
+          <a:solidFill>
+            <a:schemeClr val="bg1"/>
+          </a:solidFill>
+          <a:ln w="28575">
+            <a:solidFill>
+              <a:schemeClr val="tx1"/>
+            </a:solidFill>
+          </a:ln>
+        </p:spPr>
+        <p:style>
+          <a:lnRef idx="2">
+            <a:schemeClr val="accent1">
+              <a:shade val="50000"/>
+            </a:schemeClr>
+          </a:lnRef>
+          <a:fillRef idx="1">
+            <a:schemeClr val="accent1"/>
+          </a:fillRef>
+          <a:effectRef idx="0">
+            <a:schemeClr val="accent1"/>
+          </a:effectRef>
+          <a:fontRef idx="minor">
+            <a:schemeClr val="lt1"/>
+          </a:fontRef>
+        </p:style>
+        <p:txBody>
+          <a:bodyPr rtlCol="0" anchor="ctr"/>
+          <a:lstStyle/>
+          <a:p>
+            <a:pPr algn="ctr"/>
+            <a:r>
+              <a:rPr lang="it-IT" sz="3200" dirty="0">
+                <a:solidFill>
+                  <a:schemeClr val="tx1"/>
+                </a:solidFill>
+                <a:latin typeface="Arial" panose="020B0604020202020204" pitchFamily="34" charset="0"/>
+                <a:cs typeface="Arial" panose="020B0604020202020204" pitchFamily="34" charset="0"/>
+              </a:rPr>
+              <a:t>+</a:t>
+            </a:r>
+            <a:endParaRPr lang="en-GB" sz="3200" dirty="0">
+              <a:solidFill>
+                <a:schemeClr val="tx1"/>
+              </a:solidFill>
+              <a:latin typeface="Arial" panose="020B0604020202020204" pitchFamily="34" charset="0"/>
+              <a:cs typeface="Arial" panose="020B0604020202020204" pitchFamily="34" charset="0"/>
+            </a:endParaRPr>
+          </a:p>
+        </p:txBody>
+      </p:sp>
+      <p:sp>
+        <p:nvSpPr>
+          <p:cNvPr id="24" name="CasellaDiTesto 28">
+            <a:extLst>
+              <a:ext uri="{FF2B5EF4-FFF2-40B4-BE49-F238E27FC236}">
+                <a16:creationId xmlns:a16="http://schemas.microsoft.com/office/drawing/2014/main" id="{52252317-111E-4956-B35A-F2889EFD5A16}"/>
+              </a:ext>
+            </a:extLst>
+          </p:cNvPr>
+          <p:cNvSpPr txBox="1"/>
+          <p:nvPr/>
+        </p:nvSpPr>
+        <p:spPr>
+          <a:xfrm>
+            <a:off x="5670757" y="4408586"/>
+            <a:ext cx="1293558" cy="400110"/>
+          </a:xfrm>
+          <a:prstGeom prst="rect">
+            <a:avLst/>
+          </a:prstGeom>
+          <a:noFill/>
+        </p:spPr>
+        <p:txBody>
+          <a:bodyPr wrap="square" rtlCol="0">
+            <a:spAutoFit/>
+          </a:bodyPr>
+          <a:lstStyle/>
+          <a:p>
+            <a:r>
+              <a:rPr lang="en-GB" sz="2000" dirty="0">
+                <a:latin typeface="Arial" panose="020B0604020202020204" pitchFamily="34" charset="0"/>
+                <a:cs typeface="Arial" panose="020B0604020202020204" pitchFamily="34" charset="0"/>
+              </a:rPr>
+              <a:t>3500 </a:t>
+            </a:r>
+            <a:r>
+              <a:rPr lang="en-GB" sz="2000" dirty="0" err="1">
+                <a:latin typeface="Arial" panose="020B0604020202020204" pitchFamily="34" charset="0"/>
+                <a:cs typeface="Arial" panose="020B0604020202020204" pitchFamily="34" charset="0"/>
+              </a:rPr>
+              <a:t>ms</a:t>
+            </a:r>
+            <a:endParaRPr lang="en-GB" sz="2000" dirty="0">
+              <a:latin typeface="Arial" panose="020B0604020202020204" pitchFamily="34" charset="0"/>
+              <a:cs typeface="Arial" panose="020B0604020202020204" pitchFamily="34" charset="0"/>
+            </a:endParaRPr>
+          </a:p>
+        </p:txBody>
+      </p:sp>
+      <p:sp>
+        <p:nvSpPr>
+          <p:cNvPr id="25" name="CasellaDiTesto 28">
+            <a:extLst>
+              <a:ext uri="{FF2B5EF4-FFF2-40B4-BE49-F238E27FC236}">
+                <a16:creationId xmlns:a16="http://schemas.microsoft.com/office/drawing/2014/main" id="{BD90D6BB-9F92-4F98-B0C0-7816BBCABD90}"/>
+              </a:ext>
+            </a:extLst>
+          </p:cNvPr>
+          <p:cNvSpPr txBox="1"/>
+          <p:nvPr/>
+        </p:nvSpPr>
+        <p:spPr>
+          <a:xfrm>
+            <a:off x="6809789" y="5849319"/>
+            <a:ext cx="2996629" cy="400110"/>
+          </a:xfrm>
+          <a:prstGeom prst="rect">
+            <a:avLst/>
+          </a:prstGeom>
+          <a:noFill/>
+        </p:spPr>
+        <p:txBody>
+          <a:bodyPr wrap="square" rtlCol="0">
+            <a:spAutoFit/>
+          </a:bodyPr>
+          <a:lstStyle/>
+          <a:p>
+            <a:r>
+              <a:rPr lang="en-GB" sz="2000" dirty="0">
+                <a:latin typeface="Arial" panose="020B0604020202020204" pitchFamily="34" charset="0"/>
+                <a:cs typeface="Arial" panose="020B0604020202020204" pitchFamily="34" charset="0"/>
+              </a:rPr>
+              <a:t>1000 </a:t>
+            </a:r>
+            <a:r>
+              <a:rPr lang="en-GB" sz="2000" dirty="0" err="1">
+                <a:latin typeface="Arial" panose="020B0604020202020204" pitchFamily="34" charset="0"/>
+                <a:cs typeface="Arial" panose="020B0604020202020204" pitchFamily="34" charset="0"/>
+              </a:rPr>
+              <a:t>ms</a:t>
+            </a:r>
+            <a:r>
+              <a:rPr lang="en-GB" sz="2000" dirty="0">
+                <a:latin typeface="Arial" panose="020B0604020202020204" pitchFamily="34" charset="0"/>
+                <a:cs typeface="Arial" panose="020B0604020202020204" pitchFamily="34" charset="0"/>
+              </a:rPr>
+              <a:t> + random ISI </a:t>
+            </a:r>
+          </a:p>
+        </p:txBody>
+      </p:sp>
+      <p:cxnSp>
+        <p:nvCxnSpPr>
+          <p:cNvPr id="26" name="Connettore 2 32">
+            <a:extLst>
+              <a:ext uri="{FF2B5EF4-FFF2-40B4-BE49-F238E27FC236}">
+                <a16:creationId xmlns:a16="http://schemas.microsoft.com/office/drawing/2014/main" id="{A8CB6DDE-95DD-4863-9875-8D8294B910FC}"/>
+              </a:ext>
+            </a:extLst>
+          </p:cNvPr>
+          <p:cNvCxnSpPr>
+            <a:cxnSpLocks/>
+          </p:cNvCxnSpPr>
+          <p:nvPr/>
+        </p:nvCxnSpPr>
+        <p:spPr>
+          <a:xfrm>
+            <a:off x="2918775" y="3463537"/>
+            <a:ext cx="4088692" cy="2885531"/>
+          </a:xfrm>
+          <a:prstGeom prst="straightConnector1">
+            <a:avLst/>
+          </a:prstGeom>
+          <a:ln w="38100">
+            <a:solidFill>
+              <a:srgbClr val="FF0000"/>
+            </a:solidFill>
+            <a:tailEnd type="arrow"/>
+          </a:ln>
+        </p:spPr>
+        <p:style>
+          <a:lnRef idx="2">
+            <a:schemeClr val="dk1"/>
+          </a:lnRef>
+          <a:fillRef idx="0">
+            <a:schemeClr val="dk1"/>
+          </a:fillRef>
+          <a:effectRef idx="1">
+            <a:schemeClr val="dk1"/>
+          </a:effectRef>
+          <a:fontRef idx="minor">
+            <a:schemeClr val="tx1"/>
+          </a:fontRef>
+        </p:style>
+      </p:cxnSp>
+      <p:sp>
+        <p:nvSpPr>
+          <p:cNvPr id="27" name="CasellaDiTesto 28">
+            <a:extLst>
+              <a:ext uri="{FF2B5EF4-FFF2-40B4-BE49-F238E27FC236}">
+                <a16:creationId xmlns:a16="http://schemas.microsoft.com/office/drawing/2014/main" id="{D6E73E61-8D94-450A-8CB0-91FA6B312F75}"/>
+              </a:ext>
+            </a:extLst>
+          </p:cNvPr>
+          <p:cNvSpPr txBox="1"/>
+          <p:nvPr/>
+        </p:nvSpPr>
+        <p:spPr>
+          <a:xfrm>
+            <a:off x="3523836" y="2906276"/>
+            <a:ext cx="1293558" cy="400110"/>
+          </a:xfrm>
+          <a:prstGeom prst="rect">
+            <a:avLst/>
+          </a:prstGeom>
+          <a:noFill/>
+        </p:spPr>
+        <p:txBody>
+          <a:bodyPr wrap="square" rtlCol="0">
+            <a:spAutoFit/>
+          </a:bodyPr>
+          <a:lstStyle/>
+          <a:p>
+            <a:r>
+              <a:rPr lang="en-GB" sz="2000" dirty="0">
+                <a:latin typeface="Arial" panose="020B0604020202020204" pitchFamily="34" charset="0"/>
+                <a:cs typeface="Arial" panose="020B0604020202020204" pitchFamily="34" charset="0"/>
+              </a:rPr>
+              <a:t>500 </a:t>
+            </a:r>
+            <a:r>
+              <a:rPr lang="en-GB" sz="2000" dirty="0" err="1">
+                <a:latin typeface="Arial" panose="020B0604020202020204" pitchFamily="34" charset="0"/>
+                <a:cs typeface="Arial" panose="020B0604020202020204" pitchFamily="34" charset="0"/>
+              </a:rPr>
+              <a:t>ms</a:t>
+            </a:r>
+            <a:endParaRPr lang="en-GB" sz="2000" dirty="0">
+              <a:latin typeface="Arial" panose="020B0604020202020204" pitchFamily="34" charset="0"/>
+              <a:cs typeface="Arial" panose="020B0604020202020204" pitchFamily="34" charset="0"/>
+            </a:endParaRPr>
+          </a:p>
+        </p:txBody>
+      </p:sp>
+      <p:sp>
+        <p:nvSpPr>
+          <p:cNvPr id="32" name="Rectangle: Rounded Corners 31">
+            <a:extLst>
+              <a:ext uri="{FF2B5EF4-FFF2-40B4-BE49-F238E27FC236}">
+                <a16:creationId xmlns:a16="http://schemas.microsoft.com/office/drawing/2014/main" id="{652A054E-77B7-4305-BFA5-2D5076BB06BE}"/>
+              </a:ext>
+            </a:extLst>
+          </p:cNvPr>
+          <p:cNvSpPr/>
+          <p:nvPr/>
+        </p:nvSpPr>
+        <p:spPr>
+          <a:xfrm>
+            <a:off x="4638742" y="2493511"/>
+            <a:ext cx="4088692" cy="1856067"/>
+          </a:xfrm>
+          <a:prstGeom prst="roundRect">
+            <a:avLst/>
+          </a:prstGeom>
+          <a:solidFill>
+            <a:schemeClr val="bg1"/>
+          </a:solidFill>
+          <a:ln w="28575">
+            <a:solidFill>
+              <a:schemeClr val="tx1"/>
+            </a:solidFill>
+          </a:ln>
+        </p:spPr>
+        <p:style>
+          <a:lnRef idx="2">
+            <a:schemeClr val="accent1">
+              <a:shade val="50000"/>
+            </a:schemeClr>
+          </a:lnRef>
+          <a:fillRef idx="1">
+            <a:schemeClr val="accent1"/>
+          </a:fillRef>
+          <a:effectRef idx="0">
+            <a:schemeClr val="accent1"/>
+          </a:effectRef>
+          <a:fontRef idx="minor">
+            <a:schemeClr val="lt1"/>
+          </a:fontRef>
+        </p:style>
+        <p:txBody>
+          <a:bodyPr rtlCol="0" anchor="ctr"/>
+          <a:lstStyle/>
+          <a:p>
+            <a:pPr algn="ctr"/>
+            <a:endParaRPr lang="en-GB" sz="3200" dirty="0">
+              <a:solidFill>
+                <a:schemeClr val="tx1"/>
+              </a:solidFill>
+              <a:latin typeface="Arial" panose="020B0604020202020204" pitchFamily="34" charset="0"/>
+              <a:cs typeface="Arial" panose="020B0604020202020204" pitchFamily="34" charset="0"/>
+            </a:endParaRPr>
+          </a:p>
+        </p:txBody>
+      </p:sp>
+      <p:sp>
+        <p:nvSpPr>
+          <p:cNvPr id="37" name="TextBox 36">
+            <a:extLst>
+              <a:ext uri="{FF2B5EF4-FFF2-40B4-BE49-F238E27FC236}">
+                <a16:creationId xmlns:a16="http://schemas.microsoft.com/office/drawing/2014/main" id="{9E10EF52-1C2E-4D3F-A621-D8B5376959A3}"/>
+              </a:ext>
+            </a:extLst>
+          </p:cNvPr>
+          <p:cNvSpPr txBox="1"/>
+          <p:nvPr/>
+        </p:nvSpPr>
+        <p:spPr>
+          <a:xfrm>
+            <a:off x="4750956" y="3579105"/>
+            <a:ext cx="947859" cy="584775"/>
+          </a:xfrm>
+          <a:prstGeom prst="rect">
+            <a:avLst/>
+          </a:prstGeom>
+          <a:noFill/>
+        </p:spPr>
+        <p:txBody>
+          <a:bodyPr wrap="square" rtlCol="0">
+            <a:spAutoFit/>
+          </a:bodyPr>
+          <a:lstStyle/>
+          <a:p>
+            <a:r>
+              <a:rPr lang="it-IT" sz="3200" dirty="0" err="1">
+                <a:latin typeface="Arial" panose="020B0604020202020204" pitchFamily="34" charset="0"/>
+                <a:cs typeface="Arial" panose="020B0604020202020204" pitchFamily="34" charset="0"/>
+              </a:rPr>
+              <a:t>wug</a:t>
+            </a:r>
+            <a:endParaRPr lang="en-GB" sz="3200" dirty="0">
+              <a:latin typeface="Arial" panose="020B0604020202020204" pitchFamily="34" charset="0"/>
+              <a:cs typeface="Arial" panose="020B0604020202020204" pitchFamily="34" charset="0"/>
+            </a:endParaRPr>
+          </a:p>
+        </p:txBody>
+      </p:sp>
+      <p:sp>
+        <p:nvSpPr>
+          <p:cNvPr id="38" name="Rectangle: Rounded Corners 37">
+            <a:extLst>
+              <a:ext uri="{FF2B5EF4-FFF2-40B4-BE49-F238E27FC236}">
+                <a16:creationId xmlns:a16="http://schemas.microsoft.com/office/drawing/2014/main" id="{307DEE5D-CB6C-4A0D-9681-E41B780B36DA}"/>
+              </a:ext>
+            </a:extLst>
+          </p:cNvPr>
+          <p:cNvSpPr/>
+          <p:nvPr/>
+        </p:nvSpPr>
+        <p:spPr>
+          <a:xfrm>
+            <a:off x="6854576" y="4221564"/>
+            <a:ext cx="1964957" cy="1568747"/>
+          </a:xfrm>
+          <a:prstGeom prst="roundRect">
+            <a:avLst/>
+          </a:prstGeom>
+          <a:solidFill>
+            <a:schemeClr val="bg1"/>
+          </a:solidFill>
+          <a:ln w="28575">
+            <a:solidFill>
+              <a:schemeClr val="tx1"/>
+            </a:solidFill>
+          </a:ln>
+        </p:spPr>
+        <p:style>
+          <a:lnRef idx="2">
+            <a:schemeClr val="accent1">
+              <a:shade val="50000"/>
+            </a:schemeClr>
+          </a:lnRef>
+          <a:fillRef idx="1">
+            <a:schemeClr val="accent1"/>
+          </a:fillRef>
+          <a:effectRef idx="0">
+            <a:schemeClr val="accent1"/>
+          </a:effectRef>
+          <a:fontRef idx="minor">
+            <a:schemeClr val="lt1"/>
+          </a:fontRef>
+        </p:style>
+        <p:txBody>
+          <a:bodyPr rtlCol="0" anchor="ctr"/>
+          <a:lstStyle/>
+          <a:p>
+            <a:pPr algn="ctr"/>
+            <a:endParaRPr lang="en-GB" sz="3200" dirty="0">
+              <a:solidFill>
+                <a:schemeClr val="tx1"/>
+              </a:solidFill>
+              <a:latin typeface="Arial" panose="020B0604020202020204" pitchFamily="34" charset="0"/>
+              <a:cs typeface="Arial" panose="020B0604020202020204" pitchFamily="34" charset="0"/>
+            </a:endParaRPr>
+          </a:p>
+        </p:txBody>
+      </p:sp>
+      <p:pic>
+        <p:nvPicPr>
+          <p:cNvPr id="40" name="Picture 39">
+            <a:extLst>
+              <a:ext uri="{FF2B5EF4-FFF2-40B4-BE49-F238E27FC236}">
+                <a16:creationId xmlns:a16="http://schemas.microsoft.com/office/drawing/2014/main" id="{E280C3D5-9C93-4714-8E32-446CB4BB7B02}"/>
+              </a:ext>
+            </a:extLst>
+          </p:cNvPr>
+          <p:cNvPicPr>
+            <a:picLocks noChangeAspect="1"/>
+          </p:cNvPicPr>
+          <p:nvPr/>
+        </p:nvPicPr>
+        <p:blipFill>
+          <a:blip r:embed="rId2"/>
+          <a:stretch>
+            <a:fillRect/>
+          </a:stretch>
+        </p:blipFill>
+        <p:spPr>
+          <a:xfrm>
+            <a:off x="5645015" y="2559078"/>
+            <a:ext cx="1164774" cy="940953"/>
+          </a:xfrm>
+          <a:prstGeom prst="rect">
+            <a:avLst/>
+          </a:prstGeom>
+        </p:spPr>
+      </p:pic>
+      <p:sp>
+        <p:nvSpPr>
+          <p:cNvPr id="42" name="TextBox 41">
+            <a:extLst>
+              <a:ext uri="{FF2B5EF4-FFF2-40B4-BE49-F238E27FC236}">
+                <a16:creationId xmlns:a16="http://schemas.microsoft.com/office/drawing/2014/main" id="{52BC60D0-2E2F-4733-9AE7-D4D33685F43D}"/>
+              </a:ext>
+            </a:extLst>
+          </p:cNvPr>
+          <p:cNvSpPr txBox="1"/>
+          <p:nvPr/>
+        </p:nvSpPr>
+        <p:spPr>
+          <a:xfrm>
+            <a:off x="5312096" y="1389795"/>
+            <a:ext cx="3783806" cy="830997"/>
+          </a:xfrm>
+          <a:prstGeom prst="rect">
+            <a:avLst/>
+          </a:prstGeom>
+          <a:noFill/>
+        </p:spPr>
+        <p:txBody>
+          <a:bodyPr wrap="square" rtlCol="0">
+            <a:spAutoFit/>
+          </a:bodyPr>
+          <a:lstStyle/>
+          <a:p>
+            <a:r>
+              <a:rPr lang="it-IT" sz="2400" i="1" dirty="0">
+                <a:latin typeface="Arial" panose="020B0604020202020204" pitchFamily="34" charset="0"/>
+                <a:cs typeface="Arial" panose="020B0604020202020204" pitchFamily="34" charset="0"/>
+              </a:rPr>
+              <a:t>«Select the </a:t>
+            </a:r>
+            <a:r>
+              <a:rPr lang="it-IT" sz="2400" b="1" i="1" dirty="0">
+                <a:latin typeface="Arial" panose="020B0604020202020204" pitchFamily="34" charset="0"/>
+                <a:cs typeface="Arial" panose="020B0604020202020204" pitchFamily="34" charset="0"/>
+              </a:rPr>
+              <a:t>label</a:t>
+            </a:r>
+            <a:r>
+              <a:rPr lang="it-IT" sz="2400" i="1" dirty="0">
+                <a:latin typeface="Arial" panose="020B0604020202020204" pitchFamily="34" charset="0"/>
+                <a:cs typeface="Arial" panose="020B0604020202020204" pitchFamily="34" charset="0"/>
+              </a:rPr>
+              <a:t> </a:t>
+            </a:r>
+            <a:r>
+              <a:rPr lang="it-IT" sz="2400" i="1" dirty="0" err="1">
+                <a:latin typeface="Arial" panose="020B0604020202020204" pitchFamily="34" charset="0"/>
+                <a:cs typeface="Arial" panose="020B0604020202020204" pitchFamily="34" charset="0"/>
+              </a:rPr>
+              <a:t>that</a:t>
+            </a:r>
+            <a:r>
+              <a:rPr lang="it-IT" sz="2400" i="1" dirty="0">
+                <a:latin typeface="Arial" panose="020B0604020202020204" pitchFamily="34" charset="0"/>
+                <a:cs typeface="Arial" panose="020B0604020202020204" pitchFamily="34" charset="0"/>
+              </a:rPr>
+              <a:t> best matches the </a:t>
+            </a:r>
+            <a:r>
+              <a:rPr lang="it-IT" sz="2400" b="1" i="1" dirty="0" err="1">
+                <a:latin typeface="Arial" panose="020B0604020202020204" pitchFamily="34" charset="0"/>
+                <a:cs typeface="Arial" panose="020B0604020202020204" pitchFamily="34" charset="0"/>
+              </a:rPr>
+              <a:t>fribble</a:t>
+            </a:r>
+            <a:r>
+              <a:rPr lang="it-IT" sz="2400" i="1" dirty="0">
+                <a:latin typeface="Arial" panose="020B0604020202020204" pitchFamily="34" charset="0"/>
+                <a:cs typeface="Arial" panose="020B0604020202020204" pitchFamily="34" charset="0"/>
+              </a:rPr>
+              <a:t>»</a:t>
+            </a:r>
+            <a:endParaRPr lang="en-GB" sz="2400" i="1" dirty="0">
+              <a:latin typeface="Arial" panose="020B0604020202020204" pitchFamily="34" charset="0"/>
+              <a:cs typeface="Arial" panose="020B0604020202020204" pitchFamily="34" charset="0"/>
+            </a:endParaRPr>
+          </a:p>
+        </p:txBody>
+      </p:sp>
+      <p:sp>
+        <p:nvSpPr>
+          <p:cNvPr id="49" name="TextBox 48">
+            <a:extLst>
+              <a:ext uri="{FF2B5EF4-FFF2-40B4-BE49-F238E27FC236}">
+                <a16:creationId xmlns:a16="http://schemas.microsoft.com/office/drawing/2014/main" id="{BA6C35AD-BDB9-4A30-AB8F-2453109DAA82}"/>
+              </a:ext>
+            </a:extLst>
+          </p:cNvPr>
+          <p:cNvSpPr txBox="1"/>
+          <p:nvPr/>
+        </p:nvSpPr>
+        <p:spPr>
+          <a:xfrm>
+            <a:off x="5937196" y="3622613"/>
+            <a:ext cx="947859" cy="584775"/>
+          </a:xfrm>
+          <a:prstGeom prst="rect">
+            <a:avLst/>
+          </a:prstGeom>
+          <a:noFill/>
+        </p:spPr>
+        <p:txBody>
+          <a:bodyPr wrap="square" rtlCol="0">
+            <a:spAutoFit/>
+          </a:bodyPr>
+          <a:lstStyle/>
+          <a:p>
+            <a:r>
+              <a:rPr lang="it-IT" sz="3200" dirty="0" err="1">
+                <a:latin typeface="Arial" panose="020B0604020202020204" pitchFamily="34" charset="0"/>
+                <a:cs typeface="Arial" panose="020B0604020202020204" pitchFamily="34" charset="0"/>
+              </a:rPr>
+              <a:t>tob</a:t>
+            </a:r>
+            <a:endParaRPr lang="en-GB" sz="3200" dirty="0">
+              <a:latin typeface="Arial" panose="020B0604020202020204" pitchFamily="34" charset="0"/>
+              <a:cs typeface="Arial" panose="020B0604020202020204" pitchFamily="34" charset="0"/>
+            </a:endParaRPr>
+          </a:p>
+        </p:txBody>
+      </p:sp>
+      <p:sp>
+        <p:nvSpPr>
+          <p:cNvPr id="50" name="TextBox 49">
+            <a:extLst>
+              <a:ext uri="{FF2B5EF4-FFF2-40B4-BE49-F238E27FC236}">
+                <a16:creationId xmlns:a16="http://schemas.microsoft.com/office/drawing/2014/main" id="{7886B644-3652-4FCA-AA75-92C9AA4CA565}"/>
+              </a:ext>
+            </a:extLst>
+          </p:cNvPr>
+          <p:cNvSpPr txBox="1"/>
+          <p:nvPr/>
+        </p:nvSpPr>
+        <p:spPr>
+          <a:xfrm>
+            <a:off x="6781779" y="3593084"/>
+            <a:ext cx="947859" cy="584775"/>
+          </a:xfrm>
+          <a:prstGeom prst="rect">
+            <a:avLst/>
+          </a:prstGeom>
+          <a:noFill/>
+        </p:spPr>
+        <p:txBody>
+          <a:bodyPr wrap="square" rtlCol="0">
+            <a:spAutoFit/>
+          </a:bodyPr>
+          <a:lstStyle/>
+          <a:p>
+            <a:r>
+              <a:rPr lang="it-IT" sz="3200" dirty="0" err="1">
+                <a:latin typeface="Arial" panose="020B0604020202020204" pitchFamily="34" charset="0"/>
+                <a:cs typeface="Arial" panose="020B0604020202020204" pitchFamily="34" charset="0"/>
+              </a:rPr>
+              <a:t>dep</a:t>
+            </a:r>
+            <a:endParaRPr lang="en-GB" sz="3200" dirty="0">
+              <a:latin typeface="Arial" panose="020B0604020202020204" pitchFamily="34" charset="0"/>
+              <a:cs typeface="Arial" panose="020B0604020202020204" pitchFamily="34" charset="0"/>
+            </a:endParaRPr>
+          </a:p>
+        </p:txBody>
+      </p:sp>
+      <p:sp>
+        <p:nvSpPr>
+          <p:cNvPr id="39" name="TextBox 38">
+            <a:extLst>
+              <a:ext uri="{FF2B5EF4-FFF2-40B4-BE49-F238E27FC236}">
+                <a16:creationId xmlns:a16="http://schemas.microsoft.com/office/drawing/2014/main" id="{FF8E033A-DCFA-423E-BB1C-D2E29947BAE0}"/>
+              </a:ext>
+            </a:extLst>
+          </p:cNvPr>
+          <p:cNvSpPr txBox="1"/>
+          <p:nvPr/>
+        </p:nvSpPr>
+        <p:spPr>
+          <a:xfrm>
+            <a:off x="7729638" y="3607285"/>
+            <a:ext cx="947859" cy="584775"/>
+          </a:xfrm>
+          <a:prstGeom prst="rect">
+            <a:avLst/>
+          </a:prstGeom>
+          <a:noFill/>
+        </p:spPr>
+        <p:txBody>
+          <a:bodyPr wrap="square" rtlCol="0">
+            <a:spAutoFit/>
+          </a:bodyPr>
+          <a:lstStyle/>
+          <a:p>
+            <a:r>
+              <a:rPr lang="it-IT" sz="3200" dirty="0" err="1">
+                <a:latin typeface="Arial" panose="020B0604020202020204" pitchFamily="34" charset="0"/>
+                <a:cs typeface="Arial" panose="020B0604020202020204" pitchFamily="34" charset="0"/>
+              </a:rPr>
+              <a:t>bim</a:t>
+            </a:r>
+            <a:endParaRPr lang="en-GB" sz="3200" dirty="0">
+              <a:latin typeface="Arial" panose="020B0604020202020204" pitchFamily="34" charset="0"/>
+              <a:cs typeface="Arial" panose="020B0604020202020204" pitchFamily="34" charset="0"/>
+            </a:endParaRPr>
+          </a:p>
+        </p:txBody>
+      </p:sp>
+      <p:sp>
+        <p:nvSpPr>
+          <p:cNvPr id="41" name="TextBox 40">
+            <a:extLst>
+              <a:ext uri="{FF2B5EF4-FFF2-40B4-BE49-F238E27FC236}">
+                <a16:creationId xmlns:a16="http://schemas.microsoft.com/office/drawing/2014/main" id="{CCA5A24C-B903-4E9F-8068-C1624CAE33BA}"/>
+              </a:ext>
+            </a:extLst>
+          </p:cNvPr>
+          <p:cNvSpPr txBox="1"/>
+          <p:nvPr/>
+        </p:nvSpPr>
+        <p:spPr>
+          <a:xfrm>
+            <a:off x="2667000" y="160039"/>
+            <a:ext cx="6858000" cy="584775"/>
+          </a:xfrm>
+          <a:prstGeom prst="rect">
+            <a:avLst/>
+          </a:prstGeom>
+          <a:noFill/>
+        </p:spPr>
+        <p:txBody>
+          <a:bodyPr wrap="square" rtlCol="0">
+            <a:spAutoFit/>
+          </a:bodyPr>
+          <a:lstStyle/>
+          <a:p>
+            <a:pPr algn="ctr"/>
+            <a:r>
+              <a:rPr lang="en-GB" sz="3200" dirty="0">
+                <a:latin typeface="Arial" panose="020B0604020202020204" pitchFamily="34" charset="0"/>
+                <a:cs typeface="Arial" panose="020B0604020202020204" pitchFamily="34" charset="0"/>
+              </a:rPr>
+              <a:t>2 AFC – 4 labels</a:t>
+            </a:r>
+          </a:p>
+        </p:txBody>
+      </p:sp>
+    </p:spTree>
+    <p:extLst>
+      <p:ext uri="{BB962C8B-B14F-4D97-AF65-F5344CB8AC3E}">
+        <p14:creationId xmlns:p14="http://schemas.microsoft.com/office/powerpoint/2010/main" val="3052417754"/>
       </p:ext>
     </p:extLst>
   </p:cSld>
